--- a/presentations/02_word_vectors.pptx
+++ b/presentations/02_word_vectors.pptx
@@ -5,7 +5,7 @@
     <p:sldMasterId id="2147483648" r:id="rId1"/>
   </p:sldMasterIdLst>
   <p:notesMasterIdLst>
-    <p:notesMasterId r:id="rId21"/>
+    <p:notesMasterId r:id="rId22"/>
   </p:notesMasterIdLst>
   <p:sldIdLst>
     <p:sldId id="326" r:id="rId2"/>
@@ -24,9 +24,10 @@
     <p:sldId id="310" r:id="rId15"/>
     <p:sldId id="308" r:id="rId16"/>
     <p:sldId id="323" r:id="rId17"/>
-    <p:sldId id="329" r:id="rId18"/>
-    <p:sldId id="300" r:id="rId19"/>
-    <p:sldId id="307" r:id="rId20"/>
+    <p:sldId id="327" r:id="rId18"/>
+    <p:sldId id="329" r:id="rId19"/>
+    <p:sldId id="300" r:id="rId20"/>
+    <p:sldId id="307" r:id="rId21"/>
   </p:sldIdLst>
   <p:sldSz cx="12192000" cy="6858000"/>
   <p:notesSz cx="6858000" cy="9144000"/>
@@ -226,7 +227,7 @@
           <a:p>
             <a:fld id="{FD93C9B2-20F6-4DB1-B471-224337D0AC79}" type="datetimeFigureOut">
               <a:rPr lang="en-US" smtClean="0"/>
-              <a:t>3/3/2022</a:t>
+              <a:t>5/25/2022</a:t>
             </a:fld>
             <a:endParaRPr lang="en-US"/>
           </a:p>
@@ -1613,7 +1614,7 @@
                 <a:latin typeface="+mn-lt"/>
                 <a:ea typeface="Calibri" panose="020F0502020204030204" pitchFamily="34" charset="0"/>
               </a:rPr>
-              <a:t>In conclusion, I like the way our resident NLP expert (Eric Stubbs) describes embeddings.  According to him, the essence of embeddings is this:  words that appear closely together are moved closer together in a vector space. When you iterate on that, it moves synonyms close together, because synonyms have the same words around them.  </a:t>
+              <a:t>In conclusion, the essence of embeddings is this:  words that appear closely together are moved closer together in a vector space. When you iterate on that, it moves synonyms close together, because synonyms have the same words around them.  </a:t>
             </a:r>
           </a:p>
           <a:p>
@@ -1649,7 +1650,7 @@
                 <a:latin typeface="+mn-lt"/>
                 <a:ea typeface="Calibri" panose="020F0502020204030204" pitchFamily="34" charset="0"/>
               </a:rPr>
-              <a:t>For example, oranges are Eric’s favorite citrus. Oranges grow on a tree. Grapefruit is also citrus. You can see how processing thousands of sentences like these would create a connection between citrus, orange, and grapefruit. Which would be similar to juice, fruit, tree, etc. All based on word proximity.</a:t>
+              <a:t>For example, grapefruit is my favorite citrus. Grapefruits grow on a tree. The orange is also citrus. Now you can see how processing thousands of sentences like these would create a connection between citrus, orange, and grapefruit.  Just as juice, fruit, and tree are similar. All based on word proximity.</a:t>
             </a:r>
           </a:p>
           <a:p>
@@ -1861,9 +1862,100 @@
               <a:defRPr/>
             </a:pPr>
             <a:r>
-              <a:rPr lang="en-US" dirty="0"/>
-              <a:t>Exercise 4.05 starts on page 197 of the textbook.  For additional information, please watch the exercise 4.05 orientation video.</a:t>
-            </a:r>
+              <a:rPr lang="en-US" sz="1200" dirty="0">
+                <a:solidFill>
+                  <a:schemeClr val="tx1">
+                    <a:lumMod val="65000"/>
+                    <a:lumOff val="35000"/>
+                  </a:schemeClr>
+                </a:solidFill>
+                <a:latin typeface="Palatino Linotype" panose="02040502050505030304" pitchFamily="18" charset="0"/>
+              </a:rPr>
+              <a:t>Our last notebook in this workshop series consists of two exercises.  (You will want to run the code blocks at the start of the notebook before starting the exercises.)</a:t>
+            </a:r>
+          </a:p>
+          <a:p>
+            <a:pPr marL="171450" marR="0" lvl="0" indent="-171450" algn="l" defTabSz="914400" rtl="0" eaLnBrk="1" fontAlgn="auto" latinLnBrk="0" hangingPunct="1">
+              <a:lnSpc>
+                <a:spcPct val="100000"/>
+              </a:lnSpc>
+              <a:spcBef>
+                <a:spcPts val="0"/>
+              </a:spcBef>
+              <a:spcAft>
+                <a:spcPts val="0"/>
+              </a:spcAft>
+              <a:buClrTx/>
+              <a:buSzTx/>
+              <a:buFont typeface="Arial" panose="020B0604020202020204" pitchFamily="34" charset="0"/>
+              <a:buChar char="•"/>
+              <a:tabLst/>
+              <a:defRPr/>
+            </a:pPr>
+            <a:r>
+              <a:rPr lang="en-US" sz="1200" dirty="0">
+                <a:solidFill>
+                  <a:schemeClr val="tx1">
+                    <a:lumMod val="65000"/>
+                    <a:lumOff val="35000"/>
+                  </a:schemeClr>
+                </a:solidFill>
+                <a:latin typeface="Palatino Linotype" panose="02040502050505030304" pitchFamily="18" charset="0"/>
+              </a:rPr>
+              <a:t>4.05 (Vectors for Phrases) – page 201</a:t>
+            </a:r>
+            <a:endParaRPr lang="en-US" dirty="0"/>
+          </a:p>
+          <a:p>
+            <a:pPr marL="171450" marR="0" lvl="0" indent="-171450" algn="l" defTabSz="914400" rtl="0" eaLnBrk="1" fontAlgn="auto" latinLnBrk="0" hangingPunct="1">
+              <a:lnSpc>
+                <a:spcPct val="100000"/>
+              </a:lnSpc>
+              <a:spcBef>
+                <a:spcPts val="0"/>
+              </a:spcBef>
+              <a:spcAft>
+                <a:spcPts val="0"/>
+              </a:spcAft>
+              <a:buClrTx/>
+              <a:buSzTx/>
+              <a:buFont typeface="Arial" panose="020B0604020202020204" pitchFamily="34" charset="0"/>
+              <a:buChar char="•"/>
+              <a:tabLst/>
+              <a:defRPr/>
+            </a:pPr>
+            <a:r>
+              <a:rPr lang="en-US" sz="1200" dirty="0">
+                <a:solidFill>
+                  <a:schemeClr val="tx1">
+                    <a:lumMod val="65000"/>
+                    <a:lumOff val="35000"/>
+                  </a:schemeClr>
+                </a:solidFill>
+                <a:latin typeface="Palatino Linotype" panose="02040502050505030304" pitchFamily="18" charset="0"/>
+              </a:rPr>
+              <a:t>4.06 (Training Word Vectors on Different Datasets) – page 205</a:t>
+            </a:r>
+          </a:p>
+          <a:p>
+            <a:pPr marL="0" marR="0" lvl="0" indent="0" algn="l" defTabSz="914400" rtl="0" eaLnBrk="1" fontAlgn="auto" latinLnBrk="0" hangingPunct="1">
+              <a:lnSpc>
+                <a:spcPct val="100000"/>
+              </a:lnSpc>
+              <a:spcBef>
+                <a:spcPts val="0"/>
+              </a:spcBef>
+              <a:spcAft>
+                <a:spcPts val="0"/>
+              </a:spcAft>
+              <a:buClrTx/>
+              <a:buSzTx/>
+              <a:buFontTx/>
+              <a:buNone/>
+              <a:tabLst/>
+              <a:defRPr/>
+            </a:pPr>
+            <a:endParaRPr lang="en-US" dirty="0"/>
           </a:p>
           <a:p>
             <a:pPr marL="0" marR="0" lvl="0" indent="0" algn="l" defTabSz="914400" rtl="0" eaLnBrk="1" fontAlgn="auto" latinLnBrk="0" hangingPunct="1">
@@ -2034,7 +2126,7 @@
     </p:spTree>
     <p:extLst>
       <p:ext uri="{BB962C8B-B14F-4D97-AF65-F5344CB8AC3E}">
-        <p14:creationId xmlns:p14="http://schemas.microsoft.com/office/powerpoint/2010/main" val="786363220"/>
+        <p14:creationId xmlns:p14="http://schemas.microsoft.com/office/powerpoint/2010/main" val="1974960137"/>
       </p:ext>
     </p:extLst>
   </p:cSld>
@@ -2105,233 +2197,6 @@
               <a:tabLst/>
               <a:defRPr/>
             </a:pPr>
-            <a:r>
-              <a:rPr lang="en-US" b="0" i="0" dirty="0">
-                <a:solidFill>
-                  <a:srgbClr val="292929"/>
-                </a:solidFill>
-                <a:effectLst/>
-                <a:latin typeface="+mn-lt"/>
-              </a:rPr>
-              <a:t>Instead, our objective is to have words with similar context occupy close spatial positions. Mathematically, the cosine of the angle between such vectors should be close to 1, i.e., angle close to 0.  In this image, Po the Panda is ‘good’ while Master Tigress is ‘great’.</a:t>
-            </a:r>
-          </a:p>
-          <a:p>
-            <a:pPr marL="0" marR="0" lvl="0" indent="0" algn="l" defTabSz="914400" rtl="0" eaLnBrk="1" fontAlgn="auto" latinLnBrk="0" hangingPunct="1">
-              <a:lnSpc>
-                <a:spcPct val="100000"/>
-              </a:lnSpc>
-              <a:spcBef>
-                <a:spcPts val="0"/>
-              </a:spcBef>
-              <a:spcAft>
-                <a:spcPts val="0"/>
-              </a:spcAft>
-              <a:buClrTx/>
-              <a:buSzTx/>
-              <a:buFontTx/>
-              <a:buNone/>
-              <a:tabLst/>
-              <a:defRPr/>
-            </a:pPr>
-            <a:endParaRPr lang="en-US" b="0" i="0" dirty="0">
-              <a:solidFill>
-                <a:srgbClr val="292929"/>
-              </a:solidFill>
-              <a:effectLst/>
-              <a:latin typeface="+mn-lt"/>
-            </a:endParaRPr>
-          </a:p>
-          <a:p>
-            <a:pPr marL="0" marR="0" lvl="0" indent="0" algn="l" defTabSz="914400" rtl="0" eaLnBrk="1" fontAlgn="auto" latinLnBrk="0" hangingPunct="1">
-              <a:lnSpc>
-                <a:spcPct val="100000"/>
-              </a:lnSpc>
-              <a:spcBef>
-                <a:spcPts val="0"/>
-              </a:spcBef>
-              <a:spcAft>
-                <a:spcPts val="0"/>
-              </a:spcAft>
-              <a:buClrTx/>
-              <a:buSzTx/>
-              <a:buFontTx/>
-              <a:buNone/>
-              <a:tabLst/>
-              <a:defRPr/>
-            </a:pPr>
-            <a:r>
-              <a:rPr lang="en-US" b="0" i="0" dirty="0">
-                <a:solidFill>
-                  <a:srgbClr val="292929"/>
-                </a:solidFill>
-                <a:effectLst/>
-                <a:latin typeface="+mn-lt"/>
-              </a:rPr>
-              <a:t>In a nutshell, this leads to the idea of generating </a:t>
-            </a:r>
-            <a:r>
-              <a:rPr lang="en-US" b="0" i="1" dirty="0">
-                <a:solidFill>
-                  <a:srgbClr val="292929"/>
-                </a:solidFill>
-                <a:effectLst/>
-                <a:latin typeface="+mn-lt"/>
-              </a:rPr>
-              <a:t>distributed representations</a:t>
-            </a:r>
-            <a:r>
-              <a:rPr lang="en-US" b="0" i="0" dirty="0">
-                <a:solidFill>
-                  <a:srgbClr val="292929"/>
-                </a:solidFill>
-                <a:effectLst/>
-                <a:latin typeface="+mn-lt"/>
-              </a:rPr>
-              <a:t>. Intuitively, we introduce some </a:t>
-            </a:r>
-            <a:r>
-              <a:rPr lang="en-US" b="0" i="1" dirty="0">
-                <a:solidFill>
-                  <a:srgbClr val="292929"/>
-                </a:solidFill>
-                <a:effectLst/>
-                <a:latin typeface="+mn-lt"/>
-              </a:rPr>
-              <a:t>dependence</a:t>
-            </a:r>
-            <a:r>
-              <a:rPr lang="en-US" b="0" i="0" dirty="0">
-                <a:solidFill>
-                  <a:srgbClr val="292929"/>
-                </a:solidFill>
-                <a:effectLst/>
-                <a:latin typeface="+mn-lt"/>
-              </a:rPr>
-              <a:t> of one word on the other words. The words in the context of this word would get a greater share of this </a:t>
-            </a:r>
-            <a:r>
-              <a:rPr lang="en-US" b="0" i="1" dirty="0">
-                <a:solidFill>
-                  <a:srgbClr val="292929"/>
-                </a:solidFill>
-                <a:effectLst/>
-                <a:latin typeface="+mn-lt"/>
-              </a:rPr>
-              <a:t>dependence.  </a:t>
-            </a:r>
-            <a:r>
-              <a:rPr lang="en-US" b="0" i="0" dirty="0">
-                <a:solidFill>
-                  <a:srgbClr val="292929"/>
-                </a:solidFill>
-                <a:effectLst/>
-                <a:latin typeface="+mn-lt"/>
-              </a:rPr>
-              <a:t>In one hot encoding representations, all the words are independent of each other</a:t>
-            </a:r>
-            <a:r>
-              <a:rPr lang="en-US" b="0" i="1" dirty="0">
-                <a:solidFill>
-                  <a:srgbClr val="292929"/>
-                </a:solidFill>
-                <a:effectLst/>
-                <a:latin typeface="+mn-lt"/>
-              </a:rPr>
-              <a:t>, </a:t>
-            </a:r>
-            <a:r>
-              <a:rPr lang="en-US" b="0" i="0" dirty="0">
-                <a:solidFill>
-                  <a:srgbClr val="292929"/>
-                </a:solidFill>
-                <a:effectLst/>
-                <a:latin typeface="+mn-lt"/>
-              </a:rPr>
-              <a:t>as mentioned earlier.  The goal is to generate an </a:t>
-            </a:r>
-            <a:r>
-              <a:rPr lang="en-US" b="1" i="0" dirty="0">
-                <a:solidFill>
-                  <a:srgbClr val="292929"/>
-                </a:solidFill>
-                <a:effectLst/>
-                <a:latin typeface="+mn-lt"/>
-              </a:rPr>
-              <a:t>embedding </a:t>
-            </a:r>
-            <a:r>
-              <a:rPr lang="en-US" b="0" i="0" dirty="0">
-                <a:solidFill>
-                  <a:srgbClr val="292929"/>
-                </a:solidFill>
-                <a:effectLst/>
-                <a:latin typeface="+mn-lt"/>
-              </a:rPr>
-              <a:t>for each word in a vocabulary, a unique location in a multi-dimensional space which captures its relationship to other words in that vocabulary.</a:t>
-            </a:r>
-            <a:endParaRPr lang="en-US" b="1" i="0" dirty="0">
-              <a:solidFill>
-                <a:srgbClr val="292929"/>
-              </a:solidFill>
-              <a:effectLst/>
-              <a:latin typeface="+mn-lt"/>
-            </a:endParaRPr>
-          </a:p>
-          <a:p>
-            <a:pPr marL="0" marR="0" lvl="0" indent="0" algn="l" defTabSz="914400" rtl="0" eaLnBrk="1" fontAlgn="auto" latinLnBrk="0" hangingPunct="1">
-              <a:lnSpc>
-                <a:spcPct val="100000"/>
-              </a:lnSpc>
-              <a:spcBef>
-                <a:spcPts val="0"/>
-              </a:spcBef>
-              <a:spcAft>
-                <a:spcPts val="0"/>
-              </a:spcAft>
-              <a:buClrTx/>
-              <a:buSzTx/>
-              <a:buFontTx/>
-              <a:buNone/>
-              <a:tabLst/>
-              <a:defRPr/>
-            </a:pPr>
-            <a:endParaRPr lang="en-US" b="0" i="0" dirty="0">
-              <a:solidFill>
-                <a:srgbClr val="292929"/>
-              </a:solidFill>
-              <a:effectLst/>
-              <a:latin typeface="charter"/>
-            </a:endParaRPr>
-          </a:p>
-          <a:p>
-            <a:pPr marL="0" marR="0" lvl="0" indent="0" algn="l" defTabSz="914400" rtl="0" eaLnBrk="1" fontAlgn="auto" latinLnBrk="0" hangingPunct="1">
-              <a:lnSpc>
-                <a:spcPct val="100000"/>
-              </a:lnSpc>
-              <a:spcBef>
-                <a:spcPts val="0"/>
-              </a:spcBef>
-              <a:spcAft>
-                <a:spcPts val="0"/>
-              </a:spcAft>
-              <a:buClrTx/>
-              <a:buSzTx/>
-              <a:buFontTx/>
-              <a:buNone/>
-              <a:tabLst/>
-              <a:defRPr/>
-            </a:pPr>
-            <a:endParaRPr lang="en-US" b="0" i="0" dirty="0">
-              <a:solidFill>
-                <a:srgbClr val="292929"/>
-              </a:solidFill>
-              <a:effectLst/>
-              <a:latin typeface="charter"/>
-            </a:endParaRPr>
-          </a:p>
-          <a:p>
-            <a:pPr algn="l"/>
             <a:endParaRPr lang="en-US" dirty="0"/>
           </a:p>
         </p:txBody>
@@ -2362,7 +2227,7 @@
     </p:spTree>
     <p:extLst>
       <p:ext uri="{BB962C8B-B14F-4D97-AF65-F5344CB8AC3E}">
-        <p14:creationId xmlns:p14="http://schemas.microsoft.com/office/powerpoint/2010/main" val="1453454417"/>
+        <p14:creationId xmlns:p14="http://schemas.microsoft.com/office/powerpoint/2010/main" val="786363220"/>
       </p:ext>
     </p:extLst>
   </p:cSld>
@@ -2416,153 +2281,247 @@
           <a:bodyPr/>
           <a:lstStyle/>
           <a:p>
-            <a:pPr algn="l"/>
-            <a:r>
-              <a:rPr lang="en-US" dirty="0">
-                <a:latin typeface="+mn-lt"/>
-              </a:rPr>
-              <a:t>In our last slide, the idea of a word’s unique location in a multi-dimensional space was mentioned.  Let’s make that idea concrete.</a:t>
-            </a:r>
-          </a:p>
-          <a:p>
-            <a:pPr algn="l"/>
-            <a:endParaRPr lang="en-US" dirty="0">
-              <a:latin typeface="+mn-lt"/>
-            </a:endParaRPr>
-          </a:p>
-          <a:p>
-            <a:pPr algn="l"/>
-            <a:r>
-              <a:rPr lang="en-US" dirty="0">
-                <a:latin typeface="+mn-lt"/>
-              </a:rPr>
-              <a:t>Suppose we were to look at characters from the Jane Austen novel Pride and Prejudice, considering the dimensions of gender and nobility. We could plot the former on the x-axis and the latter on the y-axis, with the length of the vector denoting each character’s wealth.</a:t>
-            </a:r>
-          </a:p>
-          <a:p>
-            <a:pPr algn="l"/>
-            <a:endParaRPr lang="en-US" dirty="0">
-              <a:latin typeface="+mn-lt"/>
-            </a:endParaRPr>
-          </a:p>
-          <a:p>
-            <a:pPr algn="l" fontAlgn="base"/>
+            <a:pPr marL="0" marR="0" lvl="0" indent="0" algn="l" defTabSz="914400" rtl="0" eaLnBrk="1" fontAlgn="auto" latinLnBrk="0" hangingPunct="1">
+              <a:lnSpc>
+                <a:spcPct val="100000"/>
+              </a:lnSpc>
+              <a:spcBef>
+                <a:spcPts val="0"/>
+              </a:spcBef>
+              <a:spcAft>
+                <a:spcPts val="0"/>
+              </a:spcAft>
+              <a:buClrTx/>
+              <a:buSzTx/>
+              <a:buFontTx/>
+              <a:buNone/>
+              <a:tabLst/>
+              <a:defRPr/>
+            </a:pPr>
             <a:r>
               <a:rPr lang="en-US" b="0" i="0" dirty="0">
                 <a:solidFill>
-                  <a:srgbClr val="3D3B49"/>
+                  <a:srgbClr val="292929"/>
                 </a:solidFill>
                 <a:effectLst/>
                 <a:latin typeface="+mn-lt"/>
               </a:rPr>
-              <a:t>From an inspection of the graph, you can derive a fair amount of information about each character. Three of them are male. Mr. Darcy is extremely wealthy, but his nobility isn’t clear (he’s called “Mister,” unlike the less wealthy but apparently more noble Sir William Lucas). The other “Mister,” Mr. Bennet, is clearly not nobility and is struggling financially. Elizabeth Bennet, his daughter, is similar to him, but female. Lady Catherine, the other female character in our example, is nobility and incredibly wealthy. The romance between Mr. Darcy and Elizabeth causes tension—</a:t>
-            </a:r>
-            <a:r>
-              <a:rPr lang="en-US" b="0" i="1" dirty="0">
-                <a:solidFill>
-                  <a:srgbClr val="3D3B49"/>
-                </a:solidFill>
-                <a:effectLst/>
-                <a:latin typeface="+mn-lt"/>
-              </a:rPr>
-              <a:t>prejudice</a:t>
-            </a:r>
-            <a:r>
-              <a:rPr lang="en-US" b="0" i="0" dirty="0">
-                <a:solidFill>
-                  <a:srgbClr val="3D3B49"/>
-                </a:solidFill>
-                <a:effectLst/>
-                <a:latin typeface="+mn-lt"/>
-              </a:rPr>
-              <a:t> coming from the noble side of the vectors toward the less-noble.</a:t>
-            </a:r>
-          </a:p>
-          <a:p>
-            <a:pPr algn="l" fontAlgn="base"/>
+              <a:t>Instead, our objective is to have words with similar context occupy close spatial positions. Mathematically, the cosine of the angle between such vectors should be close to 1, i.e., angle close to 0.  In this image, Po the Panda is ‘good’ while Master Tigress is ‘great’.</a:t>
+            </a:r>
+          </a:p>
+          <a:p>
+            <a:pPr marL="0" marR="0" lvl="0" indent="0" algn="l" defTabSz="914400" rtl="0" eaLnBrk="1" fontAlgn="auto" latinLnBrk="0" hangingPunct="1">
+              <a:lnSpc>
+                <a:spcPct val="100000"/>
+              </a:lnSpc>
+              <a:spcBef>
+                <a:spcPts val="0"/>
+              </a:spcBef>
+              <a:spcAft>
+                <a:spcPts val="0"/>
+              </a:spcAft>
+              <a:buClrTx/>
+              <a:buSzTx/>
+              <a:buFontTx/>
+              <a:buNone/>
+              <a:tabLst/>
+              <a:defRPr/>
+            </a:pPr>
             <a:endParaRPr lang="en-US" b="0" i="0" dirty="0">
               <a:solidFill>
-                <a:srgbClr val="3D3B49"/>
+                <a:srgbClr val="292929"/>
               </a:solidFill>
               <a:effectLst/>
               <a:latin typeface="+mn-lt"/>
             </a:endParaRPr>
           </a:p>
           <a:p>
-            <a:pPr algn="l" fontAlgn="base"/>
+            <a:pPr marL="0" marR="0" lvl="0" indent="0" algn="l" defTabSz="914400" rtl="0" eaLnBrk="1" fontAlgn="auto" latinLnBrk="0" hangingPunct="1">
+              <a:lnSpc>
+                <a:spcPct val="100000"/>
+              </a:lnSpc>
+              <a:spcBef>
+                <a:spcPts val="0"/>
+              </a:spcBef>
+              <a:spcAft>
+                <a:spcPts val="0"/>
+              </a:spcAft>
+              <a:buClrTx/>
+              <a:buSzTx/>
+              <a:buFontTx/>
+              <a:buNone/>
+              <a:tabLst/>
+              <a:defRPr/>
+            </a:pPr>
             <a:r>
               <a:rPr lang="en-US" b="0" i="0" dirty="0">
                 <a:solidFill>
-                  <a:srgbClr val="3D3B49"/>
+                  <a:srgbClr val="292929"/>
                 </a:solidFill>
                 <a:effectLst/>
                 <a:latin typeface="+mn-lt"/>
               </a:rPr>
-              <a:t>As this example shows, by considering multiple dimensions we can begin to see real meaning in the words (in this case, character names). Again, we’re not talking about concrete definitions, but more a </a:t>
+              <a:t>In a nutshell, this leads to the idea of generating </a:t>
             </a:r>
             <a:r>
               <a:rPr lang="en-US" b="0" i="1" dirty="0">
                 <a:solidFill>
-                  <a:srgbClr val="3D3B49"/>
+                  <a:srgbClr val="292929"/>
                 </a:solidFill>
                 <a:effectLst/>
                 <a:latin typeface="+mn-lt"/>
               </a:rPr>
-              <a:t>relative</a:t>
+              <a:t>distributed representations</a:t>
             </a:r>
             <a:r>
               <a:rPr lang="en-US" b="0" i="0" dirty="0">
                 <a:solidFill>
-                  <a:srgbClr val="3D3B49"/>
+                  <a:srgbClr val="292929"/>
                 </a:solidFill>
                 <a:effectLst/>
                 <a:latin typeface="+mn-lt"/>
               </a:rPr>
-              <a:t> meaning based on the axes and the relation between the vector for one word and the other vectors.</a:t>
-            </a:r>
-          </a:p>
-          <a:p>
-            <a:pPr algn="l" fontAlgn="base"/>
-            <a:endParaRPr lang="en-US" b="0" i="0" dirty="0">
+              <a:t>. Intuitively, we introduce some </a:t>
+            </a:r>
+            <a:r>
+              <a:rPr lang="en-US" b="0" i="1" dirty="0">
+                <a:solidFill>
+                  <a:srgbClr val="292929"/>
+                </a:solidFill>
+                <a:effectLst/>
+                <a:latin typeface="+mn-lt"/>
+              </a:rPr>
+              <a:t>dependence</a:t>
+            </a:r>
+            <a:r>
+              <a:rPr lang="en-US" b="0" i="0" dirty="0">
+                <a:solidFill>
+                  <a:srgbClr val="292929"/>
+                </a:solidFill>
+                <a:effectLst/>
+                <a:latin typeface="+mn-lt"/>
+              </a:rPr>
+              <a:t> of one word on the other words. The words in the context of this word would get a greater share of this </a:t>
+            </a:r>
+            <a:r>
+              <a:rPr lang="en-US" b="0" i="1" dirty="0">
+                <a:solidFill>
+                  <a:srgbClr val="292929"/>
+                </a:solidFill>
+                <a:effectLst/>
+                <a:latin typeface="+mn-lt"/>
+              </a:rPr>
+              <a:t>dependence.  </a:t>
+            </a:r>
+            <a:r>
+              <a:rPr lang="en-US" b="0" i="0" dirty="0">
+                <a:solidFill>
+                  <a:srgbClr val="292929"/>
+                </a:solidFill>
+                <a:effectLst/>
+                <a:latin typeface="+mn-lt"/>
+              </a:rPr>
+              <a:t>In one hot encoding representations, all the words are independent of each other</a:t>
+            </a:r>
+            <a:r>
+              <a:rPr lang="en-US" b="0" i="1" dirty="0">
+                <a:solidFill>
+                  <a:srgbClr val="292929"/>
+                </a:solidFill>
+                <a:effectLst/>
+                <a:latin typeface="+mn-lt"/>
+              </a:rPr>
+              <a:t>, </a:t>
+            </a:r>
+            <a:r>
+              <a:rPr lang="en-US" b="0" i="0" dirty="0">
+                <a:solidFill>
+                  <a:srgbClr val="292929"/>
+                </a:solidFill>
+                <a:effectLst/>
+                <a:latin typeface="+mn-lt"/>
+              </a:rPr>
+              <a:t>as mentioned earlier.  The goal is to generate an </a:t>
+            </a:r>
+            <a:r>
+              <a:rPr lang="en-US" b="1" i="0" dirty="0">
+                <a:solidFill>
+                  <a:srgbClr val="292929"/>
+                </a:solidFill>
+                <a:effectLst/>
+                <a:latin typeface="+mn-lt"/>
+              </a:rPr>
+              <a:t>embedding </a:t>
+            </a:r>
+            <a:r>
+              <a:rPr lang="en-US" b="0" i="0" dirty="0">
+                <a:solidFill>
+                  <a:srgbClr val="292929"/>
+                </a:solidFill>
+                <a:effectLst/>
+                <a:latin typeface="+mn-lt"/>
+              </a:rPr>
+              <a:t>for each word in a vocabulary, a unique location in a multi-dimensional space which captures its relationship to other words in that vocabulary.</a:t>
+            </a:r>
+            <a:endParaRPr lang="en-US" b="1" i="0" dirty="0">
               <a:solidFill>
-                <a:srgbClr val="3D3B49"/>
+                <a:srgbClr val="292929"/>
               </a:solidFill>
               <a:effectLst/>
               <a:latin typeface="+mn-lt"/>
             </a:endParaRPr>
           </a:p>
           <a:p>
-            <a:pPr algn="l" fontAlgn="base"/>
-            <a:r>
-              <a:rPr lang="en-US" b="0" i="0" dirty="0">
-                <a:solidFill>
-                  <a:srgbClr val="3D3B49"/>
-                </a:solidFill>
-                <a:effectLst/>
-                <a:latin typeface="+mn-lt"/>
-              </a:rPr>
-              <a:t>This leads us to the concept of an </a:t>
-            </a:r>
-            <a:r>
-              <a:rPr lang="en-US" b="0" i="1" dirty="0">
-                <a:solidFill>
-                  <a:srgbClr val="3D3B49"/>
-                </a:solidFill>
-                <a:effectLst/>
-                <a:latin typeface="+mn-lt"/>
-              </a:rPr>
-              <a:t>embedding</a:t>
-            </a:r>
-            <a:r>
-              <a:rPr lang="en-US" b="0" i="0" dirty="0">
-                <a:solidFill>
-                  <a:srgbClr val="3D3B49"/>
-                </a:solidFill>
-                <a:effectLst/>
-                <a:latin typeface="+mn-lt"/>
-              </a:rPr>
-              <a:t>, which is simply a vector representation of a word that is learned while training a neural network.</a:t>
-            </a:r>
+            <a:pPr marL="0" marR="0" lvl="0" indent="0" algn="l" defTabSz="914400" rtl="0" eaLnBrk="1" fontAlgn="auto" latinLnBrk="0" hangingPunct="1">
+              <a:lnSpc>
+                <a:spcPct val="100000"/>
+              </a:lnSpc>
+              <a:spcBef>
+                <a:spcPts val="0"/>
+              </a:spcBef>
+              <a:spcAft>
+                <a:spcPts val="0"/>
+              </a:spcAft>
+              <a:buClrTx/>
+              <a:buSzTx/>
+              <a:buFontTx/>
+              <a:buNone/>
+              <a:tabLst/>
+              <a:defRPr/>
+            </a:pPr>
+            <a:endParaRPr lang="en-US" b="0" i="0" dirty="0">
+              <a:solidFill>
+                <a:srgbClr val="292929"/>
+              </a:solidFill>
+              <a:effectLst/>
+              <a:latin typeface="charter"/>
+            </a:endParaRPr>
+          </a:p>
+          <a:p>
+            <a:pPr marL="0" marR="0" lvl="0" indent="0" algn="l" defTabSz="914400" rtl="0" eaLnBrk="1" fontAlgn="auto" latinLnBrk="0" hangingPunct="1">
+              <a:lnSpc>
+                <a:spcPct val="100000"/>
+              </a:lnSpc>
+              <a:spcBef>
+                <a:spcPts val="0"/>
+              </a:spcBef>
+              <a:spcAft>
+                <a:spcPts val="0"/>
+              </a:spcAft>
+              <a:buClrTx/>
+              <a:buSzTx/>
+              <a:buFontTx/>
+              <a:buNone/>
+              <a:tabLst/>
+              <a:defRPr/>
+            </a:pPr>
+            <a:endParaRPr lang="en-US" b="0" i="0" dirty="0">
+              <a:solidFill>
+                <a:srgbClr val="292929"/>
+              </a:solidFill>
+              <a:effectLst/>
+              <a:latin typeface="charter"/>
+            </a:endParaRPr>
           </a:p>
           <a:p>
             <a:pPr algn="l"/>
@@ -2596,7 +2555,7 @@
     </p:spTree>
     <p:extLst>
       <p:ext uri="{BB962C8B-B14F-4D97-AF65-F5344CB8AC3E}">
-        <p14:creationId xmlns:p14="http://schemas.microsoft.com/office/powerpoint/2010/main" val="3233543093"/>
+        <p14:creationId xmlns:p14="http://schemas.microsoft.com/office/powerpoint/2010/main" val="1453454417"/>
       </p:ext>
     </p:extLst>
   </p:cSld>
@@ -2729,6 +2688,240 @@
 </p:notes>
 </file>
 
+<file path=ppt/notesSlides/notesSlide20.xml><?xml version="1.0" encoding="utf-8"?>
+<p:notes xmlns:a="http://schemas.openxmlformats.org/drawingml/2006/main" xmlns:r="http://schemas.openxmlformats.org/officeDocument/2006/relationships" xmlns:p="http://schemas.openxmlformats.org/presentationml/2006/main">
+  <p:cSld>
+    <p:spTree>
+      <p:nvGrpSpPr>
+        <p:cNvPr id="1" name=""/>
+        <p:cNvGrpSpPr/>
+        <p:nvPr/>
+      </p:nvGrpSpPr>
+      <p:grpSpPr>
+        <a:xfrm>
+          <a:off x="0" y="0"/>
+          <a:ext cx="0" cy="0"/>
+          <a:chOff x="0" y="0"/>
+          <a:chExt cx="0" cy="0"/>
+        </a:xfrm>
+      </p:grpSpPr>
+      <p:sp>
+        <p:nvSpPr>
+          <p:cNvPr id="2" name="Slide Image Placeholder 1"/>
+          <p:cNvSpPr>
+            <a:spLocks noGrp="1" noRot="1" noChangeAspect="1"/>
+          </p:cNvSpPr>
+          <p:nvPr>
+            <p:ph type="sldImg"/>
+          </p:nvPr>
+        </p:nvSpPr>
+        <p:spPr/>
+      </p:sp>
+      <p:sp>
+        <p:nvSpPr>
+          <p:cNvPr id="3" name="Notes Placeholder 2"/>
+          <p:cNvSpPr>
+            <a:spLocks noGrp="1"/>
+          </p:cNvSpPr>
+          <p:nvPr>
+            <p:ph type="body" idx="1"/>
+          </p:nvPr>
+        </p:nvSpPr>
+        <p:spPr/>
+        <p:txBody>
+          <a:bodyPr/>
+          <a:lstStyle/>
+          <a:p>
+            <a:pPr algn="l"/>
+            <a:r>
+              <a:rPr lang="en-US" dirty="0">
+                <a:latin typeface="+mn-lt"/>
+              </a:rPr>
+              <a:t>In our last slide, the idea of a word’s unique location in a multi-dimensional space was mentioned.  Let’s make that idea concrete.</a:t>
+            </a:r>
+          </a:p>
+          <a:p>
+            <a:pPr algn="l"/>
+            <a:endParaRPr lang="en-US" dirty="0">
+              <a:latin typeface="+mn-lt"/>
+            </a:endParaRPr>
+          </a:p>
+          <a:p>
+            <a:pPr algn="l"/>
+            <a:r>
+              <a:rPr lang="en-US" dirty="0">
+                <a:latin typeface="+mn-lt"/>
+              </a:rPr>
+              <a:t>Suppose we were to look at characters from the Jane Austen novel Pride and Prejudice, considering the dimensions of gender and nobility. We could plot the former on the x-axis and the latter on the y-axis, with the length of the vector denoting each character’s wealth.</a:t>
+            </a:r>
+          </a:p>
+          <a:p>
+            <a:pPr algn="l"/>
+            <a:endParaRPr lang="en-US" dirty="0">
+              <a:latin typeface="+mn-lt"/>
+            </a:endParaRPr>
+          </a:p>
+          <a:p>
+            <a:pPr algn="l" fontAlgn="base"/>
+            <a:r>
+              <a:rPr lang="en-US" b="0" i="0" dirty="0">
+                <a:solidFill>
+                  <a:srgbClr val="3D3B49"/>
+                </a:solidFill>
+                <a:effectLst/>
+                <a:latin typeface="+mn-lt"/>
+              </a:rPr>
+              <a:t>From an inspection of the graph, you can derive a fair amount of information about each character. Three of them are male. Mr. Darcy is extremely wealthy, but his nobility isn’t clear (he’s called “Mister,” unlike the less wealthy but apparently more noble Sir William Lucas). The other “Mister,” Mr. Bennet, is clearly not nobility and is struggling financially. Elizabeth Bennet, his daughter, is similar to him, but female. Lady Catherine, the other female character in our example, is nobility and incredibly wealthy. The romance between Mr. Darcy and Elizabeth causes tension—</a:t>
+            </a:r>
+            <a:r>
+              <a:rPr lang="en-US" b="0" i="1" dirty="0">
+                <a:solidFill>
+                  <a:srgbClr val="3D3B49"/>
+                </a:solidFill>
+                <a:effectLst/>
+                <a:latin typeface="+mn-lt"/>
+              </a:rPr>
+              <a:t>prejudice</a:t>
+            </a:r>
+            <a:r>
+              <a:rPr lang="en-US" b="0" i="0" dirty="0">
+                <a:solidFill>
+                  <a:srgbClr val="3D3B49"/>
+                </a:solidFill>
+                <a:effectLst/>
+                <a:latin typeface="+mn-lt"/>
+              </a:rPr>
+              <a:t> coming from the noble side of the vectors toward the less-noble.</a:t>
+            </a:r>
+          </a:p>
+          <a:p>
+            <a:pPr algn="l" fontAlgn="base"/>
+            <a:endParaRPr lang="en-US" b="0" i="0" dirty="0">
+              <a:solidFill>
+                <a:srgbClr val="3D3B49"/>
+              </a:solidFill>
+              <a:effectLst/>
+              <a:latin typeface="+mn-lt"/>
+            </a:endParaRPr>
+          </a:p>
+          <a:p>
+            <a:pPr algn="l" fontAlgn="base"/>
+            <a:r>
+              <a:rPr lang="en-US" b="0" i="0" dirty="0">
+                <a:solidFill>
+                  <a:srgbClr val="3D3B49"/>
+                </a:solidFill>
+                <a:effectLst/>
+                <a:latin typeface="+mn-lt"/>
+              </a:rPr>
+              <a:t>As this example shows, by considering multiple dimensions we can begin to see real meaning in the words (in this case, character names). Again, we’re not talking about concrete definitions, but more a </a:t>
+            </a:r>
+            <a:r>
+              <a:rPr lang="en-US" b="0" i="1" dirty="0">
+                <a:solidFill>
+                  <a:srgbClr val="3D3B49"/>
+                </a:solidFill>
+                <a:effectLst/>
+                <a:latin typeface="+mn-lt"/>
+              </a:rPr>
+              <a:t>relative</a:t>
+            </a:r>
+            <a:r>
+              <a:rPr lang="en-US" b="0" i="0" dirty="0">
+                <a:solidFill>
+                  <a:srgbClr val="3D3B49"/>
+                </a:solidFill>
+                <a:effectLst/>
+                <a:latin typeface="+mn-lt"/>
+              </a:rPr>
+              <a:t> meaning based on the axes and the relation between the vector for one word and the other vectors.</a:t>
+            </a:r>
+          </a:p>
+          <a:p>
+            <a:pPr algn="l" fontAlgn="base"/>
+            <a:endParaRPr lang="en-US" b="0" i="0" dirty="0">
+              <a:solidFill>
+                <a:srgbClr val="3D3B49"/>
+              </a:solidFill>
+              <a:effectLst/>
+              <a:latin typeface="+mn-lt"/>
+            </a:endParaRPr>
+          </a:p>
+          <a:p>
+            <a:pPr algn="l" fontAlgn="base"/>
+            <a:r>
+              <a:rPr lang="en-US" b="0" i="0" dirty="0">
+                <a:solidFill>
+                  <a:srgbClr val="3D3B49"/>
+                </a:solidFill>
+                <a:effectLst/>
+                <a:latin typeface="+mn-lt"/>
+              </a:rPr>
+              <a:t>This leads us to the concept of an </a:t>
+            </a:r>
+            <a:r>
+              <a:rPr lang="en-US" b="0" i="1" dirty="0">
+                <a:solidFill>
+                  <a:srgbClr val="3D3B49"/>
+                </a:solidFill>
+                <a:effectLst/>
+                <a:latin typeface="+mn-lt"/>
+              </a:rPr>
+              <a:t>embedding</a:t>
+            </a:r>
+            <a:r>
+              <a:rPr lang="en-US" b="0" i="0" dirty="0">
+                <a:solidFill>
+                  <a:srgbClr val="3D3B49"/>
+                </a:solidFill>
+                <a:effectLst/>
+                <a:latin typeface="+mn-lt"/>
+              </a:rPr>
+              <a:t>, which is simply a vector representation of a word that is learned while training a neural network.</a:t>
+            </a:r>
+          </a:p>
+          <a:p>
+            <a:pPr algn="l"/>
+            <a:endParaRPr lang="en-US" dirty="0"/>
+          </a:p>
+        </p:txBody>
+      </p:sp>
+      <p:sp>
+        <p:nvSpPr>
+          <p:cNvPr id="4" name="Slide Number Placeholder 3"/>
+          <p:cNvSpPr>
+            <a:spLocks noGrp="1"/>
+          </p:cNvSpPr>
+          <p:nvPr>
+            <p:ph type="sldNum" sz="quarter" idx="5"/>
+          </p:nvPr>
+        </p:nvSpPr>
+        <p:spPr/>
+        <p:txBody>
+          <a:bodyPr/>
+          <a:lstStyle/>
+          <a:p>
+            <a:fld id="{3148858F-F1DB-4027-9C85-CCA6849540DD}" type="slidenum">
+              <a:rPr lang="en-US" smtClean="0"/>
+              <a:t>20</a:t>
+            </a:fld>
+            <a:endParaRPr lang="en-US"/>
+          </a:p>
+        </p:txBody>
+      </p:sp>
+    </p:spTree>
+    <p:extLst>
+      <p:ext uri="{BB962C8B-B14F-4D97-AF65-F5344CB8AC3E}">
+        <p14:creationId xmlns:p14="http://schemas.microsoft.com/office/powerpoint/2010/main" val="3233543093"/>
+      </p:ext>
+    </p:extLst>
+  </p:cSld>
+  <p:clrMapOvr>
+    <a:masterClrMapping/>
+  </p:clrMapOvr>
+</p:notes>
+</file>
+
 <file path=ppt/notesSlides/notesSlide3.xml><?xml version="1.0" encoding="utf-8"?>
 <p:notes xmlns:a="http://schemas.openxmlformats.org/drawingml/2006/main" xmlns:r="http://schemas.openxmlformats.org/officeDocument/2006/relationships" xmlns:p="http://schemas.openxmlformats.org/presentationml/2006/main">
   <p:cSld>
@@ -2812,7 +3005,7 @@
                 <a:effectLst/>
                 <a:latin typeface="+mn-lt"/>
               </a:rPr>
-              <a:t>when we use it on the more general idea of a token) is a bit abstract.  So, let’s begin with a concrete example.</a:t>
+              <a:t>when we use it on the more general idea of a token) is a bit abstract.  So, let’s begin with a concrete story.</a:t>
             </a:r>
           </a:p>
           <a:p>
@@ -2835,7 +3028,7 @@
                 <a:effectLst/>
                 <a:latin typeface="+mn-lt"/>
               </a:rPr>
-              <a:t>Suppose that you work as an animal wrangler on a movie with a tempestuous director. Today you’re filming a sequence where the human heroes are chased by some animals. The director asks you for a list of animals you can provide in sufficient numbers to produce a scary chase. You call your office, they prepare the list, and they even arrange those animals into a chart, where the horizontal axis represents each adult animal’s average top speed and the vertical axis represents its average weight, as shown here.</a:t>
+              <a:t>Now imagine you work as an animal wrangler on a movie with a tempestuous director. Today you’re filming a sequence where the human heroes are chased by some animals. The director asks you for a list of animals you can provide to produce a scary chase.  You call your office, and the staff send you a chart of available animals, with the horizontal axis representing each adult animal’s average top speed and the vertical axis representing its average weight.</a:t>
             </a:r>
           </a:p>
           <a:p>
@@ -2858,7 +3051,7 @@
                 <a:effectLst/>
                 <a:latin typeface="+mn-lt"/>
               </a:rPr>
-              <a:t>But due to a printer error, the chart your office sent you is missing the labels on the axes, so you have the chart with the animals laid out in 2D, but you don’t know what the axes mean.</a:t>
+              <a:t>But due to a printer error, the chart is missing the labels on the axes, so you have an image of the animals laid out in 2D but you don’t know what the axes mean.</a:t>
             </a:r>
           </a:p>
           <a:p>
@@ -2881,27 +3074,7 @@
                 <a:effectLst/>
                 <a:latin typeface="+mn-lt"/>
               </a:rPr>
-              <a:t>The director doesn’t even look at the chart. “Horses,” she says, “I want horses. They’re exactly what I want and will be perfect and nothing else will do.” So, you bring in the horses, and they rehearse the scene.  Unfortunately, the director is unhappy. “No, no, no!” she says. “The horses are too twitchy and quick. They’re like foxes. Give me horses that are less </a:t>
-            </a:r>
-            <a:r>
-              <a:rPr lang="en-US" b="0" i="0" dirty="0" err="1">
-                <a:solidFill>
-                  <a:srgbClr val="292929"/>
-                </a:solidFill>
-                <a:effectLst/>
-                <a:latin typeface="+mn-lt"/>
-              </a:rPr>
-              <a:t>fox-like</a:t>
-            </a:r>
-            <a:r>
-              <a:rPr lang="en-US" b="0" i="0" dirty="0">
-                <a:solidFill>
-                  <a:srgbClr val="292929"/>
-                </a:solidFill>
-                <a:effectLst/>
-                <a:latin typeface="+mn-lt"/>
-              </a:rPr>
-              <a:t>.”</a:t>
+              <a:t>The director doesn’t even look at the chart. “Horses,” she says, “I want horses!” So, you bring in the horses, and they rehearse the scene.  But the director is unhappy. “No, no, no!” she says. “The horses are too twitchy and quick. They’re like foxes. Give me horses that are less foxlike.”</a:t>
             </a:r>
           </a:p>
           <a:p>
@@ -3817,7 +3990,7 @@
             </a:pPr>
             <a:r>
               <a:rPr lang="en-US" dirty="0"/>
-              <a:t>The embedder works out for itself how to construct the space and find the coordinates of each word so that it’s near similar words. For example, if it sees a lot of sentences that begin with, I just drank some, then whatever noun comes next is interpreted as some kind of drink, and it is placed near other kinds of drinks. If it sees I just ate a red, then whatever comes next is interpreted as something that’s red and edible, and it is placed near other things that are red and near other things that are edible. The same thing is true of dozens or even hundreds of other relationships, both obvious and subtle. Because the space has so many dimensions and the axes can have arbitrarily complex meanings, words can belong simultaneously to many clusters based on seemingly unrelated characteristics.</a:t>
+              <a:t>The embedder works out for itself how to construct the space and find the coordinates of each word so that it’s near similar words. For example, if it sees a lot of sentences that begin with, I just drank some _____, then whatever noun comes next is interpreted as a drink of some sort, and it is placed near other kinds of drinks. If it sees I just ate a red _____, then whatever comes next is interpreted as something that’s red and edible, and it is placed near other things that are red and near other things that are edible. The same thing is true of dozens or even hundreds of other relationships, both obvious and subtle. Because the space has so many dimensions and the axes can have arbitrarily complex meanings, words can belong simultaneously to many clusters based on seemingly unrelated characteristics.</a:t>
             </a:r>
           </a:p>
           <a:p>
@@ -4138,7 +4311,7 @@
                 <a:effectLst/>
                 <a:latin typeface="+mn-lt"/>
               </a:rPr>
-              <a:t>Okay, let’s consider another concrete example.  Consider these two sentences: </a:t>
+              <a:t>Alright, let’s consider another concrete example.  Consider these two sentences: </a:t>
             </a:r>
             <a:r>
               <a:rPr lang="en-US" b="0" i="1" dirty="0">
@@ -4366,7 +4539,7 @@
           <a:p>
             <a:fld id="{C3F78080-8D0A-4BE8-A5B4-CB115102D524}" type="datetimeFigureOut">
               <a:rPr lang="en-US" smtClean="0"/>
-              <a:t>3/3/2022</a:t>
+              <a:t>5/25/2022</a:t>
             </a:fld>
             <a:endParaRPr lang="en-US"/>
           </a:p>
@@ -4564,7 +4737,7 @@
           <a:p>
             <a:fld id="{C3F78080-8D0A-4BE8-A5B4-CB115102D524}" type="datetimeFigureOut">
               <a:rPr lang="en-US" smtClean="0"/>
-              <a:t>3/3/2022</a:t>
+              <a:t>5/25/2022</a:t>
             </a:fld>
             <a:endParaRPr lang="en-US"/>
           </a:p>
@@ -4772,7 +4945,7 @@
           <a:p>
             <a:fld id="{C3F78080-8D0A-4BE8-A5B4-CB115102D524}" type="datetimeFigureOut">
               <a:rPr lang="en-US" smtClean="0"/>
-              <a:t>3/3/2022</a:t>
+              <a:t>5/25/2022</a:t>
             </a:fld>
             <a:endParaRPr lang="en-US"/>
           </a:p>
@@ -4970,7 +5143,7 @@
           <a:p>
             <a:fld id="{C3F78080-8D0A-4BE8-A5B4-CB115102D524}" type="datetimeFigureOut">
               <a:rPr lang="en-US" smtClean="0"/>
-              <a:t>3/3/2022</a:t>
+              <a:t>5/25/2022</a:t>
             </a:fld>
             <a:endParaRPr lang="en-US"/>
           </a:p>
@@ -5245,7 +5418,7 @@
           <a:p>
             <a:fld id="{C3F78080-8D0A-4BE8-A5B4-CB115102D524}" type="datetimeFigureOut">
               <a:rPr lang="en-US" smtClean="0"/>
-              <a:t>3/3/2022</a:t>
+              <a:t>5/25/2022</a:t>
             </a:fld>
             <a:endParaRPr lang="en-US"/>
           </a:p>
@@ -5510,7 +5683,7 @@
           <a:p>
             <a:fld id="{C3F78080-8D0A-4BE8-A5B4-CB115102D524}" type="datetimeFigureOut">
               <a:rPr lang="en-US" smtClean="0"/>
-              <a:t>3/3/2022</a:t>
+              <a:t>5/25/2022</a:t>
             </a:fld>
             <a:endParaRPr lang="en-US"/>
           </a:p>
@@ -5922,7 +6095,7 @@
           <a:p>
             <a:fld id="{C3F78080-8D0A-4BE8-A5B4-CB115102D524}" type="datetimeFigureOut">
               <a:rPr lang="en-US" smtClean="0"/>
-              <a:t>3/3/2022</a:t>
+              <a:t>5/25/2022</a:t>
             </a:fld>
             <a:endParaRPr lang="en-US"/>
           </a:p>
@@ -6063,7 +6236,7 @@
           <a:p>
             <a:fld id="{C3F78080-8D0A-4BE8-A5B4-CB115102D524}" type="datetimeFigureOut">
               <a:rPr lang="en-US" smtClean="0"/>
-              <a:t>3/3/2022</a:t>
+              <a:t>5/25/2022</a:t>
             </a:fld>
             <a:endParaRPr lang="en-US"/>
           </a:p>
@@ -6176,7 +6349,7 @@
           <a:p>
             <a:fld id="{C3F78080-8D0A-4BE8-A5B4-CB115102D524}" type="datetimeFigureOut">
               <a:rPr lang="en-US" smtClean="0"/>
-              <a:t>3/3/2022</a:t>
+              <a:t>5/25/2022</a:t>
             </a:fld>
             <a:endParaRPr lang="en-US"/>
           </a:p>
@@ -6487,7 +6660,7 @@
           <a:p>
             <a:fld id="{C3F78080-8D0A-4BE8-A5B4-CB115102D524}" type="datetimeFigureOut">
               <a:rPr lang="en-US" smtClean="0"/>
-              <a:t>3/3/2022</a:t>
+              <a:t>5/25/2022</a:t>
             </a:fld>
             <a:endParaRPr lang="en-US"/>
           </a:p>
@@ -6775,7 +6948,7 @@
           <a:p>
             <a:fld id="{C3F78080-8D0A-4BE8-A5B4-CB115102D524}" type="datetimeFigureOut">
               <a:rPr lang="en-US" smtClean="0"/>
-              <a:t>3/3/2022</a:t>
+              <a:t>5/25/2022</a:t>
             </a:fld>
             <a:endParaRPr lang="en-US"/>
           </a:p>
@@ -7016,7 +7189,7 @@
           <a:p>
             <a:fld id="{C3F78080-8D0A-4BE8-A5B4-CB115102D524}" type="datetimeFigureOut">
               <a:rPr lang="en-US" smtClean="0"/>
-              <a:t>3/3/2022</a:t>
+              <a:t>5/25/2022</a:t>
             </a:fld>
             <a:endParaRPr lang="en-US"/>
           </a:p>
@@ -9607,83 +9780,6 @@
       </p:grpSpPr>
       <p:sp>
         <p:nvSpPr>
-          <p:cNvPr id="2" name="Title 1">
-            <a:extLst>
-              <a:ext uri="{FF2B5EF4-FFF2-40B4-BE49-F238E27FC236}">
-                <a16:creationId xmlns:a16="http://schemas.microsoft.com/office/drawing/2014/main" id="{0F853981-B13F-4917-804F-EBF0D4819E7E}"/>
-              </a:ext>
-            </a:extLst>
-          </p:cNvPr>
-          <p:cNvSpPr>
-            <a:spLocks noGrp="1"/>
-          </p:cNvSpPr>
-          <p:nvPr>
-            <p:ph type="title"/>
-          </p:nvPr>
-        </p:nvSpPr>
-        <p:spPr>
-          <a:xfrm>
-            <a:off x="0" y="3169585"/>
-            <a:ext cx="12192000" cy="518830"/>
-          </a:xfrm>
-          <a:noFill/>
-        </p:spPr>
-        <p:txBody>
-          <a:bodyPr>
-            <a:noAutofit/>
-          </a:bodyPr>
-          <a:lstStyle/>
-          <a:p>
-            <a:pPr algn="ctr"/>
-            <a:br>
-              <a:rPr lang="en-US" sz="3600" dirty="0">
-                <a:solidFill>
-                  <a:schemeClr val="tx1">
-                    <a:lumMod val="65000"/>
-                    <a:lumOff val="35000"/>
-                  </a:schemeClr>
-                </a:solidFill>
-                <a:latin typeface="Palatino Linotype" panose="02040502050505030304" pitchFamily="18" charset="0"/>
-              </a:rPr>
-            </a:br>
-            <a:br>
-              <a:rPr lang="en-US" sz="3600" dirty="0">
-                <a:solidFill>
-                  <a:schemeClr val="tx1">
-                    <a:lumMod val="65000"/>
-                    <a:lumOff val="35000"/>
-                  </a:schemeClr>
-                </a:solidFill>
-                <a:latin typeface="Palatino Linotype" panose="02040502050505030304" pitchFamily="18" charset="0"/>
-              </a:rPr>
-            </a:br>
-            <a:r>
-              <a:rPr lang="en-US" sz="3600" dirty="0">
-                <a:solidFill>
-                  <a:schemeClr val="tx1">
-                    <a:lumMod val="65000"/>
-                    <a:lumOff val="35000"/>
-                  </a:schemeClr>
-                </a:solidFill>
-                <a:latin typeface="Palatino Linotype" panose="02040502050505030304" pitchFamily="18" charset="0"/>
-              </a:rPr>
-              <a:t>4.05 (Vectors for Phrases)</a:t>
-            </a:r>
-            <a:endParaRPr lang="en-US" sz="3600" dirty="0">
-              <a:solidFill>
-                <a:schemeClr val="tx1">
-                  <a:lumMod val="65000"/>
-                  <a:lumOff val="35000"/>
-                </a:schemeClr>
-              </a:solidFill>
-              <a:latin typeface="Palatino Linotype" panose="02040502050505030304" pitchFamily="18" charset="0"/>
-              <a:cs typeface="Segoe UI Light" panose="020B0502040204020203" pitchFamily="34" charset="0"/>
-            </a:endParaRPr>
-          </a:p>
-        </p:txBody>
-      </p:sp>
-      <p:sp>
-        <p:nvSpPr>
           <p:cNvPr id="3" name="Text Placeholder 2">
             <a:extLst>
               <a:ext uri="{FF2B5EF4-FFF2-40B4-BE49-F238E27FC236}">
@@ -9773,22 +9869,20 @@
       </p:pic>
       <p:sp>
         <p:nvSpPr>
-          <p:cNvPr id="5" name="Title 1">
+          <p:cNvPr id="8" name="TextBox 7">
             <a:extLst>
               <a:ext uri="{FF2B5EF4-FFF2-40B4-BE49-F238E27FC236}">
-                <a16:creationId xmlns:a16="http://schemas.microsoft.com/office/drawing/2014/main" id="{062FF560-0279-40EC-9301-936E5C92D195}"/>
+                <a16:creationId xmlns:a16="http://schemas.microsoft.com/office/drawing/2014/main" id="{C719DB7B-40D6-4870-B16D-DC8CD7AC471F}"/>
               </a:ext>
             </a:extLst>
           </p:cNvPr>
-          <p:cNvSpPr txBox="1">
-            <a:spLocks/>
-          </p:cNvSpPr>
+          <p:cNvSpPr txBox="1"/>
           <p:nvPr/>
         </p:nvSpPr>
         <p:spPr>
           <a:xfrm>
-            <a:off x="77118" y="3643917"/>
-            <a:ext cx="12192000" cy="685982"/>
+            <a:off x="0" y="3291840"/>
+            <a:ext cx="12192000" cy="1200329"/>
           </a:xfrm>
           <a:prstGeom prst="rect">
             <a:avLst/>
@@ -9796,31 +9890,14 @@
           <a:noFill/>
         </p:spPr>
         <p:txBody>
-          <a:bodyPr vert="horz" lIns="91440" tIns="45720" rIns="91440" bIns="45720" rtlCol="0" anchor="b">
-            <a:noAutofit/>
+          <a:bodyPr wrap="square" rtlCol="0">
+            <a:spAutoFit/>
           </a:bodyPr>
-          <a:lstStyle>
-            <a:lvl1pPr algn="l" defTabSz="914400" rtl="0" eaLnBrk="1" latinLnBrk="0" hangingPunct="1">
-              <a:lnSpc>
-                <a:spcPct val="90000"/>
-              </a:lnSpc>
-              <a:spcBef>
-                <a:spcPct val="0"/>
-              </a:spcBef>
-              <a:buNone/>
-              <a:defRPr sz="6000" kern="1200">
-                <a:solidFill>
-                  <a:schemeClr val="tx1"/>
-                </a:solidFill>
-                <a:latin typeface="+mj-lt"/>
-                <a:ea typeface="+mj-ea"/>
-                <a:cs typeface="+mj-cs"/>
-              </a:defRPr>
-            </a:lvl1pPr>
-          </a:lstStyle>
-          <a:p>
-            <a:r>
-              <a:rPr lang="en-US" sz="3600">
+          <a:lstStyle/>
+          <a:p>
+            <a:pPr algn="ctr"/>
+            <a:r>
+              <a:rPr lang="en-US" sz="3600" dirty="0">
                 <a:solidFill>
                   <a:schemeClr val="tx1">
                     <a:lumMod val="65000"/>
@@ -9829,18 +9906,24 @@
                 </a:solidFill>
                 <a:latin typeface="Palatino Linotype" panose="02040502050505030304" pitchFamily="18" charset="0"/>
               </a:rPr>
-              <a:t>	4.06 (Training Word Vectors on Different Datasets)</a:t>
-            </a:r>
-            <a:endParaRPr lang="en-US" sz="3600" dirty="0">
-              <a:solidFill>
-                <a:schemeClr val="tx1">
-                  <a:lumMod val="65000"/>
-                  <a:lumOff val="35000"/>
-                </a:schemeClr>
-              </a:solidFill>
-              <a:latin typeface="Palatino Linotype" panose="02040502050505030304" pitchFamily="18" charset="0"/>
-              <a:cs typeface="Segoe UI Light" panose="020B0502040204020203" pitchFamily="34" charset="0"/>
-            </a:endParaRPr>
+              <a:t>Embeddings</a:t>
+            </a:r>
+          </a:p>
+          <a:p>
+            <a:pPr algn="ctr"/>
+            <a:r>
+              <a:rPr lang="en-US" sz="3600" dirty="0">
+                <a:solidFill>
+                  <a:schemeClr val="tx1">
+                    <a:lumMod val="65000"/>
+                    <a:lumOff val="35000"/>
+                  </a:schemeClr>
+                </a:solidFill>
+                <a:latin typeface="Palatino Linotype" panose="02040502050505030304" pitchFamily="18" charset="0"/>
+              </a:rPr>
+              <a:t>02.1_embeddings.ipynb</a:t>
+            </a:r>
+            <a:endParaRPr lang="en-US" sz="3600" dirty="0"/>
           </a:p>
         </p:txBody>
       </p:sp>
@@ -9886,6 +9969,137 @@
           <a:chExt cx="0" cy="0"/>
         </a:xfrm>
       </p:grpSpPr>
+      <p:pic>
+        <p:nvPicPr>
+          <p:cNvPr id="3" name="Picture 2">
+            <a:extLst>
+              <a:ext uri="{FF2B5EF4-FFF2-40B4-BE49-F238E27FC236}">
+                <a16:creationId xmlns:a16="http://schemas.microsoft.com/office/drawing/2014/main" id="{239D0A82-7D34-4E48-BE20-B982B3990537}"/>
+              </a:ext>
+            </a:extLst>
+          </p:cNvPr>
+          <p:cNvPicPr>
+            <a:picLocks noChangeAspect="1"/>
+          </p:cNvPicPr>
+          <p:nvPr/>
+        </p:nvPicPr>
+        <p:blipFill>
+          <a:blip r:embed="rId3"/>
+          <a:stretch>
+            <a:fillRect/>
+          </a:stretch>
+        </p:blipFill>
+        <p:spPr>
+          <a:xfrm>
+            <a:off x="0" y="324192"/>
+            <a:ext cx="3233668" cy="840754"/>
+          </a:xfrm>
+          <a:prstGeom prst="rect">
+            <a:avLst/>
+          </a:prstGeom>
+        </p:spPr>
+      </p:pic>
+      <p:sp>
+        <p:nvSpPr>
+          <p:cNvPr id="6" name="TextBox 5">
+            <a:extLst>
+              <a:ext uri="{FF2B5EF4-FFF2-40B4-BE49-F238E27FC236}">
+                <a16:creationId xmlns:a16="http://schemas.microsoft.com/office/drawing/2014/main" id="{14313FBB-CF4B-4855-A8EB-7E2C02FFF698}"/>
+              </a:ext>
+            </a:extLst>
+          </p:cNvPr>
+          <p:cNvSpPr txBox="1"/>
+          <p:nvPr/>
+        </p:nvSpPr>
+        <p:spPr>
+          <a:xfrm>
+            <a:off x="0" y="3291840"/>
+            <a:ext cx="12192000" cy="1200329"/>
+          </a:xfrm>
+          <a:prstGeom prst="rect">
+            <a:avLst/>
+          </a:prstGeom>
+          <a:noFill/>
+        </p:spPr>
+        <p:txBody>
+          <a:bodyPr wrap="square" rtlCol="0">
+            <a:spAutoFit/>
+          </a:bodyPr>
+          <a:lstStyle/>
+          <a:p>
+            <a:pPr algn="ctr"/>
+            <a:r>
+              <a:rPr lang="en-US" sz="3600" dirty="0">
+                <a:solidFill>
+                  <a:schemeClr val="tx1">
+                    <a:lumMod val="65000"/>
+                    <a:lumOff val="35000"/>
+                  </a:schemeClr>
+                </a:solidFill>
+                <a:latin typeface="Palatino Linotype" panose="02040502050505030304" pitchFamily="18" charset="0"/>
+              </a:rPr>
+              <a:t>Alice in Wonderland</a:t>
+            </a:r>
+          </a:p>
+          <a:p>
+            <a:pPr algn="ctr"/>
+            <a:r>
+              <a:rPr lang="en-US" sz="3600" dirty="0">
+                <a:solidFill>
+                  <a:schemeClr val="tx1">
+                    <a:lumMod val="65000"/>
+                    <a:lumOff val="35000"/>
+                  </a:schemeClr>
+                </a:solidFill>
+                <a:latin typeface="Palatino Linotype" panose="02040502050505030304" pitchFamily="18" charset="0"/>
+              </a:rPr>
+              <a:t>02.2_alice_wonderland.ipynb</a:t>
+            </a:r>
+          </a:p>
+        </p:txBody>
+      </p:sp>
+    </p:spTree>
+    <p:extLst>
+      <p:ext uri="{BB962C8B-B14F-4D97-AF65-F5344CB8AC3E}">
+        <p14:creationId xmlns:p14="http://schemas.microsoft.com/office/powerpoint/2010/main" val="994788979"/>
+      </p:ext>
+    </p:extLst>
+  </p:cSld>
+  <p:clrMapOvr>
+    <a:masterClrMapping/>
+  </p:clrMapOvr>
+  <mc:AlternateContent xmlns:mc="http://schemas.openxmlformats.org/markup-compatibility/2006" xmlns:p14="http://schemas.microsoft.com/office/powerpoint/2010/main">
+    <mc:Choice Requires="p14">
+      <p:transition spd="med" p14:dur="700">
+        <p:fade/>
+      </p:transition>
+    </mc:Choice>
+    <mc:Fallback xmlns="">
+      <p:transition spd="med">
+        <p:fade/>
+      </p:transition>
+    </mc:Fallback>
+  </mc:AlternateContent>
+</p:sld>
+</file>
+
+<file path=ppt/slides/slide18.xml><?xml version="1.0" encoding="utf-8"?>
+<p:sld xmlns:a="http://schemas.openxmlformats.org/drawingml/2006/main" xmlns:r="http://schemas.openxmlformats.org/officeDocument/2006/relationships" xmlns:p="http://schemas.openxmlformats.org/presentationml/2006/main">
+  <p:cSld>
+    <p:spTree>
+      <p:nvGrpSpPr>
+        <p:cNvPr id="1" name=""/>
+        <p:cNvGrpSpPr/>
+        <p:nvPr/>
+      </p:nvGrpSpPr>
+      <p:grpSpPr>
+        <a:xfrm>
+          <a:off x="0" y="0"/>
+          <a:ext cx="0" cy="0"/>
+          <a:chOff x="0" y="0"/>
+          <a:chExt cx="0" cy="0"/>
+        </a:xfrm>
+      </p:grpSpPr>
     </p:spTree>
     <p:extLst>
       <p:ext uri="{BB962C8B-B14F-4D97-AF65-F5344CB8AC3E}">
@@ -9911,7 +10125,7 @@
 </p:sld>
 </file>
 
-<file path=ppt/slides/slide18.xml><?xml version="1.0" encoding="utf-8"?>
+<file path=ppt/slides/slide19.xml><?xml version="1.0" encoding="utf-8"?>
 <p:sld xmlns:a="http://schemas.openxmlformats.org/drawingml/2006/main" xmlns:r="http://schemas.openxmlformats.org/officeDocument/2006/relationships" xmlns:p="http://schemas.openxmlformats.org/presentationml/2006/main">
   <p:cSld>
     <p:spTree>
@@ -10070,7 +10284,195 @@
 </p:sld>
 </file>
 
-<file path=ppt/slides/slide19.xml><?xml version="1.0" encoding="utf-8"?>
+<file path=ppt/slides/slide2.xml><?xml version="1.0" encoding="utf-8"?>
+<p:sld xmlns:a="http://schemas.openxmlformats.org/drawingml/2006/main" xmlns:r="http://schemas.openxmlformats.org/officeDocument/2006/relationships" xmlns:p="http://schemas.openxmlformats.org/presentationml/2006/main">
+  <p:cSld>
+    <p:spTree>
+      <p:nvGrpSpPr>
+        <p:cNvPr id="1" name=""/>
+        <p:cNvGrpSpPr/>
+        <p:nvPr/>
+      </p:nvGrpSpPr>
+      <p:grpSpPr>
+        <a:xfrm>
+          <a:off x="0" y="0"/>
+          <a:ext cx="0" cy="0"/>
+          <a:chOff x="0" y="0"/>
+          <a:chExt cx="0" cy="0"/>
+        </a:xfrm>
+      </p:grpSpPr>
+      <p:sp>
+        <p:nvSpPr>
+          <p:cNvPr id="3" name="Title 1">
+            <a:extLst>
+              <a:ext uri="{FF2B5EF4-FFF2-40B4-BE49-F238E27FC236}">
+                <a16:creationId xmlns:a16="http://schemas.microsoft.com/office/drawing/2014/main" id="{D9CC5A67-91FD-4115-860E-740F64879C93}"/>
+              </a:ext>
+            </a:extLst>
+          </p:cNvPr>
+          <p:cNvSpPr>
+            <a:spLocks noGrp="1"/>
+          </p:cNvSpPr>
+          <p:nvPr>
+            <p:ph type="title"/>
+          </p:nvPr>
+        </p:nvSpPr>
+        <p:spPr>
+          <a:xfrm>
+            <a:off x="0" y="2953213"/>
+            <a:ext cx="12192000" cy="951574"/>
+          </a:xfrm>
+          <a:noFill/>
+        </p:spPr>
+        <p:txBody>
+          <a:bodyPr>
+            <a:normAutofit fontScale="90000"/>
+          </a:bodyPr>
+          <a:lstStyle/>
+          <a:p>
+            <a:pPr algn="ctr"/>
+            <a:br>
+              <a:rPr lang="en-US" sz="4400" dirty="0">
+                <a:solidFill>
+                  <a:schemeClr val="tx1">
+                    <a:lumMod val="65000"/>
+                    <a:lumOff val="35000"/>
+                  </a:schemeClr>
+                </a:solidFill>
+              </a:rPr>
+            </a:br>
+            <a:br>
+              <a:rPr lang="en-US" sz="4400" dirty="0">
+                <a:solidFill>
+                  <a:schemeClr val="tx1">
+                    <a:lumMod val="65000"/>
+                    <a:lumOff val="35000"/>
+                  </a:schemeClr>
+                </a:solidFill>
+              </a:rPr>
+            </a:br>
+            <a:br>
+              <a:rPr lang="en-US" sz="4400" dirty="0">
+                <a:solidFill>
+                  <a:schemeClr val="tx1">
+                    <a:lumMod val="65000"/>
+                    <a:lumOff val="35000"/>
+                  </a:schemeClr>
+                </a:solidFill>
+              </a:rPr>
+            </a:br>
+            <a:br>
+              <a:rPr lang="en-US" sz="4400" dirty="0">
+                <a:solidFill>
+                  <a:schemeClr val="tx1">
+                    <a:lumMod val="65000"/>
+                    <a:lumOff val="35000"/>
+                  </a:schemeClr>
+                </a:solidFill>
+              </a:rPr>
+            </a:br>
+            <a:br>
+              <a:rPr lang="en-US" sz="4400" dirty="0">
+                <a:solidFill>
+                  <a:schemeClr val="tx1">
+                    <a:lumMod val="65000"/>
+                    <a:lumOff val="35000"/>
+                  </a:schemeClr>
+                </a:solidFill>
+              </a:rPr>
+            </a:br>
+            <a:br>
+              <a:rPr lang="en-US" sz="4400" dirty="0">
+                <a:solidFill>
+                  <a:schemeClr val="tx1">
+                    <a:lumMod val="65000"/>
+                    <a:lumOff val="35000"/>
+                  </a:schemeClr>
+                </a:solidFill>
+              </a:rPr>
+            </a:br>
+            <a:br>
+              <a:rPr lang="en-US" sz="4400" dirty="0">
+                <a:solidFill>
+                  <a:schemeClr val="tx1">
+                    <a:lumMod val="65000"/>
+                    <a:lumOff val="35000"/>
+                  </a:schemeClr>
+                </a:solidFill>
+              </a:rPr>
+            </a:br>
+            <a:br>
+              <a:rPr lang="en-US" sz="4400" dirty="0">
+                <a:solidFill>
+                  <a:schemeClr val="tx1">
+                    <a:lumMod val="65000"/>
+                    <a:lumOff val="35000"/>
+                  </a:schemeClr>
+                </a:solidFill>
+              </a:rPr>
+            </a:br>
+            <a:r>
+              <a:rPr lang="en-US" sz="4400" dirty="0">
+                <a:solidFill>
+                  <a:schemeClr val="tx1">
+                    <a:lumMod val="65000"/>
+                    <a:lumOff val="35000"/>
+                  </a:schemeClr>
+                </a:solidFill>
+              </a:rPr>
+              <a:t>    </a:t>
+            </a:r>
+            <a:r>
+              <a:rPr lang="en-US" sz="6700" dirty="0">
+                <a:solidFill>
+                  <a:schemeClr val="tx1">
+                    <a:lumMod val="65000"/>
+                    <a:lumOff val="35000"/>
+                  </a:schemeClr>
+                </a:solidFill>
+                <a:latin typeface="Palatino Linotype" panose="02040502050505030304" pitchFamily="18" charset="0"/>
+              </a:rPr>
+              <a:t>Word2Vec</a:t>
+            </a:r>
+            <a:endParaRPr lang="en-US" sz="6700" dirty="0">
+              <a:solidFill>
+                <a:schemeClr val="tx1">
+                  <a:lumMod val="65000"/>
+                  <a:lumOff val="35000"/>
+                </a:schemeClr>
+              </a:solidFill>
+              <a:latin typeface="Palatino Linotype" panose="02040502050505030304" pitchFamily="18" charset="0"/>
+              <a:cs typeface="Segoe UI Light" panose="020B0502040204020203" pitchFamily="34" charset="0"/>
+            </a:endParaRPr>
+          </a:p>
+        </p:txBody>
+      </p:sp>
+    </p:spTree>
+    <p:extLst>
+      <p:ext uri="{BB962C8B-B14F-4D97-AF65-F5344CB8AC3E}">
+        <p14:creationId xmlns:p14="http://schemas.microsoft.com/office/powerpoint/2010/main" val="2303734151"/>
+      </p:ext>
+    </p:extLst>
+  </p:cSld>
+  <p:clrMapOvr>
+    <a:masterClrMapping/>
+  </p:clrMapOvr>
+  <mc:AlternateContent xmlns:mc="http://schemas.openxmlformats.org/markup-compatibility/2006" xmlns:p14="http://schemas.microsoft.com/office/powerpoint/2010/main">
+    <mc:Choice Requires="p14">
+      <p:transition spd="med" p14:dur="700">
+        <p:fade/>
+      </p:transition>
+    </mc:Choice>
+    <mc:Fallback xmlns="">
+      <p:transition spd="med">
+        <p:fade/>
+      </p:transition>
+    </mc:Fallback>
+  </mc:AlternateContent>
+</p:sld>
+</file>
+
+<file path=ppt/slides/slide20.xml><?xml version="1.0" encoding="utf-8"?>
 <p:sld xmlns:a="http://schemas.openxmlformats.org/drawingml/2006/main" xmlns:r="http://schemas.openxmlformats.org/officeDocument/2006/relationships" xmlns:p="http://schemas.openxmlformats.org/presentationml/2006/main">
   <p:cSld>
     <p:spTree>
@@ -10258,194 +10660,6 @@
     <p:extLst>
       <p:ext uri="{BB962C8B-B14F-4D97-AF65-F5344CB8AC3E}">
         <p14:creationId xmlns:p14="http://schemas.microsoft.com/office/powerpoint/2010/main" val="3728000130"/>
-      </p:ext>
-    </p:extLst>
-  </p:cSld>
-  <p:clrMapOvr>
-    <a:masterClrMapping/>
-  </p:clrMapOvr>
-  <mc:AlternateContent xmlns:mc="http://schemas.openxmlformats.org/markup-compatibility/2006" xmlns:p14="http://schemas.microsoft.com/office/powerpoint/2010/main">
-    <mc:Choice Requires="p14">
-      <p:transition spd="med" p14:dur="700">
-        <p:fade/>
-      </p:transition>
-    </mc:Choice>
-    <mc:Fallback xmlns="">
-      <p:transition spd="med">
-        <p:fade/>
-      </p:transition>
-    </mc:Fallback>
-  </mc:AlternateContent>
-</p:sld>
-</file>
-
-<file path=ppt/slides/slide2.xml><?xml version="1.0" encoding="utf-8"?>
-<p:sld xmlns:a="http://schemas.openxmlformats.org/drawingml/2006/main" xmlns:r="http://schemas.openxmlformats.org/officeDocument/2006/relationships" xmlns:p="http://schemas.openxmlformats.org/presentationml/2006/main">
-  <p:cSld>
-    <p:spTree>
-      <p:nvGrpSpPr>
-        <p:cNvPr id="1" name=""/>
-        <p:cNvGrpSpPr/>
-        <p:nvPr/>
-      </p:nvGrpSpPr>
-      <p:grpSpPr>
-        <a:xfrm>
-          <a:off x="0" y="0"/>
-          <a:ext cx="0" cy="0"/>
-          <a:chOff x="0" y="0"/>
-          <a:chExt cx="0" cy="0"/>
-        </a:xfrm>
-      </p:grpSpPr>
-      <p:sp>
-        <p:nvSpPr>
-          <p:cNvPr id="3" name="Title 1">
-            <a:extLst>
-              <a:ext uri="{FF2B5EF4-FFF2-40B4-BE49-F238E27FC236}">
-                <a16:creationId xmlns:a16="http://schemas.microsoft.com/office/drawing/2014/main" id="{D9CC5A67-91FD-4115-860E-740F64879C93}"/>
-              </a:ext>
-            </a:extLst>
-          </p:cNvPr>
-          <p:cNvSpPr>
-            <a:spLocks noGrp="1"/>
-          </p:cNvSpPr>
-          <p:nvPr>
-            <p:ph type="title"/>
-          </p:nvPr>
-        </p:nvSpPr>
-        <p:spPr>
-          <a:xfrm>
-            <a:off x="0" y="2953213"/>
-            <a:ext cx="12192000" cy="951574"/>
-          </a:xfrm>
-          <a:noFill/>
-        </p:spPr>
-        <p:txBody>
-          <a:bodyPr>
-            <a:normAutofit fontScale="90000"/>
-          </a:bodyPr>
-          <a:lstStyle/>
-          <a:p>
-            <a:pPr algn="ctr"/>
-            <a:br>
-              <a:rPr lang="en-US" sz="4400" dirty="0">
-                <a:solidFill>
-                  <a:schemeClr val="tx1">
-                    <a:lumMod val="65000"/>
-                    <a:lumOff val="35000"/>
-                  </a:schemeClr>
-                </a:solidFill>
-              </a:rPr>
-            </a:br>
-            <a:br>
-              <a:rPr lang="en-US" sz="4400" dirty="0">
-                <a:solidFill>
-                  <a:schemeClr val="tx1">
-                    <a:lumMod val="65000"/>
-                    <a:lumOff val="35000"/>
-                  </a:schemeClr>
-                </a:solidFill>
-              </a:rPr>
-            </a:br>
-            <a:br>
-              <a:rPr lang="en-US" sz="4400" dirty="0">
-                <a:solidFill>
-                  <a:schemeClr val="tx1">
-                    <a:lumMod val="65000"/>
-                    <a:lumOff val="35000"/>
-                  </a:schemeClr>
-                </a:solidFill>
-              </a:rPr>
-            </a:br>
-            <a:br>
-              <a:rPr lang="en-US" sz="4400" dirty="0">
-                <a:solidFill>
-                  <a:schemeClr val="tx1">
-                    <a:lumMod val="65000"/>
-                    <a:lumOff val="35000"/>
-                  </a:schemeClr>
-                </a:solidFill>
-              </a:rPr>
-            </a:br>
-            <a:br>
-              <a:rPr lang="en-US" sz="4400" dirty="0">
-                <a:solidFill>
-                  <a:schemeClr val="tx1">
-                    <a:lumMod val="65000"/>
-                    <a:lumOff val="35000"/>
-                  </a:schemeClr>
-                </a:solidFill>
-              </a:rPr>
-            </a:br>
-            <a:br>
-              <a:rPr lang="en-US" sz="4400" dirty="0">
-                <a:solidFill>
-                  <a:schemeClr val="tx1">
-                    <a:lumMod val="65000"/>
-                    <a:lumOff val="35000"/>
-                  </a:schemeClr>
-                </a:solidFill>
-              </a:rPr>
-            </a:br>
-            <a:br>
-              <a:rPr lang="en-US" sz="4400" dirty="0">
-                <a:solidFill>
-                  <a:schemeClr val="tx1">
-                    <a:lumMod val="65000"/>
-                    <a:lumOff val="35000"/>
-                  </a:schemeClr>
-                </a:solidFill>
-              </a:rPr>
-            </a:br>
-            <a:br>
-              <a:rPr lang="en-US" sz="4400" dirty="0">
-                <a:solidFill>
-                  <a:schemeClr val="tx1">
-                    <a:lumMod val="65000"/>
-                    <a:lumOff val="35000"/>
-                  </a:schemeClr>
-                </a:solidFill>
-              </a:rPr>
-            </a:br>
-            <a:r>
-              <a:rPr lang="en-US" sz="4400" dirty="0">
-                <a:solidFill>
-                  <a:schemeClr val="tx1">
-                    <a:lumMod val="65000"/>
-                    <a:lumOff val="35000"/>
-                  </a:schemeClr>
-                </a:solidFill>
-              </a:rPr>
-              <a:t>    </a:t>
-            </a:r>
-            <a:r>
-              <a:rPr lang="en-US" sz="6700" dirty="0">
-                <a:solidFill>
-                  <a:schemeClr val="tx1">
-                    <a:lumMod val="65000"/>
-                    <a:lumOff val="35000"/>
-                  </a:schemeClr>
-                </a:solidFill>
-                <a:latin typeface="Palatino Linotype" panose="02040502050505030304" pitchFamily="18" charset="0"/>
-              </a:rPr>
-              <a:t>Word2Vec</a:t>
-            </a:r>
-            <a:endParaRPr lang="en-US" sz="6700" dirty="0">
-              <a:solidFill>
-                <a:schemeClr val="tx1">
-                  <a:lumMod val="65000"/>
-                  <a:lumOff val="35000"/>
-                </a:schemeClr>
-              </a:solidFill>
-              <a:latin typeface="Palatino Linotype" panose="02040502050505030304" pitchFamily="18" charset="0"/>
-              <a:cs typeface="Segoe UI Light" panose="020B0502040204020203" pitchFamily="34" charset="0"/>
-            </a:endParaRPr>
-          </a:p>
-        </p:txBody>
-      </p:sp>
-    </p:spTree>
-    <p:extLst>
-      <p:ext uri="{BB962C8B-B14F-4D97-AF65-F5344CB8AC3E}">
-        <p14:creationId xmlns:p14="http://schemas.microsoft.com/office/powerpoint/2010/main" val="2303734151"/>
       </p:ext>
     </p:extLst>
   </p:cSld>

--- a/presentations/02_word_vectors.pptx
+++ b/presentations/02_word_vectors.pptx
@@ -5,29 +5,31 @@
     <p:sldMasterId id="2147483648" r:id="rId1"/>
   </p:sldMasterIdLst>
   <p:notesMasterIdLst>
-    <p:notesMasterId r:id="rId22"/>
+    <p:notesMasterId r:id="rId24"/>
   </p:notesMasterIdLst>
   <p:sldIdLst>
     <p:sldId id="326" r:id="rId2"/>
-    <p:sldId id="311" r:id="rId3"/>
+    <p:sldId id="352" r:id="rId3"/>
     <p:sldId id="328" r:id="rId4"/>
     <p:sldId id="330" r:id="rId5"/>
     <p:sldId id="331" r:id="rId6"/>
     <p:sldId id="332" r:id="rId7"/>
-    <p:sldId id="333" r:id="rId8"/>
-    <p:sldId id="334" r:id="rId9"/>
-    <p:sldId id="302" r:id="rId10"/>
-    <p:sldId id="305" r:id="rId11"/>
-    <p:sldId id="303" r:id="rId12"/>
-    <p:sldId id="304" r:id="rId13"/>
-    <p:sldId id="309" r:id="rId14"/>
-    <p:sldId id="310" r:id="rId15"/>
-    <p:sldId id="308" r:id="rId16"/>
-    <p:sldId id="323" r:id="rId17"/>
-    <p:sldId id="327" r:id="rId18"/>
-    <p:sldId id="329" r:id="rId19"/>
-    <p:sldId id="300" r:id="rId20"/>
-    <p:sldId id="307" r:id="rId21"/>
+    <p:sldId id="353" r:id="rId8"/>
+    <p:sldId id="354" r:id="rId9"/>
+    <p:sldId id="333" r:id="rId10"/>
+    <p:sldId id="334" r:id="rId11"/>
+    <p:sldId id="302" r:id="rId12"/>
+    <p:sldId id="305" r:id="rId13"/>
+    <p:sldId id="303" r:id="rId14"/>
+    <p:sldId id="304" r:id="rId15"/>
+    <p:sldId id="309" r:id="rId16"/>
+    <p:sldId id="310" r:id="rId17"/>
+    <p:sldId id="308" r:id="rId18"/>
+    <p:sldId id="323" r:id="rId19"/>
+    <p:sldId id="327" r:id="rId20"/>
+    <p:sldId id="329" r:id="rId21"/>
+    <p:sldId id="300" r:id="rId22"/>
+    <p:sldId id="307" r:id="rId23"/>
   </p:sldIdLst>
   <p:sldSz cx="12192000" cy="6858000"/>
   <p:notesSz cx="6858000" cy="9144000"/>
@@ -227,7 +229,7 @@
           <a:p>
             <a:fld id="{FD93C9B2-20F6-4DB1-B471-224337D0AC79}" type="datetimeFigureOut">
               <a:rPr lang="en-US" smtClean="0"/>
-              <a:t>5/25/2022</a:t>
+              <a:t>8/29/2022</a:t>
             </a:fld>
             <a:endParaRPr lang="en-US"/>
           </a:p>
@@ -763,17 +765,17 @@
                 <a:effectLst/>
                 <a:latin typeface="+mn-lt"/>
               </a:rPr>
-              <a:t>Now, let us create a </a:t>
-            </a:r>
-            <a:r>
-              <a:rPr lang="en-US" b="1" i="0" dirty="0">
+              <a:t>Alright, let’s consider another concrete example.  Consider these two sentences: </a:t>
+            </a:r>
+            <a:r>
+              <a:rPr lang="en-US" b="0" i="1" dirty="0">
                 <a:solidFill>
                   <a:srgbClr val="292929"/>
                 </a:solidFill>
                 <a:effectLst/>
                 <a:latin typeface="+mn-lt"/>
               </a:rPr>
-              <a:t>one-hot encoded </a:t>
+              <a:t>Have a good day </a:t>
             </a:r>
             <a:r>
               <a:rPr lang="en-US" b="0" i="0" dirty="0">
@@ -783,30 +785,27 @@
                 <a:effectLst/>
                 <a:latin typeface="+mn-lt"/>
               </a:rPr>
-              <a:t>vector for each of these words in V. The length of our one-hot encoded vector would be equal to the size of V (= 5). We would have a vector of zeros except for the element at the index representing the corresponding word in the vocabulary. That particular element would be one. </a:t>
-            </a:r>
-          </a:p>
-          <a:p>
-            <a:pPr algn="l"/>
-            <a:endParaRPr lang="en-US" b="0" i="0" dirty="0">
-              <a:solidFill>
-                <a:srgbClr val="292929"/>
-              </a:solidFill>
-              <a:effectLst/>
-              <a:latin typeface="+mn-lt"/>
-            </a:endParaRPr>
-          </a:p>
-          <a:p>
-            <a:pPr algn="l"/>
-            <a:r>
-              <a:rPr lang="en-US" b="0" i="0" dirty="0">
+              <a:t>and </a:t>
+            </a:r>
+            <a:r>
+              <a:rPr lang="en-US" b="0" i="1" dirty="0">
                 <a:solidFill>
                   <a:srgbClr val="292929"/>
                 </a:solidFill>
                 <a:effectLst/>
                 <a:latin typeface="+mn-lt"/>
               </a:rPr>
-              <a:t>If we try to visualize these encodings, we can think of a 5-dimensional space, where each word occupies one of the dimensions and has nothing to do with the rest (no projection along the other dimensions). This means ‘good’ and ‘great’ are as different as ‘day’ and ‘have’, which is not true.</a:t>
+              <a:t>Have a great day. </a:t>
+            </a:r>
+            <a:r>
+              <a:rPr lang="en-US" b="0" i="0" dirty="0">
+                <a:solidFill>
+                  <a:srgbClr val="292929"/>
+                </a:solidFill>
+                <a:effectLst/>
+                <a:latin typeface="+mn-lt"/>
+              </a:rPr>
+              <a:t>The meaning of these two sentences is similar, though the second one is a bit more emphatic.  We’ll start by constructing an exhaustive vocabulary – let’s call it V – consisting of these five words {Have, a, good, great, day}.</a:t>
             </a:r>
           </a:p>
         </p:txBody>
@@ -828,7 +827,7 @@
           <a:p>
             <a:fld id="{3148858F-F1DB-4027-9C85-CCA6849540DD}" type="slidenum">
               <a:rPr lang="en-US" smtClean="0"/>
-              <a:t>10</a:t>
+              <a:t>11</a:t>
             </a:fld>
             <a:endParaRPr lang="en-US"/>
           </a:p>
@@ -837,7 +836,7 @@
     </p:spTree>
     <p:extLst>
       <p:ext uri="{BB962C8B-B14F-4D97-AF65-F5344CB8AC3E}">
-        <p14:creationId xmlns:p14="http://schemas.microsoft.com/office/powerpoint/2010/main" val="1520658071"/>
+        <p14:creationId xmlns:p14="http://schemas.microsoft.com/office/powerpoint/2010/main" val="1782006840"/>
       </p:ext>
     </p:extLst>
   </p:cSld>
@@ -900,17 +899,17 @@
                 <a:effectLst/>
                 <a:latin typeface="+mn-lt"/>
               </a:rPr>
-              <a:t>The CBOW architecture takes the context of each word as the input and tries to predict the word for that context. Consider our example: </a:t>
-            </a:r>
-            <a:r>
-              <a:rPr lang="en-US" b="0" i="1" dirty="0">
+              <a:t>Now, let us create a </a:t>
+            </a:r>
+            <a:r>
+              <a:rPr lang="en-US" b="1" i="0" dirty="0">
                 <a:solidFill>
                   <a:srgbClr val="292929"/>
                 </a:solidFill>
                 <a:effectLst/>
                 <a:latin typeface="+mn-lt"/>
               </a:rPr>
-              <a:t>Have a good day.  </a:t>
+              <a:t>one-hot encoded </a:t>
             </a:r>
             <a:r>
               <a:rPr lang="en-US" b="0" i="0" dirty="0">
@@ -920,107 +919,7 @@
                 <a:effectLst/>
                 <a:latin typeface="+mn-lt"/>
               </a:rPr>
-              <a:t>Let the input to the Neural Network be the three words – </a:t>
-            </a:r>
-            <a:r>
-              <a:rPr lang="en-US" b="0" i="1" dirty="0">
-                <a:solidFill>
-                  <a:srgbClr val="292929"/>
-                </a:solidFill>
-                <a:effectLst/>
-                <a:latin typeface="+mn-lt"/>
-              </a:rPr>
-              <a:t>have, a, good. </a:t>
-            </a:r>
-            <a:r>
-              <a:rPr lang="en-US" b="0" i="0" dirty="0">
-                <a:solidFill>
-                  <a:srgbClr val="292929"/>
-                </a:solidFill>
-                <a:effectLst/>
-                <a:latin typeface="+mn-lt"/>
-              </a:rPr>
-              <a:t>In this example, we want to predict a target word (</a:t>
-            </a:r>
-            <a:r>
-              <a:rPr lang="en-US" b="0" i="1" dirty="0">
-                <a:solidFill>
-                  <a:srgbClr val="292929"/>
-                </a:solidFill>
-                <a:effectLst/>
-                <a:latin typeface="+mn-lt"/>
-              </a:rPr>
-              <a:t>d</a:t>
-            </a:r>
-            <a:r>
-              <a:rPr lang="en-US" b="0" i="0" dirty="0">
-                <a:solidFill>
-                  <a:srgbClr val="292929"/>
-                </a:solidFill>
-                <a:effectLst/>
-                <a:latin typeface="+mn-lt"/>
-              </a:rPr>
-              <a:t>ay</a:t>
-            </a:r>
-            <a:r>
-              <a:rPr lang="en-US" b="0" i="1" dirty="0">
-                <a:solidFill>
-                  <a:srgbClr val="292929"/>
-                </a:solidFill>
-                <a:effectLst/>
-                <a:latin typeface="+mn-lt"/>
-              </a:rPr>
-              <a:t>) </a:t>
-            </a:r>
-            <a:r>
-              <a:rPr lang="en-US" b="0" i="0" dirty="0">
-                <a:solidFill>
-                  <a:srgbClr val="292929"/>
-                </a:solidFill>
-                <a:effectLst/>
-                <a:latin typeface="+mn-lt"/>
-              </a:rPr>
-              <a:t>using these context words.  More specifically, we use one hot encoding of the input words and measure the output error compared to one hot encoding of the target word, </a:t>
-            </a:r>
-            <a:r>
-              <a:rPr lang="en-US" b="0" i="1" dirty="0">
-                <a:solidFill>
-                  <a:srgbClr val="292929"/>
-                </a:solidFill>
-                <a:effectLst/>
-                <a:latin typeface="+mn-lt"/>
-              </a:rPr>
-              <a:t>d</a:t>
-            </a:r>
-            <a:r>
-              <a:rPr lang="en-US" b="0" i="0" dirty="0">
-                <a:solidFill>
-                  <a:srgbClr val="292929"/>
-                </a:solidFill>
-                <a:effectLst/>
-                <a:latin typeface="+mn-lt"/>
-              </a:rPr>
-              <a:t>ay in this case.</a:t>
-            </a:r>
-            <a:r>
-              <a:rPr lang="en-US" b="0" i="1" dirty="0">
-                <a:solidFill>
-                  <a:srgbClr val="292929"/>
-                </a:solidFill>
-                <a:effectLst/>
-                <a:latin typeface="+mn-lt"/>
-              </a:rPr>
-              <a:t> </a:t>
-            </a:r>
-            <a:r>
-              <a:rPr lang="en-US" b="0" i="0" dirty="0">
-                <a:solidFill>
-                  <a:srgbClr val="292929"/>
-                </a:solidFill>
-                <a:effectLst/>
-                <a:latin typeface="+mn-lt"/>
-              </a:rPr>
-              <a:t>In the process of predicting the target word, we learn its vector representation.</a:t>
+              <a:t>vector for each of these words in V. The length of our one-hot encoded vector would be equal to the size of V (= 5). We would have a vector of zeros except for the element at the index representing the corresponding word in the vocabulary. That particular element would be one. </a:t>
             </a:r>
           </a:p>
           <a:p>
@@ -1043,165 +942,8 @@
                 <a:effectLst/>
                 <a:latin typeface="+mn-lt"/>
               </a:rPr>
-              <a:t>Let’s look deeper into the actual architecture.</a:t>
-            </a:r>
-          </a:p>
-          <a:p>
-            <a:pPr algn="l"/>
-            <a:endParaRPr lang="en-US" b="0" i="0" dirty="0">
-              <a:solidFill>
-                <a:srgbClr val="292929"/>
-              </a:solidFill>
-              <a:effectLst/>
-              <a:latin typeface="+mn-lt"/>
-            </a:endParaRPr>
-          </a:p>
-          <a:p>
-            <a:pPr algn="l"/>
-            <a:r>
-              <a:rPr lang="en-US" b="0" i="0" dirty="0">
-                <a:solidFill>
-                  <a:srgbClr val="292929"/>
-                </a:solidFill>
-                <a:effectLst/>
-                <a:latin typeface="+mn-lt"/>
-              </a:rPr>
-              <a:t>The input to the neural network is a one hot encoded vector – labeled V for Vocabulary – of size N, with one input for each word. The hidden layer (D) contains M neurons or nodes, with the number of nodes or neurons in this layer set by Word2Vec’s size argument.  Word vector sizes vary, though dimensions of 768 and 1024 are common.  And finally, the output is a vector (labelled V for vocabulary) of size N, with each element being a softmax value.</a:t>
-            </a:r>
-          </a:p>
-          <a:p>
-            <a:pPr algn="l"/>
-            <a:endParaRPr lang="en-US" b="0" i="0" dirty="0">
-              <a:solidFill>
-                <a:srgbClr val="292929"/>
-              </a:solidFill>
-              <a:effectLst/>
-              <a:latin typeface="+mn-lt"/>
-            </a:endParaRPr>
-          </a:p>
-          <a:p>
-            <a:pPr algn="l"/>
-            <a:r>
-              <a:rPr lang="en-US" b="0" i="0" dirty="0">
-                <a:solidFill>
-                  <a:srgbClr val="292929"/>
-                </a:solidFill>
-                <a:effectLst/>
-                <a:latin typeface="+mn-lt"/>
-              </a:rPr>
-              <a:t>Let’s review the terms in this image:</a:t>
-            </a:r>
-            <a:br>
-              <a:rPr lang="en-US" b="0" i="0" dirty="0">
-                <a:solidFill>
-                  <a:srgbClr val="292929"/>
-                </a:solidFill>
-                <a:effectLst/>
-                <a:latin typeface="+mn-lt"/>
-              </a:rPr>
-            </a:br>
-            <a:r>
-              <a:rPr lang="en-US" b="0" i="1" dirty="0">
-                <a:solidFill>
-                  <a:srgbClr val="292929"/>
-                </a:solidFill>
-                <a:effectLst/>
-                <a:latin typeface="+mn-lt"/>
-              </a:rPr>
-              <a:t>- This is a simple neural network with 3 layers – input, hidden, and output.</a:t>
-            </a:r>
-          </a:p>
-          <a:p>
-            <a:pPr algn="l"/>
-            <a:r>
-              <a:rPr lang="en-US" b="0" i="1" dirty="0">
-                <a:solidFill>
-                  <a:srgbClr val="292929"/>
-                </a:solidFill>
-                <a:effectLst/>
-                <a:latin typeface="+mn-lt"/>
-              </a:rPr>
-              <a:t>- W is the weight matrix that maps the input V to the hidden layer (a V*D dimensional matrix)</a:t>
-            </a:r>
-            <a:br>
-              <a:rPr lang="en-US" b="0" i="1" dirty="0">
-                <a:solidFill>
-                  <a:srgbClr val="292929"/>
-                </a:solidFill>
-                <a:effectLst/>
-                <a:latin typeface="+mn-lt"/>
-              </a:rPr>
-            </a:br>
-            <a:r>
-              <a:rPr lang="en-US" b="0" i="0" dirty="0">
-                <a:solidFill>
-                  <a:srgbClr val="292929"/>
-                </a:solidFill>
-                <a:effectLst/>
-                <a:latin typeface="+mn-lt"/>
-              </a:rPr>
-              <a:t>- </a:t>
-            </a:r>
-            <a:r>
-              <a:rPr lang="en-US" b="0" i="1" dirty="0">
-                <a:solidFill>
-                  <a:srgbClr val="292929"/>
-                </a:solidFill>
-                <a:effectLst/>
-                <a:latin typeface="+mn-lt"/>
-              </a:rPr>
-              <a:t>W’ is the weight matrix that maps the hidden layer outputs to the output layer (a D*V dimensional matrix)</a:t>
-            </a:r>
-          </a:p>
-          <a:p>
-            <a:pPr algn="l"/>
-            <a:r>
-              <a:rPr lang="en-US" b="0" i="1" dirty="0">
-                <a:solidFill>
-                  <a:srgbClr val="292929"/>
-                </a:solidFill>
-                <a:effectLst/>
-                <a:latin typeface="+mn-lt"/>
-              </a:rPr>
-              <a:t>- The dashed arrow lines indicate the direction of forward propagation as well as the fact that these are fully connected layers</a:t>
-            </a:r>
-          </a:p>
-          <a:p>
-            <a:pPr algn="l"/>
-            <a:endParaRPr lang="en-US" b="0" i="0" dirty="0">
-              <a:solidFill>
-                <a:srgbClr val="292929"/>
-              </a:solidFill>
-              <a:effectLst/>
-              <a:latin typeface="+mn-lt"/>
-            </a:endParaRPr>
-          </a:p>
-          <a:p>
-            <a:pPr algn="l"/>
-            <a:r>
-              <a:rPr lang="en-US" b="0" i="0" dirty="0">
-                <a:solidFill>
-                  <a:srgbClr val="292929"/>
-                </a:solidFill>
-                <a:effectLst/>
-                <a:latin typeface="+mn-lt"/>
-              </a:rPr>
-              <a:t>I won’t get into the mathematics. We’ll just get an idea of what’s going on.  Let’s zoom in on that hidden layer.</a:t>
-            </a:r>
-          </a:p>
-          <a:p>
-            <a:pPr algn="l"/>
-            <a:endParaRPr lang="en-US" b="0" i="0" dirty="0">
-              <a:solidFill>
-                <a:srgbClr val="292929"/>
-              </a:solidFill>
-              <a:effectLst/>
-              <a:latin typeface="charter"/>
-            </a:endParaRPr>
-          </a:p>
-          <a:p>
-            <a:pPr algn="l"/>
-            <a:endParaRPr lang="en-US" dirty="0"/>
+              <a:t>If we try to visualize these encodings, we can think of a 5-dimensional space, where each word occupies one of the dimensions and has nothing to do with the rest (no projection along the other dimensions). This means ‘good’ and ‘great’ are as different as ‘day’ and ‘have’, which is not true.</a:t>
+            </a:r>
           </a:p>
         </p:txBody>
       </p:sp>
@@ -1222,7 +964,7 @@
           <a:p>
             <a:fld id="{3148858F-F1DB-4027-9C85-CCA6849540DD}" type="slidenum">
               <a:rPr lang="en-US" smtClean="0"/>
-              <a:t>11</a:t>
+              <a:t>12</a:t>
             </a:fld>
             <a:endParaRPr lang="en-US"/>
           </a:p>
@@ -1231,7 +973,7 @@
     </p:spTree>
     <p:extLst>
       <p:ext uri="{BB962C8B-B14F-4D97-AF65-F5344CB8AC3E}">
-        <p14:creationId xmlns:p14="http://schemas.microsoft.com/office/powerpoint/2010/main" val="2773462212"/>
+        <p14:creationId xmlns:p14="http://schemas.microsoft.com/office/powerpoint/2010/main" val="1520658071"/>
       </p:ext>
     </p:extLst>
   </p:cSld>
@@ -1294,7 +1036,293 @@
                 <a:effectLst/>
                 <a:latin typeface="+mn-lt"/>
               </a:rPr>
-              <a:t>In this example, the one hot encoded input vector is displayed, with 1’s indicating the presence of a specific word and 0’s indicating absence.  Unlike a traditional neural network, there is no activation function like sigmoid, tanh, or ReLU. The only non-linearity is the softmax calculations in the output layer.  All that is present in the hidden nodes is a net input function that sums up the incoming values – the values in the input vector multiplied by the weights in the W matrix.  In the output on the right, we see that softmax is 95% certain that the next word is ‘day’ with a 5% probability that it is ‘great.’  Keep in mind that softmax output always sums to 1 or 100%, as is the case here.</a:t>
+              <a:t>The CBOW architecture takes the context of each word as the input and tries to predict the word for that context. Consider our example: </a:t>
+            </a:r>
+            <a:r>
+              <a:rPr lang="en-US" b="0" i="1" dirty="0">
+                <a:solidFill>
+                  <a:srgbClr val="292929"/>
+                </a:solidFill>
+                <a:effectLst/>
+                <a:latin typeface="+mn-lt"/>
+              </a:rPr>
+              <a:t>Have a good day.  </a:t>
+            </a:r>
+            <a:r>
+              <a:rPr lang="en-US" b="0" i="0" dirty="0">
+                <a:solidFill>
+                  <a:srgbClr val="292929"/>
+                </a:solidFill>
+                <a:effectLst/>
+                <a:latin typeface="+mn-lt"/>
+              </a:rPr>
+              <a:t>Let the input to the Neural Network be the three words – </a:t>
+            </a:r>
+            <a:r>
+              <a:rPr lang="en-US" b="0" i="1" dirty="0">
+                <a:solidFill>
+                  <a:srgbClr val="292929"/>
+                </a:solidFill>
+                <a:effectLst/>
+                <a:latin typeface="+mn-lt"/>
+              </a:rPr>
+              <a:t>have, a, good. </a:t>
+            </a:r>
+            <a:r>
+              <a:rPr lang="en-US" b="0" i="0" dirty="0">
+                <a:solidFill>
+                  <a:srgbClr val="292929"/>
+                </a:solidFill>
+                <a:effectLst/>
+                <a:latin typeface="+mn-lt"/>
+              </a:rPr>
+              <a:t>In this example, we want to predict a target word (</a:t>
+            </a:r>
+            <a:r>
+              <a:rPr lang="en-US" b="0" i="1" dirty="0">
+                <a:solidFill>
+                  <a:srgbClr val="292929"/>
+                </a:solidFill>
+                <a:effectLst/>
+                <a:latin typeface="+mn-lt"/>
+              </a:rPr>
+              <a:t>d</a:t>
+            </a:r>
+            <a:r>
+              <a:rPr lang="en-US" b="0" i="0" dirty="0">
+                <a:solidFill>
+                  <a:srgbClr val="292929"/>
+                </a:solidFill>
+                <a:effectLst/>
+                <a:latin typeface="+mn-lt"/>
+              </a:rPr>
+              <a:t>ay</a:t>
+            </a:r>
+            <a:r>
+              <a:rPr lang="en-US" b="0" i="1" dirty="0">
+                <a:solidFill>
+                  <a:srgbClr val="292929"/>
+                </a:solidFill>
+                <a:effectLst/>
+                <a:latin typeface="+mn-lt"/>
+              </a:rPr>
+              <a:t>) </a:t>
+            </a:r>
+            <a:r>
+              <a:rPr lang="en-US" b="0" i="0" dirty="0">
+                <a:solidFill>
+                  <a:srgbClr val="292929"/>
+                </a:solidFill>
+                <a:effectLst/>
+                <a:latin typeface="+mn-lt"/>
+              </a:rPr>
+              <a:t>using these context words.  More specifically, we use one hot encoding of the input words and measure the output error compared to one hot encoding of the target word, </a:t>
+            </a:r>
+            <a:r>
+              <a:rPr lang="en-US" b="0" i="1" dirty="0">
+                <a:solidFill>
+                  <a:srgbClr val="292929"/>
+                </a:solidFill>
+                <a:effectLst/>
+                <a:latin typeface="+mn-lt"/>
+              </a:rPr>
+              <a:t>d</a:t>
+            </a:r>
+            <a:r>
+              <a:rPr lang="en-US" b="0" i="0" dirty="0">
+                <a:solidFill>
+                  <a:srgbClr val="292929"/>
+                </a:solidFill>
+                <a:effectLst/>
+                <a:latin typeface="+mn-lt"/>
+              </a:rPr>
+              <a:t>ay in this case.</a:t>
+            </a:r>
+            <a:r>
+              <a:rPr lang="en-US" b="0" i="1" dirty="0">
+                <a:solidFill>
+                  <a:srgbClr val="292929"/>
+                </a:solidFill>
+                <a:effectLst/>
+                <a:latin typeface="+mn-lt"/>
+              </a:rPr>
+              <a:t> </a:t>
+            </a:r>
+            <a:r>
+              <a:rPr lang="en-US" b="0" i="0" dirty="0">
+                <a:solidFill>
+                  <a:srgbClr val="292929"/>
+                </a:solidFill>
+                <a:effectLst/>
+                <a:latin typeface="+mn-lt"/>
+              </a:rPr>
+              <a:t>In the process of predicting the target word, we learn its vector representation.</a:t>
+            </a:r>
+          </a:p>
+          <a:p>
+            <a:pPr algn="l"/>
+            <a:endParaRPr lang="en-US" b="0" i="0" dirty="0">
+              <a:solidFill>
+                <a:srgbClr val="292929"/>
+              </a:solidFill>
+              <a:effectLst/>
+              <a:latin typeface="+mn-lt"/>
+            </a:endParaRPr>
+          </a:p>
+          <a:p>
+            <a:pPr algn="l"/>
+            <a:r>
+              <a:rPr lang="en-US" b="0" i="0" dirty="0">
+                <a:solidFill>
+                  <a:srgbClr val="292929"/>
+                </a:solidFill>
+                <a:effectLst/>
+                <a:latin typeface="+mn-lt"/>
+              </a:rPr>
+              <a:t>Let’s look deeper into the actual architecture.</a:t>
+            </a:r>
+          </a:p>
+          <a:p>
+            <a:pPr algn="l"/>
+            <a:endParaRPr lang="en-US" b="0" i="0" dirty="0">
+              <a:solidFill>
+                <a:srgbClr val="292929"/>
+              </a:solidFill>
+              <a:effectLst/>
+              <a:latin typeface="+mn-lt"/>
+            </a:endParaRPr>
+          </a:p>
+          <a:p>
+            <a:pPr algn="l"/>
+            <a:r>
+              <a:rPr lang="en-US" b="0" i="0" dirty="0">
+                <a:solidFill>
+                  <a:srgbClr val="292929"/>
+                </a:solidFill>
+                <a:effectLst/>
+                <a:latin typeface="+mn-lt"/>
+              </a:rPr>
+              <a:t>The input to the neural network is a one hot encoded vector – labeled V for Vocabulary – of size N, with one input for each word. The hidden layer (D) contains M neurons or nodes, with the number of nodes or neurons in this layer set by Word2Vec’s size argument.  Word vector sizes vary, though dimensions of 768 and 1024 are common.  And finally, the output is a vector (labelled V for vocabulary) of size N, with each element being a softmax value.</a:t>
+            </a:r>
+          </a:p>
+          <a:p>
+            <a:pPr algn="l"/>
+            <a:endParaRPr lang="en-US" b="0" i="0" dirty="0">
+              <a:solidFill>
+                <a:srgbClr val="292929"/>
+              </a:solidFill>
+              <a:effectLst/>
+              <a:latin typeface="+mn-lt"/>
+            </a:endParaRPr>
+          </a:p>
+          <a:p>
+            <a:pPr algn="l"/>
+            <a:r>
+              <a:rPr lang="en-US" b="0" i="0" dirty="0">
+                <a:solidFill>
+                  <a:srgbClr val="292929"/>
+                </a:solidFill>
+                <a:effectLst/>
+                <a:latin typeface="+mn-lt"/>
+              </a:rPr>
+              <a:t>Let’s review the terms in this image:</a:t>
+            </a:r>
+            <a:br>
+              <a:rPr lang="en-US" b="0" i="0" dirty="0">
+                <a:solidFill>
+                  <a:srgbClr val="292929"/>
+                </a:solidFill>
+                <a:effectLst/>
+                <a:latin typeface="+mn-lt"/>
+              </a:rPr>
+            </a:br>
+            <a:r>
+              <a:rPr lang="en-US" b="0" i="1" dirty="0">
+                <a:solidFill>
+                  <a:srgbClr val="292929"/>
+                </a:solidFill>
+                <a:effectLst/>
+                <a:latin typeface="+mn-lt"/>
+              </a:rPr>
+              <a:t>- This is a simple neural network with 3 layers – input, hidden, and output.</a:t>
+            </a:r>
+          </a:p>
+          <a:p>
+            <a:pPr algn="l"/>
+            <a:r>
+              <a:rPr lang="en-US" b="0" i="1" dirty="0">
+                <a:solidFill>
+                  <a:srgbClr val="292929"/>
+                </a:solidFill>
+                <a:effectLst/>
+                <a:latin typeface="+mn-lt"/>
+              </a:rPr>
+              <a:t>- W is the weight matrix that maps the input V to the hidden layer (a V*D dimensional matrix)</a:t>
+            </a:r>
+            <a:br>
+              <a:rPr lang="en-US" b="0" i="1" dirty="0">
+                <a:solidFill>
+                  <a:srgbClr val="292929"/>
+                </a:solidFill>
+                <a:effectLst/>
+                <a:latin typeface="+mn-lt"/>
+              </a:rPr>
+            </a:br>
+            <a:r>
+              <a:rPr lang="en-US" b="0" i="0" dirty="0">
+                <a:solidFill>
+                  <a:srgbClr val="292929"/>
+                </a:solidFill>
+                <a:effectLst/>
+                <a:latin typeface="+mn-lt"/>
+              </a:rPr>
+              <a:t>- </a:t>
+            </a:r>
+            <a:r>
+              <a:rPr lang="en-US" b="0" i="1" dirty="0">
+                <a:solidFill>
+                  <a:srgbClr val="292929"/>
+                </a:solidFill>
+                <a:effectLst/>
+                <a:latin typeface="+mn-lt"/>
+              </a:rPr>
+              <a:t>W’ is the weight matrix that maps the hidden layer outputs to the output layer (a D*V dimensional matrix)</a:t>
+            </a:r>
+          </a:p>
+          <a:p>
+            <a:pPr algn="l"/>
+            <a:r>
+              <a:rPr lang="en-US" b="0" i="1" dirty="0">
+                <a:solidFill>
+                  <a:srgbClr val="292929"/>
+                </a:solidFill>
+                <a:effectLst/>
+                <a:latin typeface="+mn-lt"/>
+              </a:rPr>
+              <a:t>- The dashed arrow lines indicate the direction of forward propagation as well as the fact that these are fully connected layers</a:t>
+            </a:r>
+          </a:p>
+          <a:p>
+            <a:pPr algn="l"/>
+            <a:endParaRPr lang="en-US" b="0" i="0" dirty="0">
+              <a:solidFill>
+                <a:srgbClr val="292929"/>
+              </a:solidFill>
+              <a:effectLst/>
+              <a:latin typeface="+mn-lt"/>
+            </a:endParaRPr>
+          </a:p>
+          <a:p>
+            <a:pPr algn="l"/>
+            <a:r>
+              <a:rPr lang="en-US" b="0" i="0" dirty="0">
+                <a:solidFill>
+                  <a:srgbClr val="292929"/>
+                </a:solidFill>
+                <a:effectLst/>
+                <a:latin typeface="+mn-lt"/>
+              </a:rPr>
+              <a:t>I won’t get into the mathematics. We’ll just get an idea of what’s going on.  Let’s zoom in on that hidden layer.</a:t>
             </a:r>
           </a:p>
           <a:p>
@@ -1307,6 +1335,10 @@
               <a:latin typeface="charter"/>
             </a:endParaRPr>
           </a:p>
+          <a:p>
+            <a:pPr algn="l"/>
+            <a:endParaRPr lang="en-US" dirty="0"/>
+          </a:p>
         </p:txBody>
       </p:sp>
       <p:sp>
@@ -1326,7 +1358,7 @@
           <a:p>
             <a:fld id="{3148858F-F1DB-4027-9C85-CCA6849540DD}" type="slidenum">
               <a:rPr lang="en-US" smtClean="0"/>
-              <a:t>12</a:t>
+              <a:t>13</a:t>
             </a:fld>
             <a:endParaRPr lang="en-US"/>
           </a:p>
@@ -1335,7 +1367,7 @@
     </p:spTree>
     <p:extLst>
       <p:ext uri="{BB962C8B-B14F-4D97-AF65-F5344CB8AC3E}">
-        <p14:creationId xmlns:p14="http://schemas.microsoft.com/office/powerpoint/2010/main" val="775656603"/>
+        <p14:creationId xmlns:p14="http://schemas.microsoft.com/office/powerpoint/2010/main" val="2773462212"/>
       </p:ext>
     </p:extLst>
   </p:cSld>
@@ -1398,30 +1430,17 @@
                 <a:effectLst/>
                 <a:latin typeface="+mn-lt"/>
               </a:rPr>
-              <a:t>So far, we have seen how a missing word can be predicted, using context words.  The CBOW architecture does just that.  Here we see that the context words predict </a:t>
-            </a:r>
-            <a:r>
-              <a:rPr lang="en-US" b="1" i="0" dirty="0">
-                <a:solidFill>
-                  <a:srgbClr val="292929"/>
-                </a:solidFill>
-                <a:effectLst/>
-                <a:latin typeface="+mn-lt"/>
-              </a:rPr>
-              <a:t>cat</a:t>
-            </a:r>
-            <a:r>
-              <a:rPr lang="en-US" b="0" i="0" dirty="0">
-                <a:solidFill>
-                  <a:srgbClr val="292929"/>
-                </a:solidFill>
-                <a:effectLst/>
-                <a:latin typeface="+mn-lt"/>
-              </a:rPr>
-              <a:t> as the missing word. CBOW is relatively fast and generates better representations for more frequent words.  But we can flip this model…</a:t>
-            </a:r>
-            <a:endParaRPr lang="en-US" dirty="0">
-              <a:latin typeface="+mn-lt"/>
+              <a:t>In this example, the one hot encoded input vector is displayed, with 1’s indicating the presence of a specific word and 0’s indicating absence.  Unlike a traditional neural network, there is no activation function like sigmoid, tanh, or ReLU. The only non-linearity is the softmax calculations in the output layer.  All that is present in the hidden nodes is a net input function that sums up the incoming values – the values in the input vector multiplied by the weights in the W matrix.  In the output on the right, we see that softmax is 95% certain that the next word is ‘day’ with a 5% probability that it is ‘great.’  Keep in mind that softmax output always sums to 1 or 100%, as is the case here.</a:t>
+            </a:r>
+          </a:p>
+          <a:p>
+            <a:pPr algn="l"/>
+            <a:endParaRPr lang="en-US" b="0" i="0" dirty="0">
+              <a:solidFill>
+                <a:srgbClr val="292929"/>
+              </a:solidFill>
+              <a:effectLst/>
+              <a:latin typeface="charter"/>
             </a:endParaRPr>
           </a:p>
         </p:txBody>
@@ -1443,7 +1462,7 @@
           <a:p>
             <a:fld id="{3148858F-F1DB-4027-9C85-CCA6849540DD}" type="slidenum">
               <a:rPr lang="en-US" smtClean="0"/>
-              <a:t>13</a:t>
+              <a:t>14</a:t>
             </a:fld>
             <a:endParaRPr lang="en-US"/>
           </a:p>
@@ -1452,7 +1471,7 @@
     </p:spTree>
     <p:extLst>
       <p:ext uri="{BB962C8B-B14F-4D97-AF65-F5344CB8AC3E}">
-        <p14:creationId xmlns:p14="http://schemas.microsoft.com/office/powerpoint/2010/main" val="4223312273"/>
+        <p14:creationId xmlns:p14="http://schemas.microsoft.com/office/powerpoint/2010/main" val="775656603"/>
       </p:ext>
     </p:extLst>
   </p:cSld>
@@ -1515,8 +1534,31 @@
                 <a:effectLst/>
                 <a:latin typeface="+mn-lt"/>
               </a:rPr>
-              <a:t>With the Skip-Gram architecture, a single target word is used to predict all its context words. Skip Gram works well with small amounts of data and is found to represent rare words well.</a:t>
-            </a:r>
+              <a:t>So far, we have seen how a missing word can be predicted, using context words.  The CBOW architecture does just that.  Here we see that the context words predict </a:t>
+            </a:r>
+            <a:r>
+              <a:rPr lang="en-US" b="1" i="0" dirty="0">
+                <a:solidFill>
+                  <a:srgbClr val="292929"/>
+                </a:solidFill>
+                <a:effectLst/>
+                <a:latin typeface="+mn-lt"/>
+              </a:rPr>
+              <a:t>cat</a:t>
+            </a:r>
+            <a:r>
+              <a:rPr lang="en-US" b="0" i="0" dirty="0">
+                <a:solidFill>
+                  <a:srgbClr val="292929"/>
+                </a:solidFill>
+                <a:effectLst/>
+                <a:latin typeface="+mn-lt"/>
+              </a:rPr>
+              <a:t> as the missing word. CBOW is relatively fast and generates better representations for more frequent words.  But we can flip this model…</a:t>
+            </a:r>
+            <a:endParaRPr lang="en-US" dirty="0">
+              <a:latin typeface="+mn-lt"/>
+            </a:endParaRPr>
           </a:p>
         </p:txBody>
       </p:sp>
@@ -1537,7 +1579,7 @@
           <a:p>
             <a:fld id="{3148858F-F1DB-4027-9C85-CCA6849540DD}" type="slidenum">
               <a:rPr lang="en-US" smtClean="0"/>
-              <a:t>14</a:t>
+              <a:t>15</a:t>
             </a:fld>
             <a:endParaRPr lang="en-US"/>
           </a:p>
@@ -1546,7 +1588,7 @@
     </p:spTree>
     <p:extLst>
       <p:ext uri="{BB962C8B-B14F-4D97-AF65-F5344CB8AC3E}">
-        <p14:creationId xmlns:p14="http://schemas.microsoft.com/office/powerpoint/2010/main" val="2760553801"/>
+        <p14:creationId xmlns:p14="http://schemas.microsoft.com/office/powerpoint/2010/main" val="4223312273"/>
       </p:ext>
     </p:extLst>
   </p:cSld>
@@ -1600,167 +1642,17 @@
           <a:bodyPr/>
           <a:lstStyle/>
           <a:p>
-            <a:pPr marL="0" marR="0">
-              <a:spcBef>
-                <a:spcPts val="0"/>
-              </a:spcBef>
-              <a:spcAft>
-                <a:spcPts val="0"/>
-              </a:spcAft>
-            </a:pPr>
-            <a:r>
-              <a:rPr lang="en-US" sz="1200" dirty="0">
+            <a:pPr algn="l"/>
+            <a:r>
+              <a:rPr lang="en-US" b="0" i="0" dirty="0">
+                <a:solidFill>
+                  <a:srgbClr val="292929"/>
+                </a:solidFill>
                 <a:effectLst/>
                 <a:latin typeface="+mn-lt"/>
-                <a:ea typeface="Calibri" panose="020F0502020204030204" pitchFamily="34" charset="0"/>
-              </a:rPr>
-              <a:t>In conclusion, the essence of embeddings is this:  words that appear closely together are moved closer together in a vector space. When you iterate on that, it moves synonyms close together, because synonyms have the same words around them.  </a:t>
-            </a:r>
-          </a:p>
-          <a:p>
-            <a:pPr marL="0" marR="0">
-              <a:spcBef>
-                <a:spcPts val="0"/>
-              </a:spcBef>
-              <a:spcAft>
-                <a:spcPts val="0"/>
-              </a:spcAft>
-            </a:pPr>
-            <a:r>
-              <a:rPr lang="en-US" sz="1200" dirty="0">
-                <a:effectLst/>
-                <a:latin typeface="+mn-lt"/>
-                <a:ea typeface="Calibri" panose="020F0502020204030204" pitchFamily="34" charset="0"/>
-              </a:rPr>
-              <a:t> </a:t>
-            </a:r>
-          </a:p>
-          <a:p>
-            <a:pPr marL="0" marR="0">
-              <a:spcBef>
-                <a:spcPts val="0"/>
-              </a:spcBef>
-              <a:spcAft>
-                <a:spcPts val="0"/>
-              </a:spcAft>
-            </a:pPr>
-            <a:r>
-              <a:rPr lang="en-US" sz="1200" dirty="0">
-                <a:effectLst/>
-                <a:latin typeface="+mn-lt"/>
-                <a:ea typeface="Calibri" panose="020F0502020204030204" pitchFamily="34" charset="0"/>
-              </a:rPr>
-              <a:t>For example, grapefruit is my favorite citrus. Grapefruits grow on a tree. The orange is also citrus. Now you can see how processing thousands of sentences like these would create a connection between citrus, orange, and grapefruit.  Just as juice, fruit, and tree are similar. All based on word proximity.</a:t>
-            </a:r>
-          </a:p>
-          <a:p>
-            <a:pPr marL="0" marR="0">
-              <a:spcBef>
-                <a:spcPts val="0"/>
-              </a:spcBef>
-              <a:spcAft>
-                <a:spcPts val="0"/>
-              </a:spcAft>
-            </a:pPr>
-            <a:r>
-              <a:rPr lang="en-US" sz="1200" dirty="0">
-                <a:effectLst/>
-                <a:latin typeface="+mn-lt"/>
-                <a:ea typeface="Calibri" panose="020F0502020204030204" pitchFamily="34" charset="0"/>
-              </a:rPr>
-              <a:t>  </a:t>
-            </a:r>
-          </a:p>
-          <a:p>
-            <a:pPr marL="0" marR="0">
-              <a:spcBef>
-                <a:spcPts val="0"/>
-              </a:spcBef>
-              <a:spcAft>
-                <a:spcPts val="0"/>
-              </a:spcAft>
-            </a:pPr>
-            <a:r>
-              <a:rPr lang="en-US" sz="1200" dirty="0">
-                <a:effectLst/>
-                <a:latin typeface="+mn-lt"/>
-                <a:ea typeface="Calibri" panose="020F0502020204030204" pitchFamily="34" charset="0"/>
-              </a:rPr>
-              <a:t>The main problem with this approach is it only creates 1 embedding per word… hence, more recent NLP models such as BERT and GPT support contextualized embeddings, that is, multiple embeddings per word, to represent different meanings of a word.</a:t>
-            </a:r>
-          </a:p>
-          <a:p>
-            <a:pPr marL="0" marR="0">
-              <a:spcBef>
-                <a:spcPts val="0"/>
-              </a:spcBef>
-              <a:spcAft>
-                <a:spcPts val="0"/>
-              </a:spcAft>
-            </a:pPr>
-            <a:r>
-              <a:rPr lang="en-US" sz="1200" dirty="0">
-                <a:effectLst/>
-                <a:latin typeface="+mn-lt"/>
-                <a:ea typeface="Calibri" panose="020F0502020204030204" pitchFamily="34" charset="0"/>
-              </a:rPr>
-              <a:t> </a:t>
-            </a:r>
-          </a:p>
-          <a:p>
-            <a:pPr marL="0" marR="0">
-              <a:spcBef>
-                <a:spcPts val="0"/>
-              </a:spcBef>
-              <a:spcAft>
-                <a:spcPts val="0"/>
-              </a:spcAft>
-            </a:pPr>
-            <a:r>
-              <a:rPr lang="en-US" sz="1200" dirty="0">
-                <a:effectLst/>
-                <a:latin typeface="+mn-lt"/>
-                <a:ea typeface="Calibri" panose="020F0502020204030204" pitchFamily="34" charset="0"/>
-              </a:rPr>
-              <a:t>(E. Stubbs Email: 05.21.21)</a:t>
-            </a:r>
-            <a:endParaRPr lang="en-US" sz="1200" dirty="0">
-              <a:latin typeface="+mn-lt"/>
-            </a:endParaRPr>
-          </a:p>
-          <a:p>
-            <a:pPr marL="0" marR="0" lvl="0" indent="0" algn="l" defTabSz="914400" rtl="0" eaLnBrk="1" fontAlgn="auto" latinLnBrk="0" hangingPunct="1">
-              <a:lnSpc>
-                <a:spcPct val="100000"/>
-              </a:lnSpc>
-              <a:spcBef>
-                <a:spcPts val="0"/>
-              </a:spcBef>
-              <a:spcAft>
-                <a:spcPts val="0"/>
-              </a:spcAft>
-              <a:buClrTx/>
-              <a:buSzTx/>
-              <a:buFontTx/>
-              <a:buNone/>
-              <a:tabLst/>
-              <a:defRPr/>
-            </a:pPr>
-            <a:endParaRPr lang="en-US" dirty="0"/>
-          </a:p>
-          <a:p>
-            <a:pPr algn="l"/>
-            <a:endParaRPr lang="en-US" b="0" i="0" dirty="0">
-              <a:solidFill>
-                <a:srgbClr val="3C3C3B"/>
-              </a:solidFill>
-              <a:effectLst/>
-              <a:latin typeface="Lato"/>
-            </a:endParaRPr>
-          </a:p>
-          <a:p>
-            <a:pPr algn="l"/>
-            <a:endParaRPr lang="en-US" dirty="0"/>
+              </a:rPr>
+              <a:t>With the Skip-Gram architecture, a single target word is used to predict all its context words. Skip Gram works well with small amounts of data and is found to represent rare words well.</a:t>
+            </a:r>
           </a:p>
         </p:txBody>
       </p:sp>
@@ -1781,7 +1673,7 @@
           <a:p>
             <a:fld id="{3148858F-F1DB-4027-9C85-CCA6849540DD}" type="slidenum">
               <a:rPr lang="en-US" smtClean="0"/>
-              <a:t>15</a:t>
+              <a:t>16</a:t>
             </a:fld>
             <a:endParaRPr lang="en-US"/>
           </a:p>
@@ -1790,7 +1682,7 @@
     </p:spTree>
     <p:extLst>
       <p:ext uri="{BB962C8B-B14F-4D97-AF65-F5344CB8AC3E}">
-        <p14:creationId xmlns:p14="http://schemas.microsoft.com/office/powerpoint/2010/main" val="3603398227"/>
+        <p14:creationId xmlns:p14="http://schemas.microsoft.com/office/powerpoint/2010/main" val="2760553801"/>
       </p:ext>
     </p:extLst>
   </p:cSld>
@@ -1844,98 +1736,130 @@
           <a:bodyPr/>
           <a:lstStyle/>
           <a:p>
-            <a:pPr marL="0" marR="0" lvl="0" indent="0" algn="l" defTabSz="914400" rtl="0" eaLnBrk="1" fontAlgn="auto" latinLnBrk="0" hangingPunct="1">
-              <a:lnSpc>
-                <a:spcPct val="100000"/>
-              </a:lnSpc>
+            <a:pPr marL="0" marR="0">
               <a:spcBef>
                 <a:spcPts val="0"/>
               </a:spcBef>
               <a:spcAft>
                 <a:spcPts val="0"/>
               </a:spcAft>
-              <a:buClrTx/>
-              <a:buSzTx/>
-              <a:buFontTx/>
-              <a:buNone/>
-              <a:tabLst/>
-              <a:defRPr/>
             </a:pPr>
             <a:r>
               <a:rPr lang="en-US" sz="1200" dirty="0">
-                <a:solidFill>
-                  <a:schemeClr val="tx1">
-                    <a:lumMod val="65000"/>
-                    <a:lumOff val="35000"/>
-                  </a:schemeClr>
-                </a:solidFill>
-                <a:latin typeface="Palatino Linotype" panose="02040502050505030304" pitchFamily="18" charset="0"/>
-              </a:rPr>
-              <a:t>Our last notebook in this workshop series consists of two exercises.  (You will want to run the code blocks at the start of the notebook before starting the exercises.)</a:t>
-            </a:r>
-          </a:p>
-          <a:p>
-            <a:pPr marL="171450" marR="0" lvl="0" indent="-171450" algn="l" defTabSz="914400" rtl="0" eaLnBrk="1" fontAlgn="auto" latinLnBrk="0" hangingPunct="1">
-              <a:lnSpc>
-                <a:spcPct val="100000"/>
-              </a:lnSpc>
+                <a:effectLst/>
+                <a:latin typeface="+mn-lt"/>
+                <a:ea typeface="Calibri" panose="020F0502020204030204" pitchFamily="34" charset="0"/>
+              </a:rPr>
+              <a:t>Let’s wrap up with a quick (high-level) review.  Word embedding is a process whereby words that appear close together in a text are moved closer together in a vector space.  The process is iterative, moving synonyms close together because synonyms have the same words around them.  </a:t>
+            </a:r>
+          </a:p>
+          <a:p>
+            <a:pPr marL="0" marR="0">
               <a:spcBef>
                 <a:spcPts val="0"/>
               </a:spcBef>
               <a:spcAft>
                 <a:spcPts val="0"/>
               </a:spcAft>
-              <a:buClrTx/>
-              <a:buSzTx/>
-              <a:buFont typeface="Arial" panose="020B0604020202020204" pitchFamily="34" charset="0"/>
-              <a:buChar char="•"/>
-              <a:tabLst/>
-              <a:defRPr/>
             </a:pPr>
-            <a:r>
-              <a:rPr lang="en-US" sz="1200" dirty="0">
-                <a:solidFill>
-                  <a:schemeClr val="tx1">
-                    <a:lumMod val="65000"/>
-                    <a:lumOff val="35000"/>
-                  </a:schemeClr>
-                </a:solidFill>
-                <a:latin typeface="Palatino Linotype" panose="02040502050505030304" pitchFamily="18" charset="0"/>
-              </a:rPr>
-              <a:t>4.05 (Vectors for Phrases) – page 201</a:t>
-            </a:r>
-            <a:endParaRPr lang="en-US" dirty="0"/>
-          </a:p>
-          <a:p>
-            <a:pPr marL="171450" marR="0" lvl="0" indent="-171450" algn="l" defTabSz="914400" rtl="0" eaLnBrk="1" fontAlgn="auto" latinLnBrk="0" hangingPunct="1">
-              <a:lnSpc>
-                <a:spcPct val="100000"/>
-              </a:lnSpc>
+            <a:endParaRPr lang="en-US" sz="1200" dirty="0">
+              <a:effectLst/>
+              <a:latin typeface="+mn-lt"/>
+              <a:ea typeface="Calibri" panose="020F0502020204030204" pitchFamily="34" charset="0"/>
+            </a:endParaRPr>
+          </a:p>
+          <a:p>
+            <a:pPr marL="0" marR="0">
               <a:spcBef>
                 <a:spcPts val="0"/>
               </a:spcBef>
               <a:spcAft>
                 <a:spcPts val="0"/>
               </a:spcAft>
-              <a:buClrTx/>
-              <a:buSzTx/>
-              <a:buFont typeface="Arial" panose="020B0604020202020204" pitchFamily="34" charset="0"/>
-              <a:buChar char="•"/>
-              <a:tabLst/>
-              <a:defRPr/>
             </a:pPr>
             <a:r>
               <a:rPr lang="en-US" sz="1200" dirty="0">
-                <a:solidFill>
-                  <a:schemeClr val="tx1">
-                    <a:lumMod val="65000"/>
-                    <a:lumOff val="35000"/>
-                  </a:schemeClr>
-                </a:solidFill>
-                <a:latin typeface="Palatino Linotype" panose="02040502050505030304" pitchFamily="18" charset="0"/>
-              </a:rPr>
-              <a:t>4.06 (Training Word Vectors on Different Datasets) – page 205</a:t>
-            </a:r>
+                <a:effectLst/>
+                <a:latin typeface="+mn-lt"/>
+                <a:ea typeface="Calibri" panose="020F0502020204030204" pitchFamily="34" charset="0"/>
+              </a:rPr>
+              <a:t>Consider, for example, these sentences – “Grapefruit is my favorite citrus.  Grapefruits grow on a tree.  The orange is also a citrus.”  Now you can see how processing thousands of sentences like these would create a connection between citrus, orange, and grapefruit.  Just as juice, fruit, and tree are similar. All based on word proximity.</a:t>
+            </a:r>
+          </a:p>
+          <a:p>
+            <a:pPr marL="0" marR="0">
+              <a:spcBef>
+                <a:spcPts val="0"/>
+              </a:spcBef>
+              <a:spcAft>
+                <a:spcPts val="0"/>
+              </a:spcAft>
+            </a:pPr>
+            <a:r>
+              <a:rPr lang="en-US" sz="1200" dirty="0">
+                <a:effectLst/>
+                <a:latin typeface="+mn-lt"/>
+                <a:ea typeface="Calibri" panose="020F0502020204030204" pitchFamily="34" charset="0"/>
+              </a:rPr>
+              <a:t>  </a:t>
+            </a:r>
+          </a:p>
+          <a:p>
+            <a:pPr marL="0" marR="0">
+              <a:spcBef>
+                <a:spcPts val="0"/>
+              </a:spcBef>
+              <a:spcAft>
+                <a:spcPts val="0"/>
+              </a:spcAft>
+            </a:pPr>
+            <a:r>
+              <a:rPr lang="en-US" sz="1200" dirty="0">
+                <a:effectLst/>
+                <a:latin typeface="+mn-lt"/>
+                <a:ea typeface="Calibri" panose="020F0502020204030204" pitchFamily="34" charset="0"/>
+              </a:rPr>
+              <a:t>The main problem with this approach is it only creates 1 embedding per word… hence, more recent transformer models such as BERT and GPT support contextualized embeddings; that is, multiple embeddings per word, to represent different meanings of a word.  Our transformer workshop covers this new architecture in-depth.</a:t>
+            </a:r>
+          </a:p>
+          <a:p>
+            <a:pPr marL="0" marR="0">
+              <a:spcBef>
+                <a:spcPts val="0"/>
+              </a:spcBef>
+              <a:spcAft>
+                <a:spcPts val="0"/>
+              </a:spcAft>
+            </a:pPr>
+            <a:r>
+              <a:rPr lang="en-US" sz="1200" dirty="0">
+                <a:effectLst/>
+                <a:latin typeface="+mn-lt"/>
+                <a:ea typeface="Calibri" panose="020F0502020204030204" pitchFamily="34" charset="0"/>
+              </a:rPr>
+              <a:t> </a:t>
+            </a:r>
+          </a:p>
+          <a:p>
+            <a:pPr marL="0" marR="0">
+              <a:spcBef>
+                <a:spcPts val="0"/>
+              </a:spcBef>
+              <a:spcAft>
+                <a:spcPts val="0"/>
+              </a:spcAft>
+            </a:pPr>
+            <a:r>
+              <a:rPr lang="en-US" sz="1200" dirty="0">
+                <a:effectLst/>
+                <a:latin typeface="+mn-lt"/>
+                <a:ea typeface="Calibri" panose="020F0502020204030204" pitchFamily="34" charset="0"/>
+              </a:rPr>
+              <a:t>(E. Stubbs Email: 05.21.21)</a:t>
+            </a:r>
+            <a:endParaRPr lang="en-US" sz="1200" dirty="0">
+              <a:latin typeface="+mn-lt"/>
+            </a:endParaRPr>
           </a:p>
           <a:p>
             <a:pPr marL="0" marR="0" lvl="0" indent="0" algn="l" defTabSz="914400" rtl="0" eaLnBrk="1" fontAlgn="auto" latinLnBrk="0" hangingPunct="1">
@@ -1958,43 +1882,17 @@
             <a:endParaRPr lang="en-US" dirty="0"/>
           </a:p>
           <a:p>
-            <a:pPr marL="0" marR="0" lvl="0" indent="0" algn="l" defTabSz="914400" rtl="0" eaLnBrk="1" fontAlgn="auto" latinLnBrk="0" hangingPunct="1">
-              <a:lnSpc>
-                <a:spcPct val="100000"/>
-              </a:lnSpc>
-              <a:spcBef>
-                <a:spcPts val="0"/>
-              </a:spcBef>
-              <a:spcAft>
-                <a:spcPts val="0"/>
-              </a:spcAft>
-              <a:buClrTx/>
-              <a:buSzTx/>
-              <a:buFontTx/>
-              <a:buNone/>
-              <a:tabLst/>
-              <a:defRPr/>
-            </a:pPr>
-            <a:endParaRPr lang="en-US" dirty="0"/>
-          </a:p>
-          <a:p>
-            <a:pPr marL="0" marR="0" lvl="0" indent="0" algn="l" defTabSz="914400" rtl="0" eaLnBrk="1" fontAlgn="auto" latinLnBrk="0" hangingPunct="1">
-              <a:lnSpc>
-                <a:spcPct val="100000"/>
-              </a:lnSpc>
-              <a:spcBef>
-                <a:spcPts val="0"/>
-              </a:spcBef>
-              <a:spcAft>
-                <a:spcPts val="0"/>
-              </a:spcAft>
-              <a:buClrTx/>
-              <a:buSzTx/>
-              <a:buFontTx/>
-              <a:buNone/>
-              <a:tabLst/>
-              <a:defRPr/>
-            </a:pPr>
+            <a:pPr algn="l"/>
+            <a:endParaRPr lang="en-US" b="0" i="0" dirty="0">
+              <a:solidFill>
+                <a:srgbClr val="3C3C3B"/>
+              </a:solidFill>
+              <a:effectLst/>
+              <a:latin typeface="Lato"/>
+            </a:endParaRPr>
+          </a:p>
+          <a:p>
+            <a:pPr algn="l"/>
             <a:endParaRPr lang="en-US" dirty="0"/>
           </a:p>
         </p:txBody>
@@ -2016,7 +1914,7 @@
           <a:p>
             <a:fld id="{3148858F-F1DB-4027-9C85-CCA6849540DD}" type="slidenum">
               <a:rPr lang="en-US" smtClean="0"/>
-              <a:t>16</a:t>
+              <a:t>17</a:t>
             </a:fld>
             <a:endParaRPr lang="en-US"/>
           </a:p>
@@ -2025,7 +1923,7 @@
     </p:spTree>
     <p:extLst>
       <p:ext uri="{BB962C8B-B14F-4D97-AF65-F5344CB8AC3E}">
-        <p14:creationId xmlns:p14="http://schemas.microsoft.com/office/powerpoint/2010/main" val="2820707112"/>
+        <p14:creationId xmlns:p14="http://schemas.microsoft.com/office/powerpoint/2010/main" val="3603398227"/>
       </p:ext>
     </p:extLst>
   </p:cSld>
@@ -2096,6 +1994,168 @@
               <a:tabLst/>
               <a:defRPr/>
             </a:pPr>
+            <a:r>
+              <a:rPr lang="en-US" sz="1200" dirty="0">
+                <a:solidFill>
+                  <a:schemeClr val="tx1">
+                    <a:lumMod val="65000"/>
+                    <a:lumOff val="35000"/>
+                  </a:schemeClr>
+                </a:solidFill>
+                <a:latin typeface="Palatino Linotype" panose="02040502050505030304" pitchFamily="18" charset="0"/>
+              </a:rPr>
+              <a:t>Our last notebook in this workshop series consists of two exercises.  (You will want to run the code blocks at the start of the notebook before starting the exercises.)</a:t>
+            </a:r>
+          </a:p>
+          <a:p>
+            <a:pPr marL="0" marR="0" lvl="0" indent="0" algn="l" defTabSz="914400" rtl="0" eaLnBrk="1" fontAlgn="auto" latinLnBrk="0" hangingPunct="1">
+              <a:lnSpc>
+                <a:spcPct val="100000"/>
+              </a:lnSpc>
+              <a:spcBef>
+                <a:spcPts val="0"/>
+              </a:spcBef>
+              <a:spcAft>
+                <a:spcPts val="0"/>
+              </a:spcAft>
+              <a:buClrTx/>
+              <a:buSzTx/>
+              <a:buFontTx/>
+              <a:buNone/>
+              <a:tabLst/>
+              <a:defRPr/>
+            </a:pPr>
+            <a:endParaRPr lang="en-US" sz="1200" dirty="0">
+              <a:solidFill>
+                <a:schemeClr val="tx1">
+                  <a:lumMod val="65000"/>
+                  <a:lumOff val="35000"/>
+                </a:schemeClr>
+              </a:solidFill>
+              <a:latin typeface="Palatino Linotype" panose="02040502050505030304" pitchFamily="18" charset="0"/>
+            </a:endParaRPr>
+          </a:p>
+          <a:p>
+            <a:pPr marL="171450" marR="0" lvl="0" indent="-171450" algn="l" defTabSz="914400" rtl="0" eaLnBrk="1" fontAlgn="auto" latinLnBrk="0" hangingPunct="1">
+              <a:lnSpc>
+                <a:spcPct val="100000"/>
+              </a:lnSpc>
+              <a:spcBef>
+                <a:spcPts val="0"/>
+              </a:spcBef>
+              <a:spcAft>
+                <a:spcPts val="0"/>
+              </a:spcAft>
+              <a:buClrTx/>
+              <a:buSzTx/>
+              <a:buFont typeface="Arial" panose="020B0604020202020204" pitchFamily="34" charset="0"/>
+              <a:buChar char="•"/>
+              <a:tabLst/>
+              <a:defRPr/>
+            </a:pPr>
+            <a:r>
+              <a:rPr lang="en-US" sz="1200" dirty="0">
+                <a:solidFill>
+                  <a:schemeClr val="tx1">
+                    <a:lumMod val="65000"/>
+                    <a:lumOff val="35000"/>
+                  </a:schemeClr>
+                </a:solidFill>
+                <a:latin typeface="Palatino Linotype" panose="02040502050505030304" pitchFamily="18" charset="0"/>
+              </a:rPr>
+              <a:t>4.05 (Vectors for Phrases) – page 201</a:t>
+            </a:r>
+            <a:endParaRPr lang="en-US" dirty="0"/>
+          </a:p>
+          <a:p>
+            <a:pPr marL="171450" marR="0" lvl="0" indent="-171450" algn="l" defTabSz="914400" rtl="0" eaLnBrk="1" fontAlgn="auto" latinLnBrk="0" hangingPunct="1">
+              <a:lnSpc>
+                <a:spcPct val="100000"/>
+              </a:lnSpc>
+              <a:spcBef>
+                <a:spcPts val="0"/>
+              </a:spcBef>
+              <a:spcAft>
+                <a:spcPts val="0"/>
+              </a:spcAft>
+              <a:buClrTx/>
+              <a:buSzTx/>
+              <a:buFont typeface="Arial" panose="020B0604020202020204" pitchFamily="34" charset="0"/>
+              <a:buChar char="•"/>
+              <a:tabLst/>
+              <a:defRPr/>
+            </a:pPr>
+            <a:r>
+              <a:rPr lang="en-US" sz="1200" dirty="0">
+                <a:solidFill>
+                  <a:schemeClr val="tx1">
+                    <a:lumMod val="65000"/>
+                    <a:lumOff val="35000"/>
+                  </a:schemeClr>
+                </a:solidFill>
+                <a:latin typeface="Palatino Linotype" panose="02040502050505030304" pitchFamily="18" charset="0"/>
+              </a:rPr>
+              <a:t>4.06 (Training Word Vectors on Different Datasets) – page 205</a:t>
+            </a:r>
+          </a:p>
+          <a:p>
+            <a:pPr marL="0" marR="0" lvl="0" indent="0" algn="l" defTabSz="914400" rtl="0" eaLnBrk="1" fontAlgn="auto" latinLnBrk="0" hangingPunct="1">
+              <a:lnSpc>
+                <a:spcPct val="100000"/>
+              </a:lnSpc>
+              <a:spcBef>
+                <a:spcPts val="0"/>
+              </a:spcBef>
+              <a:spcAft>
+                <a:spcPts val="0"/>
+              </a:spcAft>
+              <a:buClrTx/>
+              <a:buSzTx/>
+              <a:buFontTx/>
+              <a:buNone/>
+              <a:tabLst/>
+              <a:defRPr/>
+            </a:pPr>
+            <a:endParaRPr lang="en-US" dirty="0"/>
+          </a:p>
+          <a:p>
+            <a:pPr marL="0" marR="0" lvl="0" indent="0" algn="l" defTabSz="914400" rtl="0" eaLnBrk="1" fontAlgn="auto" latinLnBrk="0" hangingPunct="1">
+              <a:lnSpc>
+                <a:spcPct val="100000"/>
+              </a:lnSpc>
+              <a:spcBef>
+                <a:spcPts val="0"/>
+              </a:spcBef>
+              <a:spcAft>
+                <a:spcPts val="0"/>
+              </a:spcAft>
+              <a:buClrTx/>
+              <a:buSzTx/>
+              <a:buFontTx/>
+              <a:buNone/>
+              <a:tabLst/>
+              <a:defRPr/>
+            </a:pPr>
+            <a:endParaRPr lang="en-US" dirty="0"/>
+          </a:p>
+          <a:p>
+            <a:pPr marL="0" marR="0" lvl="0" indent="0" algn="l" defTabSz="914400" rtl="0" eaLnBrk="1" fontAlgn="auto" latinLnBrk="0" hangingPunct="1">
+              <a:lnSpc>
+                <a:spcPct val="100000"/>
+              </a:lnSpc>
+              <a:spcBef>
+                <a:spcPts val="0"/>
+              </a:spcBef>
+              <a:spcAft>
+                <a:spcPts val="0"/>
+              </a:spcAft>
+              <a:buClrTx/>
+              <a:buSzTx/>
+              <a:buFontTx/>
+              <a:buNone/>
+              <a:tabLst/>
+              <a:defRPr/>
+            </a:pPr>
             <a:endParaRPr lang="en-US" dirty="0"/>
           </a:p>
         </p:txBody>
@@ -2117,7 +2177,7 @@
           <a:p>
             <a:fld id="{3148858F-F1DB-4027-9C85-CCA6849540DD}" type="slidenum">
               <a:rPr lang="en-US" smtClean="0"/>
-              <a:t>17</a:t>
+              <a:t>18</a:t>
             </a:fld>
             <a:endParaRPr lang="en-US"/>
           </a:p>
@@ -2126,7 +2186,7 @@
     </p:spTree>
     <p:extLst>
       <p:ext uri="{BB962C8B-B14F-4D97-AF65-F5344CB8AC3E}">
-        <p14:creationId xmlns:p14="http://schemas.microsoft.com/office/powerpoint/2010/main" val="1974960137"/>
+        <p14:creationId xmlns:p14="http://schemas.microsoft.com/office/powerpoint/2010/main" val="2820707112"/>
       </p:ext>
     </p:extLst>
   </p:cSld>
@@ -2218,7 +2278,7 @@
           <a:p>
             <a:fld id="{3148858F-F1DB-4027-9C85-CCA6849540DD}" type="slidenum">
               <a:rPr lang="en-US" smtClean="0"/>
-              <a:t>18</a:t>
+              <a:t>19</a:t>
             </a:fld>
             <a:endParaRPr lang="en-US"/>
           </a:p>
@@ -2227,7 +2287,7 @@
     </p:spTree>
     <p:extLst>
       <p:ext uri="{BB962C8B-B14F-4D97-AF65-F5344CB8AC3E}">
-        <p14:creationId xmlns:p14="http://schemas.microsoft.com/office/powerpoint/2010/main" val="786363220"/>
+        <p14:creationId xmlns:p14="http://schemas.microsoft.com/office/powerpoint/2010/main" val="1974960137"/>
       </p:ext>
     </p:extLst>
   </p:cSld>
@@ -2298,233 +2358,6 @@
               <a:tabLst/>
               <a:defRPr/>
             </a:pPr>
-            <a:r>
-              <a:rPr lang="en-US" b="0" i="0" dirty="0">
-                <a:solidFill>
-                  <a:srgbClr val="292929"/>
-                </a:solidFill>
-                <a:effectLst/>
-                <a:latin typeface="+mn-lt"/>
-              </a:rPr>
-              <a:t>Instead, our objective is to have words with similar context occupy close spatial positions. Mathematically, the cosine of the angle between such vectors should be close to 1, i.e., angle close to 0.  In this image, Po the Panda is ‘good’ while Master Tigress is ‘great’.</a:t>
-            </a:r>
-          </a:p>
-          <a:p>
-            <a:pPr marL="0" marR="0" lvl="0" indent="0" algn="l" defTabSz="914400" rtl="0" eaLnBrk="1" fontAlgn="auto" latinLnBrk="0" hangingPunct="1">
-              <a:lnSpc>
-                <a:spcPct val="100000"/>
-              </a:lnSpc>
-              <a:spcBef>
-                <a:spcPts val="0"/>
-              </a:spcBef>
-              <a:spcAft>
-                <a:spcPts val="0"/>
-              </a:spcAft>
-              <a:buClrTx/>
-              <a:buSzTx/>
-              <a:buFontTx/>
-              <a:buNone/>
-              <a:tabLst/>
-              <a:defRPr/>
-            </a:pPr>
-            <a:endParaRPr lang="en-US" b="0" i="0" dirty="0">
-              <a:solidFill>
-                <a:srgbClr val="292929"/>
-              </a:solidFill>
-              <a:effectLst/>
-              <a:latin typeface="+mn-lt"/>
-            </a:endParaRPr>
-          </a:p>
-          <a:p>
-            <a:pPr marL="0" marR="0" lvl="0" indent="0" algn="l" defTabSz="914400" rtl="0" eaLnBrk="1" fontAlgn="auto" latinLnBrk="0" hangingPunct="1">
-              <a:lnSpc>
-                <a:spcPct val="100000"/>
-              </a:lnSpc>
-              <a:spcBef>
-                <a:spcPts val="0"/>
-              </a:spcBef>
-              <a:spcAft>
-                <a:spcPts val="0"/>
-              </a:spcAft>
-              <a:buClrTx/>
-              <a:buSzTx/>
-              <a:buFontTx/>
-              <a:buNone/>
-              <a:tabLst/>
-              <a:defRPr/>
-            </a:pPr>
-            <a:r>
-              <a:rPr lang="en-US" b="0" i="0" dirty="0">
-                <a:solidFill>
-                  <a:srgbClr val="292929"/>
-                </a:solidFill>
-                <a:effectLst/>
-                <a:latin typeface="+mn-lt"/>
-              </a:rPr>
-              <a:t>In a nutshell, this leads to the idea of generating </a:t>
-            </a:r>
-            <a:r>
-              <a:rPr lang="en-US" b="0" i="1" dirty="0">
-                <a:solidFill>
-                  <a:srgbClr val="292929"/>
-                </a:solidFill>
-                <a:effectLst/>
-                <a:latin typeface="+mn-lt"/>
-              </a:rPr>
-              <a:t>distributed representations</a:t>
-            </a:r>
-            <a:r>
-              <a:rPr lang="en-US" b="0" i="0" dirty="0">
-                <a:solidFill>
-                  <a:srgbClr val="292929"/>
-                </a:solidFill>
-                <a:effectLst/>
-                <a:latin typeface="+mn-lt"/>
-              </a:rPr>
-              <a:t>. Intuitively, we introduce some </a:t>
-            </a:r>
-            <a:r>
-              <a:rPr lang="en-US" b="0" i="1" dirty="0">
-                <a:solidFill>
-                  <a:srgbClr val="292929"/>
-                </a:solidFill>
-                <a:effectLst/>
-                <a:latin typeface="+mn-lt"/>
-              </a:rPr>
-              <a:t>dependence</a:t>
-            </a:r>
-            <a:r>
-              <a:rPr lang="en-US" b="0" i="0" dirty="0">
-                <a:solidFill>
-                  <a:srgbClr val="292929"/>
-                </a:solidFill>
-                <a:effectLst/>
-                <a:latin typeface="+mn-lt"/>
-              </a:rPr>
-              <a:t> of one word on the other words. The words in the context of this word would get a greater share of this </a:t>
-            </a:r>
-            <a:r>
-              <a:rPr lang="en-US" b="0" i="1" dirty="0">
-                <a:solidFill>
-                  <a:srgbClr val="292929"/>
-                </a:solidFill>
-                <a:effectLst/>
-                <a:latin typeface="+mn-lt"/>
-              </a:rPr>
-              <a:t>dependence.  </a:t>
-            </a:r>
-            <a:r>
-              <a:rPr lang="en-US" b="0" i="0" dirty="0">
-                <a:solidFill>
-                  <a:srgbClr val="292929"/>
-                </a:solidFill>
-                <a:effectLst/>
-                <a:latin typeface="+mn-lt"/>
-              </a:rPr>
-              <a:t>In one hot encoding representations, all the words are independent of each other</a:t>
-            </a:r>
-            <a:r>
-              <a:rPr lang="en-US" b="0" i="1" dirty="0">
-                <a:solidFill>
-                  <a:srgbClr val="292929"/>
-                </a:solidFill>
-                <a:effectLst/>
-                <a:latin typeface="+mn-lt"/>
-              </a:rPr>
-              <a:t>, </a:t>
-            </a:r>
-            <a:r>
-              <a:rPr lang="en-US" b="0" i="0" dirty="0">
-                <a:solidFill>
-                  <a:srgbClr val="292929"/>
-                </a:solidFill>
-                <a:effectLst/>
-                <a:latin typeface="+mn-lt"/>
-              </a:rPr>
-              <a:t>as mentioned earlier.  The goal is to generate an </a:t>
-            </a:r>
-            <a:r>
-              <a:rPr lang="en-US" b="1" i="0" dirty="0">
-                <a:solidFill>
-                  <a:srgbClr val="292929"/>
-                </a:solidFill>
-                <a:effectLst/>
-                <a:latin typeface="+mn-lt"/>
-              </a:rPr>
-              <a:t>embedding </a:t>
-            </a:r>
-            <a:r>
-              <a:rPr lang="en-US" b="0" i="0" dirty="0">
-                <a:solidFill>
-                  <a:srgbClr val="292929"/>
-                </a:solidFill>
-                <a:effectLst/>
-                <a:latin typeface="+mn-lt"/>
-              </a:rPr>
-              <a:t>for each word in a vocabulary, a unique location in a multi-dimensional space which captures its relationship to other words in that vocabulary.</a:t>
-            </a:r>
-            <a:endParaRPr lang="en-US" b="1" i="0" dirty="0">
-              <a:solidFill>
-                <a:srgbClr val="292929"/>
-              </a:solidFill>
-              <a:effectLst/>
-              <a:latin typeface="+mn-lt"/>
-            </a:endParaRPr>
-          </a:p>
-          <a:p>
-            <a:pPr marL="0" marR="0" lvl="0" indent="0" algn="l" defTabSz="914400" rtl="0" eaLnBrk="1" fontAlgn="auto" latinLnBrk="0" hangingPunct="1">
-              <a:lnSpc>
-                <a:spcPct val="100000"/>
-              </a:lnSpc>
-              <a:spcBef>
-                <a:spcPts val="0"/>
-              </a:spcBef>
-              <a:spcAft>
-                <a:spcPts val="0"/>
-              </a:spcAft>
-              <a:buClrTx/>
-              <a:buSzTx/>
-              <a:buFontTx/>
-              <a:buNone/>
-              <a:tabLst/>
-              <a:defRPr/>
-            </a:pPr>
-            <a:endParaRPr lang="en-US" b="0" i="0" dirty="0">
-              <a:solidFill>
-                <a:srgbClr val="292929"/>
-              </a:solidFill>
-              <a:effectLst/>
-              <a:latin typeface="charter"/>
-            </a:endParaRPr>
-          </a:p>
-          <a:p>
-            <a:pPr marL="0" marR="0" lvl="0" indent="0" algn="l" defTabSz="914400" rtl="0" eaLnBrk="1" fontAlgn="auto" latinLnBrk="0" hangingPunct="1">
-              <a:lnSpc>
-                <a:spcPct val="100000"/>
-              </a:lnSpc>
-              <a:spcBef>
-                <a:spcPts val="0"/>
-              </a:spcBef>
-              <a:spcAft>
-                <a:spcPts val="0"/>
-              </a:spcAft>
-              <a:buClrTx/>
-              <a:buSzTx/>
-              <a:buFontTx/>
-              <a:buNone/>
-              <a:tabLst/>
-              <a:defRPr/>
-            </a:pPr>
-            <a:endParaRPr lang="en-US" b="0" i="0" dirty="0">
-              <a:solidFill>
-                <a:srgbClr val="292929"/>
-              </a:solidFill>
-              <a:effectLst/>
-              <a:latin typeface="charter"/>
-            </a:endParaRPr>
-          </a:p>
-          <a:p>
-            <a:pPr algn="l"/>
             <a:endParaRPr lang="en-US" dirty="0"/>
           </a:p>
         </p:txBody>
@@ -2546,7 +2379,7 @@
           <a:p>
             <a:fld id="{3148858F-F1DB-4027-9C85-CCA6849540DD}" type="slidenum">
               <a:rPr lang="en-US" smtClean="0"/>
-              <a:t>19</a:t>
+              <a:t>20</a:t>
             </a:fld>
             <a:endParaRPr lang="en-US"/>
           </a:p>
@@ -2555,7 +2388,7 @@
     </p:spTree>
     <p:extLst>
       <p:ext uri="{BB962C8B-B14F-4D97-AF65-F5344CB8AC3E}">
-        <p14:creationId xmlns:p14="http://schemas.microsoft.com/office/powerpoint/2010/main" val="1453454417"/>
+        <p14:creationId xmlns:p14="http://schemas.microsoft.com/office/powerpoint/2010/main" val="786363220"/>
       </p:ext>
     </p:extLst>
   </p:cSld>
@@ -2611,14 +2444,44 @@
           <a:p>
             <a:pPr algn="l"/>
             <a:r>
-              <a:rPr lang="en-US" b="0" i="0" dirty="0">
+              <a:rPr lang="en-US" b="1" i="0" dirty="0">
                 <a:solidFill>
                   <a:srgbClr val="292929"/>
                 </a:solidFill>
                 <a:effectLst/>
                 <a:latin typeface="+mn-lt"/>
               </a:rPr>
-              <a:t>Word2Vec is a popular word embedding model, developed by Tomas Mikolov in 2013 at Google.  As such, it comes in two flavors (both shallow Neural Networks): Skip Gram and Common Bag Of Words (CBOW).  But before we dive into the details, we need to first answer the question,  What is a word embedding?</a:t>
+              <a:t>Word embedding </a:t>
+            </a:r>
+            <a:r>
+              <a:rPr lang="en-US" b="0" i="0" dirty="0">
+                <a:solidFill>
+                  <a:srgbClr val="292929"/>
+                </a:solidFill>
+                <a:effectLst/>
+                <a:latin typeface="+mn-lt"/>
+              </a:rPr>
+              <a:t>(or </a:t>
+            </a:r>
+            <a:r>
+              <a:rPr lang="en-US" b="1" i="0" dirty="0">
+                <a:solidFill>
+                  <a:srgbClr val="292929"/>
+                </a:solidFill>
+                <a:effectLst/>
+                <a:latin typeface="+mn-lt"/>
+              </a:rPr>
+              <a:t>token embedding </a:t>
+            </a:r>
+            <a:r>
+              <a:rPr lang="en-US" b="0" i="0" dirty="0">
+                <a:solidFill>
+                  <a:srgbClr val="292929"/>
+                </a:solidFill>
+                <a:effectLst/>
+                <a:latin typeface="+mn-lt"/>
+              </a:rPr>
+              <a:t>when we use it on the more general idea of a token) is a bit abstract.  So, let’s begin with a concrete story.</a:t>
             </a:r>
           </a:p>
           <a:p>
@@ -2628,8 +2491,21 @@
                 <a:srgbClr val="292929"/>
               </a:solidFill>
               <a:effectLst/>
-              <a:latin typeface="charter"/>
+              <a:latin typeface="+mn-lt"/>
             </a:endParaRPr>
+          </a:p>
+          <a:p>
+            <a:pPr algn="l"/>
+            <a:r>
+              <a:rPr lang="en-US" b="0" i="0" dirty="0">
+                <a:solidFill>
+                  <a:srgbClr val="292929"/>
+                </a:solidFill>
+                <a:effectLst/>
+                <a:latin typeface="+mn-lt"/>
+              </a:rPr>
+              <a:t>Now imagine you work as an animal wrangler on a movie with a tempestuous director. Today you’re filming a sequence where the human heroes are chased by some animals. The director asks you for a list of animals you can provide to produce a scary chase.  You call your office, and the staff send you a chart of available animals, with the horizontal axis representing each adult animal’s average top speed and the vertical axis representing its average weight.</a:t>
+            </a:r>
           </a:p>
           <a:p>
             <a:pPr algn="l"/>
@@ -2638,8 +2514,67 @@
                 <a:srgbClr val="292929"/>
               </a:solidFill>
               <a:effectLst/>
-              <a:latin typeface="charter"/>
+              <a:latin typeface="+mn-lt"/>
             </a:endParaRPr>
+          </a:p>
+          <a:p>
+            <a:pPr algn="l"/>
+            <a:r>
+              <a:rPr lang="en-US" b="0" i="0" dirty="0">
+                <a:solidFill>
+                  <a:srgbClr val="292929"/>
+                </a:solidFill>
+                <a:effectLst/>
+                <a:latin typeface="+mn-lt"/>
+              </a:rPr>
+              <a:t>But due to a printer error, the chart is missing the labels on the axes, so you have an image of the animals laid out in 2D but you don’t know what the axes mean.</a:t>
+            </a:r>
+          </a:p>
+          <a:p>
+            <a:pPr algn="l"/>
+            <a:endParaRPr lang="en-US" b="0" i="0" dirty="0">
+              <a:solidFill>
+                <a:srgbClr val="292929"/>
+              </a:solidFill>
+              <a:effectLst/>
+              <a:latin typeface="+mn-lt"/>
+            </a:endParaRPr>
+          </a:p>
+          <a:p>
+            <a:pPr algn="l"/>
+            <a:r>
+              <a:rPr lang="en-US" b="0" i="0" dirty="0">
+                <a:solidFill>
+                  <a:srgbClr val="292929"/>
+                </a:solidFill>
+                <a:effectLst/>
+                <a:latin typeface="+mn-lt"/>
+              </a:rPr>
+              <a:t>The director doesn’t even look at the chart. “Horses,” she says, “I want horses!” So, you bring in the horses, and they rehearse the scene.  But the director is unhappy. “No, no, no!” she says. “The horses are too twitchy and quick. They’re like foxes. Give me horses that are less foxlike.”</a:t>
+            </a:r>
+          </a:p>
+          <a:p>
+            <a:pPr algn="l"/>
+            <a:endParaRPr lang="en-US" b="0" i="0" dirty="0">
+              <a:solidFill>
+                <a:srgbClr val="292929"/>
+              </a:solidFill>
+              <a:effectLst/>
+              <a:latin typeface="+mn-lt"/>
+            </a:endParaRPr>
+          </a:p>
+          <a:p>
+            <a:pPr algn="l"/>
+            <a:r>
+              <a:rPr lang="en-US" b="0" i="0" dirty="0">
+                <a:solidFill>
+                  <a:srgbClr val="292929"/>
+                </a:solidFill>
+                <a:effectLst/>
+                <a:latin typeface="+mn-lt"/>
+              </a:rPr>
+              <a:t>How on Earth can you satisfy this request? What does it even mean? Happily, you can do just as she asks with the chart, just by combining arrows.</a:t>
+            </a:r>
           </a:p>
           <a:p>
             <a:endParaRPr lang="en-US" dirty="0">
@@ -2669,7 +2604,7 @@
           <a:p>
             <a:fld id="{3148858F-F1DB-4027-9C85-CCA6849540DD}" type="slidenum">
               <a:rPr lang="en-US" smtClean="0"/>
-              <a:t>2</a:t>
+              <a:t>3</a:t>
             </a:fld>
             <a:endParaRPr lang="en-US"/>
           </a:p>
@@ -2678,7 +2613,7 @@
     </p:spTree>
     <p:extLst>
       <p:ext uri="{BB962C8B-B14F-4D97-AF65-F5344CB8AC3E}">
-        <p14:creationId xmlns:p14="http://schemas.microsoft.com/office/powerpoint/2010/main" val="2238991655"/>
+        <p14:creationId xmlns:p14="http://schemas.microsoft.com/office/powerpoint/2010/main" val="1036858584"/>
       </p:ext>
     </p:extLst>
   </p:cSld>
@@ -2732,6 +2667,334 @@
           <a:bodyPr/>
           <a:lstStyle/>
           <a:p>
+            <a:pPr marL="0" marR="0" lvl="0" indent="0" algn="l" defTabSz="914400" rtl="0" eaLnBrk="1" fontAlgn="auto" latinLnBrk="0" hangingPunct="1">
+              <a:lnSpc>
+                <a:spcPct val="100000"/>
+              </a:lnSpc>
+              <a:spcBef>
+                <a:spcPts val="0"/>
+              </a:spcBef>
+              <a:spcAft>
+                <a:spcPts val="0"/>
+              </a:spcAft>
+              <a:buClrTx/>
+              <a:buSzTx/>
+              <a:buFontTx/>
+              <a:buNone/>
+              <a:tabLst/>
+              <a:defRPr/>
+            </a:pPr>
+            <a:r>
+              <a:rPr lang="en-US" b="0" i="0" dirty="0">
+                <a:solidFill>
+                  <a:srgbClr val="292929"/>
+                </a:solidFill>
+                <a:effectLst/>
+                <a:latin typeface="+mn-lt"/>
+              </a:rPr>
+              <a:t>Instead, our objective is to have words with similar context occupy close spatial positions. Mathematically, the cosine of the angle between such vectors should be close to 1, i.e., angle close to 0.  In this image, Po the Panda is ‘good’ while Master Tigress is ‘great’.</a:t>
+            </a:r>
+          </a:p>
+          <a:p>
+            <a:pPr marL="0" marR="0" lvl="0" indent="0" algn="l" defTabSz="914400" rtl="0" eaLnBrk="1" fontAlgn="auto" latinLnBrk="0" hangingPunct="1">
+              <a:lnSpc>
+                <a:spcPct val="100000"/>
+              </a:lnSpc>
+              <a:spcBef>
+                <a:spcPts val="0"/>
+              </a:spcBef>
+              <a:spcAft>
+                <a:spcPts val="0"/>
+              </a:spcAft>
+              <a:buClrTx/>
+              <a:buSzTx/>
+              <a:buFontTx/>
+              <a:buNone/>
+              <a:tabLst/>
+              <a:defRPr/>
+            </a:pPr>
+            <a:endParaRPr lang="en-US" b="0" i="0" dirty="0">
+              <a:solidFill>
+                <a:srgbClr val="292929"/>
+              </a:solidFill>
+              <a:effectLst/>
+              <a:latin typeface="+mn-lt"/>
+            </a:endParaRPr>
+          </a:p>
+          <a:p>
+            <a:pPr marL="0" marR="0" lvl="0" indent="0" algn="l" defTabSz="914400" rtl="0" eaLnBrk="1" fontAlgn="auto" latinLnBrk="0" hangingPunct="1">
+              <a:lnSpc>
+                <a:spcPct val="100000"/>
+              </a:lnSpc>
+              <a:spcBef>
+                <a:spcPts val="0"/>
+              </a:spcBef>
+              <a:spcAft>
+                <a:spcPts val="0"/>
+              </a:spcAft>
+              <a:buClrTx/>
+              <a:buSzTx/>
+              <a:buFontTx/>
+              <a:buNone/>
+              <a:tabLst/>
+              <a:defRPr/>
+            </a:pPr>
+            <a:r>
+              <a:rPr lang="en-US" b="0" i="0" dirty="0">
+                <a:solidFill>
+                  <a:srgbClr val="292929"/>
+                </a:solidFill>
+                <a:effectLst/>
+                <a:latin typeface="+mn-lt"/>
+              </a:rPr>
+              <a:t>In a nutshell, this leads to the idea of generating </a:t>
+            </a:r>
+            <a:r>
+              <a:rPr lang="en-US" b="0" i="1" dirty="0">
+                <a:solidFill>
+                  <a:srgbClr val="292929"/>
+                </a:solidFill>
+                <a:effectLst/>
+                <a:latin typeface="+mn-lt"/>
+              </a:rPr>
+              <a:t>distributed representations</a:t>
+            </a:r>
+            <a:r>
+              <a:rPr lang="en-US" b="0" i="0" dirty="0">
+                <a:solidFill>
+                  <a:srgbClr val="292929"/>
+                </a:solidFill>
+                <a:effectLst/>
+                <a:latin typeface="+mn-lt"/>
+              </a:rPr>
+              <a:t>. Intuitively, we introduce some </a:t>
+            </a:r>
+            <a:r>
+              <a:rPr lang="en-US" b="0" i="1" dirty="0">
+                <a:solidFill>
+                  <a:srgbClr val="292929"/>
+                </a:solidFill>
+                <a:effectLst/>
+                <a:latin typeface="+mn-lt"/>
+              </a:rPr>
+              <a:t>dependence</a:t>
+            </a:r>
+            <a:r>
+              <a:rPr lang="en-US" b="0" i="0" dirty="0">
+                <a:solidFill>
+                  <a:srgbClr val="292929"/>
+                </a:solidFill>
+                <a:effectLst/>
+                <a:latin typeface="+mn-lt"/>
+              </a:rPr>
+              <a:t> of one word on the other words. The words in the context of this word would get a greater share of this </a:t>
+            </a:r>
+            <a:r>
+              <a:rPr lang="en-US" b="0" i="1" dirty="0">
+                <a:solidFill>
+                  <a:srgbClr val="292929"/>
+                </a:solidFill>
+                <a:effectLst/>
+                <a:latin typeface="+mn-lt"/>
+              </a:rPr>
+              <a:t>dependence.  </a:t>
+            </a:r>
+            <a:r>
+              <a:rPr lang="en-US" b="0" i="0" dirty="0">
+                <a:solidFill>
+                  <a:srgbClr val="292929"/>
+                </a:solidFill>
+                <a:effectLst/>
+                <a:latin typeface="+mn-lt"/>
+              </a:rPr>
+              <a:t>In one hot encoding representations, all the words are independent of each other</a:t>
+            </a:r>
+            <a:r>
+              <a:rPr lang="en-US" b="0" i="1" dirty="0">
+                <a:solidFill>
+                  <a:srgbClr val="292929"/>
+                </a:solidFill>
+                <a:effectLst/>
+                <a:latin typeface="+mn-lt"/>
+              </a:rPr>
+              <a:t>, </a:t>
+            </a:r>
+            <a:r>
+              <a:rPr lang="en-US" b="0" i="0" dirty="0">
+                <a:solidFill>
+                  <a:srgbClr val="292929"/>
+                </a:solidFill>
+                <a:effectLst/>
+                <a:latin typeface="+mn-lt"/>
+              </a:rPr>
+              <a:t>as mentioned earlier.  The goal is to generate an </a:t>
+            </a:r>
+            <a:r>
+              <a:rPr lang="en-US" b="1" i="0" dirty="0">
+                <a:solidFill>
+                  <a:srgbClr val="292929"/>
+                </a:solidFill>
+                <a:effectLst/>
+                <a:latin typeface="+mn-lt"/>
+              </a:rPr>
+              <a:t>embedding </a:t>
+            </a:r>
+            <a:r>
+              <a:rPr lang="en-US" b="0" i="0" dirty="0">
+                <a:solidFill>
+                  <a:srgbClr val="292929"/>
+                </a:solidFill>
+                <a:effectLst/>
+                <a:latin typeface="+mn-lt"/>
+              </a:rPr>
+              <a:t>for each word in a vocabulary, a unique location in a multi-dimensional space which captures its relationship to other words in that vocabulary.</a:t>
+            </a:r>
+            <a:endParaRPr lang="en-US" b="1" i="0" dirty="0">
+              <a:solidFill>
+                <a:srgbClr val="292929"/>
+              </a:solidFill>
+              <a:effectLst/>
+              <a:latin typeface="+mn-lt"/>
+            </a:endParaRPr>
+          </a:p>
+          <a:p>
+            <a:pPr marL="0" marR="0" lvl="0" indent="0" algn="l" defTabSz="914400" rtl="0" eaLnBrk="1" fontAlgn="auto" latinLnBrk="0" hangingPunct="1">
+              <a:lnSpc>
+                <a:spcPct val="100000"/>
+              </a:lnSpc>
+              <a:spcBef>
+                <a:spcPts val="0"/>
+              </a:spcBef>
+              <a:spcAft>
+                <a:spcPts val="0"/>
+              </a:spcAft>
+              <a:buClrTx/>
+              <a:buSzTx/>
+              <a:buFontTx/>
+              <a:buNone/>
+              <a:tabLst/>
+              <a:defRPr/>
+            </a:pPr>
+            <a:endParaRPr lang="en-US" b="0" i="0" dirty="0">
+              <a:solidFill>
+                <a:srgbClr val="292929"/>
+              </a:solidFill>
+              <a:effectLst/>
+              <a:latin typeface="charter"/>
+            </a:endParaRPr>
+          </a:p>
+          <a:p>
+            <a:pPr marL="0" marR="0" lvl="0" indent="0" algn="l" defTabSz="914400" rtl="0" eaLnBrk="1" fontAlgn="auto" latinLnBrk="0" hangingPunct="1">
+              <a:lnSpc>
+                <a:spcPct val="100000"/>
+              </a:lnSpc>
+              <a:spcBef>
+                <a:spcPts val="0"/>
+              </a:spcBef>
+              <a:spcAft>
+                <a:spcPts val="0"/>
+              </a:spcAft>
+              <a:buClrTx/>
+              <a:buSzTx/>
+              <a:buFontTx/>
+              <a:buNone/>
+              <a:tabLst/>
+              <a:defRPr/>
+            </a:pPr>
+            <a:endParaRPr lang="en-US" b="0" i="0" dirty="0">
+              <a:solidFill>
+                <a:srgbClr val="292929"/>
+              </a:solidFill>
+              <a:effectLst/>
+              <a:latin typeface="charter"/>
+            </a:endParaRPr>
+          </a:p>
+          <a:p>
+            <a:pPr algn="l"/>
+            <a:endParaRPr lang="en-US" dirty="0"/>
+          </a:p>
+        </p:txBody>
+      </p:sp>
+      <p:sp>
+        <p:nvSpPr>
+          <p:cNvPr id="4" name="Slide Number Placeholder 3"/>
+          <p:cNvSpPr>
+            <a:spLocks noGrp="1"/>
+          </p:cNvSpPr>
+          <p:nvPr>
+            <p:ph type="sldNum" sz="quarter" idx="5"/>
+          </p:nvPr>
+        </p:nvSpPr>
+        <p:spPr/>
+        <p:txBody>
+          <a:bodyPr/>
+          <a:lstStyle/>
+          <a:p>
+            <a:fld id="{3148858F-F1DB-4027-9C85-CCA6849540DD}" type="slidenum">
+              <a:rPr lang="en-US" smtClean="0"/>
+              <a:t>21</a:t>
+            </a:fld>
+            <a:endParaRPr lang="en-US"/>
+          </a:p>
+        </p:txBody>
+      </p:sp>
+    </p:spTree>
+    <p:extLst>
+      <p:ext uri="{BB962C8B-B14F-4D97-AF65-F5344CB8AC3E}">
+        <p14:creationId xmlns:p14="http://schemas.microsoft.com/office/powerpoint/2010/main" val="1453454417"/>
+      </p:ext>
+    </p:extLst>
+  </p:cSld>
+  <p:clrMapOvr>
+    <a:masterClrMapping/>
+  </p:clrMapOvr>
+</p:notes>
+</file>
+
+<file path=ppt/notesSlides/notesSlide21.xml><?xml version="1.0" encoding="utf-8"?>
+<p:notes xmlns:a="http://schemas.openxmlformats.org/drawingml/2006/main" xmlns:r="http://schemas.openxmlformats.org/officeDocument/2006/relationships" xmlns:p="http://schemas.openxmlformats.org/presentationml/2006/main">
+  <p:cSld>
+    <p:spTree>
+      <p:nvGrpSpPr>
+        <p:cNvPr id="1" name=""/>
+        <p:cNvGrpSpPr/>
+        <p:nvPr/>
+      </p:nvGrpSpPr>
+      <p:grpSpPr>
+        <a:xfrm>
+          <a:off x="0" y="0"/>
+          <a:ext cx="0" cy="0"/>
+          <a:chOff x="0" y="0"/>
+          <a:chExt cx="0" cy="0"/>
+        </a:xfrm>
+      </p:grpSpPr>
+      <p:sp>
+        <p:nvSpPr>
+          <p:cNvPr id="2" name="Slide Image Placeholder 1"/>
+          <p:cNvSpPr>
+            <a:spLocks noGrp="1" noRot="1" noChangeAspect="1"/>
+          </p:cNvSpPr>
+          <p:nvPr>
+            <p:ph type="sldImg"/>
+          </p:nvPr>
+        </p:nvSpPr>
+        <p:spPr/>
+      </p:sp>
+      <p:sp>
+        <p:nvSpPr>
+          <p:cNvPr id="3" name="Notes Placeholder 2"/>
+          <p:cNvSpPr>
+            <a:spLocks noGrp="1"/>
+          </p:cNvSpPr>
+          <p:nvPr>
+            <p:ph type="body" idx="1"/>
+          </p:nvPr>
+        </p:nvSpPr>
+        <p:spPr/>
+        <p:txBody>
+          <a:bodyPr/>
+          <a:lstStyle/>
+          <a:p>
             <a:pPr algn="l"/>
             <a:r>
               <a:rPr lang="en-US" dirty="0">
@@ -2903,7 +3166,7 @@
           <a:p>
             <a:fld id="{3148858F-F1DB-4027-9C85-CCA6849540DD}" type="slidenum">
               <a:rPr lang="en-US" smtClean="0"/>
-              <a:t>20</a:t>
+              <a:t>22</a:t>
             </a:fld>
             <a:endParaRPr lang="en-US"/>
           </a:p>
@@ -2966,148 +3229,84 @@
           <a:bodyPr/>
           <a:lstStyle/>
           <a:p>
-            <a:pPr algn="l"/>
-            <a:r>
-              <a:rPr lang="en-US" b="1" i="0" dirty="0">
-                <a:solidFill>
-                  <a:srgbClr val="292929"/>
+            <a:pPr marL="0" marR="0" lvl="0" indent="0" algn="l" defTabSz="914400" rtl="0" eaLnBrk="1" fontAlgn="auto" latinLnBrk="0" hangingPunct="1">
+              <a:lnSpc>
+                <a:spcPct val="100000"/>
+              </a:lnSpc>
+              <a:spcBef>
+                <a:spcPts val="0"/>
+              </a:spcBef>
+              <a:spcAft>
+                <a:spcPts val="0"/>
+              </a:spcAft>
+              <a:buClrTx/>
+              <a:buSzTx/>
+              <a:buFontTx/>
+              <a:buNone/>
+              <a:tabLst/>
+              <a:defRPr/>
+            </a:pPr>
+            <a:r>
+              <a:rPr lang="en-US" sz="1200" b="0" i="0" dirty="0">
+                <a:solidFill>
+                  <a:srgbClr val="3D3B49"/>
                 </a:solidFill>
                 <a:effectLst/>
                 <a:latin typeface="+mn-lt"/>
               </a:rPr>
-              <a:t>Word embedding </a:t>
-            </a:r>
-            <a:r>
-              <a:rPr lang="en-US" b="0" i="0" dirty="0">
-                <a:solidFill>
-                  <a:srgbClr val="292929"/>
-                </a:solidFill>
-                <a:effectLst/>
-                <a:latin typeface="+mn-lt"/>
-              </a:rPr>
-              <a:t>(or </a:t>
-            </a:r>
-            <a:r>
-              <a:rPr lang="en-US" b="1" i="0" dirty="0">
-                <a:solidFill>
-                  <a:srgbClr val="292929"/>
-                </a:solidFill>
-                <a:effectLst/>
-                <a:latin typeface="+mn-lt"/>
-              </a:rPr>
-              <a:t>token embedding </a:t>
-            </a:r>
-            <a:r>
-              <a:rPr lang="en-US" b="0" i="0" dirty="0">
-                <a:solidFill>
-                  <a:srgbClr val="292929"/>
-                </a:solidFill>
-                <a:effectLst/>
-                <a:latin typeface="+mn-lt"/>
-              </a:rPr>
-              <a:t>when we use it on the more general idea of a token) is a bit abstract.  So, let’s begin with a concrete story.</a:t>
-            </a:r>
-          </a:p>
-          <a:p>
-            <a:pPr algn="l"/>
-            <a:endParaRPr lang="en-US" b="0" i="0" dirty="0">
+              <a:t>You only need to do two things with arrows: add them and subtract them. To add arrow B to arrow A, place the tail of B onto the head of A. The new arrow A + B starts at the tail of A, and ends at the head of B, as shown here in the image in the middle. </a:t>
+            </a:r>
+          </a:p>
+          <a:p>
+            <a:pPr marL="0" marR="0" lvl="0" indent="0" algn="l" defTabSz="914400" rtl="0" eaLnBrk="1" fontAlgn="auto" latinLnBrk="0" hangingPunct="1">
+              <a:lnSpc>
+                <a:spcPct val="100000"/>
+              </a:lnSpc>
+              <a:spcBef>
+                <a:spcPts val="0"/>
+              </a:spcBef>
+              <a:spcAft>
+                <a:spcPts val="0"/>
+              </a:spcAft>
+              <a:buClrTx/>
+              <a:buSzTx/>
+              <a:buFontTx/>
+              <a:buNone/>
+              <a:tabLst/>
+              <a:defRPr/>
+            </a:pPr>
+            <a:endParaRPr lang="en-US" sz="1200" b="0" i="0" dirty="0">
               <a:solidFill>
-                <a:srgbClr val="292929"/>
+                <a:srgbClr val="3D3B49"/>
               </a:solidFill>
               <a:effectLst/>
               <a:latin typeface="+mn-lt"/>
             </a:endParaRPr>
           </a:p>
           <a:p>
-            <a:pPr algn="l"/>
-            <a:r>
-              <a:rPr lang="en-US" b="0" i="0" dirty="0">
-                <a:solidFill>
-                  <a:srgbClr val="292929"/>
-                </a:solidFill>
-                <a:effectLst/>
+            <a:pPr marL="0" marR="0" lvl="0" indent="0" algn="l" defTabSz="914400" rtl="0" eaLnBrk="1" fontAlgn="auto" latinLnBrk="0" hangingPunct="1">
+              <a:lnSpc>
+                <a:spcPct val="100000"/>
+              </a:lnSpc>
+              <a:spcBef>
+                <a:spcPts val="0"/>
+              </a:spcBef>
+              <a:spcAft>
+                <a:spcPts val="0"/>
+              </a:spcAft>
+              <a:buClrTx/>
+              <a:buSzTx/>
+              <a:buFontTx/>
+              <a:buNone/>
+              <a:tabLst/>
+              <a:defRPr/>
+            </a:pPr>
+            <a:r>
+              <a:rPr lang="en-US" sz="1200" dirty="0">
                 <a:latin typeface="+mn-lt"/>
               </a:rPr>
-              <a:t>Now imagine you work as an animal wrangler on a movie with a tempestuous director. Today you’re filming a sequence where the human heroes are chased by some animals. The director asks you for a list of animals you can provide to produce a scary chase.  You call your office, and the staff send you a chart of available animals, with the horizontal axis representing each adult animal’s average top speed and the vertical axis representing its average weight.</a:t>
-            </a:r>
-          </a:p>
-          <a:p>
-            <a:pPr algn="l"/>
-            <a:endParaRPr lang="en-US" b="0" i="0" dirty="0">
-              <a:solidFill>
-                <a:srgbClr val="292929"/>
-              </a:solidFill>
-              <a:effectLst/>
-              <a:latin typeface="+mn-lt"/>
-            </a:endParaRPr>
-          </a:p>
-          <a:p>
-            <a:pPr algn="l"/>
-            <a:r>
-              <a:rPr lang="en-US" b="0" i="0" dirty="0">
-                <a:solidFill>
-                  <a:srgbClr val="292929"/>
-                </a:solidFill>
-                <a:effectLst/>
-                <a:latin typeface="+mn-lt"/>
-              </a:rPr>
-              <a:t>But due to a printer error, the chart is missing the labels on the axes, so you have an image of the animals laid out in 2D but you don’t know what the axes mean.</a:t>
-            </a:r>
-          </a:p>
-          <a:p>
-            <a:pPr algn="l"/>
-            <a:endParaRPr lang="en-US" b="0" i="0" dirty="0">
-              <a:solidFill>
-                <a:srgbClr val="292929"/>
-              </a:solidFill>
-              <a:effectLst/>
-              <a:latin typeface="+mn-lt"/>
-            </a:endParaRPr>
-          </a:p>
-          <a:p>
-            <a:pPr algn="l"/>
-            <a:r>
-              <a:rPr lang="en-US" b="0" i="0" dirty="0">
-                <a:solidFill>
-                  <a:srgbClr val="292929"/>
-                </a:solidFill>
-                <a:effectLst/>
-                <a:latin typeface="+mn-lt"/>
-              </a:rPr>
-              <a:t>The director doesn’t even look at the chart. “Horses,” she says, “I want horses!” So, you bring in the horses, and they rehearse the scene.  But the director is unhappy. “No, no, no!” she says. “The horses are too twitchy and quick. They’re like foxes. Give me horses that are less foxlike.”</a:t>
-            </a:r>
-          </a:p>
-          <a:p>
-            <a:pPr algn="l"/>
-            <a:endParaRPr lang="en-US" b="0" i="0" dirty="0">
-              <a:solidFill>
-                <a:srgbClr val="292929"/>
-              </a:solidFill>
-              <a:effectLst/>
-              <a:latin typeface="+mn-lt"/>
-            </a:endParaRPr>
-          </a:p>
-          <a:p>
-            <a:pPr algn="l"/>
-            <a:r>
-              <a:rPr lang="en-US" b="0" i="0" dirty="0">
-                <a:solidFill>
-                  <a:srgbClr val="292929"/>
-                </a:solidFill>
-                <a:effectLst/>
-                <a:latin typeface="+mn-lt"/>
-              </a:rPr>
-              <a:t>How on Earth can you satisfy this request? What does it even mean? Happily, you can do just as she asks with the chart, just by combining arrows.</a:t>
-            </a:r>
-          </a:p>
-          <a:p>
-            <a:endParaRPr lang="en-US" dirty="0">
-              <a:latin typeface="Palatino Linotype" panose="02040502050505030304" pitchFamily="18" charset="0"/>
-            </a:endParaRPr>
-          </a:p>
-          <a:p>
-            <a:pPr algn="l"/>
-            <a:endParaRPr lang="en-US" dirty="0"/>
+              <a:t>To subtract B from A, just flip B around by 180 degrees to make –B, and add together A and –B. The result, A – B, starts at the tail of A and ends at the head of –B, as in the image on the right.</a:t>
+            </a:r>
           </a:p>
         </p:txBody>
       </p:sp>
@@ -3128,7 +3327,7 @@
           <a:p>
             <a:fld id="{3148858F-F1DB-4027-9C85-CCA6849540DD}" type="slidenum">
               <a:rPr lang="en-US" smtClean="0"/>
-              <a:t>3</a:t>
+              <a:t>4</a:t>
             </a:fld>
             <a:endParaRPr lang="en-US"/>
           </a:p>
@@ -3137,7 +3336,7 @@
     </p:spTree>
     <p:extLst>
       <p:ext uri="{BB962C8B-B14F-4D97-AF65-F5344CB8AC3E}">
-        <p14:creationId xmlns:p14="http://schemas.microsoft.com/office/powerpoint/2010/main" val="1036858584"/>
+        <p14:creationId xmlns:p14="http://schemas.microsoft.com/office/powerpoint/2010/main" val="3673858020"/>
       </p:ext>
     </p:extLst>
   </p:cSld>
@@ -3209,14 +3408,8 @@
               <a:defRPr/>
             </a:pPr>
             <a:r>
-              <a:rPr lang="en-US" sz="1200" b="0" i="0" dirty="0">
-                <a:solidFill>
-                  <a:srgbClr val="3D3B49"/>
-                </a:solidFill>
-                <a:effectLst/>
-                <a:latin typeface="+mn-lt"/>
-              </a:rPr>
-              <a:t>You only need to do two things with arrows: add them and subtract them. To add arrow B to arrow A, place the tail of B onto the head of A. The new arrow A + B starts at the tail of A, and ends at the head of B, as shown here in the image in the middle. </a:t>
+              <a:rPr lang="en-US" dirty="0"/>
+              <a:t>Now you can satisfy the director’s desire to remove the fox qualities from the horses. Start by drawing an arrow from the bottom left of the chart to the horse, and another to the fox, as in the image on the left.  </a:t>
             </a:r>
           </a:p>
           <a:p>
@@ -3237,13 +3430,7 @@
               <a:tabLst/>
               <a:defRPr/>
             </a:pPr>
-            <a:endParaRPr lang="en-US" sz="1200" b="0" i="0" dirty="0">
-              <a:solidFill>
-                <a:srgbClr val="3D3B49"/>
-              </a:solidFill>
-              <a:effectLst/>
-              <a:latin typeface="+mn-lt"/>
-            </a:endParaRPr>
+            <a:endParaRPr lang="en-US" dirty="0"/>
           </a:p>
           <a:p>
             <a:pPr marL="0" marR="0" lvl="0" indent="0" algn="l" defTabSz="914400" rtl="0" eaLnBrk="1" fontAlgn="auto" latinLnBrk="0" hangingPunct="1">
@@ -3264,10 +3451,51 @@
               <a:defRPr/>
             </a:pPr>
             <a:r>
-              <a:rPr lang="en-US" sz="1200" dirty="0">
-                <a:latin typeface="+mn-lt"/>
-              </a:rPr>
-              <a:t>To subtract B from A, just flip B around by 180 degrees to make –B, and add together A and –B. The result, A – B, starts at the tail of A and ends at the head of –B, as in the image on the right.</a:t>
+              <a:rPr lang="en-US" dirty="0"/>
+              <a:t>Now subtract foxes from horses, as requested, by subtracting the fox arrow from the horse arrow. Following the rules from the previous slide, that means flipping the fox arrow around and placing its tail at the head of the horse arrow, to arrive at the image on the right.</a:t>
+            </a:r>
+          </a:p>
+          <a:p>
+            <a:pPr marL="0" marR="0" lvl="0" indent="0" algn="l" defTabSz="914400" rtl="0" eaLnBrk="1" fontAlgn="auto" latinLnBrk="0" hangingPunct="1">
+              <a:lnSpc>
+                <a:spcPct val="100000"/>
+              </a:lnSpc>
+              <a:spcBef>
+                <a:spcPts val="0"/>
+              </a:spcBef>
+              <a:spcAft>
+                <a:spcPts val="0"/>
+              </a:spcAft>
+              <a:buClrTx/>
+              <a:buSzTx/>
+              <a:buFontTx/>
+              <a:buNone/>
+              <a:tabLst/>
+              <a:defRPr/>
+            </a:pPr>
+            <a:endParaRPr lang="en-US" dirty="0"/>
+          </a:p>
+          <a:p>
+            <a:pPr marL="0" marR="0" lvl="0" indent="0" algn="l" defTabSz="914400" rtl="0" eaLnBrk="1" fontAlgn="auto" latinLnBrk="0" hangingPunct="1">
+              <a:lnSpc>
+                <a:spcPct val="100000"/>
+              </a:lnSpc>
+              <a:spcBef>
+                <a:spcPts val="0"/>
+              </a:spcBef>
+              <a:spcAft>
+                <a:spcPts val="0"/>
+              </a:spcAft>
+              <a:buClrTx/>
+              <a:buSzTx/>
+              <a:buFontTx/>
+              <a:buNone/>
+              <a:tabLst/>
+              <a:defRPr/>
+            </a:pPr>
+            <a:r>
+              <a:rPr lang="en-US" dirty="0"/>
+              <a:t>A giant sloth. Well, okay, it’s what the director wanted. We can even write this like a little bit of arithmetic: horse – fox = giant sloth (at least, according to our diagram).</a:t>
             </a:r>
           </a:p>
         </p:txBody>
@@ -3289,7 +3517,7 @@
           <a:p>
             <a:fld id="{3148858F-F1DB-4027-9C85-CCA6849540DD}" type="slidenum">
               <a:rPr lang="en-US" smtClean="0"/>
-              <a:t>4</a:t>
+              <a:t>5</a:t>
             </a:fld>
             <a:endParaRPr lang="en-US"/>
           </a:p>
@@ -3298,7 +3526,7 @@
     </p:spTree>
     <p:extLst>
       <p:ext uri="{BB962C8B-B14F-4D97-AF65-F5344CB8AC3E}">
-        <p14:creationId xmlns:p14="http://schemas.microsoft.com/office/powerpoint/2010/main" val="3673858020"/>
+        <p14:creationId xmlns:p14="http://schemas.microsoft.com/office/powerpoint/2010/main" val="4116306801"/>
       </p:ext>
     </p:extLst>
   </p:cSld>
@@ -3371,7 +3599,7 @@
             </a:pPr>
             <a:r>
               <a:rPr lang="en-US" dirty="0"/>
-              <a:t>Now you can satisfy the director’s desire to remove the fox qualities from the horses. Start by drawing an arrow from the bottom left of the chart to the horse, and another to the fox, as in the image on the left.  </a:t>
+              <a:t>The director throws her latte on the ground. “No, no, no! Sure, sloths would look great, but they hardly move! Make them fast! Give me sloths that are like roadrunners!”</a:t>
             </a:r>
           </a:p>
           <a:p>
@@ -3414,7 +3642,7 @@
             </a:pPr>
             <a:r>
               <a:rPr lang="en-US" dirty="0"/>
-              <a:t>Now subtract foxes from horses, as requested, by subtracting the fox arrow from the horse arrow. Following the rules from the previous slide, that means flipping the fox arrow around and placing its tail at the head of the horse arrow, to arrive at the image on the right.</a:t>
+              <a:t>Now we know just how to satisfy this ridiculous demand: find the arrow from the bottom left to the roadrunner, as shown in the image on the left, and add that to the head of the arrow pointing to the sloth, giving us a brown bear. That is, horse – fox + roadrunner = brown bear, as in the image on the right.</a:t>
             </a:r>
           </a:p>
           <a:p>
@@ -3457,7 +3685,136 @@
             </a:pPr>
             <a:r>
               <a:rPr lang="en-US" dirty="0"/>
-              <a:t>A giant sloth. Well, okay, it’s what the director wanted. We can even write this like a little bit of arithmetic: horse – fox = giant sloth (at least, according to our diagram).</a:t>
+              <a:t>You offer the director a group of brown bears (called a sleuth of bears). The director rolls her eyes dramatically. “Finally. Something that’s fast like horses, but not twitchy like foxes, and quick like roadrunners. It’s only what I asked for in the first place.” They shoot the chase scene with bears, and the movie later comes out to great acclaim.</a:t>
+            </a:r>
+          </a:p>
+          <a:p>
+            <a:pPr marL="0" marR="0" lvl="0" indent="0" algn="l" defTabSz="914400" rtl="0" eaLnBrk="1" fontAlgn="auto" latinLnBrk="0" hangingPunct="1">
+              <a:lnSpc>
+                <a:spcPct val="100000"/>
+              </a:lnSpc>
+              <a:spcBef>
+                <a:spcPts val="0"/>
+              </a:spcBef>
+              <a:spcAft>
+                <a:spcPts val="0"/>
+              </a:spcAft>
+              <a:buClrTx/>
+              <a:buSzTx/>
+              <a:buFontTx/>
+              <a:buNone/>
+              <a:tabLst/>
+              <a:defRPr/>
+            </a:pPr>
+            <a:endParaRPr lang="en-US" dirty="0"/>
+          </a:p>
+          <a:p>
+            <a:pPr marL="0" marR="0" lvl="0" indent="0" algn="l" defTabSz="914400" rtl="0" eaLnBrk="1" fontAlgn="auto" latinLnBrk="0" hangingPunct="1">
+              <a:lnSpc>
+                <a:spcPct val="100000"/>
+              </a:lnSpc>
+              <a:spcBef>
+                <a:spcPts val="0"/>
+              </a:spcBef>
+              <a:spcAft>
+                <a:spcPts val="0"/>
+              </a:spcAft>
+              <a:buClrTx/>
+              <a:buSzTx/>
+              <a:buFontTx/>
+              <a:buNone/>
+              <a:tabLst/>
+              <a:defRPr/>
+            </a:pPr>
+            <a:r>
+              <a:rPr lang="en-US" dirty="0"/>
+              <a:t>There are two key elements to this story. The first is that the animals in our chart were laid out in a useful way, even though we didn’t know what that way was, or what the axes represented.</a:t>
+            </a:r>
+          </a:p>
+          <a:p>
+            <a:pPr marL="0" marR="0" lvl="0" indent="0" algn="l" defTabSz="914400" rtl="0" eaLnBrk="1" fontAlgn="auto" latinLnBrk="0" hangingPunct="1">
+              <a:lnSpc>
+                <a:spcPct val="100000"/>
+              </a:lnSpc>
+              <a:spcBef>
+                <a:spcPts val="0"/>
+              </a:spcBef>
+              <a:spcAft>
+                <a:spcPts val="0"/>
+              </a:spcAft>
+              <a:buClrTx/>
+              <a:buSzTx/>
+              <a:buFontTx/>
+              <a:buNone/>
+              <a:tabLst/>
+              <a:defRPr/>
+            </a:pPr>
+            <a:endParaRPr lang="en-US" dirty="0"/>
+          </a:p>
+          <a:p>
+            <a:pPr marL="0" marR="0" lvl="0" indent="0" algn="l" defTabSz="914400" rtl="0" eaLnBrk="1" fontAlgn="auto" latinLnBrk="0" hangingPunct="1">
+              <a:lnSpc>
+                <a:spcPct val="100000"/>
+              </a:lnSpc>
+              <a:spcBef>
+                <a:spcPts val="0"/>
+              </a:spcBef>
+              <a:spcAft>
+                <a:spcPts val="0"/>
+              </a:spcAft>
+              <a:buClrTx/>
+              <a:buSzTx/>
+              <a:buFontTx/>
+              <a:buNone/>
+              <a:tabLst/>
+              <a:defRPr/>
+            </a:pPr>
+            <a:r>
+              <a:rPr lang="en-US" dirty="0"/>
+              <a:t>The second key point is that we didn’t need the axis labels after all. We were able to navigate the chart just by adding and subtracting arrows pointing to elements on the chart itself. That is, we didn’t try to find a “slower horse.” Rather, we worked strictly with the animals themselves, and their various attributes came along implicitly. Removing the speediness of a fox from a big animal like a horse gave us a big, slow animal.</a:t>
+            </a:r>
+          </a:p>
+          <a:p>
+            <a:pPr marL="0" marR="0" lvl="0" indent="0" algn="l" defTabSz="914400" rtl="0" eaLnBrk="1" fontAlgn="auto" latinLnBrk="0" hangingPunct="1">
+              <a:lnSpc>
+                <a:spcPct val="100000"/>
+              </a:lnSpc>
+              <a:spcBef>
+                <a:spcPts val="0"/>
+              </a:spcBef>
+              <a:spcAft>
+                <a:spcPts val="0"/>
+              </a:spcAft>
+              <a:buClrTx/>
+              <a:buSzTx/>
+              <a:buFontTx/>
+              <a:buNone/>
+              <a:tabLst/>
+              <a:defRPr/>
+            </a:pPr>
+            <a:endParaRPr lang="en-US" dirty="0"/>
+          </a:p>
+          <a:p>
+            <a:pPr marL="0" marR="0" lvl="0" indent="0" algn="l" defTabSz="914400" rtl="0" eaLnBrk="1" fontAlgn="auto" latinLnBrk="0" hangingPunct="1">
+              <a:lnSpc>
+                <a:spcPct val="100000"/>
+              </a:lnSpc>
+              <a:spcBef>
+                <a:spcPts val="0"/>
+              </a:spcBef>
+              <a:spcAft>
+                <a:spcPts val="0"/>
+              </a:spcAft>
+              <a:buClrTx/>
+              <a:buSzTx/>
+              <a:buFontTx/>
+              <a:buNone/>
+              <a:tabLst/>
+              <a:defRPr/>
+            </a:pPr>
+            <a:r>
+              <a:rPr lang="en-US" dirty="0"/>
+              <a:t>What does this have to do with processing language?</a:t>
             </a:r>
           </a:p>
         </p:txBody>
@@ -3479,7 +3836,7 @@
           <a:p>
             <a:fld id="{3148858F-F1DB-4027-9C85-CCA6849540DD}" type="slidenum">
               <a:rPr lang="en-US" smtClean="0"/>
-              <a:t>5</a:t>
+              <a:t>6</a:t>
             </a:fld>
             <a:endParaRPr lang="en-US"/>
           </a:p>
@@ -3488,7 +3845,7 @@
     </p:spTree>
     <p:extLst>
       <p:ext uri="{BB962C8B-B14F-4D97-AF65-F5344CB8AC3E}">
-        <p14:creationId xmlns:p14="http://schemas.microsoft.com/office/powerpoint/2010/main" val="4116306801"/>
+        <p14:creationId xmlns:p14="http://schemas.microsoft.com/office/powerpoint/2010/main" val="734789044"/>
       </p:ext>
     </p:extLst>
   </p:cSld>
@@ -3560,8 +3917,8 @@
               <a:defRPr/>
             </a:pPr>
             <a:r>
-              <a:rPr lang="en-US" dirty="0"/>
-              <a:t>The director throws her latte on the ground. “No, no, no! Sure, sloths would look great, but they hardly move! Make them fast! Give me sloths that are like roadrunners!”</a:t>
+              <a:rPr lang="en-US" sz="1800" dirty="0"/>
+              <a:t>To apply what we’ve just seen to text, we replace the animals with words. And instead of using only two axes, we’ll place our words in a space of hundreds of dimensions. </a:t>
             </a:r>
           </a:p>
           <a:p>
@@ -3582,7 +3939,7 @@
               <a:tabLst/>
               <a:defRPr/>
             </a:pPr>
-            <a:endParaRPr lang="en-US" dirty="0"/>
+            <a:endParaRPr lang="en-US" sz="1800" dirty="0"/>
           </a:p>
           <a:p>
             <a:pPr marL="0" marR="0" lvl="0" indent="0" algn="l" defTabSz="914400" rtl="0" eaLnBrk="1" fontAlgn="auto" latinLnBrk="0" hangingPunct="1">
@@ -3603,8 +3960,44 @@
               <a:defRPr/>
             </a:pPr>
             <a:r>
-              <a:rPr lang="en-US" dirty="0"/>
-              <a:t>Now we know just how to satisfy this ridiculous demand: find the arrow from the bottom left to the roadrunner, as shown in the image on the left, and add that to the head of the arrow pointing to the sloth, giving us a brown bear. That is, horse – fox + roadrunner = brown bear, as in the image on the right.</a:t>
+              <a:rPr lang="en-US" sz="1800" dirty="0"/>
+              <a:t>All this is done by an algorithm that works out what each axis in this space means as it places every word at an appropriate point. Instead of assigning each word a single number, the algorithm assigns the word a list of numbers, representing its coordinates in a huge space.  This algorithm is called an </a:t>
+            </a:r>
+            <a:r>
+              <a:rPr lang="en-US" sz="1800" b="1" dirty="0"/>
+              <a:t>embedder</a:t>
+            </a:r>
+            <a:r>
+              <a:rPr lang="en-US" sz="1800" dirty="0"/>
+              <a:t>, and we say that this process is one of embedding words in the </a:t>
+            </a:r>
+            <a:r>
+              <a:rPr lang="en-US" sz="1800" b="1" dirty="0"/>
+              <a:t>embedding space</a:t>
+            </a:r>
+            <a:r>
+              <a:rPr lang="en-US" sz="1800" b="0" dirty="0"/>
+              <a:t>, thereby creating</a:t>
+            </a:r>
+            <a:r>
+              <a:rPr lang="en-US" sz="1800" dirty="0"/>
+              <a:t> </a:t>
+            </a:r>
+            <a:r>
+              <a:rPr lang="en-US" sz="1800" b="1" dirty="0"/>
+              <a:t>word</a:t>
+            </a:r>
+            <a:r>
+              <a:rPr lang="en-US" sz="1800" dirty="0"/>
+              <a:t> </a:t>
+            </a:r>
+            <a:r>
+              <a:rPr lang="en-US" sz="1800" b="1" dirty="0"/>
+              <a:t>embeddings</a:t>
+            </a:r>
+            <a:r>
+              <a:rPr lang="en-US" sz="1800" dirty="0"/>
+              <a:t>.  The embedder constructs the space and sets the coordinates of each word so it’s near similar words.</a:t>
             </a:r>
           </a:p>
           <a:p>
@@ -3625,7 +4018,7 @@
               <a:tabLst/>
               <a:defRPr/>
             </a:pPr>
-            <a:endParaRPr lang="en-US" dirty="0"/>
+            <a:endParaRPr lang="en-US" sz="1800" dirty="0"/>
           </a:p>
           <a:p>
             <a:pPr marL="0" marR="0" lvl="0" indent="0" algn="l" defTabSz="914400" rtl="0" eaLnBrk="1" fontAlgn="auto" latinLnBrk="0" hangingPunct="1">
@@ -3646,8 +4039,8 @@
               <a:defRPr/>
             </a:pPr>
             <a:r>
-              <a:rPr lang="en-US" dirty="0"/>
-              <a:t>You offer the director a group of brown bears (called a sleuth of bears). The director rolls her eyes dramatically. “Finally. Something that’s fast like horses, but not twitchy like foxes, and quick like roadrunners. It’s only what I asked for in the first place.” They shoot the chase scene with bears, and the movie later comes out to great acclaim.</a:t>
+              <a:rPr lang="en-US" sz="1800" dirty="0"/>
+              <a:t>The relationships between words in an embedding space can be visualized.  This image (heat map) shows six sets of four related words.  The more the embeddings of any two words are alike, the higher the word pair score.  Higher scores, in turn, are darker red.  Each word matches itself more strongly than unrelated words.  These can be seen as a dark red diagonal of blocks.</a:t>
             </a:r>
           </a:p>
           <a:p>
@@ -3668,7 +4061,7 @@
               <a:tabLst/>
               <a:defRPr/>
             </a:pPr>
-            <a:endParaRPr lang="en-US" dirty="0"/>
+            <a:endParaRPr lang="en-US" sz="1800" dirty="0"/>
           </a:p>
           <a:p>
             <a:pPr marL="0" marR="0" lvl="0" indent="0" algn="l" defTabSz="914400" rtl="0" eaLnBrk="1" fontAlgn="auto" latinLnBrk="0" hangingPunct="1">
@@ -3689,94 +4082,8 @@
               <a:defRPr/>
             </a:pPr>
             <a:r>
-              <a:rPr lang="en-US" dirty="0"/>
-              <a:t>There are two key elements to this story. The first is that the animals in our chart were laid out in a useful way, even though we didn’t know what that way was, or what the axes represented.</a:t>
-            </a:r>
-          </a:p>
-          <a:p>
-            <a:pPr marL="0" marR="0" lvl="0" indent="0" algn="l" defTabSz="914400" rtl="0" eaLnBrk="1" fontAlgn="auto" latinLnBrk="0" hangingPunct="1">
-              <a:lnSpc>
-                <a:spcPct val="100000"/>
-              </a:lnSpc>
-              <a:spcBef>
-                <a:spcPts val="0"/>
-              </a:spcBef>
-              <a:spcAft>
-                <a:spcPts val="0"/>
-              </a:spcAft>
-              <a:buClrTx/>
-              <a:buSzTx/>
-              <a:buFontTx/>
-              <a:buNone/>
-              <a:tabLst/>
-              <a:defRPr/>
-            </a:pPr>
-            <a:endParaRPr lang="en-US" dirty="0"/>
-          </a:p>
-          <a:p>
-            <a:pPr marL="0" marR="0" lvl="0" indent="0" algn="l" defTabSz="914400" rtl="0" eaLnBrk="1" fontAlgn="auto" latinLnBrk="0" hangingPunct="1">
-              <a:lnSpc>
-                <a:spcPct val="100000"/>
-              </a:lnSpc>
-              <a:spcBef>
-                <a:spcPts val="0"/>
-              </a:spcBef>
-              <a:spcAft>
-                <a:spcPts val="0"/>
-              </a:spcAft>
-              <a:buClrTx/>
-              <a:buSzTx/>
-              <a:buFontTx/>
-              <a:buNone/>
-              <a:tabLst/>
-              <a:defRPr/>
-            </a:pPr>
-            <a:r>
-              <a:rPr lang="en-US" dirty="0"/>
-              <a:t>The second key point is that we didn’t need the axis labels after all. We were able to navigate the chart just by adding and subtracting arrows pointing to elements on the chart itself. That is, we didn’t try to find a “slower horse.” Rather, we worked strictly with the animals themselves, and their various attributes came along implicitly. Removing the speediness of a fox from a big animal like a horse gave us a big, slow animal.</a:t>
-            </a:r>
-          </a:p>
-          <a:p>
-            <a:pPr marL="0" marR="0" lvl="0" indent="0" algn="l" defTabSz="914400" rtl="0" eaLnBrk="1" fontAlgn="auto" latinLnBrk="0" hangingPunct="1">
-              <a:lnSpc>
-                <a:spcPct val="100000"/>
-              </a:lnSpc>
-              <a:spcBef>
-                <a:spcPts val="0"/>
-              </a:spcBef>
-              <a:spcAft>
-                <a:spcPts val="0"/>
-              </a:spcAft>
-              <a:buClrTx/>
-              <a:buSzTx/>
-              <a:buFontTx/>
-              <a:buNone/>
-              <a:tabLst/>
-              <a:defRPr/>
-            </a:pPr>
-            <a:endParaRPr lang="en-US" dirty="0"/>
-          </a:p>
-          <a:p>
-            <a:pPr marL="0" marR="0" lvl="0" indent="0" algn="l" defTabSz="914400" rtl="0" eaLnBrk="1" fontAlgn="auto" latinLnBrk="0" hangingPunct="1">
-              <a:lnSpc>
-                <a:spcPct val="100000"/>
-              </a:lnSpc>
-              <a:spcBef>
-                <a:spcPts val="0"/>
-              </a:spcBef>
-              <a:spcAft>
-                <a:spcPts val="0"/>
-              </a:spcAft>
-              <a:buClrTx/>
-              <a:buSzTx/>
-              <a:buFontTx/>
-              <a:buNone/>
-              <a:tabLst/>
-              <a:defRPr/>
-            </a:pPr>
-            <a:r>
-              <a:rPr lang="en-US" dirty="0"/>
-              <a:t>What does this have to do with processing language?</a:t>
+              <a:rPr lang="en-US" sz="1800" dirty="0"/>
+              <a:t>Do you see anything odd here?  Why does the fish, chocolate, and coffee combinations score above average?  And, what’s the story with blue and caramel?</a:t>
             </a:r>
           </a:p>
         </p:txBody>
@@ -3798,7 +4105,7 @@
           <a:p>
             <a:fld id="{3148858F-F1DB-4027-9C85-CCA6849540DD}" type="slidenum">
               <a:rPr lang="en-US" smtClean="0"/>
-              <a:t>6</a:t>
+              <a:t>7</a:t>
             </a:fld>
             <a:endParaRPr lang="en-US"/>
           </a:p>
@@ -3807,7 +4114,7 @@
     </p:spTree>
     <p:extLst>
       <p:ext uri="{BB962C8B-B14F-4D97-AF65-F5344CB8AC3E}">
-        <p14:creationId xmlns:p14="http://schemas.microsoft.com/office/powerpoint/2010/main" val="734789044"/>
+        <p14:creationId xmlns:p14="http://schemas.microsoft.com/office/powerpoint/2010/main" val="351652078"/>
       </p:ext>
     </p:extLst>
   </p:cSld>
@@ -3861,240 +4168,10 @@
           <a:bodyPr/>
           <a:lstStyle/>
           <a:p>
-            <a:pPr marL="0" marR="0" lvl="0" indent="0" algn="l" defTabSz="914400" rtl="0" eaLnBrk="1" fontAlgn="auto" latinLnBrk="0" hangingPunct="1">
-              <a:lnSpc>
-                <a:spcPct val="100000"/>
-              </a:lnSpc>
-              <a:spcBef>
-                <a:spcPts val="0"/>
-              </a:spcBef>
-              <a:spcAft>
-                <a:spcPts val="0"/>
-              </a:spcAft>
-              <a:buClrTx/>
-              <a:buSzTx/>
-              <a:buFontTx/>
-              <a:buNone/>
-              <a:tabLst/>
-              <a:defRPr/>
-            </a:pPr>
             <a:r>
               <a:rPr lang="en-US" dirty="0"/>
-              <a:t>To apply what we’ve just seen to text, we replace the animals with words. And instead of using only two axes, we’ll place our words in a space of hundreds of dimensions.  (In today’s exercise, you’ll print out a multi-dimensional embedding that looks something like the one pictured here.) </a:t>
-            </a:r>
-          </a:p>
-          <a:p>
-            <a:pPr marL="0" marR="0" lvl="0" indent="0" algn="l" defTabSz="914400" rtl="0" eaLnBrk="1" fontAlgn="auto" latinLnBrk="0" hangingPunct="1">
-              <a:lnSpc>
-                <a:spcPct val="100000"/>
-              </a:lnSpc>
-              <a:spcBef>
-                <a:spcPts val="0"/>
-              </a:spcBef>
-              <a:spcAft>
-                <a:spcPts val="0"/>
-              </a:spcAft>
-              <a:buClrTx/>
-              <a:buSzTx/>
-              <a:buFontTx/>
-              <a:buNone/>
-              <a:tabLst/>
-              <a:defRPr/>
-            </a:pPr>
-            <a:endParaRPr lang="en-US" dirty="0"/>
-          </a:p>
-          <a:p>
-            <a:pPr marL="0" marR="0" lvl="0" indent="0" algn="l" defTabSz="914400" rtl="0" eaLnBrk="1" fontAlgn="auto" latinLnBrk="0" hangingPunct="1">
-              <a:lnSpc>
-                <a:spcPct val="100000"/>
-              </a:lnSpc>
-              <a:spcBef>
-                <a:spcPts val="0"/>
-              </a:spcBef>
-              <a:spcAft>
-                <a:spcPts val="0"/>
-              </a:spcAft>
-              <a:buClrTx/>
-              <a:buSzTx/>
-              <a:buFontTx/>
-              <a:buNone/>
-              <a:tabLst/>
-              <a:defRPr/>
-            </a:pPr>
-            <a:r>
-              <a:rPr lang="en-US" dirty="0"/>
-              <a:t>The algorithm works out what each axis in this space should mean as it places every word at the appropriate point. Instead of assigning each word a single number, the algorithm assigns the word a whole list of numbers, representing its coordinates in a huge space.  This algorithm is called an </a:t>
-            </a:r>
-            <a:r>
-              <a:rPr lang="en-US" b="1" dirty="0"/>
-              <a:t>embedder</a:t>
-            </a:r>
-            <a:r>
-              <a:rPr lang="en-US" dirty="0"/>
-              <a:t>, and we say that this process is one of embedding the words in the </a:t>
-            </a:r>
-            <a:r>
-              <a:rPr lang="en-US" b="1" dirty="0"/>
-              <a:t>embedding space</a:t>
-            </a:r>
-            <a:r>
-              <a:rPr lang="en-US" dirty="0"/>
-              <a:t>, thereby creating </a:t>
-            </a:r>
-            <a:r>
-              <a:rPr lang="en-US" b="1" dirty="0"/>
-              <a:t>word embeddings</a:t>
-            </a:r>
-            <a:r>
-              <a:rPr lang="en-US" dirty="0"/>
-              <a:t>.</a:t>
-            </a:r>
-          </a:p>
-          <a:p>
-            <a:pPr marL="0" marR="0" lvl="0" indent="0" algn="l" defTabSz="914400" rtl="0" eaLnBrk="1" fontAlgn="auto" latinLnBrk="0" hangingPunct="1">
-              <a:lnSpc>
-                <a:spcPct val="100000"/>
-              </a:lnSpc>
-              <a:spcBef>
-                <a:spcPts val="0"/>
-              </a:spcBef>
-              <a:spcAft>
-                <a:spcPts val="0"/>
-              </a:spcAft>
-              <a:buClrTx/>
-              <a:buSzTx/>
-              <a:buFontTx/>
-              <a:buNone/>
-              <a:tabLst/>
-              <a:defRPr/>
-            </a:pPr>
-            <a:endParaRPr lang="en-US" dirty="0"/>
-          </a:p>
-          <a:p>
-            <a:pPr marL="0" marR="0" lvl="0" indent="0" algn="l" defTabSz="914400" rtl="0" eaLnBrk="1" fontAlgn="auto" latinLnBrk="0" hangingPunct="1">
-              <a:lnSpc>
-                <a:spcPct val="100000"/>
-              </a:lnSpc>
-              <a:spcBef>
-                <a:spcPts val="0"/>
-              </a:spcBef>
-              <a:spcAft>
-                <a:spcPts val="0"/>
-              </a:spcAft>
-              <a:buClrTx/>
-              <a:buSzTx/>
-              <a:buFontTx/>
-              <a:buNone/>
-              <a:tabLst/>
-              <a:defRPr/>
-            </a:pPr>
-            <a:r>
-              <a:rPr lang="en-US" dirty="0"/>
-              <a:t>The embedder works out for itself how to construct the space and find the coordinates of each word so that it’s near similar words. For example, if it sees a lot of sentences that begin with, I just drank some _____, then whatever noun comes next is interpreted as a drink of some sort, and it is placed near other kinds of drinks. If it sees I just ate a red _____, then whatever comes next is interpreted as something that’s red and edible, and it is placed near other things that are red and near other things that are edible. The same thing is true of dozens or even hundreds of other relationships, both obvious and subtle. Because the space has so many dimensions and the axes can have arbitrarily complex meanings, words can belong simultaneously to many clusters based on seemingly unrelated characteristics.</a:t>
-            </a:r>
-          </a:p>
-          <a:p>
-            <a:pPr marL="0" marR="0" lvl="0" indent="0" algn="l" defTabSz="914400" rtl="0" eaLnBrk="1" fontAlgn="auto" latinLnBrk="0" hangingPunct="1">
-              <a:lnSpc>
-                <a:spcPct val="100000"/>
-              </a:lnSpc>
-              <a:spcBef>
-                <a:spcPts val="0"/>
-              </a:spcBef>
-              <a:spcAft>
-                <a:spcPts val="0"/>
-              </a:spcAft>
-              <a:buClrTx/>
-              <a:buSzTx/>
-              <a:buFontTx/>
-              <a:buNone/>
-              <a:tabLst/>
-              <a:defRPr/>
-            </a:pPr>
-            <a:endParaRPr lang="en-US" dirty="0"/>
-          </a:p>
-          <a:p>
-            <a:pPr marL="0" marR="0" lvl="0" indent="0" algn="l" defTabSz="914400" rtl="0" eaLnBrk="1" fontAlgn="auto" latinLnBrk="0" hangingPunct="1">
-              <a:lnSpc>
-                <a:spcPct val="100000"/>
-              </a:lnSpc>
-              <a:spcBef>
-                <a:spcPts val="0"/>
-              </a:spcBef>
-              <a:spcAft>
-                <a:spcPts val="0"/>
-              </a:spcAft>
-              <a:buClrTx/>
-              <a:buSzTx/>
-              <a:buFontTx/>
-              <a:buNone/>
-              <a:tabLst/>
-              <a:defRPr/>
-            </a:pPr>
-            <a:r>
-              <a:rPr lang="en-US" dirty="0"/>
-              <a:t>The beauty of training an embedder in a space with hundreds (or even thousands) of dimensions is that it can use the space much more efficiently than any person probably would, enabling it to simultaneously represent an enormous number of relationships.</a:t>
-            </a:r>
-          </a:p>
-          <a:p>
-            <a:pPr marL="0" marR="0" lvl="0" indent="0" algn="l" defTabSz="914400" rtl="0" eaLnBrk="1" fontAlgn="auto" latinLnBrk="0" hangingPunct="1">
-              <a:lnSpc>
-                <a:spcPct val="100000"/>
-              </a:lnSpc>
-              <a:spcBef>
-                <a:spcPts val="0"/>
-              </a:spcBef>
-              <a:spcAft>
-                <a:spcPts val="0"/>
-              </a:spcAft>
-              <a:buClrTx/>
-              <a:buSzTx/>
-              <a:buFontTx/>
-              <a:buNone/>
-              <a:tabLst/>
-              <a:defRPr/>
-            </a:pPr>
-            <a:endParaRPr lang="en-US" dirty="0"/>
-          </a:p>
-          <a:p>
-            <a:pPr marL="0" marR="0" lvl="0" indent="0" algn="l" defTabSz="914400" rtl="0" eaLnBrk="1" fontAlgn="auto" latinLnBrk="0" hangingPunct="1">
-              <a:lnSpc>
-                <a:spcPct val="100000"/>
-              </a:lnSpc>
-              <a:spcBef>
-                <a:spcPts val="0"/>
-              </a:spcBef>
-              <a:spcAft>
-                <a:spcPts val="0"/>
-              </a:spcAft>
-              <a:buClrTx/>
-              <a:buSzTx/>
-              <a:buFontTx/>
-              <a:buNone/>
-              <a:tabLst/>
-              <a:defRPr/>
-            </a:pPr>
-            <a:endParaRPr lang="en-US" dirty="0"/>
-          </a:p>
-          <a:p>
-            <a:pPr marL="0" marR="0" lvl="0" indent="0" algn="l" defTabSz="914400" rtl="0" eaLnBrk="1" fontAlgn="auto" latinLnBrk="0" hangingPunct="1">
-              <a:lnSpc>
-                <a:spcPct val="100000"/>
-              </a:lnSpc>
-              <a:spcBef>
-                <a:spcPts val="0"/>
-              </a:spcBef>
-              <a:spcAft>
-                <a:spcPts val="0"/>
-              </a:spcAft>
-              <a:buClrTx/>
-              <a:buSzTx/>
-              <a:buFontTx/>
-              <a:buNone/>
-              <a:tabLst/>
-              <a:defRPr/>
-            </a:pPr>
-            <a:endParaRPr lang="en-US" dirty="0"/>
+              <a:t>We can also embed entire sentences, so that we can compare them as a whole, rather than word by word.  This image shows comparisons between embeddings for a dozen sentences.</a:t>
+            </a:r>
           </a:p>
         </p:txBody>
       </p:sp>
@@ -4115,7 +4192,7 @@
           <a:p>
             <a:fld id="{3148858F-F1DB-4027-9C85-CCA6849540DD}" type="slidenum">
               <a:rPr lang="en-US" smtClean="0"/>
-              <a:t>7</a:t>
+              <a:t>8</a:t>
             </a:fld>
             <a:endParaRPr lang="en-US"/>
           </a:p>
@@ -4124,7 +4201,7 @@
     </p:spTree>
     <p:extLst>
       <p:ext uri="{BB962C8B-B14F-4D97-AF65-F5344CB8AC3E}">
-        <p14:creationId xmlns:p14="http://schemas.microsoft.com/office/powerpoint/2010/main" val="1543569349"/>
+        <p14:creationId xmlns:p14="http://schemas.microsoft.com/office/powerpoint/2010/main" val="2094903350"/>
       </p:ext>
     </p:extLst>
   </p:cSld>
@@ -4197,7 +4274,7 @@
             </a:pPr>
             <a:r>
               <a:rPr lang="en-US" dirty="0"/>
-              <a:t>Note: the demo can take 1 – 2 minutes to download:  https://www.cs.cmu.edu/~dst/test/Word2VecDemo/</a:t>
+              <a:t>And finally, here’s what a word embedding looks like in real life.  In today’s last exercise, we print out a multi-dimensional embedding that looks something like the one pictured here. </a:t>
             </a:r>
           </a:p>
           <a:p>
@@ -4220,6 +4297,155 @@
             </a:pPr>
             <a:endParaRPr lang="en-US" dirty="0"/>
           </a:p>
+          <a:p>
+            <a:pPr marL="0" marR="0" lvl="0" indent="0" algn="l" defTabSz="914400" rtl="0" eaLnBrk="1" fontAlgn="auto" latinLnBrk="0" hangingPunct="1">
+              <a:lnSpc>
+                <a:spcPct val="100000"/>
+              </a:lnSpc>
+              <a:spcBef>
+                <a:spcPts val="0"/>
+              </a:spcBef>
+              <a:spcAft>
+                <a:spcPts val="0"/>
+              </a:spcAft>
+              <a:buClrTx/>
+              <a:buSzTx/>
+              <a:buFontTx/>
+              <a:buNone/>
+              <a:tabLst/>
+              <a:defRPr/>
+            </a:pPr>
+            <a:r>
+              <a:rPr lang="en-US" dirty="0"/>
+              <a:t>The beauty of training an embedder in a space with hundreds (or even thousands) of dimensions is that it can use the space much more efficiently than any person could, enabling it to simultaneously represent an enormous number of relationships.</a:t>
+            </a:r>
+          </a:p>
+          <a:p>
+            <a:pPr marL="0" marR="0" lvl="0" indent="0" algn="l" defTabSz="914400" rtl="0" eaLnBrk="1" fontAlgn="auto" latinLnBrk="0" hangingPunct="1">
+              <a:lnSpc>
+                <a:spcPct val="100000"/>
+              </a:lnSpc>
+              <a:spcBef>
+                <a:spcPts val="0"/>
+              </a:spcBef>
+              <a:spcAft>
+                <a:spcPts val="0"/>
+              </a:spcAft>
+              <a:buClrTx/>
+              <a:buSzTx/>
+              <a:buFontTx/>
+              <a:buNone/>
+              <a:tabLst/>
+              <a:defRPr/>
+            </a:pPr>
+            <a:endParaRPr lang="en-US" dirty="0"/>
+          </a:p>
+          <a:p>
+            <a:pPr marL="0" marR="0" lvl="0" indent="0" algn="l" defTabSz="914400" rtl="0" eaLnBrk="1" fontAlgn="auto" latinLnBrk="0" hangingPunct="1">
+              <a:lnSpc>
+                <a:spcPct val="100000"/>
+              </a:lnSpc>
+              <a:spcBef>
+                <a:spcPts val="0"/>
+              </a:spcBef>
+              <a:spcAft>
+                <a:spcPts val="0"/>
+              </a:spcAft>
+              <a:buClrTx/>
+              <a:buSzTx/>
+              <a:buFontTx/>
+              <a:buNone/>
+              <a:tabLst/>
+              <a:defRPr/>
+            </a:pPr>
+            <a:r>
+              <a:rPr lang="en-US" dirty="0"/>
+              <a:t>=====</a:t>
+            </a:r>
+          </a:p>
+          <a:p>
+            <a:pPr marL="0" marR="0" lvl="0" indent="0" algn="l" defTabSz="914400" rtl="0" eaLnBrk="1" fontAlgn="auto" latinLnBrk="0" hangingPunct="1">
+              <a:lnSpc>
+                <a:spcPct val="100000"/>
+              </a:lnSpc>
+              <a:spcBef>
+                <a:spcPts val="0"/>
+              </a:spcBef>
+              <a:spcAft>
+                <a:spcPts val="0"/>
+              </a:spcAft>
+              <a:buClrTx/>
+              <a:buSzTx/>
+              <a:buFontTx/>
+              <a:buNone/>
+              <a:tabLst/>
+              <a:defRPr/>
+            </a:pPr>
+            <a:endParaRPr lang="en-US" dirty="0"/>
+          </a:p>
+          <a:p>
+            <a:pPr marL="0" marR="0" lvl="0" indent="0" algn="l" defTabSz="914400" rtl="0" eaLnBrk="1" fontAlgn="auto" latinLnBrk="0" hangingPunct="1">
+              <a:lnSpc>
+                <a:spcPct val="100000"/>
+              </a:lnSpc>
+              <a:spcBef>
+                <a:spcPts val="0"/>
+              </a:spcBef>
+              <a:spcAft>
+                <a:spcPts val="0"/>
+              </a:spcAft>
+              <a:buClrTx/>
+              <a:buSzTx/>
+              <a:buFontTx/>
+              <a:buNone/>
+              <a:tabLst/>
+              <a:defRPr/>
+            </a:pPr>
+            <a:r>
+              <a:rPr lang="en-US" dirty="0"/>
+              <a:t>The embedder works out for itself how to construct the space and find the coordinates of each word so that it’s near similar words. For example, if it sees a lot of sentences that begin with, I just drank some _____, then whatever noun comes next is interpreted as a drink of some sort, and it is placed near other kinds of drinks. If it sees I just ate a red _____, then whatever comes next is interpreted as something that’s red and edible, and it is placed near other things that are red and near other things that are edible. The same thing is true of dozens or even hundreds of other relationships, both obvious and subtle. Because the space has so many dimensions and the axes can have arbitrarily complex meanings, words can belong simultaneously to many clusters based on seemingly unrelated characteristics.</a:t>
+            </a:r>
+          </a:p>
+          <a:p>
+            <a:pPr marL="0" marR="0" lvl="0" indent="0" algn="l" defTabSz="914400" rtl="0" eaLnBrk="1" fontAlgn="auto" latinLnBrk="0" hangingPunct="1">
+              <a:lnSpc>
+                <a:spcPct val="100000"/>
+              </a:lnSpc>
+              <a:spcBef>
+                <a:spcPts val="0"/>
+              </a:spcBef>
+              <a:spcAft>
+                <a:spcPts val="0"/>
+              </a:spcAft>
+              <a:buClrTx/>
+              <a:buSzTx/>
+              <a:buFontTx/>
+              <a:buNone/>
+              <a:tabLst/>
+              <a:defRPr/>
+            </a:pPr>
+            <a:endParaRPr lang="en-US" dirty="0"/>
+          </a:p>
+          <a:p>
+            <a:pPr marL="0" marR="0" lvl="0" indent="0" algn="l" defTabSz="914400" rtl="0" eaLnBrk="1" fontAlgn="auto" latinLnBrk="0" hangingPunct="1">
+              <a:lnSpc>
+                <a:spcPct val="100000"/>
+              </a:lnSpc>
+              <a:spcBef>
+                <a:spcPts val="0"/>
+              </a:spcBef>
+              <a:spcAft>
+                <a:spcPts val="0"/>
+              </a:spcAft>
+              <a:buClrTx/>
+              <a:buSzTx/>
+              <a:buFontTx/>
+              <a:buNone/>
+              <a:tabLst/>
+              <a:defRPr/>
+            </a:pPr>
+            <a:endParaRPr lang="en-US" dirty="0"/>
+          </a:p>
         </p:txBody>
       </p:sp>
       <p:sp>
@@ -4239,7 +4465,7 @@
           <a:p>
             <a:fld id="{3148858F-F1DB-4027-9C85-CCA6849540DD}" type="slidenum">
               <a:rPr lang="en-US" smtClean="0"/>
-              <a:t>8</a:t>
+              <a:t>9</a:t>
             </a:fld>
             <a:endParaRPr lang="en-US"/>
           </a:p>
@@ -4248,7 +4474,7 @@
     </p:spTree>
     <p:extLst>
       <p:ext uri="{BB962C8B-B14F-4D97-AF65-F5344CB8AC3E}">
-        <p14:creationId xmlns:p14="http://schemas.microsoft.com/office/powerpoint/2010/main" val="1093662042"/>
+        <p14:creationId xmlns:p14="http://schemas.microsoft.com/office/powerpoint/2010/main" val="1543569349"/>
       </p:ext>
     </p:extLst>
   </p:cSld>
@@ -4302,57 +4528,47 @@
           <a:bodyPr/>
           <a:lstStyle/>
           <a:p>
-            <a:pPr algn="l"/>
-            <a:r>
-              <a:rPr lang="en-US" b="0" i="0" dirty="0">
-                <a:solidFill>
-                  <a:srgbClr val="292929"/>
-                </a:solidFill>
-                <a:effectLst/>
-                <a:latin typeface="+mn-lt"/>
-              </a:rPr>
-              <a:t>Alright, let’s consider another concrete example.  Consider these two sentences: </a:t>
-            </a:r>
-            <a:r>
-              <a:rPr lang="en-US" b="0" i="1" dirty="0">
-                <a:solidFill>
-                  <a:srgbClr val="292929"/>
-                </a:solidFill>
-                <a:effectLst/>
-                <a:latin typeface="+mn-lt"/>
-              </a:rPr>
-              <a:t>Have a good day </a:t>
-            </a:r>
-            <a:r>
-              <a:rPr lang="en-US" b="0" i="0" dirty="0">
-                <a:solidFill>
-                  <a:srgbClr val="292929"/>
-                </a:solidFill>
-                <a:effectLst/>
-                <a:latin typeface="+mn-lt"/>
-              </a:rPr>
-              <a:t>and </a:t>
-            </a:r>
-            <a:r>
-              <a:rPr lang="en-US" b="0" i="1" dirty="0">
-                <a:solidFill>
-                  <a:srgbClr val="292929"/>
-                </a:solidFill>
-                <a:effectLst/>
-                <a:latin typeface="+mn-lt"/>
-              </a:rPr>
-              <a:t>Have a great day. </a:t>
-            </a:r>
-            <a:r>
-              <a:rPr lang="en-US" b="0" i="0" dirty="0">
-                <a:solidFill>
-                  <a:srgbClr val="292929"/>
-                </a:solidFill>
-                <a:effectLst/>
-                <a:latin typeface="+mn-lt"/>
-              </a:rPr>
-              <a:t>The meaning of these two sentences is similar, though the second one is a bit more emphatic.  We’ll start by constructing an exhaustive vocabulary – let’s call it V – consisting of these five words {Have, a, good, great, day}.</a:t>
-            </a:r>
+            <a:pPr marL="0" marR="0" lvl="0" indent="0" algn="l" defTabSz="914400" rtl="0" eaLnBrk="1" fontAlgn="auto" latinLnBrk="0" hangingPunct="1">
+              <a:lnSpc>
+                <a:spcPct val="100000"/>
+              </a:lnSpc>
+              <a:spcBef>
+                <a:spcPts val="0"/>
+              </a:spcBef>
+              <a:spcAft>
+                <a:spcPts val="0"/>
+              </a:spcAft>
+              <a:buClrTx/>
+              <a:buSzTx/>
+              <a:buFontTx/>
+              <a:buNone/>
+              <a:tabLst/>
+              <a:defRPr/>
+            </a:pPr>
+            <a:r>
+              <a:rPr lang="en-US" dirty="0"/>
+              <a:t>Note: the demo can take 1 – 2 minutes to download:  https://www.cs.cmu.edu/~dst/test/Word2VecDemo/</a:t>
+            </a:r>
+          </a:p>
+          <a:p>
+            <a:pPr marL="0" marR="0" lvl="0" indent="0" algn="l" defTabSz="914400" rtl="0" eaLnBrk="1" fontAlgn="auto" latinLnBrk="0" hangingPunct="1">
+              <a:lnSpc>
+                <a:spcPct val="100000"/>
+              </a:lnSpc>
+              <a:spcBef>
+                <a:spcPts val="0"/>
+              </a:spcBef>
+              <a:spcAft>
+                <a:spcPts val="0"/>
+              </a:spcAft>
+              <a:buClrTx/>
+              <a:buSzTx/>
+              <a:buFontTx/>
+              <a:buNone/>
+              <a:tabLst/>
+              <a:defRPr/>
+            </a:pPr>
+            <a:endParaRPr lang="en-US" dirty="0"/>
           </a:p>
         </p:txBody>
       </p:sp>
@@ -4373,7 +4589,7 @@
           <a:p>
             <a:fld id="{3148858F-F1DB-4027-9C85-CCA6849540DD}" type="slidenum">
               <a:rPr lang="en-US" smtClean="0"/>
-              <a:t>9</a:t>
+              <a:t>10</a:t>
             </a:fld>
             <a:endParaRPr lang="en-US"/>
           </a:p>
@@ -4382,7 +4598,7 @@
     </p:spTree>
     <p:extLst>
       <p:ext uri="{BB962C8B-B14F-4D97-AF65-F5344CB8AC3E}">
-        <p14:creationId xmlns:p14="http://schemas.microsoft.com/office/powerpoint/2010/main" val="1782006840"/>
+        <p14:creationId xmlns:p14="http://schemas.microsoft.com/office/powerpoint/2010/main" val="1093662042"/>
       </p:ext>
     </p:extLst>
   </p:cSld>
@@ -4539,7 +4755,7 @@
           <a:p>
             <a:fld id="{C3F78080-8D0A-4BE8-A5B4-CB115102D524}" type="datetimeFigureOut">
               <a:rPr lang="en-US" smtClean="0"/>
-              <a:t>5/25/2022</a:t>
+              <a:t>8/29/2022</a:t>
             </a:fld>
             <a:endParaRPr lang="en-US"/>
           </a:p>
@@ -4737,7 +4953,7 @@
           <a:p>
             <a:fld id="{C3F78080-8D0A-4BE8-A5B4-CB115102D524}" type="datetimeFigureOut">
               <a:rPr lang="en-US" smtClean="0"/>
-              <a:t>5/25/2022</a:t>
+              <a:t>8/29/2022</a:t>
             </a:fld>
             <a:endParaRPr lang="en-US"/>
           </a:p>
@@ -4945,7 +5161,7 @@
           <a:p>
             <a:fld id="{C3F78080-8D0A-4BE8-A5B4-CB115102D524}" type="datetimeFigureOut">
               <a:rPr lang="en-US" smtClean="0"/>
-              <a:t>5/25/2022</a:t>
+              <a:t>8/29/2022</a:t>
             </a:fld>
             <a:endParaRPr lang="en-US"/>
           </a:p>
@@ -5143,7 +5359,7 @@
           <a:p>
             <a:fld id="{C3F78080-8D0A-4BE8-A5B4-CB115102D524}" type="datetimeFigureOut">
               <a:rPr lang="en-US" smtClean="0"/>
-              <a:t>5/25/2022</a:t>
+              <a:t>8/29/2022</a:t>
             </a:fld>
             <a:endParaRPr lang="en-US"/>
           </a:p>
@@ -5418,7 +5634,7 @@
           <a:p>
             <a:fld id="{C3F78080-8D0A-4BE8-A5B4-CB115102D524}" type="datetimeFigureOut">
               <a:rPr lang="en-US" smtClean="0"/>
-              <a:t>5/25/2022</a:t>
+              <a:t>8/29/2022</a:t>
             </a:fld>
             <a:endParaRPr lang="en-US"/>
           </a:p>
@@ -5683,7 +5899,7 @@
           <a:p>
             <a:fld id="{C3F78080-8D0A-4BE8-A5B4-CB115102D524}" type="datetimeFigureOut">
               <a:rPr lang="en-US" smtClean="0"/>
-              <a:t>5/25/2022</a:t>
+              <a:t>8/29/2022</a:t>
             </a:fld>
             <a:endParaRPr lang="en-US"/>
           </a:p>
@@ -6095,7 +6311,7 @@
           <a:p>
             <a:fld id="{C3F78080-8D0A-4BE8-A5B4-CB115102D524}" type="datetimeFigureOut">
               <a:rPr lang="en-US" smtClean="0"/>
-              <a:t>5/25/2022</a:t>
+              <a:t>8/29/2022</a:t>
             </a:fld>
             <a:endParaRPr lang="en-US"/>
           </a:p>
@@ -6236,7 +6452,7 @@
           <a:p>
             <a:fld id="{C3F78080-8D0A-4BE8-A5B4-CB115102D524}" type="datetimeFigureOut">
               <a:rPr lang="en-US" smtClean="0"/>
-              <a:t>5/25/2022</a:t>
+              <a:t>8/29/2022</a:t>
             </a:fld>
             <a:endParaRPr lang="en-US"/>
           </a:p>
@@ -6349,7 +6565,7 @@
           <a:p>
             <a:fld id="{C3F78080-8D0A-4BE8-A5B4-CB115102D524}" type="datetimeFigureOut">
               <a:rPr lang="en-US" smtClean="0"/>
-              <a:t>5/25/2022</a:t>
+              <a:t>8/29/2022</a:t>
             </a:fld>
             <a:endParaRPr lang="en-US"/>
           </a:p>
@@ -6660,7 +6876,7 @@
           <a:p>
             <a:fld id="{C3F78080-8D0A-4BE8-A5B4-CB115102D524}" type="datetimeFigureOut">
               <a:rPr lang="en-US" smtClean="0"/>
-              <a:t>5/25/2022</a:t>
+              <a:t>8/29/2022</a:t>
             </a:fld>
             <a:endParaRPr lang="en-US"/>
           </a:p>
@@ -6948,7 +7164,7 @@
           <a:p>
             <a:fld id="{C3F78080-8D0A-4BE8-A5B4-CB115102D524}" type="datetimeFigureOut">
               <a:rPr lang="en-US" smtClean="0"/>
-              <a:t>5/25/2022</a:t>
+              <a:t>8/29/2022</a:t>
             </a:fld>
             <a:endParaRPr lang="en-US"/>
           </a:p>
@@ -7189,7 +7405,7 @@
           <a:p>
             <a:fld id="{C3F78080-8D0A-4BE8-A5B4-CB115102D524}" type="datetimeFigureOut">
               <a:rPr lang="en-US" smtClean="0"/>
-              <a:t>5/25/2022</a:t>
+              <a:t>8/29/2022</a:t>
             </a:fld>
             <a:endParaRPr lang="en-US"/>
           </a:p>
@@ -7720,6 +7936,400 @@
           <a:chExt cx="0" cy="0"/>
         </a:xfrm>
       </p:grpSpPr>
+      <p:sp>
+        <p:nvSpPr>
+          <p:cNvPr id="2" name="Title 1">
+            <a:extLst>
+              <a:ext uri="{FF2B5EF4-FFF2-40B4-BE49-F238E27FC236}">
+                <a16:creationId xmlns:a16="http://schemas.microsoft.com/office/drawing/2014/main" id="{0F853981-B13F-4917-804F-EBF0D4819E7E}"/>
+              </a:ext>
+            </a:extLst>
+          </p:cNvPr>
+          <p:cNvSpPr>
+            <a:spLocks noGrp="1"/>
+          </p:cNvSpPr>
+          <p:nvPr>
+            <p:ph type="title"/>
+          </p:nvPr>
+        </p:nvSpPr>
+        <p:spPr>
+          <a:xfrm>
+            <a:off x="0" y="3169585"/>
+            <a:ext cx="12192000" cy="518830"/>
+          </a:xfrm>
+          <a:noFill/>
+        </p:spPr>
+        <p:txBody>
+          <a:bodyPr>
+            <a:noAutofit/>
+          </a:bodyPr>
+          <a:lstStyle/>
+          <a:p>
+            <a:pPr algn="ctr"/>
+            <a:br>
+              <a:rPr lang="en-US" sz="3600" dirty="0">
+                <a:solidFill>
+                  <a:schemeClr val="tx1">
+                    <a:lumMod val="65000"/>
+                    <a:lumOff val="35000"/>
+                  </a:schemeClr>
+                </a:solidFill>
+                <a:latin typeface="Palatino Linotype" panose="02040502050505030304" pitchFamily="18" charset="0"/>
+              </a:rPr>
+            </a:br>
+            <a:br>
+              <a:rPr lang="en-US" sz="3600" dirty="0">
+                <a:solidFill>
+                  <a:schemeClr val="tx1">
+                    <a:lumMod val="65000"/>
+                    <a:lumOff val="35000"/>
+                  </a:schemeClr>
+                </a:solidFill>
+                <a:latin typeface="Palatino Linotype" panose="02040502050505030304" pitchFamily="18" charset="0"/>
+              </a:rPr>
+            </a:br>
+            <a:r>
+              <a:rPr lang="en-US" sz="3600" dirty="0">
+                <a:solidFill>
+                  <a:schemeClr val="tx1">
+                    <a:lumMod val="65000"/>
+                    <a:lumOff val="35000"/>
+                  </a:schemeClr>
+                </a:solidFill>
+                <a:latin typeface="Palatino Linotype" panose="02040502050505030304" pitchFamily="18" charset="0"/>
+              </a:rPr>
+              <a:t>Word Embedding Demo</a:t>
+            </a:r>
+            <a:endParaRPr lang="en-US" sz="3600" dirty="0">
+              <a:solidFill>
+                <a:schemeClr val="tx1">
+                  <a:lumMod val="65000"/>
+                  <a:lumOff val="35000"/>
+                </a:schemeClr>
+              </a:solidFill>
+              <a:latin typeface="Palatino Linotype" panose="02040502050505030304" pitchFamily="18" charset="0"/>
+              <a:cs typeface="Segoe UI Light" panose="020B0502040204020203" pitchFamily="34" charset="0"/>
+            </a:endParaRPr>
+          </a:p>
+        </p:txBody>
+      </p:sp>
+      <p:sp>
+        <p:nvSpPr>
+          <p:cNvPr id="3" name="Text Placeholder 2">
+            <a:extLst>
+              <a:ext uri="{FF2B5EF4-FFF2-40B4-BE49-F238E27FC236}">
+                <a16:creationId xmlns:a16="http://schemas.microsoft.com/office/drawing/2014/main" id="{098BC2D2-CCF7-4C63-8489-B46BF394FCA2}"/>
+              </a:ext>
+            </a:extLst>
+          </p:cNvPr>
+          <p:cNvSpPr>
+            <a:spLocks noGrp="1"/>
+          </p:cNvSpPr>
+          <p:nvPr>
+            <p:ph type="body" idx="1"/>
+          </p:nvPr>
+        </p:nvSpPr>
+        <p:spPr>
+          <a:xfrm>
+            <a:off x="0" y="4285400"/>
+            <a:ext cx="12192000" cy="518830"/>
+          </a:xfrm>
+        </p:spPr>
+        <p:txBody>
+          <a:bodyPr>
+            <a:normAutofit/>
+          </a:bodyPr>
+          <a:lstStyle/>
+          <a:p>
+            <a:endParaRPr lang="en-US" dirty="0">
+              <a:latin typeface="Palatino Linotype" panose="02040502050505030304" pitchFamily="18" charset="0"/>
+              <a:cs typeface="Segoe UI" panose="020B0502040204020203" pitchFamily="34" charset="0"/>
+            </a:endParaRPr>
+          </a:p>
+          <a:p>
+            <a:endParaRPr lang="en-US" dirty="0">
+              <a:latin typeface="Palatino Linotype" panose="02040502050505030304" pitchFamily="18" charset="0"/>
+              <a:cs typeface="Segoe UI" panose="020B0502040204020203" pitchFamily="34" charset="0"/>
+            </a:endParaRPr>
+          </a:p>
+          <a:p>
+            <a:endParaRPr lang="en-US" dirty="0">
+              <a:latin typeface="Palatino Linotype" panose="02040502050505030304" pitchFamily="18" charset="0"/>
+              <a:cs typeface="Segoe UI" panose="020B0502040204020203" pitchFamily="34" charset="0"/>
+            </a:endParaRPr>
+          </a:p>
+          <a:p>
+            <a:endParaRPr lang="en-US" dirty="0">
+              <a:latin typeface="Palatino Linotype" panose="02040502050505030304" pitchFamily="18" charset="0"/>
+              <a:cs typeface="Segoe UI" panose="020B0502040204020203" pitchFamily="34" charset="0"/>
+            </a:endParaRPr>
+          </a:p>
+          <a:p>
+            <a:endParaRPr lang="en-US" dirty="0">
+              <a:latin typeface="Palatino Linotype" panose="02040502050505030304" pitchFamily="18" charset="0"/>
+              <a:cs typeface="Segoe UI" panose="020B0502040204020203" pitchFamily="34" charset="0"/>
+            </a:endParaRPr>
+          </a:p>
+        </p:txBody>
+      </p:sp>
+      <p:pic>
+        <p:nvPicPr>
+          <p:cNvPr id="4" name="Picture 3">
+            <a:extLst>
+              <a:ext uri="{FF2B5EF4-FFF2-40B4-BE49-F238E27FC236}">
+                <a16:creationId xmlns:a16="http://schemas.microsoft.com/office/drawing/2014/main" id="{4CD7B1E7-8C1E-4394-BD29-073CEC503ACC}"/>
+              </a:ext>
+            </a:extLst>
+          </p:cNvPr>
+          <p:cNvPicPr>
+            <a:picLocks noChangeAspect="1"/>
+          </p:cNvPicPr>
+          <p:nvPr/>
+        </p:nvPicPr>
+        <p:blipFill>
+          <a:blip r:embed="rId3"/>
+          <a:stretch>
+            <a:fillRect/>
+          </a:stretch>
+        </p:blipFill>
+        <p:spPr>
+          <a:xfrm>
+            <a:off x="0" y="365760"/>
+            <a:ext cx="3233668" cy="805144"/>
+          </a:xfrm>
+          <a:prstGeom prst="rect">
+            <a:avLst/>
+          </a:prstGeom>
+        </p:spPr>
+      </p:pic>
+    </p:spTree>
+    <p:extLst>
+      <p:ext uri="{BB962C8B-B14F-4D97-AF65-F5344CB8AC3E}">
+        <p14:creationId xmlns:p14="http://schemas.microsoft.com/office/powerpoint/2010/main" val="3774553972"/>
+      </p:ext>
+    </p:extLst>
+  </p:cSld>
+  <p:clrMapOvr>
+    <a:masterClrMapping/>
+  </p:clrMapOvr>
+  <mc:AlternateContent xmlns:mc="http://schemas.openxmlformats.org/markup-compatibility/2006" xmlns:p14="http://schemas.microsoft.com/office/powerpoint/2010/main">
+    <mc:Choice Requires="p14">
+      <p:transition spd="med" p14:dur="700">
+        <p:fade/>
+      </p:transition>
+    </mc:Choice>
+    <mc:Fallback xmlns="">
+      <p:transition spd="med">
+        <p:fade/>
+      </p:transition>
+    </mc:Fallback>
+  </mc:AlternateContent>
+</p:sld>
+</file>
+
+<file path=ppt/slides/slide11.xml><?xml version="1.0" encoding="utf-8"?>
+<p:sld xmlns:a="http://schemas.openxmlformats.org/drawingml/2006/main" xmlns:r="http://schemas.openxmlformats.org/officeDocument/2006/relationships" xmlns:p="http://schemas.openxmlformats.org/presentationml/2006/main">
+  <p:cSld>
+    <p:spTree>
+      <p:nvGrpSpPr>
+        <p:cNvPr id="1" name=""/>
+        <p:cNvGrpSpPr/>
+        <p:nvPr/>
+      </p:nvGrpSpPr>
+      <p:grpSpPr>
+        <a:xfrm>
+          <a:off x="0" y="0"/>
+          <a:ext cx="0" cy="0"/>
+          <a:chOff x="0" y="0"/>
+          <a:chExt cx="0" cy="0"/>
+        </a:xfrm>
+      </p:grpSpPr>
+      <p:sp>
+        <p:nvSpPr>
+          <p:cNvPr id="3" name="TextBox 2">
+            <a:extLst>
+              <a:ext uri="{FF2B5EF4-FFF2-40B4-BE49-F238E27FC236}">
+                <a16:creationId xmlns:a16="http://schemas.microsoft.com/office/drawing/2014/main" id="{D48FB273-3781-4D59-81BD-6BE1BF0BCB82}"/>
+              </a:ext>
+            </a:extLst>
+          </p:cNvPr>
+          <p:cNvSpPr txBox="1"/>
+          <p:nvPr/>
+        </p:nvSpPr>
+        <p:spPr>
+          <a:xfrm>
+            <a:off x="1" y="1859340"/>
+            <a:ext cx="12191999" cy="1569660"/>
+          </a:xfrm>
+          <a:prstGeom prst="rect">
+            <a:avLst/>
+          </a:prstGeom>
+          <a:noFill/>
+        </p:spPr>
+        <p:txBody>
+          <a:bodyPr wrap="square" rtlCol="0">
+            <a:spAutoFit/>
+          </a:bodyPr>
+          <a:lstStyle/>
+          <a:p>
+            <a:pPr algn="ctr"/>
+            <a:r>
+              <a:rPr lang="en-US" sz="4800" dirty="0">
+                <a:solidFill>
+                  <a:schemeClr val="tx1">
+                    <a:lumMod val="65000"/>
+                    <a:lumOff val="35000"/>
+                  </a:schemeClr>
+                </a:solidFill>
+              </a:rPr>
+              <a:t>Have a good day</a:t>
+            </a:r>
+          </a:p>
+          <a:p>
+            <a:pPr algn="ctr"/>
+            <a:r>
+              <a:rPr lang="en-US" sz="4800" dirty="0">
+                <a:solidFill>
+                  <a:schemeClr val="tx1">
+                    <a:lumMod val="65000"/>
+                    <a:lumOff val="35000"/>
+                  </a:schemeClr>
+                </a:solidFill>
+              </a:rPr>
+              <a:t>Have a great day</a:t>
+            </a:r>
+          </a:p>
+        </p:txBody>
+      </p:sp>
+      <p:sp>
+        <p:nvSpPr>
+          <p:cNvPr id="4" name="TextBox 3">
+            <a:extLst>
+              <a:ext uri="{FF2B5EF4-FFF2-40B4-BE49-F238E27FC236}">
+                <a16:creationId xmlns:a16="http://schemas.microsoft.com/office/drawing/2014/main" id="{EED70626-7F0B-434C-863E-3FDFE11D15C3}"/>
+              </a:ext>
+            </a:extLst>
+          </p:cNvPr>
+          <p:cNvSpPr txBox="1"/>
+          <p:nvPr/>
+        </p:nvSpPr>
+        <p:spPr>
+          <a:xfrm>
+            <a:off x="1" y="3601496"/>
+            <a:ext cx="12191999" cy="707886"/>
+          </a:xfrm>
+          <a:prstGeom prst="rect">
+            <a:avLst/>
+          </a:prstGeom>
+          <a:noFill/>
+        </p:spPr>
+        <p:txBody>
+          <a:bodyPr wrap="square" rtlCol="0">
+            <a:spAutoFit/>
+          </a:bodyPr>
+          <a:lstStyle/>
+          <a:p>
+            <a:pPr algn="ctr"/>
+            <a:r>
+              <a:rPr lang="en-US" sz="4000" dirty="0">
+                <a:solidFill>
+                  <a:schemeClr val="tx1">
+                    <a:lumMod val="75000"/>
+                    <a:lumOff val="25000"/>
+                  </a:schemeClr>
+                </a:solidFill>
+              </a:rPr>
+              <a:t>V = {Have, a, good, great, day}</a:t>
+            </a:r>
+          </a:p>
+        </p:txBody>
+      </p:sp>
+      <p:sp>
+        <p:nvSpPr>
+          <p:cNvPr id="5" name="TextBox 4">
+            <a:extLst>
+              <a:ext uri="{FF2B5EF4-FFF2-40B4-BE49-F238E27FC236}">
+                <a16:creationId xmlns:a16="http://schemas.microsoft.com/office/drawing/2014/main" id="{4F320A13-0C42-45D1-87B6-360951C44CBC}"/>
+              </a:ext>
+            </a:extLst>
+          </p:cNvPr>
+          <p:cNvSpPr txBox="1"/>
+          <p:nvPr/>
+        </p:nvSpPr>
+        <p:spPr>
+          <a:xfrm>
+            <a:off x="0" y="6550223"/>
+            <a:ext cx="12192000" cy="307777"/>
+          </a:xfrm>
+          <a:prstGeom prst="rect">
+            <a:avLst/>
+          </a:prstGeom>
+          <a:noFill/>
+        </p:spPr>
+        <p:txBody>
+          <a:bodyPr wrap="square" rtlCol="0">
+            <a:spAutoFit/>
+          </a:bodyPr>
+          <a:lstStyle/>
+          <a:p>
+            <a:r>
+              <a:rPr lang="en-US" sz="1400" dirty="0">
+                <a:solidFill>
+                  <a:schemeClr val="tx1">
+                    <a:lumMod val="65000"/>
+                    <a:lumOff val="35000"/>
+                  </a:schemeClr>
+                </a:solidFill>
+                <a:latin typeface="+mj-lt"/>
+                <a:ea typeface="Verdana" panose="020B0604030504040204" pitchFamily="34" charset="0"/>
+              </a:rPr>
+              <a:t>Source: Karani, D. (2018). Retrieved: https://towardsdatascience.com/introduction-to-word-embedding-and-word2vec-652d0c2060fa</a:t>
+            </a:r>
+          </a:p>
+        </p:txBody>
+      </p:sp>
+    </p:spTree>
+    <p:extLst>
+      <p:ext uri="{BB962C8B-B14F-4D97-AF65-F5344CB8AC3E}">
+        <p14:creationId xmlns:p14="http://schemas.microsoft.com/office/powerpoint/2010/main" val="3610813145"/>
+      </p:ext>
+    </p:extLst>
+  </p:cSld>
+  <p:clrMapOvr>
+    <a:masterClrMapping/>
+  </p:clrMapOvr>
+  <mc:AlternateContent xmlns:mc="http://schemas.openxmlformats.org/markup-compatibility/2006" xmlns:p14="http://schemas.microsoft.com/office/powerpoint/2010/main">
+    <mc:Choice Requires="p14">
+      <p:transition spd="med" p14:dur="700">
+        <p:fade/>
+      </p:transition>
+    </mc:Choice>
+    <mc:Fallback xmlns="">
+      <p:transition spd="med">
+        <p:fade/>
+      </p:transition>
+    </mc:Fallback>
+  </mc:AlternateContent>
+</p:sld>
+</file>
+
+<file path=ppt/slides/slide12.xml><?xml version="1.0" encoding="utf-8"?>
+<p:sld xmlns:a="http://schemas.openxmlformats.org/drawingml/2006/main" xmlns:r="http://schemas.openxmlformats.org/officeDocument/2006/relationships" xmlns:p="http://schemas.openxmlformats.org/presentationml/2006/main">
+  <p:cSld>
+    <p:spTree>
+      <p:nvGrpSpPr>
+        <p:cNvPr id="1" name=""/>
+        <p:cNvGrpSpPr/>
+        <p:nvPr/>
+      </p:nvGrpSpPr>
+      <p:grpSpPr>
+        <a:xfrm>
+          <a:off x="0" y="0"/>
+          <a:ext cx="0" cy="0"/>
+          <a:chOff x="0" y="0"/>
+          <a:chExt cx="0" cy="0"/>
+        </a:xfrm>
+      </p:grpSpPr>
       <p:pic>
         <p:nvPicPr>
           <p:cNvPr id="4" name="Picture 3">
@@ -7819,7 +8429,7 @@
 </p:sld>
 </file>
 
-<file path=ppt/slides/slide11.xml><?xml version="1.0" encoding="utf-8"?>
+<file path=ppt/slides/slide13.xml><?xml version="1.0" encoding="utf-8"?>
 <p:sld xmlns:a="http://schemas.openxmlformats.org/drawingml/2006/main" xmlns:r="http://schemas.openxmlformats.org/officeDocument/2006/relationships" xmlns:p="http://schemas.openxmlformats.org/presentationml/2006/main">
   <p:cSld>
     <p:spTree>
@@ -8111,7 +8721,7 @@
 </p:sld>
 </file>
 
-<file path=ppt/slides/slide12.xml><?xml version="1.0" encoding="utf-8"?>
+<file path=ppt/slides/slide14.xml><?xml version="1.0" encoding="utf-8"?>
 <p:sld xmlns:a="http://schemas.openxmlformats.org/drawingml/2006/main" xmlns:r="http://schemas.openxmlformats.org/officeDocument/2006/relationships" xmlns:p="http://schemas.openxmlformats.org/presentationml/2006/main">
   <p:cSld>
     <p:spTree>
@@ -8257,7 +8867,7 @@
 </p:sld>
 </file>
 
-<file path=ppt/slides/slide13.xml><?xml version="1.0" encoding="utf-8"?>
+<file path=ppt/slides/slide15.xml><?xml version="1.0" encoding="utf-8"?>
 <p:sld xmlns:a="http://schemas.openxmlformats.org/drawingml/2006/main" xmlns:r="http://schemas.openxmlformats.org/officeDocument/2006/relationships" xmlns:p="http://schemas.openxmlformats.org/presentationml/2006/main">
   <p:cSld>
     <p:spTree>
@@ -8659,7 +9269,7 @@
 </p:sld>
 </file>
 
-<file path=ppt/slides/slide14.xml><?xml version="1.0" encoding="utf-8"?>
+<file path=ppt/slides/slide16.xml><?xml version="1.0" encoding="utf-8"?>
 <p:sld xmlns:a="http://schemas.openxmlformats.org/drawingml/2006/main" xmlns:r="http://schemas.openxmlformats.org/officeDocument/2006/relationships" xmlns:p="http://schemas.openxmlformats.org/presentationml/2006/main">
   <p:cSld>
     <p:spTree>
@@ -9072,7 +9682,7 @@
 </p:sld>
 </file>
 
-<file path=ppt/slides/slide15.xml><?xml version="1.0" encoding="utf-8"?>
+<file path=ppt/slides/slide17.xml><?xml version="1.0" encoding="utf-8"?>
 <p:sld xmlns:a="http://schemas.openxmlformats.org/drawingml/2006/main" xmlns:r="http://schemas.openxmlformats.org/officeDocument/2006/relationships" xmlns:p="http://schemas.openxmlformats.org/presentationml/2006/main">
   <p:cSld>
     <p:spTree>
@@ -9761,7 +10371,7 @@
 </p:sld>
 </file>
 
-<file path=ppt/slides/slide16.xml><?xml version="1.0" encoding="utf-8"?>
+<file path=ppt/slides/slide18.xml><?xml version="1.0" encoding="utf-8"?>
 <p:sld xmlns:a="http://schemas.openxmlformats.org/drawingml/2006/main" xmlns:r="http://schemas.openxmlformats.org/officeDocument/2006/relationships" xmlns:p="http://schemas.openxmlformats.org/presentationml/2006/main">
   <p:cSld>
     <p:spTree>
@@ -9952,7 +10562,7 @@
 </p:sld>
 </file>
 
-<file path=ppt/slides/slide17.xml><?xml version="1.0" encoding="utf-8"?>
+<file path=ppt/slides/slide19.xml><?xml version="1.0" encoding="utf-8"?>
 <p:sld xmlns:a="http://schemas.openxmlformats.org/drawingml/2006/main" xmlns:r="http://schemas.openxmlformats.org/officeDocument/2006/relationships" xmlns:p="http://schemas.openxmlformats.org/presentationml/2006/main">
   <p:cSld>
     <p:spTree>
@@ -10083,7 +10693,795 @@
 </p:sld>
 </file>
 
-<file path=ppt/slides/slide18.xml><?xml version="1.0" encoding="utf-8"?>
+<file path=ppt/slides/slide2.xml><?xml version="1.0" encoding="utf-8"?>
+<p:sld xmlns:a="http://schemas.openxmlformats.org/drawingml/2006/main" xmlns:r="http://schemas.openxmlformats.org/officeDocument/2006/relationships" xmlns:p="http://schemas.openxmlformats.org/presentationml/2006/main">
+  <p:cSld>
+    <p:spTree>
+      <p:nvGrpSpPr>
+        <p:cNvPr id="1" name=""/>
+        <p:cNvGrpSpPr/>
+        <p:nvPr/>
+      </p:nvGrpSpPr>
+      <p:grpSpPr>
+        <a:xfrm>
+          <a:off x="0" y="0"/>
+          <a:ext cx="0" cy="0"/>
+          <a:chOff x="0" y="0"/>
+          <a:chExt cx="0" cy="0"/>
+        </a:xfrm>
+      </p:grpSpPr>
+      <p:sp>
+        <p:nvSpPr>
+          <p:cNvPr id="2" name="Title 1">
+            <a:extLst>
+              <a:ext uri="{FF2B5EF4-FFF2-40B4-BE49-F238E27FC236}">
+                <a16:creationId xmlns:a16="http://schemas.microsoft.com/office/drawing/2014/main" id="{0E138177-E2EE-ACAC-A57C-F03FA29EC836}"/>
+              </a:ext>
+            </a:extLst>
+          </p:cNvPr>
+          <p:cNvSpPr>
+            <a:spLocks noGrp="1"/>
+          </p:cNvSpPr>
+          <p:nvPr>
+            <p:ph type="title"/>
+          </p:nvPr>
+        </p:nvSpPr>
+        <p:spPr/>
+        <p:txBody>
+          <a:bodyPr/>
+          <a:lstStyle/>
+          <a:p>
+            <a:r>
+              <a:rPr lang="en-US" dirty="0">
+                <a:solidFill>
+                  <a:schemeClr val="tx1">
+                    <a:lumMod val="75000"/>
+                    <a:lumOff val="25000"/>
+                  </a:schemeClr>
+                </a:solidFill>
+                <a:latin typeface="Palatino Linotype" panose="02040502050505030304" pitchFamily="18" charset="0"/>
+              </a:rPr>
+              <a:t>Lesson Overview</a:t>
+            </a:r>
+          </a:p>
+        </p:txBody>
+      </p:sp>
+      <p:sp>
+        <p:nvSpPr>
+          <p:cNvPr id="3" name="Content Placeholder 2">
+            <a:extLst>
+              <a:ext uri="{FF2B5EF4-FFF2-40B4-BE49-F238E27FC236}">
+                <a16:creationId xmlns:a16="http://schemas.microsoft.com/office/drawing/2014/main" id="{8626DB86-54B4-A1E2-6C25-C049F364ED25}"/>
+              </a:ext>
+            </a:extLst>
+          </p:cNvPr>
+          <p:cNvSpPr>
+            <a:spLocks noGrp="1"/>
+          </p:cNvSpPr>
+          <p:nvPr>
+            <p:ph idx="1"/>
+          </p:nvPr>
+        </p:nvSpPr>
+        <p:spPr>
+          <a:xfrm>
+            <a:off x="1013564" y="1825626"/>
+            <a:ext cx="10515600" cy="504215"/>
+          </a:xfrm>
+        </p:spPr>
+        <p:txBody>
+          <a:bodyPr/>
+          <a:lstStyle/>
+          <a:p>
+            <a:pPr>
+              <a:buFont typeface="Wingdings" panose="05000000000000000000" pitchFamily="2" charset="2"/>
+              <a:buChar char="Ø"/>
+            </a:pPr>
+            <a:r>
+              <a:rPr lang="en-US" dirty="0">
+                <a:solidFill>
+                  <a:schemeClr val="tx1">
+                    <a:lumMod val="75000"/>
+                    <a:lumOff val="25000"/>
+                  </a:schemeClr>
+                </a:solidFill>
+              </a:rPr>
+              <a:t> </a:t>
+            </a:r>
+            <a:r>
+              <a:rPr lang="en-US" dirty="0">
+                <a:solidFill>
+                  <a:schemeClr val="tx1">
+                    <a:lumMod val="75000"/>
+                    <a:lumOff val="25000"/>
+                  </a:schemeClr>
+                </a:solidFill>
+                <a:latin typeface="Palatino Linotype" panose="02040502050505030304" pitchFamily="18" charset="0"/>
+              </a:rPr>
+              <a:t>Learning Objective 1</a:t>
+            </a:r>
+          </a:p>
+        </p:txBody>
+      </p:sp>
+      <p:sp>
+        <p:nvSpPr>
+          <p:cNvPr id="5" name="Content Placeholder 2">
+            <a:extLst>
+              <a:ext uri="{FF2B5EF4-FFF2-40B4-BE49-F238E27FC236}">
+                <a16:creationId xmlns:a16="http://schemas.microsoft.com/office/drawing/2014/main" id="{7070644F-62DF-8674-4A8A-C2FA1554028E}"/>
+              </a:ext>
+            </a:extLst>
+          </p:cNvPr>
+          <p:cNvSpPr txBox="1">
+            <a:spLocks/>
+          </p:cNvSpPr>
+          <p:nvPr/>
+        </p:nvSpPr>
+        <p:spPr>
+          <a:xfrm>
+            <a:off x="1013564" y="2464778"/>
+            <a:ext cx="10515600" cy="504215"/>
+          </a:xfrm>
+          <a:prstGeom prst="rect">
+            <a:avLst/>
+          </a:prstGeom>
+        </p:spPr>
+        <p:txBody>
+          <a:bodyPr vert="horz" lIns="91440" tIns="45720" rIns="91440" bIns="45720" rtlCol="0">
+            <a:normAutofit/>
+          </a:bodyPr>
+          <a:lstStyle>
+            <a:lvl1pPr marL="228600" indent="-228600" algn="l" defTabSz="914400" rtl="0" eaLnBrk="1" latinLnBrk="0" hangingPunct="1">
+              <a:lnSpc>
+                <a:spcPct val="90000"/>
+              </a:lnSpc>
+              <a:spcBef>
+                <a:spcPts val="1000"/>
+              </a:spcBef>
+              <a:buFont typeface="Arial" panose="020B0604020202020204" pitchFamily="34" charset="0"/>
+              <a:buChar char="•"/>
+              <a:defRPr sz="2800" kern="1200">
+                <a:solidFill>
+                  <a:schemeClr val="tx1"/>
+                </a:solidFill>
+                <a:latin typeface="+mn-lt"/>
+                <a:ea typeface="+mn-ea"/>
+                <a:cs typeface="+mn-cs"/>
+              </a:defRPr>
+            </a:lvl1pPr>
+            <a:lvl2pPr marL="685800" indent="-228600" algn="l" defTabSz="914400" rtl="0" eaLnBrk="1" latinLnBrk="0" hangingPunct="1">
+              <a:lnSpc>
+                <a:spcPct val="90000"/>
+              </a:lnSpc>
+              <a:spcBef>
+                <a:spcPts val="500"/>
+              </a:spcBef>
+              <a:buFont typeface="Arial" panose="020B0604020202020204" pitchFamily="34" charset="0"/>
+              <a:buChar char="•"/>
+              <a:defRPr sz="2400" kern="1200">
+                <a:solidFill>
+                  <a:schemeClr val="tx1"/>
+                </a:solidFill>
+                <a:latin typeface="+mn-lt"/>
+                <a:ea typeface="+mn-ea"/>
+                <a:cs typeface="+mn-cs"/>
+              </a:defRPr>
+            </a:lvl2pPr>
+            <a:lvl3pPr marL="1143000" indent="-228600" algn="l" defTabSz="914400" rtl="0" eaLnBrk="1" latinLnBrk="0" hangingPunct="1">
+              <a:lnSpc>
+                <a:spcPct val="90000"/>
+              </a:lnSpc>
+              <a:spcBef>
+                <a:spcPts val="500"/>
+              </a:spcBef>
+              <a:buFont typeface="Arial" panose="020B0604020202020204" pitchFamily="34" charset="0"/>
+              <a:buChar char="•"/>
+              <a:defRPr sz="2000" kern="1200">
+                <a:solidFill>
+                  <a:schemeClr val="tx1"/>
+                </a:solidFill>
+                <a:latin typeface="+mn-lt"/>
+                <a:ea typeface="+mn-ea"/>
+                <a:cs typeface="+mn-cs"/>
+              </a:defRPr>
+            </a:lvl3pPr>
+            <a:lvl4pPr marL="1600200" indent="-228600" algn="l" defTabSz="914400" rtl="0" eaLnBrk="1" latinLnBrk="0" hangingPunct="1">
+              <a:lnSpc>
+                <a:spcPct val="90000"/>
+              </a:lnSpc>
+              <a:spcBef>
+                <a:spcPts val="500"/>
+              </a:spcBef>
+              <a:buFont typeface="Arial" panose="020B0604020202020204" pitchFamily="34" charset="0"/>
+              <a:buChar char="•"/>
+              <a:defRPr sz="1800" kern="1200">
+                <a:solidFill>
+                  <a:schemeClr val="tx1"/>
+                </a:solidFill>
+                <a:latin typeface="+mn-lt"/>
+                <a:ea typeface="+mn-ea"/>
+                <a:cs typeface="+mn-cs"/>
+              </a:defRPr>
+            </a:lvl4pPr>
+            <a:lvl5pPr marL="2057400" indent="-228600" algn="l" defTabSz="914400" rtl="0" eaLnBrk="1" latinLnBrk="0" hangingPunct="1">
+              <a:lnSpc>
+                <a:spcPct val="90000"/>
+              </a:lnSpc>
+              <a:spcBef>
+                <a:spcPts val="500"/>
+              </a:spcBef>
+              <a:buFont typeface="Arial" panose="020B0604020202020204" pitchFamily="34" charset="0"/>
+              <a:buChar char="•"/>
+              <a:defRPr sz="1800" kern="1200">
+                <a:solidFill>
+                  <a:schemeClr val="tx1"/>
+                </a:solidFill>
+                <a:latin typeface="+mn-lt"/>
+                <a:ea typeface="+mn-ea"/>
+                <a:cs typeface="+mn-cs"/>
+              </a:defRPr>
+            </a:lvl5pPr>
+            <a:lvl6pPr marL="2514600" indent="-228600" algn="l" defTabSz="914400" rtl="0" eaLnBrk="1" latinLnBrk="0" hangingPunct="1">
+              <a:lnSpc>
+                <a:spcPct val="90000"/>
+              </a:lnSpc>
+              <a:spcBef>
+                <a:spcPts val="500"/>
+              </a:spcBef>
+              <a:buFont typeface="Arial" panose="020B0604020202020204" pitchFamily="34" charset="0"/>
+              <a:buChar char="•"/>
+              <a:defRPr sz="1800" kern="1200">
+                <a:solidFill>
+                  <a:schemeClr val="tx1"/>
+                </a:solidFill>
+                <a:latin typeface="+mn-lt"/>
+                <a:ea typeface="+mn-ea"/>
+                <a:cs typeface="+mn-cs"/>
+              </a:defRPr>
+            </a:lvl6pPr>
+            <a:lvl7pPr marL="2971800" indent="-228600" algn="l" defTabSz="914400" rtl="0" eaLnBrk="1" latinLnBrk="0" hangingPunct="1">
+              <a:lnSpc>
+                <a:spcPct val="90000"/>
+              </a:lnSpc>
+              <a:spcBef>
+                <a:spcPts val="500"/>
+              </a:spcBef>
+              <a:buFont typeface="Arial" panose="020B0604020202020204" pitchFamily="34" charset="0"/>
+              <a:buChar char="•"/>
+              <a:defRPr sz="1800" kern="1200">
+                <a:solidFill>
+                  <a:schemeClr val="tx1"/>
+                </a:solidFill>
+                <a:latin typeface="+mn-lt"/>
+                <a:ea typeface="+mn-ea"/>
+                <a:cs typeface="+mn-cs"/>
+              </a:defRPr>
+            </a:lvl7pPr>
+            <a:lvl8pPr marL="3429000" indent="-228600" algn="l" defTabSz="914400" rtl="0" eaLnBrk="1" latinLnBrk="0" hangingPunct="1">
+              <a:lnSpc>
+                <a:spcPct val="90000"/>
+              </a:lnSpc>
+              <a:spcBef>
+                <a:spcPts val="500"/>
+              </a:spcBef>
+              <a:buFont typeface="Arial" panose="020B0604020202020204" pitchFamily="34" charset="0"/>
+              <a:buChar char="•"/>
+              <a:defRPr sz="1800" kern="1200">
+                <a:solidFill>
+                  <a:schemeClr val="tx1"/>
+                </a:solidFill>
+                <a:latin typeface="+mn-lt"/>
+                <a:ea typeface="+mn-ea"/>
+                <a:cs typeface="+mn-cs"/>
+              </a:defRPr>
+            </a:lvl8pPr>
+            <a:lvl9pPr marL="3886200" indent="-228600" algn="l" defTabSz="914400" rtl="0" eaLnBrk="1" latinLnBrk="0" hangingPunct="1">
+              <a:lnSpc>
+                <a:spcPct val="90000"/>
+              </a:lnSpc>
+              <a:spcBef>
+                <a:spcPts val="500"/>
+              </a:spcBef>
+              <a:buFont typeface="Arial" panose="020B0604020202020204" pitchFamily="34" charset="0"/>
+              <a:buChar char="•"/>
+              <a:defRPr sz="1800" kern="1200">
+                <a:solidFill>
+                  <a:schemeClr val="tx1"/>
+                </a:solidFill>
+                <a:latin typeface="+mn-lt"/>
+                <a:ea typeface="+mn-ea"/>
+                <a:cs typeface="+mn-cs"/>
+              </a:defRPr>
+            </a:lvl9pPr>
+          </a:lstStyle>
+          <a:p>
+            <a:pPr>
+              <a:buFont typeface="Wingdings" panose="05000000000000000000" pitchFamily="2" charset="2"/>
+              <a:buChar char="Ø"/>
+            </a:pPr>
+            <a:r>
+              <a:rPr lang="en-US" dirty="0">
+                <a:solidFill>
+                  <a:schemeClr val="tx1">
+                    <a:lumMod val="75000"/>
+                    <a:lumOff val="25000"/>
+                  </a:schemeClr>
+                </a:solidFill>
+              </a:rPr>
+              <a:t> </a:t>
+            </a:r>
+            <a:r>
+              <a:rPr lang="en-US" dirty="0">
+                <a:solidFill>
+                  <a:schemeClr val="tx1">
+                    <a:lumMod val="75000"/>
+                    <a:lumOff val="25000"/>
+                  </a:schemeClr>
+                </a:solidFill>
+                <a:latin typeface="Palatino Linotype" panose="02040502050505030304" pitchFamily="18" charset="0"/>
+              </a:rPr>
+              <a:t>Learning Objective 1</a:t>
+            </a:r>
+          </a:p>
+        </p:txBody>
+      </p:sp>
+      <p:sp>
+        <p:nvSpPr>
+          <p:cNvPr id="6" name="Content Placeholder 2">
+            <a:extLst>
+              <a:ext uri="{FF2B5EF4-FFF2-40B4-BE49-F238E27FC236}">
+                <a16:creationId xmlns:a16="http://schemas.microsoft.com/office/drawing/2014/main" id="{FF2490E1-D7A0-7027-6DCC-60BB6819CD9E}"/>
+              </a:ext>
+            </a:extLst>
+          </p:cNvPr>
+          <p:cNvSpPr txBox="1">
+            <a:spLocks/>
+          </p:cNvSpPr>
+          <p:nvPr/>
+        </p:nvSpPr>
+        <p:spPr>
+          <a:xfrm>
+            <a:off x="1013564" y="3103930"/>
+            <a:ext cx="10515600" cy="504215"/>
+          </a:xfrm>
+          <a:prstGeom prst="rect">
+            <a:avLst/>
+          </a:prstGeom>
+        </p:spPr>
+        <p:txBody>
+          <a:bodyPr vert="horz" lIns="91440" tIns="45720" rIns="91440" bIns="45720" rtlCol="0">
+            <a:normAutofit/>
+          </a:bodyPr>
+          <a:lstStyle>
+            <a:lvl1pPr marL="228600" indent="-228600" algn="l" defTabSz="914400" rtl="0" eaLnBrk="1" latinLnBrk="0" hangingPunct="1">
+              <a:lnSpc>
+                <a:spcPct val="90000"/>
+              </a:lnSpc>
+              <a:spcBef>
+                <a:spcPts val="1000"/>
+              </a:spcBef>
+              <a:buFont typeface="Arial" panose="020B0604020202020204" pitchFamily="34" charset="0"/>
+              <a:buChar char="•"/>
+              <a:defRPr sz="2800" kern="1200">
+                <a:solidFill>
+                  <a:schemeClr val="tx1"/>
+                </a:solidFill>
+                <a:latin typeface="+mn-lt"/>
+                <a:ea typeface="+mn-ea"/>
+                <a:cs typeface="+mn-cs"/>
+              </a:defRPr>
+            </a:lvl1pPr>
+            <a:lvl2pPr marL="685800" indent="-228600" algn="l" defTabSz="914400" rtl="0" eaLnBrk="1" latinLnBrk="0" hangingPunct="1">
+              <a:lnSpc>
+                <a:spcPct val="90000"/>
+              </a:lnSpc>
+              <a:spcBef>
+                <a:spcPts val="500"/>
+              </a:spcBef>
+              <a:buFont typeface="Arial" panose="020B0604020202020204" pitchFamily="34" charset="0"/>
+              <a:buChar char="•"/>
+              <a:defRPr sz="2400" kern="1200">
+                <a:solidFill>
+                  <a:schemeClr val="tx1"/>
+                </a:solidFill>
+                <a:latin typeface="+mn-lt"/>
+                <a:ea typeface="+mn-ea"/>
+                <a:cs typeface="+mn-cs"/>
+              </a:defRPr>
+            </a:lvl2pPr>
+            <a:lvl3pPr marL="1143000" indent="-228600" algn="l" defTabSz="914400" rtl="0" eaLnBrk="1" latinLnBrk="0" hangingPunct="1">
+              <a:lnSpc>
+                <a:spcPct val="90000"/>
+              </a:lnSpc>
+              <a:spcBef>
+                <a:spcPts val="500"/>
+              </a:spcBef>
+              <a:buFont typeface="Arial" panose="020B0604020202020204" pitchFamily="34" charset="0"/>
+              <a:buChar char="•"/>
+              <a:defRPr sz="2000" kern="1200">
+                <a:solidFill>
+                  <a:schemeClr val="tx1"/>
+                </a:solidFill>
+                <a:latin typeface="+mn-lt"/>
+                <a:ea typeface="+mn-ea"/>
+                <a:cs typeface="+mn-cs"/>
+              </a:defRPr>
+            </a:lvl3pPr>
+            <a:lvl4pPr marL="1600200" indent="-228600" algn="l" defTabSz="914400" rtl="0" eaLnBrk="1" latinLnBrk="0" hangingPunct="1">
+              <a:lnSpc>
+                <a:spcPct val="90000"/>
+              </a:lnSpc>
+              <a:spcBef>
+                <a:spcPts val="500"/>
+              </a:spcBef>
+              <a:buFont typeface="Arial" panose="020B0604020202020204" pitchFamily="34" charset="0"/>
+              <a:buChar char="•"/>
+              <a:defRPr sz="1800" kern="1200">
+                <a:solidFill>
+                  <a:schemeClr val="tx1"/>
+                </a:solidFill>
+                <a:latin typeface="+mn-lt"/>
+                <a:ea typeface="+mn-ea"/>
+                <a:cs typeface="+mn-cs"/>
+              </a:defRPr>
+            </a:lvl4pPr>
+            <a:lvl5pPr marL="2057400" indent="-228600" algn="l" defTabSz="914400" rtl="0" eaLnBrk="1" latinLnBrk="0" hangingPunct="1">
+              <a:lnSpc>
+                <a:spcPct val="90000"/>
+              </a:lnSpc>
+              <a:spcBef>
+                <a:spcPts val="500"/>
+              </a:spcBef>
+              <a:buFont typeface="Arial" panose="020B0604020202020204" pitchFamily="34" charset="0"/>
+              <a:buChar char="•"/>
+              <a:defRPr sz="1800" kern="1200">
+                <a:solidFill>
+                  <a:schemeClr val="tx1"/>
+                </a:solidFill>
+                <a:latin typeface="+mn-lt"/>
+                <a:ea typeface="+mn-ea"/>
+                <a:cs typeface="+mn-cs"/>
+              </a:defRPr>
+            </a:lvl5pPr>
+            <a:lvl6pPr marL="2514600" indent="-228600" algn="l" defTabSz="914400" rtl="0" eaLnBrk="1" latinLnBrk="0" hangingPunct="1">
+              <a:lnSpc>
+                <a:spcPct val="90000"/>
+              </a:lnSpc>
+              <a:spcBef>
+                <a:spcPts val="500"/>
+              </a:spcBef>
+              <a:buFont typeface="Arial" panose="020B0604020202020204" pitchFamily="34" charset="0"/>
+              <a:buChar char="•"/>
+              <a:defRPr sz="1800" kern="1200">
+                <a:solidFill>
+                  <a:schemeClr val="tx1"/>
+                </a:solidFill>
+                <a:latin typeface="+mn-lt"/>
+                <a:ea typeface="+mn-ea"/>
+                <a:cs typeface="+mn-cs"/>
+              </a:defRPr>
+            </a:lvl6pPr>
+            <a:lvl7pPr marL="2971800" indent="-228600" algn="l" defTabSz="914400" rtl="0" eaLnBrk="1" latinLnBrk="0" hangingPunct="1">
+              <a:lnSpc>
+                <a:spcPct val="90000"/>
+              </a:lnSpc>
+              <a:spcBef>
+                <a:spcPts val="500"/>
+              </a:spcBef>
+              <a:buFont typeface="Arial" panose="020B0604020202020204" pitchFamily="34" charset="0"/>
+              <a:buChar char="•"/>
+              <a:defRPr sz="1800" kern="1200">
+                <a:solidFill>
+                  <a:schemeClr val="tx1"/>
+                </a:solidFill>
+                <a:latin typeface="+mn-lt"/>
+                <a:ea typeface="+mn-ea"/>
+                <a:cs typeface="+mn-cs"/>
+              </a:defRPr>
+            </a:lvl7pPr>
+            <a:lvl8pPr marL="3429000" indent="-228600" algn="l" defTabSz="914400" rtl="0" eaLnBrk="1" latinLnBrk="0" hangingPunct="1">
+              <a:lnSpc>
+                <a:spcPct val="90000"/>
+              </a:lnSpc>
+              <a:spcBef>
+                <a:spcPts val="500"/>
+              </a:spcBef>
+              <a:buFont typeface="Arial" panose="020B0604020202020204" pitchFamily="34" charset="0"/>
+              <a:buChar char="•"/>
+              <a:defRPr sz="1800" kern="1200">
+                <a:solidFill>
+                  <a:schemeClr val="tx1"/>
+                </a:solidFill>
+                <a:latin typeface="+mn-lt"/>
+                <a:ea typeface="+mn-ea"/>
+                <a:cs typeface="+mn-cs"/>
+              </a:defRPr>
+            </a:lvl8pPr>
+            <a:lvl9pPr marL="3886200" indent="-228600" algn="l" defTabSz="914400" rtl="0" eaLnBrk="1" latinLnBrk="0" hangingPunct="1">
+              <a:lnSpc>
+                <a:spcPct val="90000"/>
+              </a:lnSpc>
+              <a:spcBef>
+                <a:spcPts val="500"/>
+              </a:spcBef>
+              <a:buFont typeface="Arial" panose="020B0604020202020204" pitchFamily="34" charset="0"/>
+              <a:buChar char="•"/>
+              <a:defRPr sz="1800" kern="1200">
+                <a:solidFill>
+                  <a:schemeClr val="tx1"/>
+                </a:solidFill>
+                <a:latin typeface="+mn-lt"/>
+                <a:ea typeface="+mn-ea"/>
+                <a:cs typeface="+mn-cs"/>
+              </a:defRPr>
+            </a:lvl9pPr>
+          </a:lstStyle>
+          <a:p>
+            <a:pPr>
+              <a:buFont typeface="Wingdings" panose="05000000000000000000" pitchFamily="2" charset="2"/>
+              <a:buChar char="Ø"/>
+            </a:pPr>
+            <a:r>
+              <a:rPr lang="en-US" dirty="0">
+                <a:solidFill>
+                  <a:schemeClr val="tx1">
+                    <a:lumMod val="75000"/>
+                    <a:lumOff val="25000"/>
+                  </a:schemeClr>
+                </a:solidFill>
+              </a:rPr>
+              <a:t> </a:t>
+            </a:r>
+            <a:r>
+              <a:rPr lang="en-US" dirty="0">
+                <a:solidFill>
+                  <a:schemeClr val="tx1">
+                    <a:lumMod val="75000"/>
+                    <a:lumOff val="25000"/>
+                  </a:schemeClr>
+                </a:solidFill>
+                <a:latin typeface="Palatino Linotype" panose="02040502050505030304" pitchFamily="18" charset="0"/>
+              </a:rPr>
+              <a:t>Learning Objective 1</a:t>
+            </a:r>
+          </a:p>
+        </p:txBody>
+      </p:sp>
+      <p:sp>
+        <p:nvSpPr>
+          <p:cNvPr id="7" name="Content Placeholder 2">
+            <a:extLst>
+              <a:ext uri="{FF2B5EF4-FFF2-40B4-BE49-F238E27FC236}">
+                <a16:creationId xmlns:a16="http://schemas.microsoft.com/office/drawing/2014/main" id="{6D3279E5-D518-B484-9FCF-B12663A4E8FF}"/>
+              </a:ext>
+            </a:extLst>
+          </p:cNvPr>
+          <p:cNvSpPr txBox="1">
+            <a:spLocks/>
+          </p:cNvSpPr>
+          <p:nvPr/>
+        </p:nvSpPr>
+        <p:spPr>
+          <a:xfrm>
+            <a:off x="1013564" y="3743082"/>
+            <a:ext cx="10515600" cy="504215"/>
+          </a:xfrm>
+          <a:prstGeom prst="rect">
+            <a:avLst/>
+          </a:prstGeom>
+        </p:spPr>
+        <p:txBody>
+          <a:bodyPr vert="horz" lIns="91440" tIns="45720" rIns="91440" bIns="45720" rtlCol="0">
+            <a:normAutofit/>
+          </a:bodyPr>
+          <a:lstStyle>
+            <a:lvl1pPr marL="228600" indent="-228600" algn="l" defTabSz="914400" rtl="0" eaLnBrk="1" latinLnBrk="0" hangingPunct="1">
+              <a:lnSpc>
+                <a:spcPct val="90000"/>
+              </a:lnSpc>
+              <a:spcBef>
+                <a:spcPts val="1000"/>
+              </a:spcBef>
+              <a:buFont typeface="Arial" panose="020B0604020202020204" pitchFamily="34" charset="0"/>
+              <a:buChar char="•"/>
+              <a:defRPr sz="2800" kern="1200">
+                <a:solidFill>
+                  <a:schemeClr val="tx1"/>
+                </a:solidFill>
+                <a:latin typeface="+mn-lt"/>
+                <a:ea typeface="+mn-ea"/>
+                <a:cs typeface="+mn-cs"/>
+              </a:defRPr>
+            </a:lvl1pPr>
+            <a:lvl2pPr marL="685800" indent="-228600" algn="l" defTabSz="914400" rtl="0" eaLnBrk="1" latinLnBrk="0" hangingPunct="1">
+              <a:lnSpc>
+                <a:spcPct val="90000"/>
+              </a:lnSpc>
+              <a:spcBef>
+                <a:spcPts val="500"/>
+              </a:spcBef>
+              <a:buFont typeface="Arial" panose="020B0604020202020204" pitchFamily="34" charset="0"/>
+              <a:buChar char="•"/>
+              <a:defRPr sz="2400" kern="1200">
+                <a:solidFill>
+                  <a:schemeClr val="tx1"/>
+                </a:solidFill>
+                <a:latin typeface="+mn-lt"/>
+                <a:ea typeface="+mn-ea"/>
+                <a:cs typeface="+mn-cs"/>
+              </a:defRPr>
+            </a:lvl2pPr>
+            <a:lvl3pPr marL="1143000" indent="-228600" algn="l" defTabSz="914400" rtl="0" eaLnBrk="1" latinLnBrk="0" hangingPunct="1">
+              <a:lnSpc>
+                <a:spcPct val="90000"/>
+              </a:lnSpc>
+              <a:spcBef>
+                <a:spcPts val="500"/>
+              </a:spcBef>
+              <a:buFont typeface="Arial" panose="020B0604020202020204" pitchFamily="34" charset="0"/>
+              <a:buChar char="•"/>
+              <a:defRPr sz="2000" kern="1200">
+                <a:solidFill>
+                  <a:schemeClr val="tx1"/>
+                </a:solidFill>
+                <a:latin typeface="+mn-lt"/>
+                <a:ea typeface="+mn-ea"/>
+                <a:cs typeface="+mn-cs"/>
+              </a:defRPr>
+            </a:lvl3pPr>
+            <a:lvl4pPr marL="1600200" indent="-228600" algn="l" defTabSz="914400" rtl="0" eaLnBrk="1" latinLnBrk="0" hangingPunct="1">
+              <a:lnSpc>
+                <a:spcPct val="90000"/>
+              </a:lnSpc>
+              <a:spcBef>
+                <a:spcPts val="500"/>
+              </a:spcBef>
+              <a:buFont typeface="Arial" panose="020B0604020202020204" pitchFamily="34" charset="0"/>
+              <a:buChar char="•"/>
+              <a:defRPr sz="1800" kern="1200">
+                <a:solidFill>
+                  <a:schemeClr val="tx1"/>
+                </a:solidFill>
+                <a:latin typeface="+mn-lt"/>
+                <a:ea typeface="+mn-ea"/>
+                <a:cs typeface="+mn-cs"/>
+              </a:defRPr>
+            </a:lvl4pPr>
+            <a:lvl5pPr marL="2057400" indent="-228600" algn="l" defTabSz="914400" rtl="0" eaLnBrk="1" latinLnBrk="0" hangingPunct="1">
+              <a:lnSpc>
+                <a:spcPct val="90000"/>
+              </a:lnSpc>
+              <a:spcBef>
+                <a:spcPts val="500"/>
+              </a:spcBef>
+              <a:buFont typeface="Arial" panose="020B0604020202020204" pitchFamily="34" charset="0"/>
+              <a:buChar char="•"/>
+              <a:defRPr sz="1800" kern="1200">
+                <a:solidFill>
+                  <a:schemeClr val="tx1"/>
+                </a:solidFill>
+                <a:latin typeface="+mn-lt"/>
+                <a:ea typeface="+mn-ea"/>
+                <a:cs typeface="+mn-cs"/>
+              </a:defRPr>
+            </a:lvl5pPr>
+            <a:lvl6pPr marL="2514600" indent="-228600" algn="l" defTabSz="914400" rtl="0" eaLnBrk="1" latinLnBrk="0" hangingPunct="1">
+              <a:lnSpc>
+                <a:spcPct val="90000"/>
+              </a:lnSpc>
+              <a:spcBef>
+                <a:spcPts val="500"/>
+              </a:spcBef>
+              <a:buFont typeface="Arial" panose="020B0604020202020204" pitchFamily="34" charset="0"/>
+              <a:buChar char="•"/>
+              <a:defRPr sz="1800" kern="1200">
+                <a:solidFill>
+                  <a:schemeClr val="tx1"/>
+                </a:solidFill>
+                <a:latin typeface="+mn-lt"/>
+                <a:ea typeface="+mn-ea"/>
+                <a:cs typeface="+mn-cs"/>
+              </a:defRPr>
+            </a:lvl6pPr>
+            <a:lvl7pPr marL="2971800" indent="-228600" algn="l" defTabSz="914400" rtl="0" eaLnBrk="1" latinLnBrk="0" hangingPunct="1">
+              <a:lnSpc>
+                <a:spcPct val="90000"/>
+              </a:lnSpc>
+              <a:spcBef>
+                <a:spcPts val="500"/>
+              </a:spcBef>
+              <a:buFont typeface="Arial" panose="020B0604020202020204" pitchFamily="34" charset="0"/>
+              <a:buChar char="•"/>
+              <a:defRPr sz="1800" kern="1200">
+                <a:solidFill>
+                  <a:schemeClr val="tx1"/>
+                </a:solidFill>
+                <a:latin typeface="+mn-lt"/>
+                <a:ea typeface="+mn-ea"/>
+                <a:cs typeface="+mn-cs"/>
+              </a:defRPr>
+            </a:lvl7pPr>
+            <a:lvl8pPr marL="3429000" indent="-228600" algn="l" defTabSz="914400" rtl="0" eaLnBrk="1" latinLnBrk="0" hangingPunct="1">
+              <a:lnSpc>
+                <a:spcPct val="90000"/>
+              </a:lnSpc>
+              <a:spcBef>
+                <a:spcPts val="500"/>
+              </a:spcBef>
+              <a:buFont typeface="Arial" panose="020B0604020202020204" pitchFamily="34" charset="0"/>
+              <a:buChar char="•"/>
+              <a:defRPr sz="1800" kern="1200">
+                <a:solidFill>
+                  <a:schemeClr val="tx1"/>
+                </a:solidFill>
+                <a:latin typeface="+mn-lt"/>
+                <a:ea typeface="+mn-ea"/>
+                <a:cs typeface="+mn-cs"/>
+              </a:defRPr>
+            </a:lvl8pPr>
+            <a:lvl9pPr marL="3886200" indent="-228600" algn="l" defTabSz="914400" rtl="0" eaLnBrk="1" latinLnBrk="0" hangingPunct="1">
+              <a:lnSpc>
+                <a:spcPct val="90000"/>
+              </a:lnSpc>
+              <a:spcBef>
+                <a:spcPts val="500"/>
+              </a:spcBef>
+              <a:buFont typeface="Arial" panose="020B0604020202020204" pitchFamily="34" charset="0"/>
+              <a:buChar char="•"/>
+              <a:defRPr sz="1800" kern="1200">
+                <a:solidFill>
+                  <a:schemeClr val="tx1"/>
+                </a:solidFill>
+                <a:latin typeface="+mn-lt"/>
+                <a:ea typeface="+mn-ea"/>
+                <a:cs typeface="+mn-cs"/>
+              </a:defRPr>
+            </a:lvl9pPr>
+          </a:lstStyle>
+          <a:p>
+            <a:pPr>
+              <a:buFont typeface="Wingdings" panose="05000000000000000000" pitchFamily="2" charset="2"/>
+              <a:buChar char="Ø"/>
+            </a:pPr>
+            <a:r>
+              <a:rPr lang="en-US" dirty="0">
+                <a:solidFill>
+                  <a:schemeClr val="tx1">
+                    <a:lumMod val="75000"/>
+                    <a:lumOff val="25000"/>
+                  </a:schemeClr>
+                </a:solidFill>
+              </a:rPr>
+              <a:t> </a:t>
+            </a:r>
+            <a:r>
+              <a:rPr lang="en-US" dirty="0">
+                <a:solidFill>
+                  <a:schemeClr val="tx1">
+                    <a:lumMod val="75000"/>
+                    <a:lumOff val="25000"/>
+                  </a:schemeClr>
+                </a:solidFill>
+                <a:latin typeface="Palatino Linotype" panose="02040502050505030304" pitchFamily="18" charset="0"/>
+              </a:rPr>
+              <a:t>Learning Objective 1</a:t>
+            </a:r>
+          </a:p>
+        </p:txBody>
+      </p:sp>
+    </p:spTree>
+    <p:extLst>
+      <p:ext uri="{BB962C8B-B14F-4D97-AF65-F5344CB8AC3E}">
+        <p14:creationId xmlns:p14="http://schemas.microsoft.com/office/powerpoint/2010/main" val="1416141381"/>
+      </p:ext>
+    </p:extLst>
+  </p:cSld>
+  <p:clrMapOvr>
+    <a:masterClrMapping/>
+  </p:clrMapOvr>
+</p:sld>
+</file>
+
+<file path=ppt/slides/slide20.xml><?xml version="1.0" encoding="utf-8"?>
 <p:sld xmlns:a="http://schemas.openxmlformats.org/drawingml/2006/main" xmlns:r="http://schemas.openxmlformats.org/officeDocument/2006/relationships" xmlns:p="http://schemas.openxmlformats.org/presentationml/2006/main">
   <p:cSld>
     <p:spTree>
@@ -10125,7 +11523,7 @@
 </p:sld>
 </file>
 
-<file path=ppt/slides/slide19.xml><?xml version="1.0" encoding="utf-8"?>
+<file path=ppt/slides/slide21.xml><?xml version="1.0" encoding="utf-8"?>
 <p:sld xmlns:a="http://schemas.openxmlformats.org/drawingml/2006/main" xmlns:r="http://schemas.openxmlformats.org/officeDocument/2006/relationships" xmlns:p="http://schemas.openxmlformats.org/presentationml/2006/main">
   <p:cSld>
     <p:spTree>
@@ -10284,195 +11682,7 @@
 </p:sld>
 </file>
 
-<file path=ppt/slides/slide2.xml><?xml version="1.0" encoding="utf-8"?>
-<p:sld xmlns:a="http://schemas.openxmlformats.org/drawingml/2006/main" xmlns:r="http://schemas.openxmlformats.org/officeDocument/2006/relationships" xmlns:p="http://schemas.openxmlformats.org/presentationml/2006/main">
-  <p:cSld>
-    <p:spTree>
-      <p:nvGrpSpPr>
-        <p:cNvPr id="1" name=""/>
-        <p:cNvGrpSpPr/>
-        <p:nvPr/>
-      </p:nvGrpSpPr>
-      <p:grpSpPr>
-        <a:xfrm>
-          <a:off x="0" y="0"/>
-          <a:ext cx="0" cy="0"/>
-          <a:chOff x="0" y="0"/>
-          <a:chExt cx="0" cy="0"/>
-        </a:xfrm>
-      </p:grpSpPr>
-      <p:sp>
-        <p:nvSpPr>
-          <p:cNvPr id="3" name="Title 1">
-            <a:extLst>
-              <a:ext uri="{FF2B5EF4-FFF2-40B4-BE49-F238E27FC236}">
-                <a16:creationId xmlns:a16="http://schemas.microsoft.com/office/drawing/2014/main" id="{D9CC5A67-91FD-4115-860E-740F64879C93}"/>
-              </a:ext>
-            </a:extLst>
-          </p:cNvPr>
-          <p:cNvSpPr>
-            <a:spLocks noGrp="1"/>
-          </p:cNvSpPr>
-          <p:nvPr>
-            <p:ph type="title"/>
-          </p:nvPr>
-        </p:nvSpPr>
-        <p:spPr>
-          <a:xfrm>
-            <a:off x="0" y="2953213"/>
-            <a:ext cx="12192000" cy="951574"/>
-          </a:xfrm>
-          <a:noFill/>
-        </p:spPr>
-        <p:txBody>
-          <a:bodyPr>
-            <a:normAutofit fontScale="90000"/>
-          </a:bodyPr>
-          <a:lstStyle/>
-          <a:p>
-            <a:pPr algn="ctr"/>
-            <a:br>
-              <a:rPr lang="en-US" sz="4400" dirty="0">
-                <a:solidFill>
-                  <a:schemeClr val="tx1">
-                    <a:lumMod val="65000"/>
-                    <a:lumOff val="35000"/>
-                  </a:schemeClr>
-                </a:solidFill>
-              </a:rPr>
-            </a:br>
-            <a:br>
-              <a:rPr lang="en-US" sz="4400" dirty="0">
-                <a:solidFill>
-                  <a:schemeClr val="tx1">
-                    <a:lumMod val="65000"/>
-                    <a:lumOff val="35000"/>
-                  </a:schemeClr>
-                </a:solidFill>
-              </a:rPr>
-            </a:br>
-            <a:br>
-              <a:rPr lang="en-US" sz="4400" dirty="0">
-                <a:solidFill>
-                  <a:schemeClr val="tx1">
-                    <a:lumMod val="65000"/>
-                    <a:lumOff val="35000"/>
-                  </a:schemeClr>
-                </a:solidFill>
-              </a:rPr>
-            </a:br>
-            <a:br>
-              <a:rPr lang="en-US" sz="4400" dirty="0">
-                <a:solidFill>
-                  <a:schemeClr val="tx1">
-                    <a:lumMod val="65000"/>
-                    <a:lumOff val="35000"/>
-                  </a:schemeClr>
-                </a:solidFill>
-              </a:rPr>
-            </a:br>
-            <a:br>
-              <a:rPr lang="en-US" sz="4400" dirty="0">
-                <a:solidFill>
-                  <a:schemeClr val="tx1">
-                    <a:lumMod val="65000"/>
-                    <a:lumOff val="35000"/>
-                  </a:schemeClr>
-                </a:solidFill>
-              </a:rPr>
-            </a:br>
-            <a:br>
-              <a:rPr lang="en-US" sz="4400" dirty="0">
-                <a:solidFill>
-                  <a:schemeClr val="tx1">
-                    <a:lumMod val="65000"/>
-                    <a:lumOff val="35000"/>
-                  </a:schemeClr>
-                </a:solidFill>
-              </a:rPr>
-            </a:br>
-            <a:br>
-              <a:rPr lang="en-US" sz="4400" dirty="0">
-                <a:solidFill>
-                  <a:schemeClr val="tx1">
-                    <a:lumMod val="65000"/>
-                    <a:lumOff val="35000"/>
-                  </a:schemeClr>
-                </a:solidFill>
-              </a:rPr>
-            </a:br>
-            <a:br>
-              <a:rPr lang="en-US" sz="4400" dirty="0">
-                <a:solidFill>
-                  <a:schemeClr val="tx1">
-                    <a:lumMod val="65000"/>
-                    <a:lumOff val="35000"/>
-                  </a:schemeClr>
-                </a:solidFill>
-              </a:rPr>
-            </a:br>
-            <a:r>
-              <a:rPr lang="en-US" sz="4400" dirty="0">
-                <a:solidFill>
-                  <a:schemeClr val="tx1">
-                    <a:lumMod val="65000"/>
-                    <a:lumOff val="35000"/>
-                  </a:schemeClr>
-                </a:solidFill>
-              </a:rPr>
-              <a:t>    </a:t>
-            </a:r>
-            <a:r>
-              <a:rPr lang="en-US" sz="6700" dirty="0">
-                <a:solidFill>
-                  <a:schemeClr val="tx1">
-                    <a:lumMod val="65000"/>
-                    <a:lumOff val="35000"/>
-                  </a:schemeClr>
-                </a:solidFill>
-                <a:latin typeface="Palatino Linotype" panose="02040502050505030304" pitchFamily="18" charset="0"/>
-              </a:rPr>
-              <a:t>Word2Vec</a:t>
-            </a:r>
-            <a:endParaRPr lang="en-US" sz="6700" dirty="0">
-              <a:solidFill>
-                <a:schemeClr val="tx1">
-                  <a:lumMod val="65000"/>
-                  <a:lumOff val="35000"/>
-                </a:schemeClr>
-              </a:solidFill>
-              <a:latin typeface="Palatino Linotype" panose="02040502050505030304" pitchFamily="18" charset="0"/>
-              <a:cs typeface="Segoe UI Light" panose="020B0502040204020203" pitchFamily="34" charset="0"/>
-            </a:endParaRPr>
-          </a:p>
-        </p:txBody>
-      </p:sp>
-    </p:spTree>
-    <p:extLst>
-      <p:ext uri="{BB962C8B-B14F-4D97-AF65-F5344CB8AC3E}">
-        <p14:creationId xmlns:p14="http://schemas.microsoft.com/office/powerpoint/2010/main" val="2303734151"/>
-      </p:ext>
-    </p:extLst>
-  </p:cSld>
-  <p:clrMapOvr>
-    <a:masterClrMapping/>
-  </p:clrMapOvr>
-  <mc:AlternateContent xmlns:mc="http://schemas.openxmlformats.org/markup-compatibility/2006" xmlns:p14="http://schemas.microsoft.com/office/powerpoint/2010/main">
-    <mc:Choice Requires="p14">
-      <p:transition spd="med" p14:dur="700">
-        <p:fade/>
-      </p:transition>
-    </mc:Choice>
-    <mc:Fallback xmlns="">
-      <p:transition spd="med">
-        <p:fade/>
-      </p:transition>
-    </mc:Fallback>
-  </mc:AlternateContent>
-</p:sld>
-</file>
-
-<file path=ppt/slides/slide20.xml><?xml version="1.0" encoding="utf-8"?>
+<file path=ppt/slides/slide22.xml><?xml version="1.0" encoding="utf-8"?>
 <p:sld xmlns:a="http://schemas.openxmlformats.org/drawingml/2006/main" xmlns:r="http://schemas.openxmlformats.org/officeDocument/2006/relationships" xmlns:p="http://schemas.openxmlformats.org/presentationml/2006/main">
   <p:cSld>
     <p:spTree>
@@ -11540,6 +12750,380 @@
       </p:grpSpPr>
       <p:pic>
         <p:nvPicPr>
+          <p:cNvPr id="3" name="Picture 2" descr="Chart, treemap chart&#10;&#10;Description automatically generated">
+            <a:extLst>
+              <a:ext uri="{FF2B5EF4-FFF2-40B4-BE49-F238E27FC236}">
+                <a16:creationId xmlns:a16="http://schemas.microsoft.com/office/drawing/2014/main" id="{DAE51160-44ED-9871-3C31-BE1C64DC05C3}"/>
+              </a:ext>
+            </a:extLst>
+          </p:cNvPr>
+          <p:cNvPicPr>
+            <a:picLocks noChangeAspect="1"/>
+          </p:cNvPicPr>
+          <p:nvPr/>
+        </p:nvPicPr>
+        <p:blipFill>
+          <a:blip r:embed="rId3">
+            <a:extLst>
+              <a:ext uri="{28A0092B-C50C-407E-A947-70E740481C1C}">
+                <a14:useLocalDpi xmlns:a14="http://schemas.microsoft.com/office/drawing/2010/main" val="0"/>
+              </a:ext>
+            </a:extLst>
+          </a:blip>
+          <a:stretch>
+            <a:fillRect/>
+          </a:stretch>
+        </p:blipFill>
+        <p:spPr>
+          <a:xfrm>
+            <a:off x="2565142" y="0"/>
+            <a:ext cx="7061716" cy="6186910"/>
+          </a:xfrm>
+          <a:prstGeom prst="rect">
+            <a:avLst/>
+          </a:prstGeom>
+        </p:spPr>
+      </p:pic>
+      <p:sp>
+        <p:nvSpPr>
+          <p:cNvPr id="4" name="TextBox 3">
+            <a:extLst>
+              <a:ext uri="{FF2B5EF4-FFF2-40B4-BE49-F238E27FC236}">
+                <a16:creationId xmlns:a16="http://schemas.microsoft.com/office/drawing/2014/main" id="{5558EF97-8FD8-E5A7-5610-63565D89D39E}"/>
+              </a:ext>
+            </a:extLst>
+          </p:cNvPr>
+          <p:cNvSpPr txBox="1"/>
+          <p:nvPr/>
+        </p:nvSpPr>
+        <p:spPr>
+          <a:xfrm>
+            <a:off x="0" y="6550223"/>
+            <a:ext cx="12192000" cy="307777"/>
+          </a:xfrm>
+          <a:prstGeom prst="rect">
+            <a:avLst/>
+          </a:prstGeom>
+          <a:noFill/>
+        </p:spPr>
+        <p:txBody>
+          <a:bodyPr wrap="square" rtlCol="0">
+            <a:spAutoFit/>
+          </a:bodyPr>
+          <a:lstStyle/>
+          <a:p>
+            <a:r>
+              <a:rPr lang="en-US" sz="1400" dirty="0">
+                <a:solidFill>
+                  <a:schemeClr val="tx1">
+                    <a:lumMod val="65000"/>
+                    <a:lumOff val="35000"/>
+                  </a:schemeClr>
+                </a:solidFill>
+                <a:latin typeface="+mj-lt"/>
+                <a:ea typeface="Verdana" panose="020B0604030504040204" pitchFamily="34" charset="0"/>
+              </a:rPr>
+              <a:t>Source: Glassner, A. (2021). </a:t>
+            </a:r>
+            <a:r>
+              <a:rPr lang="en-US" sz="1400" i="1" dirty="0">
+                <a:solidFill>
+                  <a:schemeClr val="tx1">
+                    <a:lumMod val="65000"/>
+                    <a:lumOff val="35000"/>
+                  </a:schemeClr>
+                </a:solidFill>
+                <a:latin typeface="+mj-lt"/>
+                <a:ea typeface="Verdana" panose="020B0604030504040204" pitchFamily="34" charset="0"/>
+              </a:rPr>
+              <a:t>Deep learning: A visual approach</a:t>
+            </a:r>
+            <a:r>
+              <a:rPr lang="en-US" sz="1400" dirty="0">
+                <a:solidFill>
+                  <a:schemeClr val="tx1">
+                    <a:lumMod val="65000"/>
+                    <a:lumOff val="35000"/>
+                  </a:schemeClr>
+                </a:solidFill>
+                <a:latin typeface="+mj-lt"/>
+                <a:ea typeface="Verdana" panose="020B0604030504040204" pitchFamily="34" charset="0"/>
+              </a:rPr>
+              <a:t>. </a:t>
+            </a:r>
+            <a:r>
+              <a:rPr lang="en-US" sz="1400" b="0" i="0" dirty="0">
+                <a:solidFill>
+                  <a:schemeClr val="tx1">
+                    <a:lumMod val="65000"/>
+                    <a:lumOff val="35000"/>
+                  </a:schemeClr>
+                </a:solidFill>
+                <a:effectLst/>
+                <a:latin typeface="+mj-lt"/>
+                <a:ea typeface="Verdana" panose="020B0604030504040204" pitchFamily="34" charset="0"/>
+              </a:rPr>
+              <a:t>San Francisco, CA: No Starch Press. (Chapter </a:t>
+            </a:r>
+            <a:r>
+              <a:rPr lang="en-US" sz="1400" dirty="0">
+                <a:solidFill>
+                  <a:schemeClr val="tx1">
+                    <a:lumMod val="65000"/>
+                    <a:lumOff val="35000"/>
+                  </a:schemeClr>
+                </a:solidFill>
+                <a:latin typeface="+mj-lt"/>
+                <a:ea typeface="Verdana" panose="020B0604030504040204" pitchFamily="34" charset="0"/>
+              </a:rPr>
+              <a:t>20</a:t>
+            </a:r>
+            <a:r>
+              <a:rPr lang="en-US" sz="1400" b="0" i="0" dirty="0">
+                <a:solidFill>
+                  <a:schemeClr val="tx1">
+                    <a:lumMod val="65000"/>
+                    <a:lumOff val="35000"/>
+                  </a:schemeClr>
+                </a:solidFill>
+                <a:effectLst/>
+                <a:latin typeface="+mj-lt"/>
+                <a:ea typeface="Verdana" panose="020B0604030504040204" pitchFamily="34" charset="0"/>
+              </a:rPr>
+              <a:t>)</a:t>
+            </a:r>
+            <a:endParaRPr lang="en-US" sz="1400" dirty="0">
+              <a:solidFill>
+                <a:schemeClr val="tx1">
+                  <a:lumMod val="65000"/>
+                  <a:lumOff val="35000"/>
+                </a:schemeClr>
+              </a:solidFill>
+              <a:latin typeface="+mj-lt"/>
+              <a:ea typeface="Verdana" panose="020B0604030504040204" pitchFamily="34" charset="0"/>
+            </a:endParaRPr>
+          </a:p>
+        </p:txBody>
+      </p:sp>
+    </p:spTree>
+    <p:extLst>
+      <p:ext uri="{BB962C8B-B14F-4D97-AF65-F5344CB8AC3E}">
+        <p14:creationId xmlns:p14="http://schemas.microsoft.com/office/powerpoint/2010/main" val="3805394640"/>
+      </p:ext>
+    </p:extLst>
+  </p:cSld>
+  <p:clrMapOvr>
+    <a:masterClrMapping/>
+  </p:clrMapOvr>
+</p:sld>
+</file>
+
+<file path=ppt/slides/slide8.xml><?xml version="1.0" encoding="utf-8"?>
+<p:sld xmlns:a="http://schemas.openxmlformats.org/drawingml/2006/main" xmlns:r="http://schemas.openxmlformats.org/officeDocument/2006/relationships" xmlns:p="http://schemas.openxmlformats.org/presentationml/2006/main">
+  <p:cSld>
+    <p:spTree>
+      <p:nvGrpSpPr>
+        <p:cNvPr id="1" name=""/>
+        <p:cNvGrpSpPr/>
+        <p:nvPr/>
+      </p:nvGrpSpPr>
+      <p:grpSpPr>
+        <a:xfrm>
+          <a:off x="0" y="0"/>
+          <a:ext cx="0" cy="0"/>
+          <a:chOff x="0" y="0"/>
+          <a:chExt cx="0" cy="0"/>
+        </a:xfrm>
+      </p:grpSpPr>
+      <p:pic>
+        <p:nvPicPr>
+          <p:cNvPr id="3" name="Picture 2" descr="Chart, treemap chart&#10;&#10;Description automatically generated">
+            <a:extLst>
+              <a:ext uri="{FF2B5EF4-FFF2-40B4-BE49-F238E27FC236}">
+                <a16:creationId xmlns:a16="http://schemas.microsoft.com/office/drawing/2014/main" id="{F07177BE-887F-BC0A-49EA-5F23E3E6AEF4}"/>
+              </a:ext>
+            </a:extLst>
+          </p:cNvPr>
+          <p:cNvPicPr>
+            <a:picLocks noChangeAspect="1"/>
+          </p:cNvPicPr>
+          <p:nvPr/>
+        </p:nvPicPr>
+        <p:blipFill>
+          <a:blip r:embed="rId3">
+            <a:extLst>
+              <a:ext uri="{28A0092B-C50C-407E-A947-70E740481C1C}">
+                <a14:useLocalDpi xmlns:a14="http://schemas.microsoft.com/office/drawing/2010/main" val="0"/>
+              </a:ext>
+            </a:extLst>
+          </a:blip>
+          <a:stretch>
+            <a:fillRect/>
+          </a:stretch>
+        </p:blipFill>
+        <p:spPr>
+          <a:xfrm>
+            <a:off x="2700521" y="405378"/>
+            <a:ext cx="6790958" cy="5513843"/>
+          </a:xfrm>
+          <a:prstGeom prst="rect">
+            <a:avLst/>
+          </a:prstGeom>
+        </p:spPr>
+      </p:pic>
+      <p:sp>
+        <p:nvSpPr>
+          <p:cNvPr id="4" name="TextBox 3">
+            <a:extLst>
+              <a:ext uri="{FF2B5EF4-FFF2-40B4-BE49-F238E27FC236}">
+                <a16:creationId xmlns:a16="http://schemas.microsoft.com/office/drawing/2014/main" id="{F559AFAB-61DC-AAE3-0DCB-76C02473673A}"/>
+              </a:ext>
+            </a:extLst>
+          </p:cNvPr>
+          <p:cNvSpPr txBox="1"/>
+          <p:nvPr/>
+        </p:nvSpPr>
+        <p:spPr>
+          <a:xfrm>
+            <a:off x="0" y="6550223"/>
+            <a:ext cx="12192000" cy="307777"/>
+          </a:xfrm>
+          <a:prstGeom prst="rect">
+            <a:avLst/>
+          </a:prstGeom>
+          <a:noFill/>
+        </p:spPr>
+        <p:txBody>
+          <a:bodyPr wrap="square" rtlCol="0">
+            <a:spAutoFit/>
+          </a:bodyPr>
+          <a:lstStyle/>
+          <a:p>
+            <a:r>
+              <a:rPr lang="en-US" sz="1400" dirty="0">
+                <a:solidFill>
+                  <a:schemeClr val="tx1">
+                    <a:lumMod val="65000"/>
+                    <a:lumOff val="35000"/>
+                  </a:schemeClr>
+                </a:solidFill>
+                <a:latin typeface="+mj-lt"/>
+                <a:ea typeface="Verdana" panose="020B0604030504040204" pitchFamily="34" charset="0"/>
+              </a:rPr>
+              <a:t>Source: Glassner, A. (2021). </a:t>
+            </a:r>
+            <a:r>
+              <a:rPr lang="en-US" sz="1400" i="1" dirty="0">
+                <a:solidFill>
+                  <a:schemeClr val="tx1">
+                    <a:lumMod val="65000"/>
+                    <a:lumOff val="35000"/>
+                  </a:schemeClr>
+                </a:solidFill>
+                <a:latin typeface="+mj-lt"/>
+                <a:ea typeface="Verdana" panose="020B0604030504040204" pitchFamily="34" charset="0"/>
+              </a:rPr>
+              <a:t>Deep learning: A visual approach</a:t>
+            </a:r>
+            <a:r>
+              <a:rPr lang="en-US" sz="1400" dirty="0">
+                <a:solidFill>
+                  <a:schemeClr val="tx1">
+                    <a:lumMod val="65000"/>
+                    <a:lumOff val="35000"/>
+                  </a:schemeClr>
+                </a:solidFill>
+                <a:latin typeface="+mj-lt"/>
+                <a:ea typeface="Verdana" panose="020B0604030504040204" pitchFamily="34" charset="0"/>
+              </a:rPr>
+              <a:t>. </a:t>
+            </a:r>
+            <a:r>
+              <a:rPr lang="en-US" sz="1400" b="0" i="0" dirty="0">
+                <a:solidFill>
+                  <a:schemeClr val="tx1">
+                    <a:lumMod val="65000"/>
+                    <a:lumOff val="35000"/>
+                  </a:schemeClr>
+                </a:solidFill>
+                <a:effectLst/>
+                <a:latin typeface="+mj-lt"/>
+                <a:ea typeface="Verdana" panose="020B0604030504040204" pitchFamily="34" charset="0"/>
+              </a:rPr>
+              <a:t>San Francisco, CA: No Starch Press. (Chapter </a:t>
+            </a:r>
+            <a:r>
+              <a:rPr lang="en-US" sz="1400" dirty="0">
+                <a:solidFill>
+                  <a:schemeClr val="tx1">
+                    <a:lumMod val="65000"/>
+                    <a:lumOff val="35000"/>
+                  </a:schemeClr>
+                </a:solidFill>
+                <a:latin typeface="+mj-lt"/>
+                <a:ea typeface="Verdana" panose="020B0604030504040204" pitchFamily="34" charset="0"/>
+              </a:rPr>
+              <a:t>20</a:t>
+            </a:r>
+            <a:r>
+              <a:rPr lang="en-US" sz="1400" b="0" i="0" dirty="0">
+                <a:solidFill>
+                  <a:schemeClr val="tx1">
+                    <a:lumMod val="65000"/>
+                    <a:lumOff val="35000"/>
+                  </a:schemeClr>
+                </a:solidFill>
+                <a:effectLst/>
+                <a:latin typeface="+mj-lt"/>
+                <a:ea typeface="Verdana" panose="020B0604030504040204" pitchFamily="34" charset="0"/>
+              </a:rPr>
+              <a:t>)</a:t>
+            </a:r>
+            <a:endParaRPr lang="en-US" sz="1400" dirty="0">
+              <a:solidFill>
+                <a:schemeClr val="tx1">
+                  <a:lumMod val="65000"/>
+                  <a:lumOff val="35000"/>
+                </a:schemeClr>
+              </a:solidFill>
+              <a:latin typeface="+mj-lt"/>
+              <a:ea typeface="Verdana" panose="020B0604030504040204" pitchFamily="34" charset="0"/>
+            </a:endParaRPr>
+          </a:p>
+        </p:txBody>
+      </p:sp>
+    </p:spTree>
+    <p:extLst>
+      <p:ext uri="{BB962C8B-B14F-4D97-AF65-F5344CB8AC3E}">
+        <p14:creationId xmlns:p14="http://schemas.microsoft.com/office/powerpoint/2010/main" val="3170309509"/>
+      </p:ext>
+    </p:extLst>
+  </p:cSld>
+  <p:clrMapOvr>
+    <a:masterClrMapping/>
+  </p:clrMapOvr>
+</p:sld>
+</file>
+
+<file path=ppt/slides/slide9.xml><?xml version="1.0" encoding="utf-8"?>
+<p:sld xmlns:a="http://schemas.openxmlformats.org/drawingml/2006/main" xmlns:r="http://schemas.openxmlformats.org/officeDocument/2006/relationships" xmlns:p="http://schemas.openxmlformats.org/presentationml/2006/main">
+  <p:cSld>
+    <p:spTree>
+      <p:nvGrpSpPr>
+        <p:cNvPr id="1" name=""/>
+        <p:cNvGrpSpPr/>
+        <p:nvPr/>
+      </p:nvGrpSpPr>
+      <p:grpSpPr>
+        <a:xfrm>
+          <a:off x="0" y="0"/>
+          <a:ext cx="0" cy="0"/>
+          <a:chOff x="0" y="0"/>
+          <a:chExt cx="0" cy="0"/>
+        </a:xfrm>
+      </p:grpSpPr>
+      <p:pic>
+        <p:nvPicPr>
           <p:cNvPr id="5" name="Picture 4">
             <a:extLst>
               <a:ext uri="{FF2B5EF4-FFF2-40B4-BE49-F238E27FC236}">
@@ -11693,400 +13277,6 @@
     <p:extLst>
       <p:ext uri="{BB962C8B-B14F-4D97-AF65-F5344CB8AC3E}">
         <p14:creationId xmlns:p14="http://schemas.microsoft.com/office/powerpoint/2010/main" val="1854658915"/>
-      </p:ext>
-    </p:extLst>
-  </p:cSld>
-  <p:clrMapOvr>
-    <a:masterClrMapping/>
-  </p:clrMapOvr>
-  <mc:AlternateContent xmlns:mc="http://schemas.openxmlformats.org/markup-compatibility/2006" xmlns:p14="http://schemas.microsoft.com/office/powerpoint/2010/main">
-    <mc:Choice Requires="p14">
-      <p:transition spd="med" p14:dur="700">
-        <p:fade/>
-      </p:transition>
-    </mc:Choice>
-    <mc:Fallback xmlns="">
-      <p:transition spd="med">
-        <p:fade/>
-      </p:transition>
-    </mc:Fallback>
-  </mc:AlternateContent>
-</p:sld>
-</file>
-
-<file path=ppt/slides/slide8.xml><?xml version="1.0" encoding="utf-8"?>
-<p:sld xmlns:a="http://schemas.openxmlformats.org/drawingml/2006/main" xmlns:r="http://schemas.openxmlformats.org/officeDocument/2006/relationships" xmlns:p="http://schemas.openxmlformats.org/presentationml/2006/main">
-  <p:cSld>
-    <p:spTree>
-      <p:nvGrpSpPr>
-        <p:cNvPr id="1" name=""/>
-        <p:cNvGrpSpPr/>
-        <p:nvPr/>
-      </p:nvGrpSpPr>
-      <p:grpSpPr>
-        <a:xfrm>
-          <a:off x="0" y="0"/>
-          <a:ext cx="0" cy="0"/>
-          <a:chOff x="0" y="0"/>
-          <a:chExt cx="0" cy="0"/>
-        </a:xfrm>
-      </p:grpSpPr>
-      <p:sp>
-        <p:nvSpPr>
-          <p:cNvPr id="2" name="Title 1">
-            <a:extLst>
-              <a:ext uri="{FF2B5EF4-FFF2-40B4-BE49-F238E27FC236}">
-                <a16:creationId xmlns:a16="http://schemas.microsoft.com/office/drawing/2014/main" id="{0F853981-B13F-4917-804F-EBF0D4819E7E}"/>
-              </a:ext>
-            </a:extLst>
-          </p:cNvPr>
-          <p:cNvSpPr>
-            <a:spLocks noGrp="1"/>
-          </p:cNvSpPr>
-          <p:nvPr>
-            <p:ph type="title"/>
-          </p:nvPr>
-        </p:nvSpPr>
-        <p:spPr>
-          <a:xfrm>
-            <a:off x="0" y="3169585"/>
-            <a:ext cx="12192000" cy="518830"/>
-          </a:xfrm>
-          <a:noFill/>
-        </p:spPr>
-        <p:txBody>
-          <a:bodyPr>
-            <a:noAutofit/>
-          </a:bodyPr>
-          <a:lstStyle/>
-          <a:p>
-            <a:pPr algn="ctr"/>
-            <a:br>
-              <a:rPr lang="en-US" sz="3600" dirty="0">
-                <a:solidFill>
-                  <a:schemeClr val="tx1">
-                    <a:lumMod val="65000"/>
-                    <a:lumOff val="35000"/>
-                  </a:schemeClr>
-                </a:solidFill>
-                <a:latin typeface="Palatino Linotype" panose="02040502050505030304" pitchFamily="18" charset="0"/>
-              </a:rPr>
-            </a:br>
-            <a:br>
-              <a:rPr lang="en-US" sz="3600" dirty="0">
-                <a:solidFill>
-                  <a:schemeClr val="tx1">
-                    <a:lumMod val="65000"/>
-                    <a:lumOff val="35000"/>
-                  </a:schemeClr>
-                </a:solidFill>
-                <a:latin typeface="Palatino Linotype" panose="02040502050505030304" pitchFamily="18" charset="0"/>
-              </a:rPr>
-            </a:br>
-            <a:r>
-              <a:rPr lang="en-US" sz="3600" dirty="0">
-                <a:solidFill>
-                  <a:schemeClr val="tx1">
-                    <a:lumMod val="65000"/>
-                    <a:lumOff val="35000"/>
-                  </a:schemeClr>
-                </a:solidFill>
-                <a:latin typeface="Palatino Linotype" panose="02040502050505030304" pitchFamily="18" charset="0"/>
-              </a:rPr>
-              <a:t>Word Embedding Demo</a:t>
-            </a:r>
-            <a:endParaRPr lang="en-US" sz="3600" dirty="0">
-              <a:solidFill>
-                <a:schemeClr val="tx1">
-                  <a:lumMod val="65000"/>
-                  <a:lumOff val="35000"/>
-                </a:schemeClr>
-              </a:solidFill>
-              <a:latin typeface="Palatino Linotype" panose="02040502050505030304" pitchFamily="18" charset="0"/>
-              <a:cs typeface="Segoe UI Light" panose="020B0502040204020203" pitchFamily="34" charset="0"/>
-            </a:endParaRPr>
-          </a:p>
-        </p:txBody>
-      </p:sp>
-      <p:sp>
-        <p:nvSpPr>
-          <p:cNvPr id="3" name="Text Placeholder 2">
-            <a:extLst>
-              <a:ext uri="{FF2B5EF4-FFF2-40B4-BE49-F238E27FC236}">
-                <a16:creationId xmlns:a16="http://schemas.microsoft.com/office/drawing/2014/main" id="{098BC2D2-CCF7-4C63-8489-B46BF394FCA2}"/>
-              </a:ext>
-            </a:extLst>
-          </p:cNvPr>
-          <p:cNvSpPr>
-            <a:spLocks noGrp="1"/>
-          </p:cNvSpPr>
-          <p:nvPr>
-            <p:ph type="body" idx="1"/>
-          </p:nvPr>
-        </p:nvSpPr>
-        <p:spPr>
-          <a:xfrm>
-            <a:off x="0" y="4285400"/>
-            <a:ext cx="12192000" cy="518830"/>
-          </a:xfrm>
-        </p:spPr>
-        <p:txBody>
-          <a:bodyPr>
-            <a:normAutofit/>
-          </a:bodyPr>
-          <a:lstStyle/>
-          <a:p>
-            <a:endParaRPr lang="en-US" dirty="0">
-              <a:latin typeface="Palatino Linotype" panose="02040502050505030304" pitchFamily="18" charset="0"/>
-              <a:cs typeface="Segoe UI" panose="020B0502040204020203" pitchFamily="34" charset="0"/>
-            </a:endParaRPr>
-          </a:p>
-          <a:p>
-            <a:endParaRPr lang="en-US" dirty="0">
-              <a:latin typeface="Palatino Linotype" panose="02040502050505030304" pitchFamily="18" charset="0"/>
-              <a:cs typeface="Segoe UI" panose="020B0502040204020203" pitchFamily="34" charset="0"/>
-            </a:endParaRPr>
-          </a:p>
-          <a:p>
-            <a:endParaRPr lang="en-US" dirty="0">
-              <a:latin typeface="Palatino Linotype" panose="02040502050505030304" pitchFamily="18" charset="0"/>
-              <a:cs typeface="Segoe UI" panose="020B0502040204020203" pitchFamily="34" charset="0"/>
-            </a:endParaRPr>
-          </a:p>
-          <a:p>
-            <a:endParaRPr lang="en-US" dirty="0">
-              <a:latin typeface="Palatino Linotype" panose="02040502050505030304" pitchFamily="18" charset="0"/>
-              <a:cs typeface="Segoe UI" panose="020B0502040204020203" pitchFamily="34" charset="0"/>
-            </a:endParaRPr>
-          </a:p>
-          <a:p>
-            <a:endParaRPr lang="en-US" dirty="0">
-              <a:latin typeface="Palatino Linotype" panose="02040502050505030304" pitchFamily="18" charset="0"/>
-              <a:cs typeface="Segoe UI" panose="020B0502040204020203" pitchFamily="34" charset="0"/>
-            </a:endParaRPr>
-          </a:p>
-        </p:txBody>
-      </p:sp>
-      <p:pic>
-        <p:nvPicPr>
-          <p:cNvPr id="4" name="Picture 3">
-            <a:extLst>
-              <a:ext uri="{FF2B5EF4-FFF2-40B4-BE49-F238E27FC236}">
-                <a16:creationId xmlns:a16="http://schemas.microsoft.com/office/drawing/2014/main" id="{4CD7B1E7-8C1E-4394-BD29-073CEC503ACC}"/>
-              </a:ext>
-            </a:extLst>
-          </p:cNvPr>
-          <p:cNvPicPr>
-            <a:picLocks noChangeAspect="1"/>
-          </p:cNvPicPr>
-          <p:nvPr/>
-        </p:nvPicPr>
-        <p:blipFill>
-          <a:blip r:embed="rId3"/>
-          <a:stretch>
-            <a:fillRect/>
-          </a:stretch>
-        </p:blipFill>
-        <p:spPr>
-          <a:xfrm>
-            <a:off x="0" y="365760"/>
-            <a:ext cx="3233668" cy="805144"/>
-          </a:xfrm>
-          <a:prstGeom prst="rect">
-            <a:avLst/>
-          </a:prstGeom>
-        </p:spPr>
-      </p:pic>
-    </p:spTree>
-    <p:extLst>
-      <p:ext uri="{BB962C8B-B14F-4D97-AF65-F5344CB8AC3E}">
-        <p14:creationId xmlns:p14="http://schemas.microsoft.com/office/powerpoint/2010/main" val="3774553972"/>
-      </p:ext>
-    </p:extLst>
-  </p:cSld>
-  <p:clrMapOvr>
-    <a:masterClrMapping/>
-  </p:clrMapOvr>
-  <mc:AlternateContent xmlns:mc="http://schemas.openxmlformats.org/markup-compatibility/2006" xmlns:p14="http://schemas.microsoft.com/office/powerpoint/2010/main">
-    <mc:Choice Requires="p14">
-      <p:transition spd="med" p14:dur="700">
-        <p:fade/>
-      </p:transition>
-    </mc:Choice>
-    <mc:Fallback xmlns="">
-      <p:transition spd="med">
-        <p:fade/>
-      </p:transition>
-    </mc:Fallback>
-  </mc:AlternateContent>
-</p:sld>
-</file>
-
-<file path=ppt/slides/slide9.xml><?xml version="1.0" encoding="utf-8"?>
-<p:sld xmlns:a="http://schemas.openxmlformats.org/drawingml/2006/main" xmlns:r="http://schemas.openxmlformats.org/officeDocument/2006/relationships" xmlns:p="http://schemas.openxmlformats.org/presentationml/2006/main">
-  <p:cSld>
-    <p:spTree>
-      <p:nvGrpSpPr>
-        <p:cNvPr id="1" name=""/>
-        <p:cNvGrpSpPr/>
-        <p:nvPr/>
-      </p:nvGrpSpPr>
-      <p:grpSpPr>
-        <a:xfrm>
-          <a:off x="0" y="0"/>
-          <a:ext cx="0" cy="0"/>
-          <a:chOff x="0" y="0"/>
-          <a:chExt cx="0" cy="0"/>
-        </a:xfrm>
-      </p:grpSpPr>
-      <p:sp>
-        <p:nvSpPr>
-          <p:cNvPr id="3" name="TextBox 2">
-            <a:extLst>
-              <a:ext uri="{FF2B5EF4-FFF2-40B4-BE49-F238E27FC236}">
-                <a16:creationId xmlns:a16="http://schemas.microsoft.com/office/drawing/2014/main" id="{D48FB273-3781-4D59-81BD-6BE1BF0BCB82}"/>
-              </a:ext>
-            </a:extLst>
-          </p:cNvPr>
-          <p:cNvSpPr txBox="1"/>
-          <p:nvPr/>
-        </p:nvSpPr>
-        <p:spPr>
-          <a:xfrm>
-            <a:off x="1" y="1859340"/>
-            <a:ext cx="12191999" cy="1569660"/>
-          </a:xfrm>
-          <a:prstGeom prst="rect">
-            <a:avLst/>
-          </a:prstGeom>
-          <a:noFill/>
-        </p:spPr>
-        <p:txBody>
-          <a:bodyPr wrap="square" rtlCol="0">
-            <a:spAutoFit/>
-          </a:bodyPr>
-          <a:lstStyle/>
-          <a:p>
-            <a:pPr algn="ctr"/>
-            <a:r>
-              <a:rPr lang="en-US" sz="4800" dirty="0">
-                <a:solidFill>
-                  <a:schemeClr val="tx1">
-                    <a:lumMod val="65000"/>
-                    <a:lumOff val="35000"/>
-                  </a:schemeClr>
-                </a:solidFill>
-              </a:rPr>
-              <a:t>Have a good day</a:t>
-            </a:r>
-          </a:p>
-          <a:p>
-            <a:pPr algn="ctr"/>
-            <a:r>
-              <a:rPr lang="en-US" sz="4800" dirty="0">
-                <a:solidFill>
-                  <a:schemeClr val="tx1">
-                    <a:lumMod val="65000"/>
-                    <a:lumOff val="35000"/>
-                  </a:schemeClr>
-                </a:solidFill>
-              </a:rPr>
-              <a:t>Have a great day</a:t>
-            </a:r>
-          </a:p>
-        </p:txBody>
-      </p:sp>
-      <p:sp>
-        <p:nvSpPr>
-          <p:cNvPr id="4" name="TextBox 3">
-            <a:extLst>
-              <a:ext uri="{FF2B5EF4-FFF2-40B4-BE49-F238E27FC236}">
-                <a16:creationId xmlns:a16="http://schemas.microsoft.com/office/drawing/2014/main" id="{EED70626-7F0B-434C-863E-3FDFE11D15C3}"/>
-              </a:ext>
-            </a:extLst>
-          </p:cNvPr>
-          <p:cNvSpPr txBox="1"/>
-          <p:nvPr/>
-        </p:nvSpPr>
-        <p:spPr>
-          <a:xfrm>
-            <a:off x="1" y="3601496"/>
-            <a:ext cx="12191999" cy="707886"/>
-          </a:xfrm>
-          <a:prstGeom prst="rect">
-            <a:avLst/>
-          </a:prstGeom>
-          <a:noFill/>
-        </p:spPr>
-        <p:txBody>
-          <a:bodyPr wrap="square" rtlCol="0">
-            <a:spAutoFit/>
-          </a:bodyPr>
-          <a:lstStyle/>
-          <a:p>
-            <a:pPr algn="ctr"/>
-            <a:r>
-              <a:rPr lang="en-US" sz="4000" dirty="0">
-                <a:solidFill>
-                  <a:schemeClr val="tx1">
-                    <a:lumMod val="75000"/>
-                    <a:lumOff val="25000"/>
-                  </a:schemeClr>
-                </a:solidFill>
-              </a:rPr>
-              <a:t>V = {Have, a, good, great, day}</a:t>
-            </a:r>
-          </a:p>
-        </p:txBody>
-      </p:sp>
-      <p:sp>
-        <p:nvSpPr>
-          <p:cNvPr id="5" name="TextBox 4">
-            <a:extLst>
-              <a:ext uri="{FF2B5EF4-FFF2-40B4-BE49-F238E27FC236}">
-                <a16:creationId xmlns:a16="http://schemas.microsoft.com/office/drawing/2014/main" id="{4F320A13-0C42-45D1-87B6-360951C44CBC}"/>
-              </a:ext>
-            </a:extLst>
-          </p:cNvPr>
-          <p:cNvSpPr txBox="1"/>
-          <p:nvPr/>
-        </p:nvSpPr>
-        <p:spPr>
-          <a:xfrm>
-            <a:off x="0" y="6550223"/>
-            <a:ext cx="12192000" cy="307777"/>
-          </a:xfrm>
-          <a:prstGeom prst="rect">
-            <a:avLst/>
-          </a:prstGeom>
-          <a:noFill/>
-        </p:spPr>
-        <p:txBody>
-          <a:bodyPr wrap="square" rtlCol="0">
-            <a:spAutoFit/>
-          </a:bodyPr>
-          <a:lstStyle/>
-          <a:p>
-            <a:r>
-              <a:rPr lang="en-US" sz="1400" dirty="0">
-                <a:solidFill>
-                  <a:schemeClr val="tx1">
-                    <a:lumMod val="65000"/>
-                    <a:lumOff val="35000"/>
-                  </a:schemeClr>
-                </a:solidFill>
-                <a:latin typeface="+mj-lt"/>
-                <a:ea typeface="Verdana" panose="020B0604030504040204" pitchFamily="34" charset="0"/>
-              </a:rPr>
-              <a:t>Source: Karani, D. (2018). Retrieved: https://towardsdatascience.com/introduction-to-word-embedding-and-word2vec-652d0c2060fa</a:t>
-            </a:r>
-          </a:p>
-        </p:txBody>
-      </p:sp>
-    </p:spTree>
-    <p:extLst>
-      <p:ext uri="{BB962C8B-B14F-4D97-AF65-F5344CB8AC3E}">
-        <p14:creationId xmlns:p14="http://schemas.microsoft.com/office/powerpoint/2010/main" val="3610813145"/>
       </p:ext>
     </p:extLst>
   </p:cSld>

--- a/presentations/02_word_vectors.pptx
+++ b/presentations/02_word_vectors.pptx
@@ -9,26 +9,26 @@
   </p:notesMasterIdLst>
   <p:sldIdLst>
     <p:sldId id="326" r:id="rId2"/>
-    <p:sldId id="352" r:id="rId3"/>
-    <p:sldId id="328" r:id="rId4"/>
-    <p:sldId id="330" r:id="rId5"/>
-    <p:sldId id="331" r:id="rId6"/>
-    <p:sldId id="332" r:id="rId7"/>
-    <p:sldId id="353" r:id="rId8"/>
-    <p:sldId id="354" r:id="rId9"/>
-    <p:sldId id="333" r:id="rId10"/>
-    <p:sldId id="334" r:id="rId11"/>
-    <p:sldId id="302" r:id="rId12"/>
-    <p:sldId id="305" r:id="rId13"/>
-    <p:sldId id="303" r:id="rId14"/>
-    <p:sldId id="304" r:id="rId15"/>
-    <p:sldId id="309" r:id="rId16"/>
-    <p:sldId id="310" r:id="rId17"/>
+    <p:sldId id="328" r:id="rId3"/>
+    <p:sldId id="330" r:id="rId4"/>
+    <p:sldId id="331" r:id="rId5"/>
+    <p:sldId id="332" r:id="rId6"/>
+    <p:sldId id="353" r:id="rId7"/>
+    <p:sldId id="354" r:id="rId8"/>
+    <p:sldId id="333" r:id="rId9"/>
+    <p:sldId id="334" r:id="rId10"/>
+    <p:sldId id="302" r:id="rId11"/>
+    <p:sldId id="305" r:id="rId12"/>
+    <p:sldId id="303" r:id="rId13"/>
+    <p:sldId id="304" r:id="rId14"/>
+    <p:sldId id="309" r:id="rId15"/>
+    <p:sldId id="310" r:id="rId16"/>
+    <p:sldId id="300" r:id="rId17"/>
     <p:sldId id="308" r:id="rId18"/>
     <p:sldId id="323" r:id="rId19"/>
     <p:sldId id="327" r:id="rId20"/>
     <p:sldId id="329" r:id="rId21"/>
-    <p:sldId id="300" r:id="rId22"/>
+    <p:sldId id="352" r:id="rId22"/>
     <p:sldId id="307" r:id="rId23"/>
   </p:sldIdLst>
   <p:sldSz cx="12192000" cy="6858000"/>
@@ -229,7 +229,7 @@
           <a:p>
             <a:fld id="{FD93C9B2-20F6-4DB1-B471-224337D0AC79}" type="datetimeFigureOut">
               <a:rPr lang="en-US" smtClean="0"/>
-              <a:t>8/29/2022</a:t>
+              <a:t>10/20/2022</a:t>
             </a:fld>
             <a:endParaRPr lang="en-US"/>
           </a:p>
@@ -549,13 +549,33 @@
                 <a:effectLst/>
                 <a:latin typeface="+mn-lt"/>
               </a:rPr>
-              <a:t>Last week, we talked about text representation, and our textbook presented three </a:t>
+              <a:t>Last week, we talked about text representation, and </a:t>
+            </a:r>
+            <a:r>
+              <a:rPr lang="en-US" sz="1200" b="0" i="1" dirty="0">
+                <a:solidFill>
+                  <a:srgbClr val="292929"/>
+                </a:solidFill>
+                <a:effectLst/>
+                <a:latin typeface="+mn-lt"/>
+              </a:rPr>
+              <a:t>The Deep Learning Workshop </a:t>
+            </a:r>
+            <a:r>
+              <a:rPr lang="en-US" sz="1200" b="0" i="0" dirty="0">
+                <a:solidFill>
+                  <a:srgbClr val="292929"/>
+                </a:solidFill>
+                <a:effectLst/>
+                <a:latin typeface="+mn-lt"/>
+              </a:rPr>
+              <a:t>textbook presents three </a:t>
             </a:r>
             <a:r>
               <a:rPr lang="en-US" sz="1200" b="0" i="0" u="none" strike="noStrike" baseline="0" dirty="0">
                 <a:latin typeface="+mn-lt"/>
               </a:rPr>
-              <a:t>“classical” approaches to accomplishing this task: </a:t>
+              <a:t>“classical” approaches to do this: </a:t>
             </a:r>
           </a:p>
           <a:p>
@@ -827,7 +847,7 @@
           <a:p>
             <a:fld id="{3148858F-F1DB-4027-9C85-CCA6849540DD}" type="slidenum">
               <a:rPr lang="en-US" smtClean="0"/>
-              <a:t>11</a:t>
+              <a:t>10</a:t>
             </a:fld>
             <a:endParaRPr lang="en-US"/>
           </a:p>
@@ -964,7 +984,7 @@
           <a:p>
             <a:fld id="{3148858F-F1DB-4027-9C85-CCA6849540DD}" type="slidenum">
               <a:rPr lang="en-US" smtClean="0"/>
-              <a:t>12</a:t>
+              <a:t>11</a:t>
             </a:fld>
             <a:endParaRPr lang="en-US"/>
           </a:p>
@@ -1036,7 +1056,7 @@
                 <a:effectLst/>
                 <a:latin typeface="+mn-lt"/>
               </a:rPr>
-              <a:t>The CBOW architecture takes the context of each word as the input and tries to predict the word for that context. Consider our example: </a:t>
+              <a:t>The CBOW architecture takes the context of each word as the input and tries to predict a missing word, given that context. Consider our example: </a:t>
             </a:r>
             <a:r>
               <a:rPr lang="en-US" b="0" i="1" dirty="0">
@@ -1056,7 +1076,7 @@
                 <a:effectLst/>
                 <a:latin typeface="+mn-lt"/>
               </a:rPr>
-              <a:t>Let the input to the Neural Network be the three words – </a:t>
+              <a:t>The first three words of that sentence are shown on the left, next to the first three nodes of the input layer.  The network’s goal is to predict the target word (</a:t>
             </a:r>
             <a:r>
               <a:rPr lang="en-US" b="0" i="1" dirty="0">
@@ -1066,7 +1086,7 @@
                 <a:effectLst/>
                 <a:latin typeface="+mn-lt"/>
               </a:rPr>
-              <a:t>have, a, good. </a:t>
+              <a:t>day</a:t>
             </a:r>
             <a:r>
               <a:rPr lang="en-US" b="0" i="0" dirty="0">
@@ -1076,7 +1096,7 @@
                 <a:effectLst/>
                 <a:latin typeface="+mn-lt"/>
               </a:rPr>
-              <a:t>In this example, we want to predict a target word (</a:t>
+              <a:t>), using these context words.  To do that,</a:t>
             </a:r>
             <a:r>
               <a:rPr lang="en-US" b="0" i="1" dirty="0">
@@ -1086,7 +1106,7 @@
                 <a:effectLst/>
                 <a:latin typeface="+mn-lt"/>
               </a:rPr>
-              <a:t>d</a:t>
+              <a:t> </a:t>
             </a:r>
             <a:r>
               <a:rPr lang="en-US" b="0" i="0" dirty="0">
@@ -1096,7 +1116,7 @@
                 <a:effectLst/>
                 <a:latin typeface="+mn-lt"/>
               </a:rPr>
-              <a:t>ay</a:t>
+              <a:t>we one-hot encode the input words and measure the output error compared to the one-hot encoding of the target word - the word </a:t>
             </a:r>
             <a:r>
               <a:rPr lang="en-US" b="0" i="1" dirty="0">
@@ -1106,7 +1126,7 @@
                 <a:effectLst/>
                 <a:latin typeface="+mn-lt"/>
               </a:rPr>
-              <a:t>) </a:t>
+              <a:t>d</a:t>
             </a:r>
             <a:r>
               <a:rPr lang="en-US" b="0" i="0" dirty="0">
@@ -1116,47 +1136,7 @@
                 <a:effectLst/>
                 <a:latin typeface="+mn-lt"/>
               </a:rPr>
-              <a:t>using these context words.  More specifically, we use one hot encoding of the input words and measure the output error compared to one hot encoding of the target word, </a:t>
-            </a:r>
-            <a:r>
-              <a:rPr lang="en-US" b="0" i="1" dirty="0">
-                <a:solidFill>
-                  <a:srgbClr val="292929"/>
-                </a:solidFill>
-                <a:effectLst/>
-                <a:latin typeface="+mn-lt"/>
-              </a:rPr>
-              <a:t>d</a:t>
-            </a:r>
-            <a:r>
-              <a:rPr lang="en-US" b="0" i="0" dirty="0">
-                <a:solidFill>
-                  <a:srgbClr val="292929"/>
-                </a:solidFill>
-                <a:effectLst/>
-                <a:latin typeface="+mn-lt"/>
-              </a:rPr>
-              <a:t>ay in this case.</a:t>
-            </a:r>
-            <a:r>
-              <a:rPr lang="en-US" b="0" i="1" dirty="0">
-                <a:solidFill>
-                  <a:srgbClr val="292929"/>
-                </a:solidFill>
-                <a:effectLst/>
-                <a:latin typeface="+mn-lt"/>
-              </a:rPr>
-              <a:t> </a:t>
-            </a:r>
-            <a:r>
-              <a:rPr lang="en-US" b="0" i="0" dirty="0">
-                <a:solidFill>
-                  <a:srgbClr val="292929"/>
-                </a:solidFill>
-                <a:effectLst/>
-                <a:latin typeface="+mn-lt"/>
-              </a:rPr>
-              <a:t>In the process of predicting the target word, we learn its vector representation.</a:t>
+              <a:t>ay in this example.  And in the process of predicting the target word, we learn its vector representation.</a:t>
             </a:r>
           </a:p>
           <a:p>
@@ -1179,7 +1159,7 @@
                 <a:effectLst/>
                 <a:latin typeface="+mn-lt"/>
               </a:rPr>
-              <a:t>Let’s look deeper into the actual architecture.</a:t>
+              <a:t>Let’s take a closer look at the architecture.</a:t>
             </a:r>
           </a:p>
           <a:p>
@@ -1358,7 +1338,7 @@
           <a:p>
             <a:fld id="{3148858F-F1DB-4027-9C85-CCA6849540DD}" type="slidenum">
               <a:rPr lang="en-US" smtClean="0"/>
-              <a:t>13</a:t>
+              <a:t>12</a:t>
             </a:fld>
             <a:endParaRPr lang="en-US"/>
           </a:p>
@@ -1462,7 +1442,7 @@
           <a:p>
             <a:fld id="{3148858F-F1DB-4027-9C85-CCA6849540DD}" type="slidenum">
               <a:rPr lang="en-US" smtClean="0"/>
-              <a:t>14</a:t>
+              <a:t>13</a:t>
             </a:fld>
             <a:endParaRPr lang="en-US"/>
           </a:p>
@@ -1579,7 +1559,7 @@
           <a:p>
             <a:fld id="{3148858F-F1DB-4027-9C85-CCA6849540DD}" type="slidenum">
               <a:rPr lang="en-US" smtClean="0"/>
-              <a:t>15</a:t>
+              <a:t>14</a:t>
             </a:fld>
             <a:endParaRPr lang="en-US"/>
           </a:p>
@@ -1651,7 +1631,7 @@
                 <a:effectLst/>
                 <a:latin typeface="+mn-lt"/>
               </a:rPr>
-              <a:t>With the Skip-Gram architecture, a single target word is used to predict all its context words. Skip Gram works well with small amounts of data and is found to represent rare words well.</a:t>
+              <a:t>With the Skip-Gram architecture, a single target word is used to predict all its context words. Skip Gram works well with small amounts of data as well as rare words.</a:t>
             </a:r>
           </a:p>
         </p:txBody>
@@ -1673,7 +1653,7 @@
           <a:p>
             <a:fld id="{3148858F-F1DB-4027-9C85-CCA6849540DD}" type="slidenum">
               <a:rPr lang="en-US" smtClean="0"/>
-              <a:t>16</a:t>
+              <a:t>15</a:t>
             </a:fld>
             <a:endParaRPr lang="en-US"/>
           </a:p>
@@ -1736,132 +1716,6 @@
           <a:bodyPr/>
           <a:lstStyle/>
           <a:p>
-            <a:pPr marL="0" marR="0">
-              <a:spcBef>
-                <a:spcPts val="0"/>
-              </a:spcBef>
-              <a:spcAft>
-                <a:spcPts val="0"/>
-              </a:spcAft>
-            </a:pPr>
-            <a:r>
-              <a:rPr lang="en-US" sz="1200" dirty="0">
-                <a:effectLst/>
-                <a:latin typeface="+mn-lt"/>
-                <a:ea typeface="Calibri" panose="020F0502020204030204" pitchFamily="34" charset="0"/>
-              </a:rPr>
-              <a:t>Let’s wrap up with a quick (high-level) review.  Word embedding is a process whereby words that appear close together in a text are moved closer together in a vector space.  The process is iterative, moving synonyms close together because synonyms have the same words around them.  </a:t>
-            </a:r>
-          </a:p>
-          <a:p>
-            <a:pPr marL="0" marR="0">
-              <a:spcBef>
-                <a:spcPts val="0"/>
-              </a:spcBef>
-              <a:spcAft>
-                <a:spcPts val="0"/>
-              </a:spcAft>
-            </a:pPr>
-            <a:endParaRPr lang="en-US" sz="1200" dirty="0">
-              <a:effectLst/>
-              <a:latin typeface="+mn-lt"/>
-              <a:ea typeface="Calibri" panose="020F0502020204030204" pitchFamily="34" charset="0"/>
-            </a:endParaRPr>
-          </a:p>
-          <a:p>
-            <a:pPr marL="0" marR="0">
-              <a:spcBef>
-                <a:spcPts val="0"/>
-              </a:spcBef>
-              <a:spcAft>
-                <a:spcPts val="0"/>
-              </a:spcAft>
-            </a:pPr>
-            <a:r>
-              <a:rPr lang="en-US" sz="1200" dirty="0">
-                <a:effectLst/>
-                <a:latin typeface="+mn-lt"/>
-                <a:ea typeface="Calibri" panose="020F0502020204030204" pitchFamily="34" charset="0"/>
-              </a:rPr>
-              <a:t>Consider, for example, these sentences – “Grapefruit is my favorite citrus.  Grapefruits grow on a tree.  The orange is also a citrus.”  Now you can see how processing thousands of sentences like these would create a connection between citrus, orange, and grapefruit.  Just as juice, fruit, and tree are similar. All based on word proximity.</a:t>
-            </a:r>
-          </a:p>
-          <a:p>
-            <a:pPr marL="0" marR="0">
-              <a:spcBef>
-                <a:spcPts val="0"/>
-              </a:spcBef>
-              <a:spcAft>
-                <a:spcPts val="0"/>
-              </a:spcAft>
-            </a:pPr>
-            <a:r>
-              <a:rPr lang="en-US" sz="1200" dirty="0">
-                <a:effectLst/>
-                <a:latin typeface="+mn-lt"/>
-                <a:ea typeface="Calibri" panose="020F0502020204030204" pitchFamily="34" charset="0"/>
-              </a:rPr>
-              <a:t>  </a:t>
-            </a:r>
-          </a:p>
-          <a:p>
-            <a:pPr marL="0" marR="0">
-              <a:spcBef>
-                <a:spcPts val="0"/>
-              </a:spcBef>
-              <a:spcAft>
-                <a:spcPts val="0"/>
-              </a:spcAft>
-            </a:pPr>
-            <a:r>
-              <a:rPr lang="en-US" sz="1200" dirty="0">
-                <a:effectLst/>
-                <a:latin typeface="+mn-lt"/>
-                <a:ea typeface="Calibri" panose="020F0502020204030204" pitchFamily="34" charset="0"/>
-              </a:rPr>
-              <a:t>The main problem with this approach is it only creates 1 embedding per word… hence, more recent transformer models such as BERT and GPT support contextualized embeddings; that is, multiple embeddings per word, to represent different meanings of a word.  Our transformer workshop covers this new architecture in-depth.</a:t>
-            </a:r>
-          </a:p>
-          <a:p>
-            <a:pPr marL="0" marR="0">
-              <a:spcBef>
-                <a:spcPts val="0"/>
-              </a:spcBef>
-              <a:spcAft>
-                <a:spcPts val="0"/>
-              </a:spcAft>
-            </a:pPr>
-            <a:r>
-              <a:rPr lang="en-US" sz="1200" dirty="0">
-                <a:effectLst/>
-                <a:latin typeface="+mn-lt"/>
-                <a:ea typeface="Calibri" panose="020F0502020204030204" pitchFamily="34" charset="0"/>
-              </a:rPr>
-              <a:t> </a:t>
-            </a:r>
-          </a:p>
-          <a:p>
-            <a:pPr marL="0" marR="0">
-              <a:spcBef>
-                <a:spcPts val="0"/>
-              </a:spcBef>
-              <a:spcAft>
-                <a:spcPts val="0"/>
-              </a:spcAft>
-            </a:pPr>
-            <a:r>
-              <a:rPr lang="en-US" sz="1200" dirty="0">
-                <a:effectLst/>
-                <a:latin typeface="+mn-lt"/>
-                <a:ea typeface="Calibri" panose="020F0502020204030204" pitchFamily="34" charset="0"/>
-              </a:rPr>
-              <a:t>(E. Stubbs Email: 05.21.21)</a:t>
-            </a:r>
-            <a:endParaRPr lang="en-US" sz="1200" dirty="0">
-              <a:latin typeface="+mn-lt"/>
-            </a:endParaRPr>
-          </a:p>
-          <a:p>
             <a:pPr marL="0" marR="0" lvl="0" indent="0" algn="l" defTabSz="914400" rtl="0" eaLnBrk="1" fontAlgn="auto" latinLnBrk="0" hangingPunct="1">
               <a:lnSpc>
                 <a:spcPct val="100000"/>
@@ -1879,16 +1733,235 @@
               <a:tabLst/>
               <a:defRPr/>
             </a:pPr>
-            <a:endParaRPr lang="en-US" dirty="0"/>
-          </a:p>
-          <a:p>
-            <a:pPr algn="l"/>
+            <a:r>
+              <a:rPr lang="en-US" sz="1200" dirty="0">
+                <a:effectLst/>
+                <a:latin typeface="+mn-lt"/>
+                <a:ea typeface="Calibri" panose="020F0502020204030204" pitchFamily="34" charset="0"/>
+              </a:rPr>
+              <a:t>We have one final concept to introduce.  Again, the basic idea behind word embeddings is that we want words which appear in similar contexts to be spatially close to each other.  M</a:t>
+            </a:r>
+            <a:r>
+              <a:rPr lang="en-US" b="0" i="0" dirty="0">
+                <a:solidFill>
+                  <a:srgbClr val="292929"/>
+                </a:solidFill>
+                <a:effectLst/>
+                <a:latin typeface="+mn-lt"/>
+              </a:rPr>
+              <a:t>athematically, what we want is for the cosine of the angle between such vectors to be close to 1.  That is, the angle close to 0.  In this image:</a:t>
+            </a:r>
+          </a:p>
+          <a:p>
+            <a:pPr marL="228600" marR="0" lvl="0" indent="-228600" algn="l" defTabSz="914400" rtl="0" eaLnBrk="1" fontAlgn="auto" latinLnBrk="0" hangingPunct="1">
+              <a:lnSpc>
+                <a:spcPct val="100000"/>
+              </a:lnSpc>
+              <a:spcBef>
+                <a:spcPts val="0"/>
+              </a:spcBef>
+              <a:spcAft>
+                <a:spcPts val="0"/>
+              </a:spcAft>
+              <a:buClrTx/>
+              <a:buSzTx/>
+              <a:buFontTx/>
+              <a:buAutoNum type="arabicPeriod"/>
+              <a:tabLst/>
+              <a:defRPr/>
+            </a:pPr>
+            <a:r>
+              <a:rPr lang="en-US" b="0" i="0" dirty="0">
+                <a:solidFill>
+                  <a:srgbClr val="292929"/>
+                </a:solidFill>
+                <a:effectLst/>
+                <a:latin typeface="+mn-lt"/>
+              </a:rPr>
+              <a:t>Po the Panda is the word vector for ‘good’ </a:t>
+            </a:r>
+          </a:p>
+          <a:p>
+            <a:pPr marL="228600" marR="0" lvl="0" indent="-228600" algn="l" defTabSz="914400" rtl="0" eaLnBrk="1" fontAlgn="auto" latinLnBrk="0" hangingPunct="1">
+              <a:lnSpc>
+                <a:spcPct val="100000"/>
+              </a:lnSpc>
+              <a:spcBef>
+                <a:spcPts val="0"/>
+              </a:spcBef>
+              <a:spcAft>
+                <a:spcPts val="0"/>
+              </a:spcAft>
+              <a:buClrTx/>
+              <a:buSzTx/>
+              <a:buFontTx/>
+              <a:buAutoNum type="arabicPeriod"/>
+              <a:tabLst/>
+              <a:defRPr/>
+            </a:pPr>
+            <a:r>
+              <a:rPr lang="en-US" b="0" i="0" dirty="0">
+                <a:solidFill>
+                  <a:srgbClr val="292929"/>
+                </a:solidFill>
+                <a:effectLst/>
+                <a:latin typeface="+mn-lt"/>
+              </a:rPr>
+              <a:t>While Master Tigress is the word vector for ‘great’.</a:t>
+            </a:r>
+          </a:p>
+          <a:p>
+            <a:pPr marL="0" marR="0" lvl="0" indent="0" algn="l" defTabSz="914400" rtl="0" eaLnBrk="1" fontAlgn="auto" latinLnBrk="0" hangingPunct="1">
+              <a:lnSpc>
+                <a:spcPct val="100000"/>
+              </a:lnSpc>
+              <a:spcBef>
+                <a:spcPts val="0"/>
+              </a:spcBef>
+              <a:spcAft>
+                <a:spcPts val="0"/>
+              </a:spcAft>
+              <a:buClrTx/>
+              <a:buSzTx/>
+              <a:buFontTx/>
+              <a:buNone/>
+              <a:tabLst/>
+              <a:defRPr/>
+            </a:pPr>
             <a:endParaRPr lang="en-US" b="0" i="0" dirty="0">
               <a:solidFill>
-                <a:srgbClr val="3C3C3B"/>
+                <a:srgbClr val="292929"/>
               </a:solidFill>
               <a:effectLst/>
-              <a:latin typeface="Lato"/>
+              <a:latin typeface="+mn-lt"/>
+            </a:endParaRPr>
+          </a:p>
+          <a:p>
+            <a:pPr marL="0" marR="0" lvl="0" indent="0" algn="l" defTabSz="914400" rtl="0" eaLnBrk="1" fontAlgn="auto" latinLnBrk="0" hangingPunct="1">
+              <a:lnSpc>
+                <a:spcPct val="100000"/>
+              </a:lnSpc>
+              <a:spcBef>
+                <a:spcPts val="0"/>
+              </a:spcBef>
+              <a:spcAft>
+                <a:spcPts val="0"/>
+              </a:spcAft>
+              <a:buClrTx/>
+              <a:buSzTx/>
+              <a:buFontTx/>
+              <a:buNone/>
+              <a:tabLst/>
+              <a:defRPr/>
+            </a:pPr>
+            <a:r>
+              <a:rPr lang="en-US" b="0" i="0" dirty="0">
+                <a:solidFill>
+                  <a:srgbClr val="292929"/>
+                </a:solidFill>
+                <a:effectLst/>
+                <a:latin typeface="+mn-lt"/>
+              </a:rPr>
+              <a:t>In one hot encoding representations, all the words are independent of each other.  But with word embeddings, that is not the case.  Here we introduce some </a:t>
+            </a:r>
+            <a:r>
+              <a:rPr lang="en-US" b="0" i="1" dirty="0">
+                <a:solidFill>
+                  <a:srgbClr val="292929"/>
+                </a:solidFill>
+                <a:effectLst/>
+                <a:latin typeface="+mn-lt"/>
+              </a:rPr>
+              <a:t>dependence</a:t>
+            </a:r>
+            <a:r>
+              <a:rPr lang="en-US" b="0" i="0" dirty="0">
+                <a:solidFill>
+                  <a:srgbClr val="292929"/>
+                </a:solidFill>
+                <a:effectLst/>
+                <a:latin typeface="+mn-lt"/>
+              </a:rPr>
+              <a:t> of one word on the other words. The goal is to generate an </a:t>
+            </a:r>
+            <a:r>
+              <a:rPr lang="en-US" b="1" i="0" dirty="0">
+                <a:solidFill>
+                  <a:srgbClr val="292929"/>
+                </a:solidFill>
+                <a:effectLst/>
+                <a:latin typeface="+mn-lt"/>
+              </a:rPr>
+              <a:t>embedding </a:t>
+            </a:r>
+            <a:r>
+              <a:rPr lang="en-US" b="0" i="0" dirty="0">
+                <a:solidFill>
+                  <a:srgbClr val="292929"/>
+                </a:solidFill>
+                <a:effectLst/>
+                <a:latin typeface="+mn-lt"/>
+              </a:rPr>
+              <a:t>for each word in a vocabulary, a unique location in a high-dimensional space that captures its relationship to other words in that vocabulary.</a:t>
+            </a:r>
+            <a:endParaRPr lang="en-US" b="1" i="0" dirty="0">
+              <a:solidFill>
+                <a:srgbClr val="292929"/>
+              </a:solidFill>
+              <a:effectLst/>
+              <a:latin typeface="+mn-lt"/>
+            </a:endParaRPr>
+          </a:p>
+          <a:p>
+            <a:pPr marL="0" marR="0" lvl="0" indent="0" algn="l" defTabSz="914400" rtl="0" eaLnBrk="1" fontAlgn="auto" latinLnBrk="0" hangingPunct="1">
+              <a:lnSpc>
+                <a:spcPct val="100000"/>
+              </a:lnSpc>
+              <a:spcBef>
+                <a:spcPts val="0"/>
+              </a:spcBef>
+              <a:spcAft>
+                <a:spcPts val="0"/>
+              </a:spcAft>
+              <a:buClrTx/>
+              <a:buSzTx/>
+              <a:buFontTx/>
+              <a:buNone/>
+              <a:tabLst/>
+              <a:defRPr/>
+            </a:pPr>
+            <a:endParaRPr lang="en-US" b="0" i="0" dirty="0">
+              <a:solidFill>
+                <a:srgbClr val="292929"/>
+              </a:solidFill>
+              <a:effectLst/>
+              <a:latin typeface="charter"/>
+            </a:endParaRPr>
+          </a:p>
+          <a:p>
+            <a:pPr marL="0" marR="0" lvl="0" indent="0" algn="l" defTabSz="914400" rtl="0" eaLnBrk="1" fontAlgn="auto" latinLnBrk="0" hangingPunct="1">
+              <a:lnSpc>
+                <a:spcPct val="100000"/>
+              </a:lnSpc>
+              <a:spcBef>
+                <a:spcPts val="0"/>
+              </a:spcBef>
+              <a:spcAft>
+                <a:spcPts val="0"/>
+              </a:spcAft>
+              <a:buClrTx/>
+              <a:buSzTx/>
+              <a:buFontTx/>
+              <a:buNone/>
+              <a:tabLst/>
+              <a:defRPr/>
+            </a:pPr>
+            <a:endParaRPr lang="en-US" b="0" i="0" dirty="0">
+              <a:solidFill>
+                <a:srgbClr val="292929"/>
+              </a:solidFill>
+              <a:effectLst/>
+              <a:latin typeface="charter"/>
             </a:endParaRPr>
           </a:p>
           <a:p>
@@ -1914,7 +1987,7 @@
           <a:p>
             <a:fld id="{3148858F-F1DB-4027-9C85-CCA6849540DD}" type="slidenum">
               <a:rPr lang="en-US" smtClean="0"/>
-              <a:t>17</a:t>
+              <a:t>16</a:t>
             </a:fld>
             <a:endParaRPr lang="en-US"/>
           </a:p>
@@ -1923,7 +1996,7 @@
     </p:spTree>
     <p:extLst>
       <p:ext uri="{BB962C8B-B14F-4D97-AF65-F5344CB8AC3E}">
-        <p14:creationId xmlns:p14="http://schemas.microsoft.com/office/powerpoint/2010/main" val="3603398227"/>
+        <p14:creationId xmlns:p14="http://schemas.microsoft.com/office/powerpoint/2010/main" val="1453454417"/>
       </p:ext>
     </p:extLst>
   </p:cSld>
@@ -1977,6 +2050,247 @@
           <a:bodyPr/>
           <a:lstStyle/>
           <a:p>
+            <a:pPr marL="0" marR="0">
+              <a:spcBef>
+                <a:spcPts val="0"/>
+              </a:spcBef>
+              <a:spcAft>
+                <a:spcPts val="0"/>
+              </a:spcAft>
+            </a:pPr>
+            <a:r>
+              <a:rPr lang="en-US" sz="1200" dirty="0">
+                <a:effectLst/>
+                <a:latin typeface="+mn-lt"/>
+                <a:ea typeface="Calibri" panose="020F0502020204030204" pitchFamily="34" charset="0"/>
+              </a:rPr>
+              <a:t>Let’s wrap up with a quick review.  Word embedding is a process whereby words that appear close together in a text are moved closer together in a vector space.  The process is iterative, moving synonyms close together because synonyms have the same words around them.  </a:t>
+            </a:r>
+          </a:p>
+          <a:p>
+            <a:pPr marL="0" marR="0">
+              <a:spcBef>
+                <a:spcPts val="0"/>
+              </a:spcBef>
+              <a:spcAft>
+                <a:spcPts val="0"/>
+              </a:spcAft>
+            </a:pPr>
+            <a:endParaRPr lang="en-US" sz="1200" dirty="0">
+              <a:effectLst/>
+              <a:latin typeface="+mn-lt"/>
+              <a:ea typeface="Calibri" panose="020F0502020204030204" pitchFamily="34" charset="0"/>
+            </a:endParaRPr>
+          </a:p>
+          <a:p>
+            <a:pPr marL="0" marR="0">
+              <a:spcBef>
+                <a:spcPts val="0"/>
+              </a:spcBef>
+              <a:spcAft>
+                <a:spcPts val="0"/>
+              </a:spcAft>
+            </a:pPr>
+            <a:r>
+              <a:rPr lang="en-US" sz="1200" dirty="0">
+                <a:effectLst/>
+                <a:latin typeface="+mn-lt"/>
+                <a:ea typeface="Calibri" panose="020F0502020204030204" pitchFamily="34" charset="0"/>
+              </a:rPr>
+              <a:t>Consider, for example, these sentences – “Grapefruit is my favorite citrus.  Grapefruits grow on a tree.  The orange is also a citrus.”  Now you can see how processing thousands of sentences like these would create a connection between citrus, orange, and grapefruit.  Just as juice, fruit, and tree are similar. All based on word proximity.</a:t>
+            </a:r>
+          </a:p>
+          <a:p>
+            <a:pPr marL="0" marR="0">
+              <a:spcBef>
+                <a:spcPts val="0"/>
+              </a:spcBef>
+              <a:spcAft>
+                <a:spcPts val="0"/>
+              </a:spcAft>
+            </a:pPr>
+            <a:r>
+              <a:rPr lang="en-US" sz="1200" dirty="0">
+                <a:effectLst/>
+                <a:latin typeface="+mn-lt"/>
+                <a:ea typeface="Calibri" panose="020F0502020204030204" pitchFamily="34" charset="0"/>
+              </a:rPr>
+              <a:t>  </a:t>
+            </a:r>
+          </a:p>
+          <a:p>
+            <a:pPr marL="0" marR="0">
+              <a:spcBef>
+                <a:spcPts val="0"/>
+              </a:spcBef>
+              <a:spcAft>
+                <a:spcPts val="0"/>
+              </a:spcAft>
+            </a:pPr>
+            <a:r>
+              <a:rPr lang="en-US" sz="1200" dirty="0">
+                <a:effectLst/>
+                <a:latin typeface="+mn-lt"/>
+                <a:ea typeface="Calibri" panose="020F0502020204030204" pitchFamily="34" charset="0"/>
+              </a:rPr>
+              <a:t>The main problem with this approach is it only creates 1 embedding per word… hence, more recent transformer models such as BERT and GPT support contextualized embeddings; that is, multiple embeddings per word, to represent different meanings of a word.  Our transformer workshop covers this new architecture in-depth.</a:t>
+            </a:r>
+          </a:p>
+          <a:p>
+            <a:pPr marL="0" marR="0">
+              <a:spcBef>
+                <a:spcPts val="0"/>
+              </a:spcBef>
+              <a:spcAft>
+                <a:spcPts val="0"/>
+              </a:spcAft>
+            </a:pPr>
+            <a:r>
+              <a:rPr lang="en-US" sz="1200" dirty="0">
+                <a:effectLst/>
+                <a:latin typeface="+mn-lt"/>
+                <a:ea typeface="Calibri" panose="020F0502020204030204" pitchFamily="34" charset="0"/>
+              </a:rPr>
+              <a:t> </a:t>
+            </a:r>
+          </a:p>
+          <a:p>
+            <a:pPr marL="0" marR="0">
+              <a:spcBef>
+                <a:spcPts val="0"/>
+              </a:spcBef>
+              <a:spcAft>
+                <a:spcPts val="0"/>
+              </a:spcAft>
+            </a:pPr>
+            <a:r>
+              <a:rPr lang="en-US" sz="1200" dirty="0">
+                <a:effectLst/>
+                <a:latin typeface="+mn-lt"/>
+                <a:ea typeface="Calibri" panose="020F0502020204030204" pitchFamily="34" charset="0"/>
+              </a:rPr>
+              <a:t>(E. Stubbs Email: 05.21.21)</a:t>
+            </a:r>
+            <a:endParaRPr lang="en-US" sz="1200" dirty="0">
+              <a:latin typeface="+mn-lt"/>
+            </a:endParaRPr>
+          </a:p>
+          <a:p>
+            <a:pPr marL="0" marR="0" lvl="0" indent="0" algn="l" defTabSz="914400" rtl="0" eaLnBrk="1" fontAlgn="auto" latinLnBrk="0" hangingPunct="1">
+              <a:lnSpc>
+                <a:spcPct val="100000"/>
+              </a:lnSpc>
+              <a:spcBef>
+                <a:spcPts val="0"/>
+              </a:spcBef>
+              <a:spcAft>
+                <a:spcPts val="0"/>
+              </a:spcAft>
+              <a:buClrTx/>
+              <a:buSzTx/>
+              <a:buFontTx/>
+              <a:buNone/>
+              <a:tabLst/>
+              <a:defRPr/>
+            </a:pPr>
+            <a:endParaRPr lang="en-US" dirty="0"/>
+          </a:p>
+          <a:p>
+            <a:pPr algn="l"/>
+            <a:endParaRPr lang="en-US" b="0" i="0" dirty="0">
+              <a:solidFill>
+                <a:srgbClr val="3C3C3B"/>
+              </a:solidFill>
+              <a:effectLst/>
+              <a:latin typeface="Lato"/>
+            </a:endParaRPr>
+          </a:p>
+          <a:p>
+            <a:pPr algn="l"/>
+            <a:endParaRPr lang="en-US" dirty="0"/>
+          </a:p>
+        </p:txBody>
+      </p:sp>
+      <p:sp>
+        <p:nvSpPr>
+          <p:cNvPr id="4" name="Slide Number Placeholder 3"/>
+          <p:cNvSpPr>
+            <a:spLocks noGrp="1"/>
+          </p:cNvSpPr>
+          <p:nvPr>
+            <p:ph type="sldNum" sz="quarter" idx="5"/>
+          </p:nvPr>
+        </p:nvSpPr>
+        <p:spPr/>
+        <p:txBody>
+          <a:bodyPr/>
+          <a:lstStyle/>
+          <a:p>
+            <a:fld id="{3148858F-F1DB-4027-9C85-CCA6849540DD}" type="slidenum">
+              <a:rPr lang="en-US" smtClean="0"/>
+              <a:t>17</a:t>
+            </a:fld>
+            <a:endParaRPr lang="en-US"/>
+          </a:p>
+        </p:txBody>
+      </p:sp>
+    </p:spTree>
+    <p:extLst>
+      <p:ext uri="{BB962C8B-B14F-4D97-AF65-F5344CB8AC3E}">
+        <p14:creationId xmlns:p14="http://schemas.microsoft.com/office/powerpoint/2010/main" val="3603398227"/>
+      </p:ext>
+    </p:extLst>
+  </p:cSld>
+  <p:clrMapOvr>
+    <a:masterClrMapping/>
+  </p:clrMapOvr>
+</p:notes>
+</file>
+
+<file path=ppt/notesSlides/notesSlide18.xml><?xml version="1.0" encoding="utf-8"?>
+<p:notes xmlns:a="http://schemas.openxmlformats.org/drawingml/2006/main" xmlns:r="http://schemas.openxmlformats.org/officeDocument/2006/relationships" xmlns:p="http://schemas.openxmlformats.org/presentationml/2006/main">
+  <p:cSld>
+    <p:spTree>
+      <p:nvGrpSpPr>
+        <p:cNvPr id="1" name=""/>
+        <p:cNvGrpSpPr/>
+        <p:nvPr/>
+      </p:nvGrpSpPr>
+      <p:grpSpPr>
+        <a:xfrm>
+          <a:off x="0" y="0"/>
+          <a:ext cx="0" cy="0"/>
+          <a:chOff x="0" y="0"/>
+          <a:chExt cx="0" cy="0"/>
+        </a:xfrm>
+      </p:grpSpPr>
+      <p:sp>
+        <p:nvSpPr>
+          <p:cNvPr id="2" name="Slide Image Placeholder 1"/>
+          <p:cNvSpPr>
+            <a:spLocks noGrp="1" noRot="1" noChangeAspect="1"/>
+          </p:cNvSpPr>
+          <p:nvPr>
+            <p:ph type="sldImg"/>
+          </p:nvPr>
+        </p:nvSpPr>
+        <p:spPr/>
+      </p:sp>
+      <p:sp>
+        <p:nvSpPr>
+          <p:cNvPr id="3" name="Notes Placeholder 2"/>
+          <p:cNvSpPr>
+            <a:spLocks noGrp="1"/>
+          </p:cNvSpPr>
+          <p:nvPr>
+            <p:ph type="body" idx="1"/>
+          </p:nvPr>
+        </p:nvSpPr>
+        <p:spPr/>
+        <p:txBody>
+          <a:bodyPr/>
+          <a:lstStyle/>
+          <a:p>
             <a:pPr marL="0" marR="0" lvl="0" indent="0" algn="l" defTabSz="914400" rtl="0" eaLnBrk="1" fontAlgn="auto" latinLnBrk="0" hangingPunct="1">
               <a:lnSpc>
                 <a:spcPct val="100000"/>
@@ -2196,7 +2510,7 @@
 </p:notes>
 </file>
 
-<file path=ppt/notesSlides/notesSlide18.xml><?xml version="1.0" encoding="utf-8"?>
+<file path=ppt/notesSlides/notesSlide19.xml><?xml version="1.0" encoding="utf-8"?>
 <p:notes xmlns:a="http://schemas.openxmlformats.org/drawingml/2006/main" xmlns:r="http://schemas.openxmlformats.org/officeDocument/2006/relationships" xmlns:p="http://schemas.openxmlformats.org/presentationml/2006/main">
   <p:cSld>
     <p:spTree>
@@ -2288,107 +2602,6 @@
     <p:extLst>
       <p:ext uri="{BB962C8B-B14F-4D97-AF65-F5344CB8AC3E}">
         <p14:creationId xmlns:p14="http://schemas.microsoft.com/office/powerpoint/2010/main" val="1974960137"/>
-      </p:ext>
-    </p:extLst>
-  </p:cSld>
-  <p:clrMapOvr>
-    <a:masterClrMapping/>
-  </p:clrMapOvr>
-</p:notes>
-</file>
-
-<file path=ppt/notesSlides/notesSlide19.xml><?xml version="1.0" encoding="utf-8"?>
-<p:notes xmlns:a="http://schemas.openxmlformats.org/drawingml/2006/main" xmlns:r="http://schemas.openxmlformats.org/officeDocument/2006/relationships" xmlns:p="http://schemas.openxmlformats.org/presentationml/2006/main">
-  <p:cSld>
-    <p:spTree>
-      <p:nvGrpSpPr>
-        <p:cNvPr id="1" name=""/>
-        <p:cNvGrpSpPr/>
-        <p:nvPr/>
-      </p:nvGrpSpPr>
-      <p:grpSpPr>
-        <a:xfrm>
-          <a:off x="0" y="0"/>
-          <a:ext cx="0" cy="0"/>
-          <a:chOff x="0" y="0"/>
-          <a:chExt cx="0" cy="0"/>
-        </a:xfrm>
-      </p:grpSpPr>
-      <p:sp>
-        <p:nvSpPr>
-          <p:cNvPr id="2" name="Slide Image Placeholder 1"/>
-          <p:cNvSpPr>
-            <a:spLocks noGrp="1" noRot="1" noChangeAspect="1"/>
-          </p:cNvSpPr>
-          <p:nvPr>
-            <p:ph type="sldImg"/>
-          </p:nvPr>
-        </p:nvSpPr>
-        <p:spPr/>
-      </p:sp>
-      <p:sp>
-        <p:nvSpPr>
-          <p:cNvPr id="3" name="Notes Placeholder 2"/>
-          <p:cNvSpPr>
-            <a:spLocks noGrp="1"/>
-          </p:cNvSpPr>
-          <p:nvPr>
-            <p:ph type="body" idx="1"/>
-          </p:nvPr>
-        </p:nvSpPr>
-        <p:spPr/>
-        <p:txBody>
-          <a:bodyPr/>
-          <a:lstStyle/>
-          <a:p>
-            <a:pPr marL="0" marR="0" lvl="0" indent="0" algn="l" defTabSz="914400" rtl="0" eaLnBrk="1" fontAlgn="auto" latinLnBrk="0" hangingPunct="1">
-              <a:lnSpc>
-                <a:spcPct val="100000"/>
-              </a:lnSpc>
-              <a:spcBef>
-                <a:spcPts val="0"/>
-              </a:spcBef>
-              <a:spcAft>
-                <a:spcPts val="0"/>
-              </a:spcAft>
-              <a:buClrTx/>
-              <a:buSzTx/>
-              <a:buFontTx/>
-              <a:buNone/>
-              <a:tabLst/>
-              <a:defRPr/>
-            </a:pPr>
-            <a:endParaRPr lang="en-US" dirty="0"/>
-          </a:p>
-        </p:txBody>
-      </p:sp>
-      <p:sp>
-        <p:nvSpPr>
-          <p:cNvPr id="4" name="Slide Number Placeholder 3"/>
-          <p:cNvSpPr>
-            <a:spLocks noGrp="1"/>
-          </p:cNvSpPr>
-          <p:nvPr>
-            <p:ph type="sldNum" sz="quarter" idx="5"/>
-          </p:nvPr>
-        </p:nvSpPr>
-        <p:spPr/>
-        <p:txBody>
-          <a:bodyPr/>
-          <a:lstStyle/>
-          <a:p>
-            <a:fld id="{3148858F-F1DB-4027-9C85-CCA6849540DD}" type="slidenum">
-              <a:rPr lang="en-US" smtClean="0"/>
-              <a:t>20</a:t>
-            </a:fld>
-            <a:endParaRPr lang="en-US"/>
-          </a:p>
-        </p:txBody>
-      </p:sp>
-    </p:spTree>
-    <p:extLst>
-      <p:ext uri="{BB962C8B-B14F-4D97-AF65-F5344CB8AC3E}">
-        <p14:creationId xmlns:p14="http://schemas.microsoft.com/office/powerpoint/2010/main" val="786363220"/>
       </p:ext>
     </p:extLst>
   </p:cSld>
@@ -2471,7 +2684,7 @@
                 <a:effectLst/>
                 <a:latin typeface="+mn-lt"/>
               </a:rPr>
-              <a:t>token embedding </a:t>
+              <a:t>token embedding) </a:t>
             </a:r>
             <a:r>
               <a:rPr lang="en-US" b="0" i="0" dirty="0">
@@ -2481,7 +2694,7 @@
                 <a:effectLst/>
                 <a:latin typeface="+mn-lt"/>
               </a:rPr>
-              <a:t>when we use it on the more general idea of a token) is a bit abstract.  So, let’s begin with a concrete story.</a:t>
+              <a:t>is a bit abstract.  So, let’s begin with a concrete story.</a:t>
             </a:r>
           </a:p>
           <a:p>
@@ -2604,7 +2817,7 @@
           <a:p>
             <a:fld id="{3148858F-F1DB-4027-9C85-CCA6849540DD}" type="slidenum">
               <a:rPr lang="en-US" smtClean="0"/>
-              <a:t>3</a:t>
+              <a:t>2</a:t>
             </a:fld>
             <a:endParaRPr lang="en-US"/>
           </a:p>
@@ -2684,233 +2897,6 @@
               <a:tabLst/>
               <a:defRPr/>
             </a:pPr>
-            <a:r>
-              <a:rPr lang="en-US" b="0" i="0" dirty="0">
-                <a:solidFill>
-                  <a:srgbClr val="292929"/>
-                </a:solidFill>
-                <a:effectLst/>
-                <a:latin typeface="+mn-lt"/>
-              </a:rPr>
-              <a:t>Instead, our objective is to have words with similar context occupy close spatial positions. Mathematically, the cosine of the angle between such vectors should be close to 1, i.e., angle close to 0.  In this image, Po the Panda is ‘good’ while Master Tigress is ‘great’.</a:t>
-            </a:r>
-          </a:p>
-          <a:p>
-            <a:pPr marL="0" marR="0" lvl="0" indent="0" algn="l" defTabSz="914400" rtl="0" eaLnBrk="1" fontAlgn="auto" latinLnBrk="0" hangingPunct="1">
-              <a:lnSpc>
-                <a:spcPct val="100000"/>
-              </a:lnSpc>
-              <a:spcBef>
-                <a:spcPts val="0"/>
-              </a:spcBef>
-              <a:spcAft>
-                <a:spcPts val="0"/>
-              </a:spcAft>
-              <a:buClrTx/>
-              <a:buSzTx/>
-              <a:buFontTx/>
-              <a:buNone/>
-              <a:tabLst/>
-              <a:defRPr/>
-            </a:pPr>
-            <a:endParaRPr lang="en-US" b="0" i="0" dirty="0">
-              <a:solidFill>
-                <a:srgbClr val="292929"/>
-              </a:solidFill>
-              <a:effectLst/>
-              <a:latin typeface="+mn-lt"/>
-            </a:endParaRPr>
-          </a:p>
-          <a:p>
-            <a:pPr marL="0" marR="0" lvl="0" indent="0" algn="l" defTabSz="914400" rtl="0" eaLnBrk="1" fontAlgn="auto" latinLnBrk="0" hangingPunct="1">
-              <a:lnSpc>
-                <a:spcPct val="100000"/>
-              </a:lnSpc>
-              <a:spcBef>
-                <a:spcPts val="0"/>
-              </a:spcBef>
-              <a:spcAft>
-                <a:spcPts val="0"/>
-              </a:spcAft>
-              <a:buClrTx/>
-              <a:buSzTx/>
-              <a:buFontTx/>
-              <a:buNone/>
-              <a:tabLst/>
-              <a:defRPr/>
-            </a:pPr>
-            <a:r>
-              <a:rPr lang="en-US" b="0" i="0" dirty="0">
-                <a:solidFill>
-                  <a:srgbClr val="292929"/>
-                </a:solidFill>
-                <a:effectLst/>
-                <a:latin typeface="+mn-lt"/>
-              </a:rPr>
-              <a:t>In a nutshell, this leads to the idea of generating </a:t>
-            </a:r>
-            <a:r>
-              <a:rPr lang="en-US" b="0" i="1" dirty="0">
-                <a:solidFill>
-                  <a:srgbClr val="292929"/>
-                </a:solidFill>
-                <a:effectLst/>
-                <a:latin typeface="+mn-lt"/>
-              </a:rPr>
-              <a:t>distributed representations</a:t>
-            </a:r>
-            <a:r>
-              <a:rPr lang="en-US" b="0" i="0" dirty="0">
-                <a:solidFill>
-                  <a:srgbClr val="292929"/>
-                </a:solidFill>
-                <a:effectLst/>
-                <a:latin typeface="+mn-lt"/>
-              </a:rPr>
-              <a:t>. Intuitively, we introduce some </a:t>
-            </a:r>
-            <a:r>
-              <a:rPr lang="en-US" b="0" i="1" dirty="0">
-                <a:solidFill>
-                  <a:srgbClr val="292929"/>
-                </a:solidFill>
-                <a:effectLst/>
-                <a:latin typeface="+mn-lt"/>
-              </a:rPr>
-              <a:t>dependence</a:t>
-            </a:r>
-            <a:r>
-              <a:rPr lang="en-US" b="0" i="0" dirty="0">
-                <a:solidFill>
-                  <a:srgbClr val="292929"/>
-                </a:solidFill>
-                <a:effectLst/>
-                <a:latin typeface="+mn-lt"/>
-              </a:rPr>
-              <a:t> of one word on the other words. The words in the context of this word would get a greater share of this </a:t>
-            </a:r>
-            <a:r>
-              <a:rPr lang="en-US" b="0" i="1" dirty="0">
-                <a:solidFill>
-                  <a:srgbClr val="292929"/>
-                </a:solidFill>
-                <a:effectLst/>
-                <a:latin typeface="+mn-lt"/>
-              </a:rPr>
-              <a:t>dependence.  </a:t>
-            </a:r>
-            <a:r>
-              <a:rPr lang="en-US" b="0" i="0" dirty="0">
-                <a:solidFill>
-                  <a:srgbClr val="292929"/>
-                </a:solidFill>
-                <a:effectLst/>
-                <a:latin typeface="+mn-lt"/>
-              </a:rPr>
-              <a:t>In one hot encoding representations, all the words are independent of each other</a:t>
-            </a:r>
-            <a:r>
-              <a:rPr lang="en-US" b="0" i="1" dirty="0">
-                <a:solidFill>
-                  <a:srgbClr val="292929"/>
-                </a:solidFill>
-                <a:effectLst/>
-                <a:latin typeface="+mn-lt"/>
-              </a:rPr>
-              <a:t>, </a:t>
-            </a:r>
-            <a:r>
-              <a:rPr lang="en-US" b="0" i="0" dirty="0">
-                <a:solidFill>
-                  <a:srgbClr val="292929"/>
-                </a:solidFill>
-                <a:effectLst/>
-                <a:latin typeface="+mn-lt"/>
-              </a:rPr>
-              <a:t>as mentioned earlier.  The goal is to generate an </a:t>
-            </a:r>
-            <a:r>
-              <a:rPr lang="en-US" b="1" i="0" dirty="0">
-                <a:solidFill>
-                  <a:srgbClr val="292929"/>
-                </a:solidFill>
-                <a:effectLst/>
-                <a:latin typeface="+mn-lt"/>
-              </a:rPr>
-              <a:t>embedding </a:t>
-            </a:r>
-            <a:r>
-              <a:rPr lang="en-US" b="0" i="0" dirty="0">
-                <a:solidFill>
-                  <a:srgbClr val="292929"/>
-                </a:solidFill>
-                <a:effectLst/>
-                <a:latin typeface="+mn-lt"/>
-              </a:rPr>
-              <a:t>for each word in a vocabulary, a unique location in a multi-dimensional space which captures its relationship to other words in that vocabulary.</a:t>
-            </a:r>
-            <a:endParaRPr lang="en-US" b="1" i="0" dirty="0">
-              <a:solidFill>
-                <a:srgbClr val="292929"/>
-              </a:solidFill>
-              <a:effectLst/>
-              <a:latin typeface="+mn-lt"/>
-            </a:endParaRPr>
-          </a:p>
-          <a:p>
-            <a:pPr marL="0" marR="0" lvl="0" indent="0" algn="l" defTabSz="914400" rtl="0" eaLnBrk="1" fontAlgn="auto" latinLnBrk="0" hangingPunct="1">
-              <a:lnSpc>
-                <a:spcPct val="100000"/>
-              </a:lnSpc>
-              <a:spcBef>
-                <a:spcPts val="0"/>
-              </a:spcBef>
-              <a:spcAft>
-                <a:spcPts val="0"/>
-              </a:spcAft>
-              <a:buClrTx/>
-              <a:buSzTx/>
-              <a:buFontTx/>
-              <a:buNone/>
-              <a:tabLst/>
-              <a:defRPr/>
-            </a:pPr>
-            <a:endParaRPr lang="en-US" b="0" i="0" dirty="0">
-              <a:solidFill>
-                <a:srgbClr val="292929"/>
-              </a:solidFill>
-              <a:effectLst/>
-              <a:latin typeface="charter"/>
-            </a:endParaRPr>
-          </a:p>
-          <a:p>
-            <a:pPr marL="0" marR="0" lvl="0" indent="0" algn="l" defTabSz="914400" rtl="0" eaLnBrk="1" fontAlgn="auto" latinLnBrk="0" hangingPunct="1">
-              <a:lnSpc>
-                <a:spcPct val="100000"/>
-              </a:lnSpc>
-              <a:spcBef>
-                <a:spcPts val="0"/>
-              </a:spcBef>
-              <a:spcAft>
-                <a:spcPts val="0"/>
-              </a:spcAft>
-              <a:buClrTx/>
-              <a:buSzTx/>
-              <a:buFontTx/>
-              <a:buNone/>
-              <a:tabLst/>
-              <a:defRPr/>
-            </a:pPr>
-            <a:endParaRPr lang="en-US" b="0" i="0" dirty="0">
-              <a:solidFill>
-                <a:srgbClr val="292929"/>
-              </a:solidFill>
-              <a:effectLst/>
-              <a:latin typeface="charter"/>
-            </a:endParaRPr>
-          </a:p>
-          <a:p>
-            <a:pPr algn="l"/>
             <a:endParaRPr lang="en-US" dirty="0"/>
           </a:p>
         </p:txBody>
@@ -2932,7 +2918,7 @@
           <a:p>
             <a:fld id="{3148858F-F1DB-4027-9C85-CCA6849540DD}" type="slidenum">
               <a:rPr lang="en-US" smtClean="0"/>
-              <a:t>21</a:t>
+              <a:t>20</a:t>
             </a:fld>
             <a:endParaRPr lang="en-US"/>
           </a:p>
@@ -2941,7 +2927,7 @@
     </p:spTree>
     <p:extLst>
       <p:ext uri="{BB962C8B-B14F-4D97-AF65-F5344CB8AC3E}">
-        <p14:creationId xmlns:p14="http://schemas.microsoft.com/office/powerpoint/2010/main" val="1453454417"/>
+        <p14:creationId xmlns:p14="http://schemas.microsoft.com/office/powerpoint/2010/main" val="786363220"/>
       </p:ext>
     </p:extLst>
   </p:cSld>
@@ -2994,21 +2980,6 @@
         <p:txBody>
           <a:bodyPr/>
           <a:lstStyle/>
-          <a:p>
-            <a:pPr algn="l"/>
-            <a:r>
-              <a:rPr lang="en-US" dirty="0">
-                <a:latin typeface="+mn-lt"/>
-              </a:rPr>
-              <a:t>In our last slide, the idea of a word’s unique location in a multi-dimensional space was mentioned.  Let’s make that idea concrete.</a:t>
-            </a:r>
-          </a:p>
-          <a:p>
-            <a:pPr algn="l"/>
-            <a:endParaRPr lang="en-US" dirty="0">
-              <a:latin typeface="+mn-lt"/>
-            </a:endParaRPr>
-          </a:p>
           <a:p>
             <a:pPr algn="l"/>
             <a:r>
@@ -3327,7 +3298,7 @@
           <a:p>
             <a:fld id="{3148858F-F1DB-4027-9C85-CCA6849540DD}" type="slidenum">
               <a:rPr lang="en-US" smtClean="0"/>
-              <a:t>4</a:t>
+              <a:t>3</a:t>
             </a:fld>
             <a:endParaRPr lang="en-US"/>
           </a:p>
@@ -3517,7 +3488,7 @@
           <a:p>
             <a:fld id="{3148858F-F1DB-4027-9C85-CCA6849540DD}" type="slidenum">
               <a:rPr lang="en-US" smtClean="0"/>
-              <a:t>5</a:t>
+              <a:t>4</a:t>
             </a:fld>
             <a:endParaRPr lang="en-US"/>
           </a:p>
@@ -3836,7 +3807,7 @@
           <a:p>
             <a:fld id="{3148858F-F1DB-4027-9C85-CCA6849540DD}" type="slidenum">
               <a:rPr lang="en-US" smtClean="0"/>
-              <a:t>6</a:t>
+              <a:t>5</a:t>
             </a:fld>
             <a:endParaRPr lang="en-US"/>
           </a:p>
@@ -4105,7 +4076,7 @@
           <a:p>
             <a:fld id="{3148858F-F1DB-4027-9C85-CCA6849540DD}" type="slidenum">
               <a:rPr lang="en-US" smtClean="0"/>
-              <a:t>7</a:t>
+              <a:t>6</a:t>
             </a:fld>
             <a:endParaRPr lang="en-US"/>
           </a:p>
@@ -4192,7 +4163,7 @@
           <a:p>
             <a:fld id="{3148858F-F1DB-4027-9C85-CCA6849540DD}" type="slidenum">
               <a:rPr lang="en-US" smtClean="0"/>
-              <a:t>8</a:t>
+              <a:t>7</a:t>
             </a:fld>
             <a:endParaRPr lang="en-US"/>
           </a:p>
@@ -4465,7 +4436,7 @@
           <a:p>
             <a:fld id="{3148858F-F1DB-4027-9C85-CCA6849540DD}" type="slidenum">
               <a:rPr lang="en-US" smtClean="0"/>
-              <a:t>9</a:t>
+              <a:t>8</a:t>
             </a:fld>
             <a:endParaRPr lang="en-US"/>
           </a:p>
@@ -4589,7 +4560,7 @@
           <a:p>
             <a:fld id="{3148858F-F1DB-4027-9C85-CCA6849540DD}" type="slidenum">
               <a:rPr lang="en-US" smtClean="0"/>
-              <a:t>10</a:t>
+              <a:t>9</a:t>
             </a:fld>
             <a:endParaRPr lang="en-US"/>
           </a:p>
@@ -4755,7 +4726,7 @@
           <a:p>
             <a:fld id="{C3F78080-8D0A-4BE8-A5B4-CB115102D524}" type="datetimeFigureOut">
               <a:rPr lang="en-US" smtClean="0"/>
-              <a:t>8/29/2022</a:t>
+              <a:t>10/20/2022</a:t>
             </a:fld>
             <a:endParaRPr lang="en-US"/>
           </a:p>
@@ -4953,7 +4924,7 @@
           <a:p>
             <a:fld id="{C3F78080-8D0A-4BE8-A5B4-CB115102D524}" type="datetimeFigureOut">
               <a:rPr lang="en-US" smtClean="0"/>
-              <a:t>8/29/2022</a:t>
+              <a:t>10/20/2022</a:t>
             </a:fld>
             <a:endParaRPr lang="en-US"/>
           </a:p>
@@ -5161,7 +5132,7 @@
           <a:p>
             <a:fld id="{C3F78080-8D0A-4BE8-A5B4-CB115102D524}" type="datetimeFigureOut">
               <a:rPr lang="en-US" smtClean="0"/>
-              <a:t>8/29/2022</a:t>
+              <a:t>10/20/2022</a:t>
             </a:fld>
             <a:endParaRPr lang="en-US"/>
           </a:p>
@@ -5359,7 +5330,7 @@
           <a:p>
             <a:fld id="{C3F78080-8D0A-4BE8-A5B4-CB115102D524}" type="datetimeFigureOut">
               <a:rPr lang="en-US" smtClean="0"/>
-              <a:t>8/29/2022</a:t>
+              <a:t>10/20/2022</a:t>
             </a:fld>
             <a:endParaRPr lang="en-US"/>
           </a:p>
@@ -5634,7 +5605,7 @@
           <a:p>
             <a:fld id="{C3F78080-8D0A-4BE8-A5B4-CB115102D524}" type="datetimeFigureOut">
               <a:rPr lang="en-US" smtClean="0"/>
-              <a:t>8/29/2022</a:t>
+              <a:t>10/20/2022</a:t>
             </a:fld>
             <a:endParaRPr lang="en-US"/>
           </a:p>
@@ -5899,7 +5870,7 @@
           <a:p>
             <a:fld id="{C3F78080-8D0A-4BE8-A5B4-CB115102D524}" type="datetimeFigureOut">
               <a:rPr lang="en-US" smtClean="0"/>
-              <a:t>8/29/2022</a:t>
+              <a:t>10/20/2022</a:t>
             </a:fld>
             <a:endParaRPr lang="en-US"/>
           </a:p>
@@ -6311,7 +6282,7 @@
           <a:p>
             <a:fld id="{C3F78080-8D0A-4BE8-A5B4-CB115102D524}" type="datetimeFigureOut">
               <a:rPr lang="en-US" smtClean="0"/>
-              <a:t>8/29/2022</a:t>
+              <a:t>10/20/2022</a:t>
             </a:fld>
             <a:endParaRPr lang="en-US"/>
           </a:p>
@@ -6452,7 +6423,7 @@
           <a:p>
             <a:fld id="{C3F78080-8D0A-4BE8-A5B4-CB115102D524}" type="datetimeFigureOut">
               <a:rPr lang="en-US" smtClean="0"/>
-              <a:t>8/29/2022</a:t>
+              <a:t>10/20/2022</a:t>
             </a:fld>
             <a:endParaRPr lang="en-US"/>
           </a:p>
@@ -6565,7 +6536,7 @@
           <a:p>
             <a:fld id="{C3F78080-8D0A-4BE8-A5B4-CB115102D524}" type="datetimeFigureOut">
               <a:rPr lang="en-US" smtClean="0"/>
-              <a:t>8/29/2022</a:t>
+              <a:t>10/20/2022</a:t>
             </a:fld>
             <a:endParaRPr lang="en-US"/>
           </a:p>
@@ -6876,7 +6847,7 @@
           <a:p>
             <a:fld id="{C3F78080-8D0A-4BE8-A5B4-CB115102D524}" type="datetimeFigureOut">
               <a:rPr lang="en-US" smtClean="0"/>
-              <a:t>8/29/2022</a:t>
+              <a:t>10/20/2022</a:t>
             </a:fld>
             <a:endParaRPr lang="en-US"/>
           </a:p>
@@ -7164,7 +7135,7 @@
           <a:p>
             <a:fld id="{C3F78080-8D0A-4BE8-A5B4-CB115102D524}" type="datetimeFigureOut">
               <a:rPr lang="en-US" smtClean="0"/>
-              <a:t>8/29/2022</a:t>
+              <a:t>10/20/2022</a:t>
             </a:fld>
             <a:endParaRPr lang="en-US"/>
           </a:p>
@@ -7405,7 +7376,7 @@
           <a:p>
             <a:fld id="{C3F78080-8D0A-4BE8-A5B4-CB115102D524}" type="datetimeFigureOut">
               <a:rPr lang="en-US" smtClean="0"/>
-              <a:t>8/29/2022</a:t>
+              <a:t>10/20/2022</a:t>
             </a:fld>
             <a:endParaRPr lang="en-US"/>
           </a:p>
@@ -7850,7 +7821,7 @@
           <a:p>
             <a:r>
               <a:rPr lang="en-US" dirty="0">
-                <a:latin typeface="Palatino Linotype" panose="02040502050505030304" pitchFamily="18" charset="0"/>
+                <a:latin typeface="Avenir Next LT Pro" panose="020B0504020202020204" pitchFamily="34" charset="0"/>
                 <a:cs typeface="Segoe UI" panose="020B0502040204020203" pitchFamily="34" charset="0"/>
               </a:rPr>
               <a:t>Word Embeddings and Word Vectors</a:t>
@@ -7938,214 +7909,6 @@
       </p:grpSpPr>
       <p:sp>
         <p:nvSpPr>
-          <p:cNvPr id="2" name="Title 1">
-            <a:extLst>
-              <a:ext uri="{FF2B5EF4-FFF2-40B4-BE49-F238E27FC236}">
-                <a16:creationId xmlns:a16="http://schemas.microsoft.com/office/drawing/2014/main" id="{0F853981-B13F-4917-804F-EBF0D4819E7E}"/>
-              </a:ext>
-            </a:extLst>
-          </p:cNvPr>
-          <p:cNvSpPr>
-            <a:spLocks noGrp="1"/>
-          </p:cNvSpPr>
-          <p:nvPr>
-            <p:ph type="title"/>
-          </p:nvPr>
-        </p:nvSpPr>
-        <p:spPr>
-          <a:xfrm>
-            <a:off x="0" y="3169585"/>
-            <a:ext cx="12192000" cy="518830"/>
-          </a:xfrm>
-          <a:noFill/>
-        </p:spPr>
-        <p:txBody>
-          <a:bodyPr>
-            <a:noAutofit/>
-          </a:bodyPr>
-          <a:lstStyle/>
-          <a:p>
-            <a:pPr algn="ctr"/>
-            <a:br>
-              <a:rPr lang="en-US" sz="3600" dirty="0">
-                <a:solidFill>
-                  <a:schemeClr val="tx1">
-                    <a:lumMod val="65000"/>
-                    <a:lumOff val="35000"/>
-                  </a:schemeClr>
-                </a:solidFill>
-                <a:latin typeface="Palatino Linotype" panose="02040502050505030304" pitchFamily="18" charset="0"/>
-              </a:rPr>
-            </a:br>
-            <a:br>
-              <a:rPr lang="en-US" sz="3600" dirty="0">
-                <a:solidFill>
-                  <a:schemeClr val="tx1">
-                    <a:lumMod val="65000"/>
-                    <a:lumOff val="35000"/>
-                  </a:schemeClr>
-                </a:solidFill>
-                <a:latin typeface="Palatino Linotype" panose="02040502050505030304" pitchFamily="18" charset="0"/>
-              </a:rPr>
-            </a:br>
-            <a:r>
-              <a:rPr lang="en-US" sz="3600" dirty="0">
-                <a:solidFill>
-                  <a:schemeClr val="tx1">
-                    <a:lumMod val="65000"/>
-                    <a:lumOff val="35000"/>
-                  </a:schemeClr>
-                </a:solidFill>
-                <a:latin typeface="Palatino Linotype" panose="02040502050505030304" pitchFamily="18" charset="0"/>
-              </a:rPr>
-              <a:t>Word Embedding Demo</a:t>
-            </a:r>
-            <a:endParaRPr lang="en-US" sz="3600" dirty="0">
-              <a:solidFill>
-                <a:schemeClr val="tx1">
-                  <a:lumMod val="65000"/>
-                  <a:lumOff val="35000"/>
-                </a:schemeClr>
-              </a:solidFill>
-              <a:latin typeface="Palatino Linotype" panose="02040502050505030304" pitchFamily="18" charset="0"/>
-              <a:cs typeface="Segoe UI Light" panose="020B0502040204020203" pitchFamily="34" charset="0"/>
-            </a:endParaRPr>
-          </a:p>
-        </p:txBody>
-      </p:sp>
-      <p:sp>
-        <p:nvSpPr>
-          <p:cNvPr id="3" name="Text Placeholder 2">
-            <a:extLst>
-              <a:ext uri="{FF2B5EF4-FFF2-40B4-BE49-F238E27FC236}">
-                <a16:creationId xmlns:a16="http://schemas.microsoft.com/office/drawing/2014/main" id="{098BC2D2-CCF7-4C63-8489-B46BF394FCA2}"/>
-              </a:ext>
-            </a:extLst>
-          </p:cNvPr>
-          <p:cNvSpPr>
-            <a:spLocks noGrp="1"/>
-          </p:cNvSpPr>
-          <p:nvPr>
-            <p:ph type="body" idx="1"/>
-          </p:nvPr>
-        </p:nvSpPr>
-        <p:spPr>
-          <a:xfrm>
-            <a:off x="0" y="4285400"/>
-            <a:ext cx="12192000" cy="518830"/>
-          </a:xfrm>
-        </p:spPr>
-        <p:txBody>
-          <a:bodyPr>
-            <a:normAutofit/>
-          </a:bodyPr>
-          <a:lstStyle/>
-          <a:p>
-            <a:endParaRPr lang="en-US" dirty="0">
-              <a:latin typeface="Palatino Linotype" panose="02040502050505030304" pitchFamily="18" charset="0"/>
-              <a:cs typeface="Segoe UI" panose="020B0502040204020203" pitchFamily="34" charset="0"/>
-            </a:endParaRPr>
-          </a:p>
-          <a:p>
-            <a:endParaRPr lang="en-US" dirty="0">
-              <a:latin typeface="Palatino Linotype" panose="02040502050505030304" pitchFamily="18" charset="0"/>
-              <a:cs typeface="Segoe UI" panose="020B0502040204020203" pitchFamily="34" charset="0"/>
-            </a:endParaRPr>
-          </a:p>
-          <a:p>
-            <a:endParaRPr lang="en-US" dirty="0">
-              <a:latin typeface="Palatino Linotype" panose="02040502050505030304" pitchFamily="18" charset="0"/>
-              <a:cs typeface="Segoe UI" panose="020B0502040204020203" pitchFamily="34" charset="0"/>
-            </a:endParaRPr>
-          </a:p>
-          <a:p>
-            <a:endParaRPr lang="en-US" dirty="0">
-              <a:latin typeface="Palatino Linotype" panose="02040502050505030304" pitchFamily="18" charset="0"/>
-              <a:cs typeface="Segoe UI" panose="020B0502040204020203" pitchFamily="34" charset="0"/>
-            </a:endParaRPr>
-          </a:p>
-          <a:p>
-            <a:endParaRPr lang="en-US" dirty="0">
-              <a:latin typeface="Palatino Linotype" panose="02040502050505030304" pitchFamily="18" charset="0"/>
-              <a:cs typeface="Segoe UI" panose="020B0502040204020203" pitchFamily="34" charset="0"/>
-            </a:endParaRPr>
-          </a:p>
-        </p:txBody>
-      </p:sp>
-      <p:pic>
-        <p:nvPicPr>
-          <p:cNvPr id="4" name="Picture 3">
-            <a:extLst>
-              <a:ext uri="{FF2B5EF4-FFF2-40B4-BE49-F238E27FC236}">
-                <a16:creationId xmlns:a16="http://schemas.microsoft.com/office/drawing/2014/main" id="{4CD7B1E7-8C1E-4394-BD29-073CEC503ACC}"/>
-              </a:ext>
-            </a:extLst>
-          </p:cNvPr>
-          <p:cNvPicPr>
-            <a:picLocks noChangeAspect="1"/>
-          </p:cNvPicPr>
-          <p:nvPr/>
-        </p:nvPicPr>
-        <p:blipFill>
-          <a:blip r:embed="rId3"/>
-          <a:stretch>
-            <a:fillRect/>
-          </a:stretch>
-        </p:blipFill>
-        <p:spPr>
-          <a:xfrm>
-            <a:off x="0" y="365760"/>
-            <a:ext cx="3233668" cy="805144"/>
-          </a:xfrm>
-          <a:prstGeom prst="rect">
-            <a:avLst/>
-          </a:prstGeom>
-        </p:spPr>
-      </p:pic>
-    </p:spTree>
-    <p:extLst>
-      <p:ext uri="{BB962C8B-B14F-4D97-AF65-F5344CB8AC3E}">
-        <p14:creationId xmlns:p14="http://schemas.microsoft.com/office/powerpoint/2010/main" val="3774553972"/>
-      </p:ext>
-    </p:extLst>
-  </p:cSld>
-  <p:clrMapOvr>
-    <a:masterClrMapping/>
-  </p:clrMapOvr>
-  <mc:AlternateContent xmlns:mc="http://schemas.openxmlformats.org/markup-compatibility/2006" xmlns:p14="http://schemas.microsoft.com/office/powerpoint/2010/main">
-    <mc:Choice Requires="p14">
-      <p:transition spd="med" p14:dur="700">
-        <p:fade/>
-      </p:transition>
-    </mc:Choice>
-    <mc:Fallback xmlns="">
-      <p:transition spd="med">
-        <p:fade/>
-      </p:transition>
-    </mc:Fallback>
-  </mc:AlternateContent>
-</p:sld>
-</file>
-
-<file path=ppt/slides/slide11.xml><?xml version="1.0" encoding="utf-8"?>
-<p:sld xmlns:a="http://schemas.openxmlformats.org/drawingml/2006/main" xmlns:r="http://schemas.openxmlformats.org/officeDocument/2006/relationships" xmlns:p="http://schemas.openxmlformats.org/presentationml/2006/main">
-  <p:cSld>
-    <p:spTree>
-      <p:nvGrpSpPr>
-        <p:cNvPr id="1" name=""/>
-        <p:cNvGrpSpPr/>
-        <p:nvPr/>
-      </p:nvGrpSpPr>
-      <p:grpSpPr>
-        <a:xfrm>
-          <a:off x="0" y="0"/>
-          <a:ext cx="0" cy="0"/>
-          <a:chOff x="0" y="0"/>
-          <a:chExt cx="0" cy="0"/>
-        </a:xfrm>
-      </p:grpSpPr>
-      <p:sp>
-        <p:nvSpPr>
           <p:cNvPr id="3" name="TextBox 2">
             <a:extLst>
               <a:ext uri="{FF2B5EF4-FFF2-40B4-BE49-F238E27FC236}">
@@ -8313,7 +8076,7 @@
 </p:sld>
 </file>
 
-<file path=ppt/slides/slide12.xml><?xml version="1.0" encoding="utf-8"?>
+<file path=ppt/slides/slide11.xml><?xml version="1.0" encoding="utf-8"?>
 <p:sld xmlns:a="http://schemas.openxmlformats.org/drawingml/2006/main" xmlns:r="http://schemas.openxmlformats.org/officeDocument/2006/relationships" xmlns:p="http://schemas.openxmlformats.org/presentationml/2006/main">
   <p:cSld>
     <p:spTree>
@@ -8429,7 +8192,7 @@
 </p:sld>
 </file>
 
-<file path=ppt/slides/slide13.xml><?xml version="1.0" encoding="utf-8"?>
+<file path=ppt/slides/slide12.xml><?xml version="1.0" encoding="utf-8"?>
 <p:sld xmlns:a="http://schemas.openxmlformats.org/drawingml/2006/main" xmlns:r="http://schemas.openxmlformats.org/officeDocument/2006/relationships" xmlns:p="http://schemas.openxmlformats.org/presentationml/2006/main">
   <p:cSld>
     <p:spTree>
@@ -8721,7 +8484,7 @@
 </p:sld>
 </file>
 
-<file path=ppt/slides/slide14.xml><?xml version="1.0" encoding="utf-8"?>
+<file path=ppt/slides/slide13.xml><?xml version="1.0" encoding="utf-8"?>
 <p:sld xmlns:a="http://schemas.openxmlformats.org/drawingml/2006/main" xmlns:r="http://schemas.openxmlformats.org/officeDocument/2006/relationships" xmlns:p="http://schemas.openxmlformats.org/presentationml/2006/main">
   <p:cSld>
     <p:spTree>
@@ -8867,7 +8630,7 @@
 </p:sld>
 </file>
 
-<file path=ppt/slides/slide15.xml><?xml version="1.0" encoding="utf-8"?>
+<file path=ppt/slides/slide14.xml><?xml version="1.0" encoding="utf-8"?>
 <p:sld xmlns:a="http://schemas.openxmlformats.org/drawingml/2006/main" xmlns:r="http://schemas.openxmlformats.org/officeDocument/2006/relationships" xmlns:p="http://schemas.openxmlformats.org/presentationml/2006/main">
   <p:cSld>
     <p:spTree>
@@ -9269,7 +9032,7 @@
 </p:sld>
 </file>
 
-<file path=ppt/slides/slide16.xml><?xml version="1.0" encoding="utf-8"?>
+<file path=ppt/slides/slide15.xml><?xml version="1.0" encoding="utf-8"?>
 <p:sld xmlns:a="http://schemas.openxmlformats.org/drawingml/2006/main" xmlns:r="http://schemas.openxmlformats.org/officeDocument/2006/relationships" xmlns:p="http://schemas.openxmlformats.org/presentationml/2006/main">
   <p:cSld>
     <p:spTree>
@@ -9679,6 +9442,388 @@
       </p:transition>
     </mc:Fallback>
   </mc:AlternateContent>
+</p:sld>
+</file>
+
+<file path=ppt/slides/slide16.xml><?xml version="1.0" encoding="utf-8"?>
+<p:sld xmlns:a="http://schemas.openxmlformats.org/drawingml/2006/main" xmlns:r="http://schemas.openxmlformats.org/officeDocument/2006/relationships" xmlns:p="http://schemas.openxmlformats.org/presentationml/2006/main">
+  <p:cSld>
+    <p:spTree>
+      <p:nvGrpSpPr>
+        <p:cNvPr id="1" name=""/>
+        <p:cNvGrpSpPr/>
+        <p:nvPr/>
+      </p:nvGrpSpPr>
+      <p:grpSpPr>
+        <a:xfrm>
+          <a:off x="0" y="0"/>
+          <a:ext cx="0" cy="0"/>
+          <a:chOff x="0" y="0"/>
+          <a:chExt cx="0" cy="0"/>
+        </a:xfrm>
+      </p:grpSpPr>
+      <p:pic>
+        <p:nvPicPr>
+          <p:cNvPr id="10" name="Picture 9">
+            <a:extLst>
+              <a:ext uri="{FF2B5EF4-FFF2-40B4-BE49-F238E27FC236}">
+                <a16:creationId xmlns:a16="http://schemas.microsoft.com/office/drawing/2014/main" id="{BCF66A3E-F248-4169-B6FA-5E416D7451DC}"/>
+              </a:ext>
+            </a:extLst>
+          </p:cNvPr>
+          <p:cNvPicPr>
+            <a:picLocks noChangeAspect="1"/>
+          </p:cNvPicPr>
+          <p:nvPr/>
+        </p:nvPicPr>
+        <p:blipFill>
+          <a:blip r:embed="rId3"/>
+          <a:stretch>
+            <a:fillRect/>
+          </a:stretch>
+        </p:blipFill>
+        <p:spPr>
+          <a:xfrm>
+            <a:off x="2233116" y="743878"/>
+            <a:ext cx="7725768" cy="5370244"/>
+          </a:xfrm>
+          <a:prstGeom prst="rect">
+            <a:avLst/>
+          </a:prstGeom>
+        </p:spPr>
+      </p:pic>
+      <p:sp>
+        <p:nvSpPr>
+          <p:cNvPr id="11" name="TextBox 10">
+            <a:extLst>
+              <a:ext uri="{FF2B5EF4-FFF2-40B4-BE49-F238E27FC236}">
+                <a16:creationId xmlns:a16="http://schemas.microsoft.com/office/drawing/2014/main" id="{B74C8368-9E27-4C68-8BFF-709B746502CB}"/>
+              </a:ext>
+            </a:extLst>
+          </p:cNvPr>
+          <p:cNvSpPr txBox="1"/>
+          <p:nvPr/>
+        </p:nvSpPr>
+        <p:spPr>
+          <a:xfrm>
+            <a:off x="0" y="309967"/>
+            <a:ext cx="12191999" cy="646331"/>
+          </a:xfrm>
+          <a:prstGeom prst="rect">
+            <a:avLst/>
+          </a:prstGeom>
+          <a:noFill/>
+        </p:spPr>
+        <p:txBody>
+          <a:bodyPr wrap="square" rtlCol="0">
+            <a:spAutoFit/>
+          </a:bodyPr>
+          <a:lstStyle/>
+          <a:p>
+            <a:pPr algn="ctr"/>
+            <a:r>
+              <a:rPr lang="en-US" sz="3600" dirty="0">
+                <a:solidFill>
+                  <a:schemeClr val="tx1">
+                    <a:lumMod val="75000"/>
+                    <a:lumOff val="25000"/>
+                  </a:schemeClr>
+                </a:solidFill>
+                <a:latin typeface="Avenir Next LT Pro" panose="020B0504020202020204" pitchFamily="34" charset="0"/>
+              </a:rPr>
+              <a:t>Cosine Similarity</a:t>
+            </a:r>
+          </a:p>
+        </p:txBody>
+      </p:sp>
+      <p:sp>
+        <p:nvSpPr>
+          <p:cNvPr id="4" name="TextBox 3">
+            <a:extLst>
+              <a:ext uri="{FF2B5EF4-FFF2-40B4-BE49-F238E27FC236}">
+                <a16:creationId xmlns:a16="http://schemas.microsoft.com/office/drawing/2014/main" id="{3DF683BE-614B-46D2-A7B2-4DF802B8210B}"/>
+              </a:ext>
+            </a:extLst>
+          </p:cNvPr>
+          <p:cNvSpPr txBox="1"/>
+          <p:nvPr/>
+        </p:nvSpPr>
+        <p:spPr>
+          <a:xfrm>
+            <a:off x="0" y="6550223"/>
+            <a:ext cx="12192000" cy="307777"/>
+          </a:xfrm>
+          <a:prstGeom prst="rect">
+            <a:avLst/>
+          </a:prstGeom>
+          <a:noFill/>
+        </p:spPr>
+        <p:txBody>
+          <a:bodyPr wrap="square" rtlCol="0">
+            <a:spAutoFit/>
+          </a:bodyPr>
+          <a:lstStyle/>
+          <a:p>
+            <a:r>
+              <a:rPr lang="en-US" sz="1400" dirty="0">
+                <a:solidFill>
+                  <a:schemeClr val="tx1">
+                    <a:lumMod val="65000"/>
+                    <a:lumOff val="35000"/>
+                  </a:schemeClr>
+                </a:solidFill>
+                <a:latin typeface="+mj-lt"/>
+                <a:ea typeface="Verdana" panose="020B0604030504040204" pitchFamily="34" charset="0"/>
+              </a:rPr>
+              <a:t>Source: Karani, D. (2018). Retrieved: https://towardsdatascience.com/introduction-to-word-embedding-and-word2vec-652d0c2060fa</a:t>
+            </a:r>
+          </a:p>
+        </p:txBody>
+      </p:sp>
+      <p:sp>
+        <p:nvSpPr>
+          <p:cNvPr id="5" name="TextBox 4">
+            <a:extLst>
+              <a:ext uri="{FF2B5EF4-FFF2-40B4-BE49-F238E27FC236}">
+                <a16:creationId xmlns:a16="http://schemas.microsoft.com/office/drawing/2014/main" id="{80F6812D-CC21-262F-8922-536E8E9A1DAD}"/>
+              </a:ext>
+            </a:extLst>
+          </p:cNvPr>
+          <p:cNvSpPr txBox="1"/>
+          <p:nvPr/>
+        </p:nvSpPr>
+        <p:spPr>
+          <a:xfrm>
+            <a:off x="4728407" y="1159376"/>
+            <a:ext cx="1367592" cy="461665"/>
+          </a:xfrm>
+          <a:prstGeom prst="rect">
+            <a:avLst/>
+          </a:prstGeom>
+          <a:noFill/>
+        </p:spPr>
+        <p:txBody>
+          <a:bodyPr wrap="square" rtlCol="0">
+            <a:spAutoFit/>
+          </a:bodyPr>
+          <a:lstStyle/>
+          <a:p>
+            <a:pPr algn="ctr"/>
+            <a:r>
+              <a:rPr lang="en-US" sz="2400" dirty="0">
+                <a:solidFill>
+                  <a:srgbClr val="68BA7D"/>
+                </a:solidFill>
+                <a:latin typeface="Avenir Next LT Pro" panose="020B0504020202020204" pitchFamily="34" charset="0"/>
+              </a:rPr>
+              <a:t>“Good”</a:t>
+            </a:r>
+          </a:p>
+        </p:txBody>
+      </p:sp>
+      <p:sp>
+        <p:nvSpPr>
+          <p:cNvPr id="6" name="TextBox 5">
+            <a:extLst>
+              <a:ext uri="{FF2B5EF4-FFF2-40B4-BE49-F238E27FC236}">
+                <a16:creationId xmlns:a16="http://schemas.microsoft.com/office/drawing/2014/main" id="{5E2C5F36-AADA-A613-D226-2CEFCA4436A9}"/>
+              </a:ext>
+            </a:extLst>
+          </p:cNvPr>
+          <p:cNvSpPr txBox="1"/>
+          <p:nvPr/>
+        </p:nvSpPr>
+        <p:spPr>
+          <a:xfrm>
+            <a:off x="6589292" y="4244322"/>
+            <a:ext cx="1367593" cy="461665"/>
+          </a:xfrm>
+          <a:prstGeom prst="rect">
+            <a:avLst/>
+          </a:prstGeom>
+          <a:noFill/>
+        </p:spPr>
+        <p:txBody>
+          <a:bodyPr wrap="square" rtlCol="0">
+            <a:spAutoFit/>
+          </a:bodyPr>
+          <a:lstStyle/>
+          <a:p>
+            <a:pPr algn="ctr"/>
+            <a:r>
+              <a:rPr lang="en-US" sz="2400" dirty="0">
+                <a:solidFill>
+                  <a:srgbClr val="68BA7D"/>
+                </a:solidFill>
+                <a:latin typeface="Avenir Next LT Pro" panose="020B0504020202020204" pitchFamily="34" charset="0"/>
+              </a:rPr>
+              <a:t>“Great”</a:t>
+            </a:r>
+          </a:p>
+        </p:txBody>
+      </p:sp>
+    </p:spTree>
+    <p:extLst>
+      <p:ext uri="{BB962C8B-B14F-4D97-AF65-F5344CB8AC3E}">
+        <p14:creationId xmlns:p14="http://schemas.microsoft.com/office/powerpoint/2010/main" val="323989571"/>
+      </p:ext>
+    </p:extLst>
+  </p:cSld>
+  <p:clrMapOvr>
+    <a:masterClrMapping/>
+  </p:clrMapOvr>
+  <mc:AlternateContent xmlns:mc="http://schemas.openxmlformats.org/markup-compatibility/2006" xmlns:p14="http://schemas.microsoft.com/office/powerpoint/2010/main">
+    <mc:Choice Requires="p14">
+      <p:transition spd="med" p14:dur="700">
+        <p:fade/>
+      </p:transition>
+    </mc:Choice>
+    <mc:Fallback xmlns="">
+      <p:transition spd="med">
+        <p:fade/>
+      </p:transition>
+    </mc:Fallback>
+  </mc:AlternateContent>
+  <p:timing>
+    <p:tnLst>
+      <p:par>
+        <p:cTn id="1" dur="indefinite" restart="never" nodeType="tmRoot">
+          <p:childTnLst>
+            <p:seq concurrent="1" nextAc="seek">
+              <p:cTn id="2" dur="indefinite" nodeType="mainSeq">
+                <p:childTnLst>
+                  <p:par>
+                    <p:cTn id="3" fill="hold">
+                      <p:stCondLst>
+                        <p:cond delay="indefinite"/>
+                      </p:stCondLst>
+                      <p:childTnLst>
+                        <p:par>
+                          <p:cTn id="4" fill="hold">
+                            <p:stCondLst>
+                              <p:cond delay="0"/>
+                            </p:stCondLst>
+                            <p:childTnLst>
+                              <p:par>
+                                <p:cTn id="5" presetID="10" presetClass="entr" presetSubtype="0" fill="hold" grpId="0" nodeType="clickEffect">
+                                  <p:stCondLst>
+                                    <p:cond delay="0"/>
+                                  </p:stCondLst>
+                                  <p:childTnLst>
+                                    <p:set>
+                                      <p:cBhvr>
+                                        <p:cTn id="6" dur="1" fill="hold">
+                                          <p:stCondLst>
+                                            <p:cond delay="0"/>
+                                          </p:stCondLst>
+                                        </p:cTn>
+                                        <p:tgtEl>
+                                          <p:spTgt spid="5"/>
+                                        </p:tgtEl>
+                                        <p:attrNameLst>
+                                          <p:attrName>style.visibility</p:attrName>
+                                        </p:attrNameLst>
+                                      </p:cBhvr>
+                                      <p:to>
+                                        <p:strVal val="visible"/>
+                                      </p:to>
+                                    </p:set>
+                                    <p:animEffect transition="in" filter="fade">
+                                      <p:cBhvr>
+                                        <p:cTn id="7" dur="500"/>
+                                        <p:tgtEl>
+                                          <p:spTgt spid="5"/>
+                                        </p:tgtEl>
+                                      </p:cBhvr>
+                                    </p:animEffect>
+                                  </p:childTnLst>
+                                </p:cTn>
+                              </p:par>
+                            </p:childTnLst>
+                          </p:cTn>
+                        </p:par>
+                      </p:childTnLst>
+                    </p:cTn>
+                  </p:par>
+                  <p:par>
+                    <p:cTn id="8" fill="hold">
+                      <p:stCondLst>
+                        <p:cond delay="indefinite"/>
+                      </p:stCondLst>
+                      <p:childTnLst>
+                        <p:par>
+                          <p:cTn id="9" fill="hold">
+                            <p:stCondLst>
+                              <p:cond delay="0"/>
+                            </p:stCondLst>
+                            <p:childTnLst>
+                              <p:par>
+                                <p:cTn id="10" presetID="10" presetClass="entr" presetSubtype="0" fill="hold" grpId="0" nodeType="clickEffect">
+                                  <p:stCondLst>
+                                    <p:cond delay="0"/>
+                                  </p:stCondLst>
+                                  <p:childTnLst>
+                                    <p:set>
+                                      <p:cBhvr>
+                                        <p:cTn id="11" dur="1" fill="hold">
+                                          <p:stCondLst>
+                                            <p:cond delay="0"/>
+                                          </p:stCondLst>
+                                        </p:cTn>
+                                        <p:tgtEl>
+                                          <p:spTgt spid="6"/>
+                                        </p:tgtEl>
+                                        <p:attrNameLst>
+                                          <p:attrName>style.visibility</p:attrName>
+                                        </p:attrNameLst>
+                                      </p:cBhvr>
+                                      <p:to>
+                                        <p:strVal val="visible"/>
+                                      </p:to>
+                                    </p:set>
+                                    <p:animEffect transition="in" filter="fade">
+                                      <p:cBhvr>
+                                        <p:cTn id="12" dur="500"/>
+                                        <p:tgtEl>
+                                          <p:spTgt spid="6"/>
+                                        </p:tgtEl>
+                                      </p:cBhvr>
+                                    </p:animEffect>
+                                  </p:childTnLst>
+                                </p:cTn>
+                              </p:par>
+                            </p:childTnLst>
+                          </p:cTn>
+                        </p:par>
+                      </p:childTnLst>
+                    </p:cTn>
+                  </p:par>
+                </p:childTnLst>
+              </p:cTn>
+              <p:prevCondLst>
+                <p:cond evt="onPrev" delay="0">
+                  <p:tgtEl>
+                    <p:sldTgt/>
+                  </p:tgtEl>
+                </p:cond>
+              </p:prevCondLst>
+              <p:nextCondLst>
+                <p:cond evt="onNext" delay="0">
+                  <p:tgtEl>
+                    <p:sldTgt/>
+                  </p:tgtEl>
+                </p:cond>
+              </p:nextCondLst>
+            </p:seq>
+          </p:childTnLst>
+        </p:cTn>
+      </p:par>
+    </p:tnLst>
+    <p:bldLst>
+      <p:bldP spid="5" grpId="0"/>
+      <p:bldP spid="6" grpId="0"/>
+    </p:bldLst>
+  </p:timing>
 </p:sld>
 </file>
 
@@ -10710,774 +10855,196 @@
           <a:chExt cx="0" cy="0"/>
         </a:xfrm>
       </p:grpSpPr>
-      <p:sp>
-        <p:nvSpPr>
-          <p:cNvPr id="2" name="Title 1">
+      <p:pic>
+        <p:nvPicPr>
+          <p:cNvPr id="1026" name="Picture 2" descr="F20001">
             <a:extLst>
               <a:ext uri="{FF2B5EF4-FFF2-40B4-BE49-F238E27FC236}">
-                <a16:creationId xmlns:a16="http://schemas.microsoft.com/office/drawing/2014/main" id="{0E138177-E2EE-ACAC-A57C-F03FA29EC836}"/>
+                <a16:creationId xmlns:a16="http://schemas.microsoft.com/office/drawing/2014/main" id="{EA5D6BAF-10A3-4BA7-991F-B8293661AC91}"/>
               </a:ext>
             </a:extLst>
           </p:cNvPr>
-          <p:cNvSpPr>
-            <a:spLocks noGrp="1"/>
-          </p:cNvSpPr>
-          <p:nvPr>
-            <p:ph type="title"/>
-          </p:nvPr>
-        </p:nvSpPr>
-        <p:spPr/>
-        <p:txBody>
-          <a:bodyPr/>
-          <a:lstStyle/>
-          <a:p>
-            <a:r>
-              <a:rPr lang="en-US" dirty="0">
-                <a:solidFill>
-                  <a:schemeClr val="tx1">
-                    <a:lumMod val="75000"/>
-                    <a:lumOff val="25000"/>
-                  </a:schemeClr>
-                </a:solidFill>
-                <a:latin typeface="Palatino Linotype" panose="02040502050505030304" pitchFamily="18" charset="0"/>
-              </a:rPr>
-              <a:t>Lesson Overview</a:t>
-            </a:r>
-          </a:p>
-        </p:txBody>
-      </p:sp>
-      <p:sp>
-        <p:nvSpPr>
-          <p:cNvPr id="3" name="Content Placeholder 2">
+          <p:cNvPicPr>
+            <a:picLocks noChangeAspect="1" noChangeArrowheads="1"/>
+          </p:cNvPicPr>
+          <p:nvPr/>
+        </p:nvPicPr>
+        <p:blipFill>
+          <a:blip r:embed="rId3">
             <a:extLst>
-              <a:ext uri="{FF2B5EF4-FFF2-40B4-BE49-F238E27FC236}">
-                <a16:creationId xmlns:a16="http://schemas.microsoft.com/office/drawing/2014/main" id="{8626DB86-54B4-A1E2-6C25-C049F364ED25}"/>
+              <a:ext uri="{28A0092B-C50C-407E-A947-70E740481C1C}">
+                <a14:useLocalDpi xmlns:a14="http://schemas.microsoft.com/office/drawing/2010/main" val="0"/>
               </a:ext>
             </a:extLst>
-          </p:cNvPr>
-          <p:cNvSpPr>
-            <a:spLocks noGrp="1"/>
-          </p:cNvSpPr>
-          <p:nvPr>
-            <p:ph idx="1"/>
-          </p:nvPr>
-        </p:nvSpPr>
-        <p:spPr>
+          </a:blip>
+          <a:srcRect/>
+          <a:stretch>
+            <a:fillRect/>
+          </a:stretch>
+        </p:blipFill>
+        <p:spPr bwMode="auto">
           <a:xfrm>
-            <a:off x="1013564" y="1825626"/>
-            <a:ext cx="10515600" cy="504215"/>
-          </a:xfrm>
-        </p:spPr>
-        <p:txBody>
-          <a:bodyPr/>
-          <a:lstStyle/>
-          <a:p>
-            <a:pPr>
-              <a:buFont typeface="Wingdings" panose="05000000000000000000" pitchFamily="2" charset="2"/>
-              <a:buChar char="Ø"/>
-            </a:pPr>
-            <a:r>
-              <a:rPr lang="en-US" dirty="0">
-                <a:solidFill>
-                  <a:schemeClr val="tx1">
-                    <a:lumMod val="75000"/>
-                    <a:lumOff val="25000"/>
-                  </a:schemeClr>
-                </a:solidFill>
-              </a:rPr>
-              <a:t> </a:t>
-            </a:r>
-            <a:r>
-              <a:rPr lang="en-US" dirty="0">
-                <a:solidFill>
-                  <a:schemeClr val="tx1">
-                    <a:lumMod val="75000"/>
-                    <a:lumOff val="25000"/>
-                  </a:schemeClr>
-                </a:solidFill>
-                <a:latin typeface="Palatino Linotype" panose="02040502050505030304" pitchFamily="18" charset="0"/>
-              </a:rPr>
-              <a:t>Learning Objective 1</a:t>
-            </a:r>
-          </a:p>
-        </p:txBody>
-      </p:sp>
-      <p:sp>
-        <p:nvSpPr>
-          <p:cNvPr id="5" name="Content Placeholder 2">
-            <a:extLst>
-              <a:ext uri="{FF2B5EF4-FFF2-40B4-BE49-F238E27FC236}">
-                <a16:creationId xmlns:a16="http://schemas.microsoft.com/office/drawing/2014/main" id="{7070644F-62DF-8674-4A8A-C2FA1554028E}"/>
-              </a:ext>
-            </a:extLst>
-          </p:cNvPr>
-          <p:cNvSpPr txBox="1">
-            <a:spLocks/>
-          </p:cNvSpPr>
-          <p:nvPr/>
-        </p:nvSpPr>
-        <p:spPr>
-          <a:xfrm>
-            <a:off x="1013564" y="2464778"/>
-            <a:ext cx="10515600" cy="504215"/>
+            <a:off x="2790825" y="704850"/>
+            <a:ext cx="6610350" cy="5448300"/>
           </a:xfrm>
           <a:prstGeom prst="rect">
             <a:avLst/>
           </a:prstGeom>
+          <a:noFill/>
+          <a:extLst>
+            <a:ext uri="{909E8E84-426E-40DD-AFC4-6F175D3DCCD1}">
+              <a14:hiddenFill xmlns:a14="http://schemas.microsoft.com/office/drawing/2010/main">
+                <a:solidFill>
+                  <a:srgbClr val="FFFFFF"/>
+                </a:solidFill>
+              </a14:hiddenFill>
+            </a:ext>
+          </a:extLst>
         </p:spPr>
-        <p:txBody>
-          <a:bodyPr vert="horz" lIns="91440" tIns="45720" rIns="91440" bIns="45720" rtlCol="0">
-            <a:normAutofit/>
-          </a:bodyPr>
-          <a:lstStyle>
-            <a:lvl1pPr marL="228600" indent="-228600" algn="l" defTabSz="914400" rtl="0" eaLnBrk="1" latinLnBrk="0" hangingPunct="1">
-              <a:lnSpc>
-                <a:spcPct val="90000"/>
-              </a:lnSpc>
-              <a:spcBef>
-                <a:spcPts val="1000"/>
-              </a:spcBef>
-              <a:buFont typeface="Arial" panose="020B0604020202020204" pitchFamily="34" charset="0"/>
-              <a:buChar char="•"/>
-              <a:defRPr sz="2800" kern="1200">
-                <a:solidFill>
-                  <a:schemeClr val="tx1"/>
-                </a:solidFill>
-                <a:latin typeface="+mn-lt"/>
-                <a:ea typeface="+mn-ea"/>
-                <a:cs typeface="+mn-cs"/>
-              </a:defRPr>
-            </a:lvl1pPr>
-            <a:lvl2pPr marL="685800" indent="-228600" algn="l" defTabSz="914400" rtl="0" eaLnBrk="1" latinLnBrk="0" hangingPunct="1">
-              <a:lnSpc>
-                <a:spcPct val="90000"/>
-              </a:lnSpc>
-              <a:spcBef>
-                <a:spcPts val="500"/>
-              </a:spcBef>
-              <a:buFont typeface="Arial" panose="020B0604020202020204" pitchFamily="34" charset="0"/>
-              <a:buChar char="•"/>
-              <a:defRPr sz="2400" kern="1200">
-                <a:solidFill>
-                  <a:schemeClr val="tx1"/>
-                </a:solidFill>
-                <a:latin typeface="+mn-lt"/>
-                <a:ea typeface="+mn-ea"/>
-                <a:cs typeface="+mn-cs"/>
-              </a:defRPr>
-            </a:lvl2pPr>
-            <a:lvl3pPr marL="1143000" indent="-228600" algn="l" defTabSz="914400" rtl="0" eaLnBrk="1" latinLnBrk="0" hangingPunct="1">
-              <a:lnSpc>
-                <a:spcPct val="90000"/>
-              </a:lnSpc>
-              <a:spcBef>
-                <a:spcPts val="500"/>
-              </a:spcBef>
-              <a:buFont typeface="Arial" panose="020B0604020202020204" pitchFamily="34" charset="0"/>
-              <a:buChar char="•"/>
-              <a:defRPr sz="2000" kern="1200">
-                <a:solidFill>
-                  <a:schemeClr val="tx1"/>
-                </a:solidFill>
-                <a:latin typeface="+mn-lt"/>
-                <a:ea typeface="+mn-ea"/>
-                <a:cs typeface="+mn-cs"/>
-              </a:defRPr>
-            </a:lvl3pPr>
-            <a:lvl4pPr marL="1600200" indent="-228600" algn="l" defTabSz="914400" rtl="0" eaLnBrk="1" latinLnBrk="0" hangingPunct="1">
-              <a:lnSpc>
-                <a:spcPct val="90000"/>
-              </a:lnSpc>
-              <a:spcBef>
-                <a:spcPts val="500"/>
-              </a:spcBef>
-              <a:buFont typeface="Arial" panose="020B0604020202020204" pitchFamily="34" charset="0"/>
-              <a:buChar char="•"/>
-              <a:defRPr sz="1800" kern="1200">
-                <a:solidFill>
-                  <a:schemeClr val="tx1"/>
-                </a:solidFill>
-                <a:latin typeface="+mn-lt"/>
-                <a:ea typeface="+mn-ea"/>
-                <a:cs typeface="+mn-cs"/>
-              </a:defRPr>
-            </a:lvl4pPr>
-            <a:lvl5pPr marL="2057400" indent="-228600" algn="l" defTabSz="914400" rtl="0" eaLnBrk="1" latinLnBrk="0" hangingPunct="1">
-              <a:lnSpc>
-                <a:spcPct val="90000"/>
-              </a:lnSpc>
-              <a:spcBef>
-                <a:spcPts val="500"/>
-              </a:spcBef>
-              <a:buFont typeface="Arial" panose="020B0604020202020204" pitchFamily="34" charset="0"/>
-              <a:buChar char="•"/>
-              <a:defRPr sz="1800" kern="1200">
-                <a:solidFill>
-                  <a:schemeClr val="tx1"/>
-                </a:solidFill>
-                <a:latin typeface="+mn-lt"/>
-                <a:ea typeface="+mn-ea"/>
-                <a:cs typeface="+mn-cs"/>
-              </a:defRPr>
-            </a:lvl5pPr>
-            <a:lvl6pPr marL="2514600" indent="-228600" algn="l" defTabSz="914400" rtl="0" eaLnBrk="1" latinLnBrk="0" hangingPunct="1">
-              <a:lnSpc>
-                <a:spcPct val="90000"/>
-              </a:lnSpc>
-              <a:spcBef>
-                <a:spcPts val="500"/>
-              </a:spcBef>
-              <a:buFont typeface="Arial" panose="020B0604020202020204" pitchFamily="34" charset="0"/>
-              <a:buChar char="•"/>
-              <a:defRPr sz="1800" kern="1200">
-                <a:solidFill>
-                  <a:schemeClr val="tx1"/>
-                </a:solidFill>
-                <a:latin typeface="+mn-lt"/>
-                <a:ea typeface="+mn-ea"/>
-                <a:cs typeface="+mn-cs"/>
-              </a:defRPr>
-            </a:lvl6pPr>
-            <a:lvl7pPr marL="2971800" indent="-228600" algn="l" defTabSz="914400" rtl="0" eaLnBrk="1" latinLnBrk="0" hangingPunct="1">
-              <a:lnSpc>
-                <a:spcPct val="90000"/>
-              </a:lnSpc>
-              <a:spcBef>
-                <a:spcPts val="500"/>
-              </a:spcBef>
-              <a:buFont typeface="Arial" panose="020B0604020202020204" pitchFamily="34" charset="0"/>
-              <a:buChar char="•"/>
-              <a:defRPr sz="1800" kern="1200">
-                <a:solidFill>
-                  <a:schemeClr val="tx1"/>
-                </a:solidFill>
-                <a:latin typeface="+mn-lt"/>
-                <a:ea typeface="+mn-ea"/>
-                <a:cs typeface="+mn-cs"/>
-              </a:defRPr>
-            </a:lvl7pPr>
-            <a:lvl8pPr marL="3429000" indent="-228600" algn="l" defTabSz="914400" rtl="0" eaLnBrk="1" latinLnBrk="0" hangingPunct="1">
-              <a:lnSpc>
-                <a:spcPct val="90000"/>
-              </a:lnSpc>
-              <a:spcBef>
-                <a:spcPts val="500"/>
-              </a:spcBef>
-              <a:buFont typeface="Arial" panose="020B0604020202020204" pitchFamily="34" charset="0"/>
-              <a:buChar char="•"/>
-              <a:defRPr sz="1800" kern="1200">
-                <a:solidFill>
-                  <a:schemeClr val="tx1"/>
-                </a:solidFill>
-                <a:latin typeface="+mn-lt"/>
-                <a:ea typeface="+mn-ea"/>
-                <a:cs typeface="+mn-cs"/>
-              </a:defRPr>
-            </a:lvl8pPr>
-            <a:lvl9pPr marL="3886200" indent="-228600" algn="l" defTabSz="914400" rtl="0" eaLnBrk="1" latinLnBrk="0" hangingPunct="1">
-              <a:lnSpc>
-                <a:spcPct val="90000"/>
-              </a:lnSpc>
-              <a:spcBef>
-                <a:spcPts val="500"/>
-              </a:spcBef>
-              <a:buFont typeface="Arial" panose="020B0604020202020204" pitchFamily="34" charset="0"/>
-              <a:buChar char="•"/>
-              <a:defRPr sz="1800" kern="1200">
-                <a:solidFill>
-                  <a:schemeClr val="tx1"/>
-                </a:solidFill>
-                <a:latin typeface="+mn-lt"/>
-                <a:ea typeface="+mn-ea"/>
-                <a:cs typeface="+mn-cs"/>
-              </a:defRPr>
-            </a:lvl9pPr>
-          </a:lstStyle>
-          <a:p>
-            <a:pPr>
-              <a:buFont typeface="Wingdings" panose="05000000000000000000" pitchFamily="2" charset="2"/>
-              <a:buChar char="Ø"/>
-            </a:pPr>
-            <a:r>
-              <a:rPr lang="en-US" dirty="0">
-                <a:solidFill>
-                  <a:schemeClr val="tx1">
-                    <a:lumMod val="75000"/>
-                    <a:lumOff val="25000"/>
-                  </a:schemeClr>
-                </a:solidFill>
-              </a:rPr>
-              <a:t> </a:t>
-            </a:r>
-            <a:r>
-              <a:rPr lang="en-US" dirty="0">
-                <a:solidFill>
-                  <a:schemeClr val="tx1">
-                    <a:lumMod val="75000"/>
-                    <a:lumOff val="25000"/>
-                  </a:schemeClr>
-                </a:solidFill>
-                <a:latin typeface="Palatino Linotype" panose="02040502050505030304" pitchFamily="18" charset="0"/>
-              </a:rPr>
-              <a:t>Learning Objective 1</a:t>
-            </a:r>
-          </a:p>
-        </p:txBody>
-      </p:sp>
-      <p:sp>
-        <p:nvSpPr>
-          <p:cNvPr id="6" name="Content Placeholder 2">
+      </p:pic>
+      <p:sp>
+        <p:nvSpPr>
+          <p:cNvPr id="6" name="TextBox 5">
             <a:extLst>
               <a:ext uri="{FF2B5EF4-FFF2-40B4-BE49-F238E27FC236}">
-                <a16:creationId xmlns:a16="http://schemas.microsoft.com/office/drawing/2014/main" id="{FF2490E1-D7A0-7027-6DCC-60BB6819CD9E}"/>
+                <a16:creationId xmlns:a16="http://schemas.microsoft.com/office/drawing/2014/main" id="{F3901A42-F1D9-442B-946D-F8D2306CFE56}"/>
               </a:ext>
             </a:extLst>
           </p:cNvPr>
-          <p:cNvSpPr txBox="1">
-            <a:spLocks/>
-          </p:cNvSpPr>
+          <p:cNvSpPr txBox="1"/>
           <p:nvPr/>
         </p:nvSpPr>
         <p:spPr>
           <a:xfrm>
-            <a:off x="1013564" y="3103930"/>
-            <a:ext cx="10515600" cy="504215"/>
+            <a:off x="0" y="6550223"/>
+            <a:ext cx="12192000" cy="307777"/>
           </a:xfrm>
           <a:prstGeom prst="rect">
             <a:avLst/>
           </a:prstGeom>
+          <a:noFill/>
         </p:spPr>
         <p:txBody>
-          <a:bodyPr vert="horz" lIns="91440" tIns="45720" rIns="91440" bIns="45720" rtlCol="0">
-            <a:normAutofit/>
+          <a:bodyPr wrap="square" rtlCol="0">
+            <a:spAutoFit/>
           </a:bodyPr>
-          <a:lstStyle>
-            <a:lvl1pPr marL="228600" indent="-228600" algn="l" defTabSz="914400" rtl="0" eaLnBrk="1" latinLnBrk="0" hangingPunct="1">
-              <a:lnSpc>
-                <a:spcPct val="90000"/>
-              </a:lnSpc>
-              <a:spcBef>
-                <a:spcPts val="1000"/>
-              </a:spcBef>
-              <a:buFont typeface="Arial" panose="020B0604020202020204" pitchFamily="34" charset="0"/>
-              <a:buChar char="•"/>
-              <a:defRPr sz="2800" kern="1200">
-                <a:solidFill>
-                  <a:schemeClr val="tx1"/>
-                </a:solidFill>
-                <a:latin typeface="+mn-lt"/>
-                <a:ea typeface="+mn-ea"/>
-                <a:cs typeface="+mn-cs"/>
-              </a:defRPr>
-            </a:lvl1pPr>
-            <a:lvl2pPr marL="685800" indent="-228600" algn="l" defTabSz="914400" rtl="0" eaLnBrk="1" latinLnBrk="0" hangingPunct="1">
-              <a:lnSpc>
-                <a:spcPct val="90000"/>
-              </a:lnSpc>
-              <a:spcBef>
-                <a:spcPts val="500"/>
-              </a:spcBef>
-              <a:buFont typeface="Arial" panose="020B0604020202020204" pitchFamily="34" charset="0"/>
-              <a:buChar char="•"/>
-              <a:defRPr sz="2400" kern="1200">
-                <a:solidFill>
-                  <a:schemeClr val="tx1"/>
-                </a:solidFill>
-                <a:latin typeface="+mn-lt"/>
-                <a:ea typeface="+mn-ea"/>
-                <a:cs typeface="+mn-cs"/>
-              </a:defRPr>
-            </a:lvl2pPr>
-            <a:lvl3pPr marL="1143000" indent="-228600" algn="l" defTabSz="914400" rtl="0" eaLnBrk="1" latinLnBrk="0" hangingPunct="1">
-              <a:lnSpc>
-                <a:spcPct val="90000"/>
-              </a:lnSpc>
-              <a:spcBef>
-                <a:spcPts val="500"/>
-              </a:spcBef>
-              <a:buFont typeface="Arial" panose="020B0604020202020204" pitchFamily="34" charset="0"/>
-              <a:buChar char="•"/>
-              <a:defRPr sz="2000" kern="1200">
-                <a:solidFill>
-                  <a:schemeClr val="tx1"/>
-                </a:solidFill>
-                <a:latin typeface="+mn-lt"/>
-                <a:ea typeface="+mn-ea"/>
-                <a:cs typeface="+mn-cs"/>
-              </a:defRPr>
-            </a:lvl3pPr>
-            <a:lvl4pPr marL="1600200" indent="-228600" algn="l" defTabSz="914400" rtl="0" eaLnBrk="1" latinLnBrk="0" hangingPunct="1">
-              <a:lnSpc>
-                <a:spcPct val="90000"/>
-              </a:lnSpc>
-              <a:spcBef>
-                <a:spcPts val="500"/>
-              </a:spcBef>
-              <a:buFont typeface="Arial" panose="020B0604020202020204" pitchFamily="34" charset="0"/>
-              <a:buChar char="•"/>
-              <a:defRPr sz="1800" kern="1200">
-                <a:solidFill>
-                  <a:schemeClr val="tx1"/>
-                </a:solidFill>
-                <a:latin typeface="+mn-lt"/>
-                <a:ea typeface="+mn-ea"/>
-                <a:cs typeface="+mn-cs"/>
-              </a:defRPr>
-            </a:lvl4pPr>
-            <a:lvl5pPr marL="2057400" indent="-228600" algn="l" defTabSz="914400" rtl="0" eaLnBrk="1" latinLnBrk="0" hangingPunct="1">
-              <a:lnSpc>
-                <a:spcPct val="90000"/>
-              </a:lnSpc>
-              <a:spcBef>
-                <a:spcPts val="500"/>
-              </a:spcBef>
-              <a:buFont typeface="Arial" panose="020B0604020202020204" pitchFamily="34" charset="0"/>
-              <a:buChar char="•"/>
-              <a:defRPr sz="1800" kern="1200">
-                <a:solidFill>
-                  <a:schemeClr val="tx1"/>
-                </a:solidFill>
-                <a:latin typeface="+mn-lt"/>
-                <a:ea typeface="+mn-ea"/>
-                <a:cs typeface="+mn-cs"/>
-              </a:defRPr>
-            </a:lvl5pPr>
-            <a:lvl6pPr marL="2514600" indent="-228600" algn="l" defTabSz="914400" rtl="0" eaLnBrk="1" latinLnBrk="0" hangingPunct="1">
-              <a:lnSpc>
-                <a:spcPct val="90000"/>
-              </a:lnSpc>
-              <a:spcBef>
-                <a:spcPts val="500"/>
-              </a:spcBef>
-              <a:buFont typeface="Arial" panose="020B0604020202020204" pitchFamily="34" charset="0"/>
-              <a:buChar char="•"/>
-              <a:defRPr sz="1800" kern="1200">
-                <a:solidFill>
-                  <a:schemeClr val="tx1"/>
-                </a:solidFill>
-                <a:latin typeface="+mn-lt"/>
-                <a:ea typeface="+mn-ea"/>
-                <a:cs typeface="+mn-cs"/>
-              </a:defRPr>
-            </a:lvl6pPr>
-            <a:lvl7pPr marL="2971800" indent="-228600" algn="l" defTabSz="914400" rtl="0" eaLnBrk="1" latinLnBrk="0" hangingPunct="1">
-              <a:lnSpc>
-                <a:spcPct val="90000"/>
-              </a:lnSpc>
-              <a:spcBef>
-                <a:spcPts val="500"/>
-              </a:spcBef>
-              <a:buFont typeface="Arial" panose="020B0604020202020204" pitchFamily="34" charset="0"/>
-              <a:buChar char="•"/>
-              <a:defRPr sz="1800" kern="1200">
-                <a:solidFill>
-                  <a:schemeClr val="tx1"/>
-                </a:solidFill>
-                <a:latin typeface="+mn-lt"/>
-                <a:ea typeface="+mn-ea"/>
-                <a:cs typeface="+mn-cs"/>
-              </a:defRPr>
-            </a:lvl7pPr>
-            <a:lvl8pPr marL="3429000" indent="-228600" algn="l" defTabSz="914400" rtl="0" eaLnBrk="1" latinLnBrk="0" hangingPunct="1">
-              <a:lnSpc>
-                <a:spcPct val="90000"/>
-              </a:lnSpc>
-              <a:spcBef>
-                <a:spcPts val="500"/>
-              </a:spcBef>
-              <a:buFont typeface="Arial" panose="020B0604020202020204" pitchFamily="34" charset="0"/>
-              <a:buChar char="•"/>
-              <a:defRPr sz="1800" kern="1200">
-                <a:solidFill>
-                  <a:schemeClr val="tx1"/>
-                </a:solidFill>
-                <a:latin typeface="+mn-lt"/>
-                <a:ea typeface="+mn-ea"/>
-                <a:cs typeface="+mn-cs"/>
-              </a:defRPr>
-            </a:lvl8pPr>
-            <a:lvl9pPr marL="3886200" indent="-228600" algn="l" defTabSz="914400" rtl="0" eaLnBrk="1" latinLnBrk="0" hangingPunct="1">
-              <a:lnSpc>
-                <a:spcPct val="90000"/>
-              </a:lnSpc>
-              <a:spcBef>
-                <a:spcPts val="500"/>
-              </a:spcBef>
-              <a:buFont typeface="Arial" panose="020B0604020202020204" pitchFamily="34" charset="0"/>
-              <a:buChar char="•"/>
-              <a:defRPr sz="1800" kern="1200">
-                <a:solidFill>
-                  <a:schemeClr val="tx1"/>
-                </a:solidFill>
-                <a:latin typeface="+mn-lt"/>
-                <a:ea typeface="+mn-ea"/>
-                <a:cs typeface="+mn-cs"/>
-              </a:defRPr>
-            </a:lvl9pPr>
-          </a:lstStyle>
-          <a:p>
-            <a:pPr>
-              <a:buFont typeface="Wingdings" panose="05000000000000000000" pitchFamily="2" charset="2"/>
-              <a:buChar char="Ø"/>
-            </a:pPr>
-            <a:r>
-              <a:rPr lang="en-US" dirty="0">
-                <a:solidFill>
-                  <a:schemeClr val="tx1">
-                    <a:lumMod val="75000"/>
-                    <a:lumOff val="25000"/>
-                  </a:schemeClr>
-                </a:solidFill>
-              </a:rPr>
-              <a:t> </a:t>
-            </a:r>
-            <a:r>
-              <a:rPr lang="en-US" dirty="0">
-                <a:solidFill>
-                  <a:schemeClr val="tx1">
-                    <a:lumMod val="75000"/>
-                    <a:lumOff val="25000"/>
-                  </a:schemeClr>
-                </a:solidFill>
-                <a:latin typeface="Palatino Linotype" panose="02040502050505030304" pitchFamily="18" charset="0"/>
-              </a:rPr>
-              <a:t>Learning Objective 1</a:t>
-            </a:r>
-          </a:p>
-        </p:txBody>
-      </p:sp>
-      <p:sp>
-        <p:nvSpPr>
-          <p:cNvPr id="7" name="Content Placeholder 2">
-            <a:extLst>
-              <a:ext uri="{FF2B5EF4-FFF2-40B4-BE49-F238E27FC236}">
-                <a16:creationId xmlns:a16="http://schemas.microsoft.com/office/drawing/2014/main" id="{6D3279E5-D518-B484-9FCF-B12663A4E8FF}"/>
-              </a:ext>
-            </a:extLst>
-          </p:cNvPr>
-          <p:cNvSpPr txBox="1">
-            <a:spLocks/>
-          </p:cNvSpPr>
-          <p:nvPr/>
-        </p:nvSpPr>
-        <p:spPr>
-          <a:xfrm>
-            <a:off x="1013564" y="3743082"/>
-            <a:ext cx="10515600" cy="504215"/>
-          </a:xfrm>
-          <a:prstGeom prst="rect">
-            <a:avLst/>
-          </a:prstGeom>
-        </p:spPr>
-        <p:txBody>
-          <a:bodyPr vert="horz" lIns="91440" tIns="45720" rIns="91440" bIns="45720" rtlCol="0">
-            <a:normAutofit/>
-          </a:bodyPr>
-          <a:lstStyle>
-            <a:lvl1pPr marL="228600" indent="-228600" algn="l" defTabSz="914400" rtl="0" eaLnBrk="1" latinLnBrk="0" hangingPunct="1">
-              <a:lnSpc>
-                <a:spcPct val="90000"/>
-              </a:lnSpc>
-              <a:spcBef>
-                <a:spcPts val="1000"/>
-              </a:spcBef>
-              <a:buFont typeface="Arial" panose="020B0604020202020204" pitchFamily="34" charset="0"/>
-              <a:buChar char="•"/>
-              <a:defRPr sz="2800" kern="1200">
-                <a:solidFill>
-                  <a:schemeClr val="tx1"/>
-                </a:solidFill>
-                <a:latin typeface="+mn-lt"/>
-                <a:ea typeface="+mn-ea"/>
-                <a:cs typeface="+mn-cs"/>
-              </a:defRPr>
-            </a:lvl1pPr>
-            <a:lvl2pPr marL="685800" indent="-228600" algn="l" defTabSz="914400" rtl="0" eaLnBrk="1" latinLnBrk="0" hangingPunct="1">
-              <a:lnSpc>
-                <a:spcPct val="90000"/>
-              </a:lnSpc>
-              <a:spcBef>
-                <a:spcPts val="500"/>
-              </a:spcBef>
-              <a:buFont typeface="Arial" panose="020B0604020202020204" pitchFamily="34" charset="0"/>
-              <a:buChar char="•"/>
-              <a:defRPr sz="2400" kern="1200">
-                <a:solidFill>
-                  <a:schemeClr val="tx1"/>
-                </a:solidFill>
-                <a:latin typeface="+mn-lt"/>
-                <a:ea typeface="+mn-ea"/>
-                <a:cs typeface="+mn-cs"/>
-              </a:defRPr>
-            </a:lvl2pPr>
-            <a:lvl3pPr marL="1143000" indent="-228600" algn="l" defTabSz="914400" rtl="0" eaLnBrk="1" latinLnBrk="0" hangingPunct="1">
-              <a:lnSpc>
-                <a:spcPct val="90000"/>
-              </a:lnSpc>
-              <a:spcBef>
-                <a:spcPts val="500"/>
-              </a:spcBef>
-              <a:buFont typeface="Arial" panose="020B0604020202020204" pitchFamily="34" charset="0"/>
-              <a:buChar char="•"/>
-              <a:defRPr sz="2000" kern="1200">
-                <a:solidFill>
-                  <a:schemeClr val="tx1"/>
-                </a:solidFill>
-                <a:latin typeface="+mn-lt"/>
-                <a:ea typeface="+mn-ea"/>
-                <a:cs typeface="+mn-cs"/>
-              </a:defRPr>
-            </a:lvl3pPr>
-            <a:lvl4pPr marL="1600200" indent="-228600" algn="l" defTabSz="914400" rtl="0" eaLnBrk="1" latinLnBrk="0" hangingPunct="1">
-              <a:lnSpc>
-                <a:spcPct val="90000"/>
-              </a:lnSpc>
-              <a:spcBef>
-                <a:spcPts val="500"/>
-              </a:spcBef>
-              <a:buFont typeface="Arial" panose="020B0604020202020204" pitchFamily="34" charset="0"/>
-              <a:buChar char="•"/>
-              <a:defRPr sz="1800" kern="1200">
-                <a:solidFill>
-                  <a:schemeClr val="tx1"/>
-                </a:solidFill>
-                <a:latin typeface="+mn-lt"/>
-                <a:ea typeface="+mn-ea"/>
-                <a:cs typeface="+mn-cs"/>
-              </a:defRPr>
-            </a:lvl4pPr>
-            <a:lvl5pPr marL="2057400" indent="-228600" algn="l" defTabSz="914400" rtl="0" eaLnBrk="1" latinLnBrk="0" hangingPunct="1">
-              <a:lnSpc>
-                <a:spcPct val="90000"/>
-              </a:lnSpc>
-              <a:spcBef>
-                <a:spcPts val="500"/>
-              </a:spcBef>
-              <a:buFont typeface="Arial" panose="020B0604020202020204" pitchFamily="34" charset="0"/>
-              <a:buChar char="•"/>
-              <a:defRPr sz="1800" kern="1200">
-                <a:solidFill>
-                  <a:schemeClr val="tx1"/>
-                </a:solidFill>
-                <a:latin typeface="+mn-lt"/>
-                <a:ea typeface="+mn-ea"/>
-                <a:cs typeface="+mn-cs"/>
-              </a:defRPr>
-            </a:lvl5pPr>
-            <a:lvl6pPr marL="2514600" indent="-228600" algn="l" defTabSz="914400" rtl="0" eaLnBrk="1" latinLnBrk="0" hangingPunct="1">
-              <a:lnSpc>
-                <a:spcPct val="90000"/>
-              </a:lnSpc>
-              <a:spcBef>
-                <a:spcPts val="500"/>
-              </a:spcBef>
-              <a:buFont typeface="Arial" panose="020B0604020202020204" pitchFamily="34" charset="0"/>
-              <a:buChar char="•"/>
-              <a:defRPr sz="1800" kern="1200">
-                <a:solidFill>
-                  <a:schemeClr val="tx1"/>
-                </a:solidFill>
-                <a:latin typeface="+mn-lt"/>
-                <a:ea typeface="+mn-ea"/>
-                <a:cs typeface="+mn-cs"/>
-              </a:defRPr>
-            </a:lvl6pPr>
-            <a:lvl7pPr marL="2971800" indent="-228600" algn="l" defTabSz="914400" rtl="0" eaLnBrk="1" latinLnBrk="0" hangingPunct="1">
-              <a:lnSpc>
-                <a:spcPct val="90000"/>
-              </a:lnSpc>
-              <a:spcBef>
-                <a:spcPts val="500"/>
-              </a:spcBef>
-              <a:buFont typeface="Arial" panose="020B0604020202020204" pitchFamily="34" charset="0"/>
-              <a:buChar char="•"/>
-              <a:defRPr sz="1800" kern="1200">
-                <a:solidFill>
-                  <a:schemeClr val="tx1"/>
-                </a:solidFill>
-                <a:latin typeface="+mn-lt"/>
-                <a:ea typeface="+mn-ea"/>
-                <a:cs typeface="+mn-cs"/>
-              </a:defRPr>
-            </a:lvl7pPr>
-            <a:lvl8pPr marL="3429000" indent="-228600" algn="l" defTabSz="914400" rtl="0" eaLnBrk="1" latinLnBrk="0" hangingPunct="1">
-              <a:lnSpc>
-                <a:spcPct val="90000"/>
-              </a:lnSpc>
-              <a:spcBef>
-                <a:spcPts val="500"/>
-              </a:spcBef>
-              <a:buFont typeface="Arial" panose="020B0604020202020204" pitchFamily="34" charset="0"/>
-              <a:buChar char="•"/>
-              <a:defRPr sz="1800" kern="1200">
-                <a:solidFill>
-                  <a:schemeClr val="tx1"/>
-                </a:solidFill>
-                <a:latin typeface="+mn-lt"/>
-                <a:ea typeface="+mn-ea"/>
-                <a:cs typeface="+mn-cs"/>
-              </a:defRPr>
-            </a:lvl8pPr>
-            <a:lvl9pPr marL="3886200" indent="-228600" algn="l" defTabSz="914400" rtl="0" eaLnBrk="1" latinLnBrk="0" hangingPunct="1">
-              <a:lnSpc>
-                <a:spcPct val="90000"/>
-              </a:lnSpc>
-              <a:spcBef>
-                <a:spcPts val="500"/>
-              </a:spcBef>
-              <a:buFont typeface="Arial" panose="020B0604020202020204" pitchFamily="34" charset="0"/>
-              <a:buChar char="•"/>
-              <a:defRPr sz="1800" kern="1200">
-                <a:solidFill>
-                  <a:schemeClr val="tx1"/>
-                </a:solidFill>
-                <a:latin typeface="+mn-lt"/>
-                <a:ea typeface="+mn-ea"/>
-                <a:cs typeface="+mn-cs"/>
-              </a:defRPr>
-            </a:lvl9pPr>
-          </a:lstStyle>
-          <a:p>
-            <a:pPr>
-              <a:buFont typeface="Wingdings" panose="05000000000000000000" pitchFamily="2" charset="2"/>
-              <a:buChar char="Ø"/>
-            </a:pPr>
-            <a:r>
-              <a:rPr lang="en-US" dirty="0">
-                <a:solidFill>
-                  <a:schemeClr val="tx1">
-                    <a:lumMod val="75000"/>
-                    <a:lumOff val="25000"/>
-                  </a:schemeClr>
-                </a:solidFill>
-              </a:rPr>
-              <a:t> </a:t>
-            </a:r>
-            <a:r>
-              <a:rPr lang="en-US" dirty="0">
-                <a:solidFill>
-                  <a:schemeClr val="tx1">
-                    <a:lumMod val="75000"/>
-                    <a:lumOff val="25000"/>
-                  </a:schemeClr>
-                </a:solidFill>
-                <a:latin typeface="Palatino Linotype" panose="02040502050505030304" pitchFamily="18" charset="0"/>
-              </a:rPr>
-              <a:t>Learning Objective 1</a:t>
-            </a:r>
+          <a:lstStyle/>
+          <a:p>
+            <a:r>
+              <a:rPr lang="en-US" sz="1400" dirty="0">
+                <a:solidFill>
+                  <a:schemeClr val="tx1">
+                    <a:lumMod val="65000"/>
+                    <a:lumOff val="35000"/>
+                  </a:schemeClr>
+                </a:solidFill>
+                <a:latin typeface="+mj-lt"/>
+                <a:ea typeface="Verdana" panose="020B0604030504040204" pitchFamily="34" charset="0"/>
+              </a:rPr>
+              <a:t>Source: Glassner, A. (2021). </a:t>
+            </a:r>
+            <a:r>
+              <a:rPr lang="en-US" sz="1400" i="1" dirty="0">
+                <a:solidFill>
+                  <a:schemeClr val="tx1">
+                    <a:lumMod val="65000"/>
+                    <a:lumOff val="35000"/>
+                  </a:schemeClr>
+                </a:solidFill>
+                <a:latin typeface="+mj-lt"/>
+                <a:ea typeface="Verdana" panose="020B0604030504040204" pitchFamily="34" charset="0"/>
+              </a:rPr>
+              <a:t>Deep learning: A visual approach</a:t>
+            </a:r>
+            <a:r>
+              <a:rPr lang="en-US" sz="1400" dirty="0">
+                <a:solidFill>
+                  <a:schemeClr val="tx1">
+                    <a:lumMod val="65000"/>
+                    <a:lumOff val="35000"/>
+                  </a:schemeClr>
+                </a:solidFill>
+                <a:latin typeface="+mj-lt"/>
+                <a:ea typeface="Verdana" panose="020B0604030504040204" pitchFamily="34" charset="0"/>
+              </a:rPr>
+              <a:t>. </a:t>
+            </a:r>
+            <a:r>
+              <a:rPr lang="en-US" sz="1400" b="0" i="0" dirty="0">
+                <a:solidFill>
+                  <a:schemeClr val="tx1">
+                    <a:lumMod val="65000"/>
+                    <a:lumOff val="35000"/>
+                  </a:schemeClr>
+                </a:solidFill>
+                <a:effectLst/>
+                <a:latin typeface="+mj-lt"/>
+                <a:ea typeface="Verdana" panose="020B0604030504040204" pitchFamily="34" charset="0"/>
+              </a:rPr>
+              <a:t>San Francisco, CA: No Starch Press. (Chapter </a:t>
+            </a:r>
+            <a:r>
+              <a:rPr lang="en-US" sz="1400" dirty="0">
+                <a:solidFill>
+                  <a:schemeClr val="tx1">
+                    <a:lumMod val="65000"/>
+                    <a:lumOff val="35000"/>
+                  </a:schemeClr>
+                </a:solidFill>
+                <a:latin typeface="+mj-lt"/>
+                <a:ea typeface="Verdana" panose="020B0604030504040204" pitchFamily="34" charset="0"/>
+              </a:rPr>
+              <a:t>20</a:t>
+            </a:r>
+            <a:r>
+              <a:rPr lang="en-US" sz="1400" b="0" i="0" dirty="0">
+                <a:solidFill>
+                  <a:schemeClr val="tx1">
+                    <a:lumMod val="65000"/>
+                    <a:lumOff val="35000"/>
+                  </a:schemeClr>
+                </a:solidFill>
+                <a:effectLst/>
+                <a:latin typeface="+mj-lt"/>
+                <a:ea typeface="Verdana" panose="020B0604030504040204" pitchFamily="34" charset="0"/>
+              </a:rPr>
+              <a:t>)</a:t>
+            </a:r>
+            <a:endParaRPr lang="en-US" sz="1400" dirty="0">
+              <a:solidFill>
+                <a:schemeClr val="tx1">
+                  <a:lumMod val="65000"/>
+                  <a:lumOff val="35000"/>
+                </a:schemeClr>
+              </a:solidFill>
+              <a:latin typeface="+mj-lt"/>
+              <a:ea typeface="Verdana" panose="020B0604030504040204" pitchFamily="34" charset="0"/>
+            </a:endParaRPr>
           </a:p>
         </p:txBody>
       </p:sp>
     </p:spTree>
     <p:extLst>
       <p:ext uri="{BB962C8B-B14F-4D97-AF65-F5344CB8AC3E}">
-        <p14:creationId xmlns:p14="http://schemas.microsoft.com/office/powerpoint/2010/main" val="1416141381"/>
+        <p14:creationId xmlns:p14="http://schemas.microsoft.com/office/powerpoint/2010/main" val="4038125349"/>
       </p:ext>
     </p:extLst>
   </p:cSld>
   <p:clrMapOvr>
     <a:masterClrMapping/>
   </p:clrMapOvr>
+  <mc:AlternateContent xmlns:mc="http://schemas.openxmlformats.org/markup-compatibility/2006" xmlns:p14="http://schemas.microsoft.com/office/powerpoint/2010/main">
+    <mc:Choice Requires="p14">
+      <p:transition spd="med" p14:dur="700">
+        <p:fade/>
+      </p:transition>
+    </mc:Choice>
+    <mc:Fallback xmlns="">
+      <p:transition spd="med">
+        <p:fade/>
+      </p:transition>
+    </mc:Fallback>
+  </mc:AlternateContent>
 </p:sld>
 </file>
 
@@ -11540,67 +11107,518 @@
           <a:chExt cx="0" cy="0"/>
         </a:xfrm>
       </p:grpSpPr>
-      <p:pic>
-        <p:nvPicPr>
-          <p:cNvPr id="10" name="Picture 9">
+      <p:sp>
+        <p:nvSpPr>
+          <p:cNvPr id="2" name="Title 1">
             <a:extLst>
               <a:ext uri="{FF2B5EF4-FFF2-40B4-BE49-F238E27FC236}">
-                <a16:creationId xmlns:a16="http://schemas.microsoft.com/office/drawing/2014/main" id="{BCF66A3E-F248-4169-B6FA-5E416D7451DC}"/>
+                <a16:creationId xmlns:a16="http://schemas.microsoft.com/office/drawing/2014/main" id="{0E138177-E2EE-ACAC-A57C-F03FA29EC836}"/>
               </a:ext>
             </a:extLst>
           </p:cNvPr>
-          <p:cNvPicPr>
-            <a:picLocks noChangeAspect="1"/>
-          </p:cNvPicPr>
-          <p:nvPr/>
-        </p:nvPicPr>
-        <p:blipFill>
-          <a:blip r:embed="rId3"/>
-          <a:stretch>
-            <a:fillRect/>
-          </a:stretch>
-        </p:blipFill>
+          <p:cNvSpPr>
+            <a:spLocks noGrp="1"/>
+          </p:cNvSpPr>
+          <p:nvPr>
+            <p:ph type="title"/>
+          </p:nvPr>
+        </p:nvSpPr>
+        <p:spPr/>
+        <p:txBody>
+          <a:bodyPr/>
+          <a:lstStyle/>
+          <a:p>
+            <a:r>
+              <a:rPr lang="en-US" dirty="0">
+                <a:solidFill>
+                  <a:schemeClr val="tx1">
+                    <a:lumMod val="75000"/>
+                    <a:lumOff val="25000"/>
+                  </a:schemeClr>
+                </a:solidFill>
+                <a:latin typeface="Palatino Linotype" panose="02040502050505030304" pitchFamily="18" charset="0"/>
+              </a:rPr>
+              <a:t>Lesson Overview</a:t>
+            </a:r>
+          </a:p>
+        </p:txBody>
+      </p:sp>
+      <p:sp>
+        <p:nvSpPr>
+          <p:cNvPr id="3" name="Content Placeholder 2">
+            <a:extLst>
+              <a:ext uri="{FF2B5EF4-FFF2-40B4-BE49-F238E27FC236}">
+                <a16:creationId xmlns:a16="http://schemas.microsoft.com/office/drawing/2014/main" id="{8626DB86-54B4-A1E2-6C25-C049F364ED25}"/>
+              </a:ext>
+            </a:extLst>
+          </p:cNvPr>
+          <p:cNvSpPr>
+            <a:spLocks noGrp="1"/>
+          </p:cNvSpPr>
+          <p:nvPr>
+            <p:ph idx="1"/>
+          </p:nvPr>
+        </p:nvSpPr>
         <p:spPr>
           <a:xfrm>
-            <a:off x="2233116" y="743878"/>
-            <a:ext cx="7725768" cy="5370244"/>
+            <a:off x="1013564" y="1825626"/>
+            <a:ext cx="10515600" cy="504215"/>
+          </a:xfrm>
+        </p:spPr>
+        <p:txBody>
+          <a:bodyPr/>
+          <a:lstStyle/>
+          <a:p>
+            <a:pPr>
+              <a:buFont typeface="Wingdings" panose="05000000000000000000" pitchFamily="2" charset="2"/>
+              <a:buChar char="Ø"/>
+            </a:pPr>
+            <a:r>
+              <a:rPr lang="en-US" dirty="0">
+                <a:solidFill>
+                  <a:schemeClr val="tx1">
+                    <a:lumMod val="75000"/>
+                    <a:lumOff val="25000"/>
+                  </a:schemeClr>
+                </a:solidFill>
+              </a:rPr>
+              <a:t> </a:t>
+            </a:r>
+            <a:r>
+              <a:rPr lang="en-US" dirty="0">
+                <a:solidFill>
+                  <a:schemeClr val="tx1">
+                    <a:lumMod val="75000"/>
+                    <a:lumOff val="25000"/>
+                  </a:schemeClr>
+                </a:solidFill>
+                <a:latin typeface="Palatino Linotype" panose="02040502050505030304" pitchFamily="18" charset="0"/>
+              </a:rPr>
+              <a:t>Learning Objective 1</a:t>
+            </a:r>
+          </a:p>
+        </p:txBody>
+      </p:sp>
+      <p:sp>
+        <p:nvSpPr>
+          <p:cNvPr id="5" name="Content Placeholder 2">
+            <a:extLst>
+              <a:ext uri="{FF2B5EF4-FFF2-40B4-BE49-F238E27FC236}">
+                <a16:creationId xmlns:a16="http://schemas.microsoft.com/office/drawing/2014/main" id="{7070644F-62DF-8674-4A8A-C2FA1554028E}"/>
+              </a:ext>
+            </a:extLst>
+          </p:cNvPr>
+          <p:cNvSpPr txBox="1">
+            <a:spLocks/>
+          </p:cNvSpPr>
+          <p:nvPr/>
+        </p:nvSpPr>
+        <p:spPr>
+          <a:xfrm>
+            <a:off x="1013564" y="2464778"/>
+            <a:ext cx="10515600" cy="504215"/>
           </a:xfrm>
           <a:prstGeom prst="rect">
             <a:avLst/>
           </a:prstGeom>
         </p:spPr>
-      </p:pic>
-      <p:sp>
-        <p:nvSpPr>
-          <p:cNvPr id="11" name="TextBox 10">
+        <p:txBody>
+          <a:bodyPr vert="horz" lIns="91440" tIns="45720" rIns="91440" bIns="45720" rtlCol="0">
+            <a:normAutofit/>
+          </a:bodyPr>
+          <a:lstStyle>
+            <a:lvl1pPr marL="228600" indent="-228600" algn="l" defTabSz="914400" rtl="0" eaLnBrk="1" latinLnBrk="0" hangingPunct="1">
+              <a:lnSpc>
+                <a:spcPct val="90000"/>
+              </a:lnSpc>
+              <a:spcBef>
+                <a:spcPts val="1000"/>
+              </a:spcBef>
+              <a:buFont typeface="Arial" panose="020B0604020202020204" pitchFamily="34" charset="0"/>
+              <a:buChar char="•"/>
+              <a:defRPr sz="2800" kern="1200">
+                <a:solidFill>
+                  <a:schemeClr val="tx1"/>
+                </a:solidFill>
+                <a:latin typeface="+mn-lt"/>
+                <a:ea typeface="+mn-ea"/>
+                <a:cs typeface="+mn-cs"/>
+              </a:defRPr>
+            </a:lvl1pPr>
+            <a:lvl2pPr marL="685800" indent="-228600" algn="l" defTabSz="914400" rtl="0" eaLnBrk="1" latinLnBrk="0" hangingPunct="1">
+              <a:lnSpc>
+                <a:spcPct val="90000"/>
+              </a:lnSpc>
+              <a:spcBef>
+                <a:spcPts val="500"/>
+              </a:spcBef>
+              <a:buFont typeface="Arial" panose="020B0604020202020204" pitchFamily="34" charset="0"/>
+              <a:buChar char="•"/>
+              <a:defRPr sz="2400" kern="1200">
+                <a:solidFill>
+                  <a:schemeClr val="tx1"/>
+                </a:solidFill>
+                <a:latin typeface="+mn-lt"/>
+                <a:ea typeface="+mn-ea"/>
+                <a:cs typeface="+mn-cs"/>
+              </a:defRPr>
+            </a:lvl2pPr>
+            <a:lvl3pPr marL="1143000" indent="-228600" algn="l" defTabSz="914400" rtl="0" eaLnBrk="1" latinLnBrk="0" hangingPunct="1">
+              <a:lnSpc>
+                <a:spcPct val="90000"/>
+              </a:lnSpc>
+              <a:spcBef>
+                <a:spcPts val="500"/>
+              </a:spcBef>
+              <a:buFont typeface="Arial" panose="020B0604020202020204" pitchFamily="34" charset="0"/>
+              <a:buChar char="•"/>
+              <a:defRPr sz="2000" kern="1200">
+                <a:solidFill>
+                  <a:schemeClr val="tx1"/>
+                </a:solidFill>
+                <a:latin typeface="+mn-lt"/>
+                <a:ea typeface="+mn-ea"/>
+                <a:cs typeface="+mn-cs"/>
+              </a:defRPr>
+            </a:lvl3pPr>
+            <a:lvl4pPr marL="1600200" indent="-228600" algn="l" defTabSz="914400" rtl="0" eaLnBrk="1" latinLnBrk="0" hangingPunct="1">
+              <a:lnSpc>
+                <a:spcPct val="90000"/>
+              </a:lnSpc>
+              <a:spcBef>
+                <a:spcPts val="500"/>
+              </a:spcBef>
+              <a:buFont typeface="Arial" panose="020B0604020202020204" pitchFamily="34" charset="0"/>
+              <a:buChar char="•"/>
+              <a:defRPr sz="1800" kern="1200">
+                <a:solidFill>
+                  <a:schemeClr val="tx1"/>
+                </a:solidFill>
+                <a:latin typeface="+mn-lt"/>
+                <a:ea typeface="+mn-ea"/>
+                <a:cs typeface="+mn-cs"/>
+              </a:defRPr>
+            </a:lvl4pPr>
+            <a:lvl5pPr marL="2057400" indent="-228600" algn="l" defTabSz="914400" rtl="0" eaLnBrk="1" latinLnBrk="0" hangingPunct="1">
+              <a:lnSpc>
+                <a:spcPct val="90000"/>
+              </a:lnSpc>
+              <a:spcBef>
+                <a:spcPts val="500"/>
+              </a:spcBef>
+              <a:buFont typeface="Arial" panose="020B0604020202020204" pitchFamily="34" charset="0"/>
+              <a:buChar char="•"/>
+              <a:defRPr sz="1800" kern="1200">
+                <a:solidFill>
+                  <a:schemeClr val="tx1"/>
+                </a:solidFill>
+                <a:latin typeface="+mn-lt"/>
+                <a:ea typeface="+mn-ea"/>
+                <a:cs typeface="+mn-cs"/>
+              </a:defRPr>
+            </a:lvl5pPr>
+            <a:lvl6pPr marL="2514600" indent="-228600" algn="l" defTabSz="914400" rtl="0" eaLnBrk="1" latinLnBrk="0" hangingPunct="1">
+              <a:lnSpc>
+                <a:spcPct val="90000"/>
+              </a:lnSpc>
+              <a:spcBef>
+                <a:spcPts val="500"/>
+              </a:spcBef>
+              <a:buFont typeface="Arial" panose="020B0604020202020204" pitchFamily="34" charset="0"/>
+              <a:buChar char="•"/>
+              <a:defRPr sz="1800" kern="1200">
+                <a:solidFill>
+                  <a:schemeClr val="tx1"/>
+                </a:solidFill>
+                <a:latin typeface="+mn-lt"/>
+                <a:ea typeface="+mn-ea"/>
+                <a:cs typeface="+mn-cs"/>
+              </a:defRPr>
+            </a:lvl6pPr>
+            <a:lvl7pPr marL="2971800" indent="-228600" algn="l" defTabSz="914400" rtl="0" eaLnBrk="1" latinLnBrk="0" hangingPunct="1">
+              <a:lnSpc>
+                <a:spcPct val="90000"/>
+              </a:lnSpc>
+              <a:spcBef>
+                <a:spcPts val="500"/>
+              </a:spcBef>
+              <a:buFont typeface="Arial" panose="020B0604020202020204" pitchFamily="34" charset="0"/>
+              <a:buChar char="•"/>
+              <a:defRPr sz="1800" kern="1200">
+                <a:solidFill>
+                  <a:schemeClr val="tx1"/>
+                </a:solidFill>
+                <a:latin typeface="+mn-lt"/>
+                <a:ea typeface="+mn-ea"/>
+                <a:cs typeface="+mn-cs"/>
+              </a:defRPr>
+            </a:lvl7pPr>
+            <a:lvl8pPr marL="3429000" indent="-228600" algn="l" defTabSz="914400" rtl="0" eaLnBrk="1" latinLnBrk="0" hangingPunct="1">
+              <a:lnSpc>
+                <a:spcPct val="90000"/>
+              </a:lnSpc>
+              <a:spcBef>
+                <a:spcPts val="500"/>
+              </a:spcBef>
+              <a:buFont typeface="Arial" panose="020B0604020202020204" pitchFamily="34" charset="0"/>
+              <a:buChar char="•"/>
+              <a:defRPr sz="1800" kern="1200">
+                <a:solidFill>
+                  <a:schemeClr val="tx1"/>
+                </a:solidFill>
+                <a:latin typeface="+mn-lt"/>
+                <a:ea typeface="+mn-ea"/>
+                <a:cs typeface="+mn-cs"/>
+              </a:defRPr>
+            </a:lvl8pPr>
+            <a:lvl9pPr marL="3886200" indent="-228600" algn="l" defTabSz="914400" rtl="0" eaLnBrk="1" latinLnBrk="0" hangingPunct="1">
+              <a:lnSpc>
+                <a:spcPct val="90000"/>
+              </a:lnSpc>
+              <a:spcBef>
+                <a:spcPts val="500"/>
+              </a:spcBef>
+              <a:buFont typeface="Arial" panose="020B0604020202020204" pitchFamily="34" charset="0"/>
+              <a:buChar char="•"/>
+              <a:defRPr sz="1800" kern="1200">
+                <a:solidFill>
+                  <a:schemeClr val="tx1"/>
+                </a:solidFill>
+                <a:latin typeface="+mn-lt"/>
+                <a:ea typeface="+mn-ea"/>
+                <a:cs typeface="+mn-cs"/>
+              </a:defRPr>
+            </a:lvl9pPr>
+          </a:lstStyle>
+          <a:p>
+            <a:pPr>
+              <a:buFont typeface="Wingdings" panose="05000000000000000000" pitchFamily="2" charset="2"/>
+              <a:buChar char="Ø"/>
+            </a:pPr>
+            <a:r>
+              <a:rPr lang="en-US" dirty="0">
+                <a:solidFill>
+                  <a:schemeClr val="tx1">
+                    <a:lumMod val="75000"/>
+                    <a:lumOff val="25000"/>
+                  </a:schemeClr>
+                </a:solidFill>
+              </a:rPr>
+              <a:t> </a:t>
+            </a:r>
+            <a:r>
+              <a:rPr lang="en-US" dirty="0">
+                <a:solidFill>
+                  <a:schemeClr val="tx1">
+                    <a:lumMod val="75000"/>
+                    <a:lumOff val="25000"/>
+                  </a:schemeClr>
+                </a:solidFill>
+                <a:latin typeface="Palatino Linotype" panose="02040502050505030304" pitchFamily="18" charset="0"/>
+              </a:rPr>
+              <a:t>Learning Objective 1</a:t>
+            </a:r>
+          </a:p>
+        </p:txBody>
+      </p:sp>
+      <p:sp>
+        <p:nvSpPr>
+          <p:cNvPr id="6" name="Content Placeholder 2">
             <a:extLst>
               <a:ext uri="{FF2B5EF4-FFF2-40B4-BE49-F238E27FC236}">
-                <a16:creationId xmlns:a16="http://schemas.microsoft.com/office/drawing/2014/main" id="{B74C8368-9E27-4C68-8BFF-709B746502CB}"/>
+                <a16:creationId xmlns:a16="http://schemas.microsoft.com/office/drawing/2014/main" id="{FF2490E1-D7A0-7027-6DCC-60BB6819CD9E}"/>
               </a:ext>
             </a:extLst>
           </p:cNvPr>
-          <p:cNvSpPr txBox="1"/>
+          <p:cNvSpPr txBox="1">
+            <a:spLocks/>
+          </p:cNvSpPr>
           <p:nvPr/>
         </p:nvSpPr>
         <p:spPr>
           <a:xfrm>
-            <a:off x="0" y="309967"/>
-            <a:ext cx="12191999" cy="646331"/>
+            <a:off x="1013564" y="3103930"/>
+            <a:ext cx="10515600" cy="504215"/>
           </a:xfrm>
           <a:prstGeom prst="rect">
             <a:avLst/>
           </a:prstGeom>
-          <a:noFill/>
         </p:spPr>
         <p:txBody>
-          <a:bodyPr wrap="square" rtlCol="0">
-            <a:spAutoFit/>
+          <a:bodyPr vert="horz" lIns="91440" tIns="45720" rIns="91440" bIns="45720" rtlCol="0">
+            <a:normAutofit/>
           </a:bodyPr>
-          <a:lstStyle/>
-          <a:p>
-            <a:pPr algn="ctr"/>
-            <a:r>
-              <a:rPr lang="en-US" sz="3600" dirty="0">
+          <a:lstStyle>
+            <a:lvl1pPr marL="228600" indent="-228600" algn="l" defTabSz="914400" rtl="0" eaLnBrk="1" latinLnBrk="0" hangingPunct="1">
+              <a:lnSpc>
+                <a:spcPct val="90000"/>
+              </a:lnSpc>
+              <a:spcBef>
+                <a:spcPts val="1000"/>
+              </a:spcBef>
+              <a:buFont typeface="Arial" panose="020B0604020202020204" pitchFamily="34" charset="0"/>
+              <a:buChar char="•"/>
+              <a:defRPr sz="2800" kern="1200">
+                <a:solidFill>
+                  <a:schemeClr val="tx1"/>
+                </a:solidFill>
+                <a:latin typeface="+mn-lt"/>
+                <a:ea typeface="+mn-ea"/>
+                <a:cs typeface="+mn-cs"/>
+              </a:defRPr>
+            </a:lvl1pPr>
+            <a:lvl2pPr marL="685800" indent="-228600" algn="l" defTabSz="914400" rtl="0" eaLnBrk="1" latinLnBrk="0" hangingPunct="1">
+              <a:lnSpc>
+                <a:spcPct val="90000"/>
+              </a:lnSpc>
+              <a:spcBef>
+                <a:spcPts val="500"/>
+              </a:spcBef>
+              <a:buFont typeface="Arial" panose="020B0604020202020204" pitchFamily="34" charset="0"/>
+              <a:buChar char="•"/>
+              <a:defRPr sz="2400" kern="1200">
+                <a:solidFill>
+                  <a:schemeClr val="tx1"/>
+                </a:solidFill>
+                <a:latin typeface="+mn-lt"/>
+                <a:ea typeface="+mn-ea"/>
+                <a:cs typeface="+mn-cs"/>
+              </a:defRPr>
+            </a:lvl2pPr>
+            <a:lvl3pPr marL="1143000" indent="-228600" algn="l" defTabSz="914400" rtl="0" eaLnBrk="1" latinLnBrk="0" hangingPunct="1">
+              <a:lnSpc>
+                <a:spcPct val="90000"/>
+              </a:lnSpc>
+              <a:spcBef>
+                <a:spcPts val="500"/>
+              </a:spcBef>
+              <a:buFont typeface="Arial" panose="020B0604020202020204" pitchFamily="34" charset="0"/>
+              <a:buChar char="•"/>
+              <a:defRPr sz="2000" kern="1200">
+                <a:solidFill>
+                  <a:schemeClr val="tx1"/>
+                </a:solidFill>
+                <a:latin typeface="+mn-lt"/>
+                <a:ea typeface="+mn-ea"/>
+                <a:cs typeface="+mn-cs"/>
+              </a:defRPr>
+            </a:lvl3pPr>
+            <a:lvl4pPr marL="1600200" indent="-228600" algn="l" defTabSz="914400" rtl="0" eaLnBrk="1" latinLnBrk="0" hangingPunct="1">
+              <a:lnSpc>
+                <a:spcPct val="90000"/>
+              </a:lnSpc>
+              <a:spcBef>
+                <a:spcPts val="500"/>
+              </a:spcBef>
+              <a:buFont typeface="Arial" panose="020B0604020202020204" pitchFamily="34" charset="0"/>
+              <a:buChar char="•"/>
+              <a:defRPr sz="1800" kern="1200">
+                <a:solidFill>
+                  <a:schemeClr val="tx1"/>
+                </a:solidFill>
+                <a:latin typeface="+mn-lt"/>
+                <a:ea typeface="+mn-ea"/>
+                <a:cs typeface="+mn-cs"/>
+              </a:defRPr>
+            </a:lvl4pPr>
+            <a:lvl5pPr marL="2057400" indent="-228600" algn="l" defTabSz="914400" rtl="0" eaLnBrk="1" latinLnBrk="0" hangingPunct="1">
+              <a:lnSpc>
+                <a:spcPct val="90000"/>
+              </a:lnSpc>
+              <a:spcBef>
+                <a:spcPts val="500"/>
+              </a:spcBef>
+              <a:buFont typeface="Arial" panose="020B0604020202020204" pitchFamily="34" charset="0"/>
+              <a:buChar char="•"/>
+              <a:defRPr sz="1800" kern="1200">
+                <a:solidFill>
+                  <a:schemeClr val="tx1"/>
+                </a:solidFill>
+                <a:latin typeface="+mn-lt"/>
+                <a:ea typeface="+mn-ea"/>
+                <a:cs typeface="+mn-cs"/>
+              </a:defRPr>
+            </a:lvl5pPr>
+            <a:lvl6pPr marL="2514600" indent="-228600" algn="l" defTabSz="914400" rtl="0" eaLnBrk="1" latinLnBrk="0" hangingPunct="1">
+              <a:lnSpc>
+                <a:spcPct val="90000"/>
+              </a:lnSpc>
+              <a:spcBef>
+                <a:spcPts val="500"/>
+              </a:spcBef>
+              <a:buFont typeface="Arial" panose="020B0604020202020204" pitchFamily="34" charset="0"/>
+              <a:buChar char="•"/>
+              <a:defRPr sz="1800" kern="1200">
+                <a:solidFill>
+                  <a:schemeClr val="tx1"/>
+                </a:solidFill>
+                <a:latin typeface="+mn-lt"/>
+                <a:ea typeface="+mn-ea"/>
+                <a:cs typeface="+mn-cs"/>
+              </a:defRPr>
+            </a:lvl6pPr>
+            <a:lvl7pPr marL="2971800" indent="-228600" algn="l" defTabSz="914400" rtl="0" eaLnBrk="1" latinLnBrk="0" hangingPunct="1">
+              <a:lnSpc>
+                <a:spcPct val="90000"/>
+              </a:lnSpc>
+              <a:spcBef>
+                <a:spcPts val="500"/>
+              </a:spcBef>
+              <a:buFont typeface="Arial" panose="020B0604020202020204" pitchFamily="34" charset="0"/>
+              <a:buChar char="•"/>
+              <a:defRPr sz="1800" kern="1200">
+                <a:solidFill>
+                  <a:schemeClr val="tx1"/>
+                </a:solidFill>
+                <a:latin typeface="+mn-lt"/>
+                <a:ea typeface="+mn-ea"/>
+                <a:cs typeface="+mn-cs"/>
+              </a:defRPr>
+            </a:lvl7pPr>
+            <a:lvl8pPr marL="3429000" indent="-228600" algn="l" defTabSz="914400" rtl="0" eaLnBrk="1" latinLnBrk="0" hangingPunct="1">
+              <a:lnSpc>
+                <a:spcPct val="90000"/>
+              </a:lnSpc>
+              <a:spcBef>
+                <a:spcPts val="500"/>
+              </a:spcBef>
+              <a:buFont typeface="Arial" panose="020B0604020202020204" pitchFamily="34" charset="0"/>
+              <a:buChar char="•"/>
+              <a:defRPr sz="1800" kern="1200">
+                <a:solidFill>
+                  <a:schemeClr val="tx1"/>
+                </a:solidFill>
+                <a:latin typeface="+mn-lt"/>
+                <a:ea typeface="+mn-ea"/>
+                <a:cs typeface="+mn-cs"/>
+              </a:defRPr>
+            </a:lvl8pPr>
+            <a:lvl9pPr marL="3886200" indent="-228600" algn="l" defTabSz="914400" rtl="0" eaLnBrk="1" latinLnBrk="0" hangingPunct="1">
+              <a:lnSpc>
+                <a:spcPct val="90000"/>
+              </a:lnSpc>
+              <a:spcBef>
+                <a:spcPts val="500"/>
+              </a:spcBef>
+              <a:buFont typeface="Arial" panose="020B0604020202020204" pitchFamily="34" charset="0"/>
+              <a:buChar char="•"/>
+              <a:defRPr sz="1800" kern="1200">
+                <a:solidFill>
+                  <a:schemeClr val="tx1"/>
+                </a:solidFill>
+                <a:latin typeface="+mn-lt"/>
+                <a:ea typeface="+mn-ea"/>
+                <a:cs typeface="+mn-cs"/>
+              </a:defRPr>
+            </a:lvl9pPr>
+          </a:lstStyle>
+          <a:p>
+            <a:pPr>
+              <a:buFont typeface="Wingdings" panose="05000000000000000000" pitchFamily="2" charset="2"/>
+              <a:buChar char="Ø"/>
+            </a:pPr>
+            <a:r>
+              <a:rPr lang="en-US" dirty="0">
                 <a:solidFill>
                   <a:schemeClr val="tx1">
                     <a:lumMod val="75000"/>
@@ -11608,51 +11626,241 @@
                   </a:schemeClr>
                 </a:solidFill>
               </a:rPr>
-              <a:t>Cosine Similarity</a:t>
-            </a:r>
-          </a:p>
-        </p:txBody>
-      </p:sp>
-      <p:sp>
-        <p:nvSpPr>
-          <p:cNvPr id="4" name="TextBox 3">
+              <a:t> </a:t>
+            </a:r>
+            <a:r>
+              <a:rPr lang="en-US" dirty="0">
+                <a:solidFill>
+                  <a:schemeClr val="tx1">
+                    <a:lumMod val="75000"/>
+                    <a:lumOff val="25000"/>
+                  </a:schemeClr>
+                </a:solidFill>
+                <a:latin typeface="Palatino Linotype" panose="02040502050505030304" pitchFamily="18" charset="0"/>
+              </a:rPr>
+              <a:t>Learning Objective 1</a:t>
+            </a:r>
+          </a:p>
+        </p:txBody>
+      </p:sp>
+      <p:sp>
+        <p:nvSpPr>
+          <p:cNvPr id="7" name="Content Placeholder 2">
             <a:extLst>
               <a:ext uri="{FF2B5EF4-FFF2-40B4-BE49-F238E27FC236}">
-                <a16:creationId xmlns:a16="http://schemas.microsoft.com/office/drawing/2014/main" id="{3DF683BE-614B-46D2-A7B2-4DF802B8210B}"/>
+                <a16:creationId xmlns:a16="http://schemas.microsoft.com/office/drawing/2014/main" id="{6D3279E5-D518-B484-9FCF-B12663A4E8FF}"/>
               </a:ext>
             </a:extLst>
           </p:cNvPr>
-          <p:cNvSpPr txBox="1"/>
+          <p:cNvSpPr txBox="1">
+            <a:spLocks/>
+          </p:cNvSpPr>
           <p:nvPr/>
         </p:nvSpPr>
         <p:spPr>
           <a:xfrm>
-            <a:off x="0" y="6550223"/>
-            <a:ext cx="12192000" cy="307777"/>
+            <a:off x="1013564" y="3743082"/>
+            <a:ext cx="10515600" cy="504215"/>
           </a:xfrm>
           <a:prstGeom prst="rect">
             <a:avLst/>
           </a:prstGeom>
-          <a:noFill/>
         </p:spPr>
         <p:txBody>
-          <a:bodyPr wrap="square" rtlCol="0">
-            <a:spAutoFit/>
+          <a:bodyPr vert="horz" lIns="91440" tIns="45720" rIns="91440" bIns="45720" rtlCol="0">
+            <a:normAutofit/>
           </a:bodyPr>
-          <a:lstStyle/>
-          <a:p>
-            <a:r>
-              <a:rPr lang="en-US" sz="1400" dirty="0">
-                <a:solidFill>
-                  <a:schemeClr val="tx1">
-                    <a:lumMod val="65000"/>
-                    <a:lumOff val="35000"/>
-                  </a:schemeClr>
-                </a:solidFill>
-                <a:latin typeface="+mj-lt"/>
-                <a:ea typeface="Verdana" panose="020B0604030504040204" pitchFamily="34" charset="0"/>
-              </a:rPr>
-              <a:t>Source: Karani, D. (2018). Retrieved: https://towardsdatascience.com/introduction-to-word-embedding-and-word2vec-652d0c2060fa</a:t>
+          <a:lstStyle>
+            <a:lvl1pPr marL="228600" indent="-228600" algn="l" defTabSz="914400" rtl="0" eaLnBrk="1" latinLnBrk="0" hangingPunct="1">
+              <a:lnSpc>
+                <a:spcPct val="90000"/>
+              </a:lnSpc>
+              <a:spcBef>
+                <a:spcPts val="1000"/>
+              </a:spcBef>
+              <a:buFont typeface="Arial" panose="020B0604020202020204" pitchFamily="34" charset="0"/>
+              <a:buChar char="•"/>
+              <a:defRPr sz="2800" kern="1200">
+                <a:solidFill>
+                  <a:schemeClr val="tx1"/>
+                </a:solidFill>
+                <a:latin typeface="+mn-lt"/>
+                <a:ea typeface="+mn-ea"/>
+                <a:cs typeface="+mn-cs"/>
+              </a:defRPr>
+            </a:lvl1pPr>
+            <a:lvl2pPr marL="685800" indent="-228600" algn="l" defTabSz="914400" rtl="0" eaLnBrk="1" latinLnBrk="0" hangingPunct="1">
+              <a:lnSpc>
+                <a:spcPct val="90000"/>
+              </a:lnSpc>
+              <a:spcBef>
+                <a:spcPts val="500"/>
+              </a:spcBef>
+              <a:buFont typeface="Arial" panose="020B0604020202020204" pitchFamily="34" charset="0"/>
+              <a:buChar char="•"/>
+              <a:defRPr sz="2400" kern="1200">
+                <a:solidFill>
+                  <a:schemeClr val="tx1"/>
+                </a:solidFill>
+                <a:latin typeface="+mn-lt"/>
+                <a:ea typeface="+mn-ea"/>
+                <a:cs typeface="+mn-cs"/>
+              </a:defRPr>
+            </a:lvl2pPr>
+            <a:lvl3pPr marL="1143000" indent="-228600" algn="l" defTabSz="914400" rtl="0" eaLnBrk="1" latinLnBrk="0" hangingPunct="1">
+              <a:lnSpc>
+                <a:spcPct val="90000"/>
+              </a:lnSpc>
+              <a:spcBef>
+                <a:spcPts val="500"/>
+              </a:spcBef>
+              <a:buFont typeface="Arial" panose="020B0604020202020204" pitchFamily="34" charset="0"/>
+              <a:buChar char="•"/>
+              <a:defRPr sz="2000" kern="1200">
+                <a:solidFill>
+                  <a:schemeClr val="tx1"/>
+                </a:solidFill>
+                <a:latin typeface="+mn-lt"/>
+                <a:ea typeface="+mn-ea"/>
+                <a:cs typeface="+mn-cs"/>
+              </a:defRPr>
+            </a:lvl3pPr>
+            <a:lvl4pPr marL="1600200" indent="-228600" algn="l" defTabSz="914400" rtl="0" eaLnBrk="1" latinLnBrk="0" hangingPunct="1">
+              <a:lnSpc>
+                <a:spcPct val="90000"/>
+              </a:lnSpc>
+              <a:spcBef>
+                <a:spcPts val="500"/>
+              </a:spcBef>
+              <a:buFont typeface="Arial" panose="020B0604020202020204" pitchFamily="34" charset="0"/>
+              <a:buChar char="•"/>
+              <a:defRPr sz="1800" kern="1200">
+                <a:solidFill>
+                  <a:schemeClr val="tx1"/>
+                </a:solidFill>
+                <a:latin typeface="+mn-lt"/>
+                <a:ea typeface="+mn-ea"/>
+                <a:cs typeface="+mn-cs"/>
+              </a:defRPr>
+            </a:lvl4pPr>
+            <a:lvl5pPr marL="2057400" indent="-228600" algn="l" defTabSz="914400" rtl="0" eaLnBrk="1" latinLnBrk="0" hangingPunct="1">
+              <a:lnSpc>
+                <a:spcPct val="90000"/>
+              </a:lnSpc>
+              <a:spcBef>
+                <a:spcPts val="500"/>
+              </a:spcBef>
+              <a:buFont typeface="Arial" panose="020B0604020202020204" pitchFamily="34" charset="0"/>
+              <a:buChar char="•"/>
+              <a:defRPr sz="1800" kern="1200">
+                <a:solidFill>
+                  <a:schemeClr val="tx1"/>
+                </a:solidFill>
+                <a:latin typeface="+mn-lt"/>
+                <a:ea typeface="+mn-ea"/>
+                <a:cs typeface="+mn-cs"/>
+              </a:defRPr>
+            </a:lvl5pPr>
+            <a:lvl6pPr marL="2514600" indent="-228600" algn="l" defTabSz="914400" rtl="0" eaLnBrk="1" latinLnBrk="0" hangingPunct="1">
+              <a:lnSpc>
+                <a:spcPct val="90000"/>
+              </a:lnSpc>
+              <a:spcBef>
+                <a:spcPts val="500"/>
+              </a:spcBef>
+              <a:buFont typeface="Arial" panose="020B0604020202020204" pitchFamily="34" charset="0"/>
+              <a:buChar char="•"/>
+              <a:defRPr sz="1800" kern="1200">
+                <a:solidFill>
+                  <a:schemeClr val="tx1"/>
+                </a:solidFill>
+                <a:latin typeface="+mn-lt"/>
+                <a:ea typeface="+mn-ea"/>
+                <a:cs typeface="+mn-cs"/>
+              </a:defRPr>
+            </a:lvl6pPr>
+            <a:lvl7pPr marL="2971800" indent="-228600" algn="l" defTabSz="914400" rtl="0" eaLnBrk="1" latinLnBrk="0" hangingPunct="1">
+              <a:lnSpc>
+                <a:spcPct val="90000"/>
+              </a:lnSpc>
+              <a:spcBef>
+                <a:spcPts val="500"/>
+              </a:spcBef>
+              <a:buFont typeface="Arial" panose="020B0604020202020204" pitchFamily="34" charset="0"/>
+              <a:buChar char="•"/>
+              <a:defRPr sz="1800" kern="1200">
+                <a:solidFill>
+                  <a:schemeClr val="tx1"/>
+                </a:solidFill>
+                <a:latin typeface="+mn-lt"/>
+                <a:ea typeface="+mn-ea"/>
+                <a:cs typeface="+mn-cs"/>
+              </a:defRPr>
+            </a:lvl7pPr>
+            <a:lvl8pPr marL="3429000" indent="-228600" algn="l" defTabSz="914400" rtl="0" eaLnBrk="1" latinLnBrk="0" hangingPunct="1">
+              <a:lnSpc>
+                <a:spcPct val="90000"/>
+              </a:lnSpc>
+              <a:spcBef>
+                <a:spcPts val="500"/>
+              </a:spcBef>
+              <a:buFont typeface="Arial" panose="020B0604020202020204" pitchFamily="34" charset="0"/>
+              <a:buChar char="•"/>
+              <a:defRPr sz="1800" kern="1200">
+                <a:solidFill>
+                  <a:schemeClr val="tx1"/>
+                </a:solidFill>
+                <a:latin typeface="+mn-lt"/>
+                <a:ea typeface="+mn-ea"/>
+                <a:cs typeface="+mn-cs"/>
+              </a:defRPr>
+            </a:lvl8pPr>
+            <a:lvl9pPr marL="3886200" indent="-228600" algn="l" defTabSz="914400" rtl="0" eaLnBrk="1" latinLnBrk="0" hangingPunct="1">
+              <a:lnSpc>
+                <a:spcPct val="90000"/>
+              </a:lnSpc>
+              <a:spcBef>
+                <a:spcPts val="500"/>
+              </a:spcBef>
+              <a:buFont typeface="Arial" panose="020B0604020202020204" pitchFamily="34" charset="0"/>
+              <a:buChar char="•"/>
+              <a:defRPr sz="1800" kern="1200">
+                <a:solidFill>
+                  <a:schemeClr val="tx1"/>
+                </a:solidFill>
+                <a:latin typeface="+mn-lt"/>
+                <a:ea typeface="+mn-ea"/>
+                <a:cs typeface="+mn-cs"/>
+              </a:defRPr>
+            </a:lvl9pPr>
+          </a:lstStyle>
+          <a:p>
+            <a:pPr>
+              <a:buFont typeface="Wingdings" panose="05000000000000000000" pitchFamily="2" charset="2"/>
+              <a:buChar char="Ø"/>
+            </a:pPr>
+            <a:r>
+              <a:rPr lang="en-US" dirty="0">
+                <a:solidFill>
+                  <a:schemeClr val="tx1">
+                    <a:lumMod val="75000"/>
+                    <a:lumOff val="25000"/>
+                  </a:schemeClr>
+                </a:solidFill>
+              </a:rPr>
+              <a:t> </a:t>
+            </a:r>
+            <a:r>
+              <a:rPr lang="en-US" dirty="0">
+                <a:solidFill>
+                  <a:schemeClr val="tx1">
+                    <a:lumMod val="75000"/>
+                    <a:lumOff val="25000"/>
+                  </a:schemeClr>
+                </a:solidFill>
+                <a:latin typeface="Palatino Linotype" panose="02040502050505030304" pitchFamily="18" charset="0"/>
+              </a:rPr>
+              <a:t>Learning Objective 1</a:t>
             </a:r>
           </a:p>
         </p:txBody>
@@ -11660,25 +11868,13 @@
     </p:spTree>
     <p:extLst>
       <p:ext uri="{BB962C8B-B14F-4D97-AF65-F5344CB8AC3E}">
-        <p14:creationId xmlns:p14="http://schemas.microsoft.com/office/powerpoint/2010/main" val="323989571"/>
+        <p14:creationId xmlns:p14="http://schemas.microsoft.com/office/powerpoint/2010/main" val="1416141381"/>
       </p:ext>
     </p:extLst>
   </p:cSld>
   <p:clrMapOvr>
     <a:masterClrMapping/>
   </p:clrMapOvr>
-  <mc:AlternateContent xmlns:mc="http://schemas.openxmlformats.org/markup-compatibility/2006" xmlns:p14="http://schemas.microsoft.com/office/powerpoint/2010/main">
-    <mc:Choice Requires="p14">
-      <p:transition spd="med" p14:dur="700">
-        <p:fade/>
-      </p:transition>
-    </mc:Choice>
-    <mc:Fallback xmlns="">
-      <p:transition spd="med">
-        <p:fade/>
-      </p:transition>
-    </mc:Fallback>
-  </mc:AlternateContent>
 </p:sld>
 </file>
 
@@ -11910,216 +12106,6 @@
       </p:grpSpPr>
       <p:pic>
         <p:nvPicPr>
-          <p:cNvPr id="1026" name="Picture 2" descr="F20001">
-            <a:extLst>
-              <a:ext uri="{FF2B5EF4-FFF2-40B4-BE49-F238E27FC236}">
-                <a16:creationId xmlns:a16="http://schemas.microsoft.com/office/drawing/2014/main" id="{EA5D6BAF-10A3-4BA7-991F-B8293661AC91}"/>
-              </a:ext>
-            </a:extLst>
-          </p:cNvPr>
-          <p:cNvPicPr>
-            <a:picLocks noChangeAspect="1" noChangeArrowheads="1"/>
-          </p:cNvPicPr>
-          <p:nvPr/>
-        </p:nvPicPr>
-        <p:blipFill>
-          <a:blip r:embed="rId3">
-            <a:extLst>
-              <a:ext uri="{28A0092B-C50C-407E-A947-70E740481C1C}">
-                <a14:useLocalDpi xmlns:a14="http://schemas.microsoft.com/office/drawing/2010/main" val="0"/>
-              </a:ext>
-            </a:extLst>
-          </a:blip>
-          <a:srcRect/>
-          <a:stretch>
-            <a:fillRect/>
-          </a:stretch>
-        </p:blipFill>
-        <p:spPr bwMode="auto">
-          <a:xfrm>
-            <a:off x="2790825" y="704850"/>
-            <a:ext cx="6610350" cy="5448300"/>
-          </a:xfrm>
-          <a:prstGeom prst="rect">
-            <a:avLst/>
-          </a:prstGeom>
-          <a:noFill/>
-          <a:extLst>
-            <a:ext uri="{909E8E84-426E-40DD-AFC4-6F175D3DCCD1}">
-              <a14:hiddenFill xmlns:a14="http://schemas.microsoft.com/office/drawing/2010/main">
-                <a:solidFill>
-                  <a:srgbClr val="FFFFFF"/>
-                </a:solidFill>
-              </a14:hiddenFill>
-            </a:ext>
-          </a:extLst>
-        </p:spPr>
-      </p:pic>
-      <p:sp>
-        <p:nvSpPr>
-          <p:cNvPr id="6" name="TextBox 5">
-            <a:extLst>
-              <a:ext uri="{FF2B5EF4-FFF2-40B4-BE49-F238E27FC236}">
-                <a16:creationId xmlns:a16="http://schemas.microsoft.com/office/drawing/2014/main" id="{F3901A42-F1D9-442B-946D-F8D2306CFE56}"/>
-              </a:ext>
-            </a:extLst>
-          </p:cNvPr>
-          <p:cNvSpPr txBox="1"/>
-          <p:nvPr/>
-        </p:nvSpPr>
-        <p:spPr>
-          <a:xfrm>
-            <a:off x="0" y="6550223"/>
-            <a:ext cx="12192000" cy="307777"/>
-          </a:xfrm>
-          <a:prstGeom prst="rect">
-            <a:avLst/>
-          </a:prstGeom>
-          <a:noFill/>
-        </p:spPr>
-        <p:txBody>
-          <a:bodyPr wrap="square" rtlCol="0">
-            <a:spAutoFit/>
-          </a:bodyPr>
-          <a:lstStyle/>
-          <a:p>
-            <a:r>
-              <a:rPr lang="en-US" sz="1400" dirty="0">
-                <a:solidFill>
-                  <a:schemeClr val="tx1">
-                    <a:lumMod val="65000"/>
-                    <a:lumOff val="35000"/>
-                  </a:schemeClr>
-                </a:solidFill>
-                <a:latin typeface="+mj-lt"/>
-                <a:ea typeface="Verdana" panose="020B0604030504040204" pitchFamily="34" charset="0"/>
-              </a:rPr>
-              <a:t>Source: Glassner, A. (2021). </a:t>
-            </a:r>
-            <a:r>
-              <a:rPr lang="en-US" sz="1400" i="1" dirty="0">
-                <a:solidFill>
-                  <a:schemeClr val="tx1">
-                    <a:lumMod val="65000"/>
-                    <a:lumOff val="35000"/>
-                  </a:schemeClr>
-                </a:solidFill>
-                <a:latin typeface="+mj-lt"/>
-                <a:ea typeface="Verdana" panose="020B0604030504040204" pitchFamily="34" charset="0"/>
-              </a:rPr>
-              <a:t>Deep learning: A visual approach</a:t>
-            </a:r>
-            <a:r>
-              <a:rPr lang="en-US" sz="1400" dirty="0">
-                <a:solidFill>
-                  <a:schemeClr val="tx1">
-                    <a:lumMod val="65000"/>
-                    <a:lumOff val="35000"/>
-                  </a:schemeClr>
-                </a:solidFill>
-                <a:latin typeface="+mj-lt"/>
-                <a:ea typeface="Verdana" panose="020B0604030504040204" pitchFamily="34" charset="0"/>
-              </a:rPr>
-              <a:t>. </a:t>
-            </a:r>
-            <a:r>
-              <a:rPr lang="en-US" sz="1400" b="0" i="0" dirty="0">
-                <a:solidFill>
-                  <a:schemeClr val="tx1">
-                    <a:lumMod val="65000"/>
-                    <a:lumOff val="35000"/>
-                  </a:schemeClr>
-                </a:solidFill>
-                <a:effectLst/>
-                <a:latin typeface="+mj-lt"/>
-                <a:ea typeface="Verdana" panose="020B0604030504040204" pitchFamily="34" charset="0"/>
-              </a:rPr>
-              <a:t>San Francisco, CA: No Starch Press. (Chapter </a:t>
-            </a:r>
-            <a:r>
-              <a:rPr lang="en-US" sz="1400" dirty="0">
-                <a:solidFill>
-                  <a:schemeClr val="tx1">
-                    <a:lumMod val="65000"/>
-                    <a:lumOff val="35000"/>
-                  </a:schemeClr>
-                </a:solidFill>
-                <a:latin typeface="+mj-lt"/>
-                <a:ea typeface="Verdana" panose="020B0604030504040204" pitchFamily="34" charset="0"/>
-              </a:rPr>
-              <a:t>20</a:t>
-            </a:r>
-            <a:r>
-              <a:rPr lang="en-US" sz="1400" b="0" i="0" dirty="0">
-                <a:solidFill>
-                  <a:schemeClr val="tx1">
-                    <a:lumMod val="65000"/>
-                    <a:lumOff val="35000"/>
-                  </a:schemeClr>
-                </a:solidFill>
-                <a:effectLst/>
-                <a:latin typeface="+mj-lt"/>
-                <a:ea typeface="Verdana" panose="020B0604030504040204" pitchFamily="34" charset="0"/>
-              </a:rPr>
-              <a:t>)</a:t>
-            </a:r>
-            <a:endParaRPr lang="en-US" sz="1400" dirty="0">
-              <a:solidFill>
-                <a:schemeClr val="tx1">
-                  <a:lumMod val="65000"/>
-                  <a:lumOff val="35000"/>
-                </a:schemeClr>
-              </a:solidFill>
-              <a:latin typeface="+mj-lt"/>
-              <a:ea typeface="Verdana" panose="020B0604030504040204" pitchFamily="34" charset="0"/>
-            </a:endParaRPr>
-          </a:p>
-        </p:txBody>
-      </p:sp>
-    </p:spTree>
-    <p:extLst>
-      <p:ext uri="{BB962C8B-B14F-4D97-AF65-F5344CB8AC3E}">
-        <p14:creationId xmlns:p14="http://schemas.microsoft.com/office/powerpoint/2010/main" val="4038125349"/>
-      </p:ext>
-    </p:extLst>
-  </p:cSld>
-  <p:clrMapOvr>
-    <a:masterClrMapping/>
-  </p:clrMapOvr>
-  <mc:AlternateContent xmlns:mc="http://schemas.openxmlformats.org/markup-compatibility/2006" xmlns:p14="http://schemas.microsoft.com/office/powerpoint/2010/main">
-    <mc:Choice Requires="p14">
-      <p:transition spd="med" p14:dur="700">
-        <p:fade/>
-      </p:transition>
-    </mc:Choice>
-    <mc:Fallback xmlns="">
-      <p:transition spd="med">
-        <p:fade/>
-      </p:transition>
-    </mc:Fallback>
-  </mc:AlternateContent>
-</p:sld>
-</file>
-
-<file path=ppt/slides/slide4.xml><?xml version="1.0" encoding="utf-8"?>
-<p:sld xmlns:a="http://schemas.openxmlformats.org/drawingml/2006/main" xmlns:r="http://schemas.openxmlformats.org/officeDocument/2006/relationships" xmlns:p="http://schemas.openxmlformats.org/presentationml/2006/main">
-  <p:cSld>
-    <p:spTree>
-      <p:nvGrpSpPr>
-        <p:cNvPr id="1" name=""/>
-        <p:cNvGrpSpPr/>
-        <p:nvPr/>
-      </p:nvGrpSpPr>
-      <p:grpSpPr>
-        <a:xfrm>
-          <a:off x="0" y="0"/>
-          <a:ext cx="0" cy="0"/>
-          <a:chOff x="0" y="0"/>
-          <a:chExt cx="0" cy="0"/>
-        </a:xfrm>
-      </p:grpSpPr>
-      <p:pic>
-        <p:nvPicPr>
           <p:cNvPr id="2050" name="Picture 2" descr="F20002">
             <a:extLst>
               <a:ext uri="{FF2B5EF4-FFF2-40B4-BE49-F238E27FC236}">
@@ -12311,7 +12297,7 @@
 </p:sld>
 </file>
 
-<file path=ppt/slides/slide5.xml><?xml version="1.0" encoding="utf-8"?>
+<file path=ppt/slides/slide4.xml><?xml version="1.0" encoding="utf-8"?>
 <p:sld xmlns:a="http://schemas.openxmlformats.org/drawingml/2006/main" xmlns:r="http://schemas.openxmlformats.org/officeDocument/2006/relationships" xmlns:p="http://schemas.openxmlformats.org/presentationml/2006/main">
   <p:cSld>
     <p:spTree>
@@ -12521,7 +12507,7 @@
 </p:sld>
 </file>
 
-<file path=ppt/slides/slide6.xml><?xml version="1.0" encoding="utf-8"?>
+<file path=ppt/slides/slide5.xml><?xml version="1.0" encoding="utf-8"?>
 <p:sld xmlns:a="http://schemas.openxmlformats.org/drawingml/2006/main" xmlns:r="http://schemas.openxmlformats.org/officeDocument/2006/relationships" xmlns:p="http://schemas.openxmlformats.org/presentationml/2006/main">
   <p:cSld>
     <p:spTree>
@@ -12731,7 +12717,7 @@
 </p:sld>
 </file>
 
-<file path=ppt/slides/slide7.xml><?xml version="1.0" encoding="utf-8"?>
+<file path=ppt/slides/slide6.xml><?xml version="1.0" encoding="utf-8"?>
 <p:sld xmlns:a="http://schemas.openxmlformats.org/drawingml/2006/main" xmlns:r="http://schemas.openxmlformats.org/officeDocument/2006/relationships" xmlns:p="http://schemas.openxmlformats.org/presentationml/2006/main">
   <p:cSld>
     <p:spTree>
@@ -12918,7 +12904,7 @@
 </p:sld>
 </file>
 
-<file path=ppt/slides/slide8.xml><?xml version="1.0" encoding="utf-8"?>
+<file path=ppt/slides/slide7.xml><?xml version="1.0" encoding="utf-8"?>
 <p:sld xmlns:a="http://schemas.openxmlformats.org/drawingml/2006/main" xmlns:r="http://schemas.openxmlformats.org/officeDocument/2006/relationships" xmlns:p="http://schemas.openxmlformats.org/presentationml/2006/main">
   <p:cSld>
     <p:spTree>
@@ -13105,7 +13091,7 @@
 </p:sld>
 </file>
 
-<file path=ppt/slides/slide9.xml><?xml version="1.0" encoding="utf-8"?>
+<file path=ppt/slides/slide8.xml><?xml version="1.0" encoding="utf-8"?>
 <p:sld xmlns:a="http://schemas.openxmlformats.org/drawingml/2006/main" xmlns:r="http://schemas.openxmlformats.org/officeDocument/2006/relationships" xmlns:p="http://schemas.openxmlformats.org/presentationml/2006/main">
   <p:cSld>
     <p:spTree>
@@ -13277,6 +13263,214 @@
     <p:extLst>
       <p:ext uri="{BB962C8B-B14F-4D97-AF65-F5344CB8AC3E}">
         <p14:creationId xmlns:p14="http://schemas.microsoft.com/office/powerpoint/2010/main" val="1854658915"/>
+      </p:ext>
+    </p:extLst>
+  </p:cSld>
+  <p:clrMapOvr>
+    <a:masterClrMapping/>
+  </p:clrMapOvr>
+  <mc:AlternateContent xmlns:mc="http://schemas.openxmlformats.org/markup-compatibility/2006" xmlns:p14="http://schemas.microsoft.com/office/powerpoint/2010/main">
+    <mc:Choice Requires="p14">
+      <p:transition spd="med" p14:dur="700">
+        <p:fade/>
+      </p:transition>
+    </mc:Choice>
+    <mc:Fallback xmlns="">
+      <p:transition spd="med">
+        <p:fade/>
+      </p:transition>
+    </mc:Fallback>
+  </mc:AlternateContent>
+</p:sld>
+</file>
+
+<file path=ppt/slides/slide9.xml><?xml version="1.0" encoding="utf-8"?>
+<p:sld xmlns:a="http://schemas.openxmlformats.org/drawingml/2006/main" xmlns:r="http://schemas.openxmlformats.org/officeDocument/2006/relationships" xmlns:p="http://schemas.openxmlformats.org/presentationml/2006/main">
+  <p:cSld>
+    <p:spTree>
+      <p:nvGrpSpPr>
+        <p:cNvPr id="1" name=""/>
+        <p:cNvGrpSpPr/>
+        <p:nvPr/>
+      </p:nvGrpSpPr>
+      <p:grpSpPr>
+        <a:xfrm>
+          <a:off x="0" y="0"/>
+          <a:ext cx="0" cy="0"/>
+          <a:chOff x="0" y="0"/>
+          <a:chExt cx="0" cy="0"/>
+        </a:xfrm>
+      </p:grpSpPr>
+      <p:sp>
+        <p:nvSpPr>
+          <p:cNvPr id="2" name="Title 1">
+            <a:extLst>
+              <a:ext uri="{FF2B5EF4-FFF2-40B4-BE49-F238E27FC236}">
+                <a16:creationId xmlns:a16="http://schemas.microsoft.com/office/drawing/2014/main" id="{0F853981-B13F-4917-804F-EBF0D4819E7E}"/>
+              </a:ext>
+            </a:extLst>
+          </p:cNvPr>
+          <p:cNvSpPr>
+            <a:spLocks noGrp="1"/>
+          </p:cNvSpPr>
+          <p:nvPr>
+            <p:ph type="title"/>
+          </p:nvPr>
+        </p:nvSpPr>
+        <p:spPr>
+          <a:xfrm>
+            <a:off x="0" y="3169585"/>
+            <a:ext cx="12192000" cy="518830"/>
+          </a:xfrm>
+          <a:noFill/>
+        </p:spPr>
+        <p:txBody>
+          <a:bodyPr>
+            <a:noAutofit/>
+          </a:bodyPr>
+          <a:lstStyle/>
+          <a:p>
+            <a:pPr algn="ctr"/>
+            <a:br>
+              <a:rPr lang="en-US" sz="3600" dirty="0">
+                <a:solidFill>
+                  <a:schemeClr val="tx1">
+                    <a:lumMod val="65000"/>
+                    <a:lumOff val="35000"/>
+                  </a:schemeClr>
+                </a:solidFill>
+                <a:latin typeface="Palatino Linotype" panose="02040502050505030304" pitchFamily="18" charset="0"/>
+              </a:rPr>
+            </a:br>
+            <a:br>
+              <a:rPr lang="en-US" sz="3600" dirty="0">
+                <a:solidFill>
+                  <a:schemeClr val="tx1">
+                    <a:lumMod val="65000"/>
+                    <a:lumOff val="35000"/>
+                  </a:schemeClr>
+                </a:solidFill>
+                <a:latin typeface="Palatino Linotype" panose="02040502050505030304" pitchFamily="18" charset="0"/>
+              </a:rPr>
+            </a:br>
+            <a:r>
+              <a:rPr lang="en-US" sz="3600" dirty="0">
+                <a:solidFill>
+                  <a:schemeClr val="tx1">
+                    <a:lumMod val="65000"/>
+                    <a:lumOff val="35000"/>
+                  </a:schemeClr>
+                </a:solidFill>
+                <a:latin typeface="Palatino Linotype" panose="02040502050505030304" pitchFamily="18" charset="0"/>
+              </a:rPr>
+              <a:t>Word Embedding Demo</a:t>
+            </a:r>
+            <a:endParaRPr lang="en-US" sz="3600" dirty="0">
+              <a:solidFill>
+                <a:schemeClr val="tx1">
+                  <a:lumMod val="65000"/>
+                  <a:lumOff val="35000"/>
+                </a:schemeClr>
+              </a:solidFill>
+              <a:latin typeface="Palatino Linotype" panose="02040502050505030304" pitchFamily="18" charset="0"/>
+              <a:cs typeface="Segoe UI Light" panose="020B0502040204020203" pitchFamily="34" charset="0"/>
+            </a:endParaRPr>
+          </a:p>
+        </p:txBody>
+      </p:sp>
+      <p:sp>
+        <p:nvSpPr>
+          <p:cNvPr id="3" name="Text Placeholder 2">
+            <a:extLst>
+              <a:ext uri="{FF2B5EF4-FFF2-40B4-BE49-F238E27FC236}">
+                <a16:creationId xmlns:a16="http://schemas.microsoft.com/office/drawing/2014/main" id="{098BC2D2-CCF7-4C63-8489-B46BF394FCA2}"/>
+              </a:ext>
+            </a:extLst>
+          </p:cNvPr>
+          <p:cNvSpPr>
+            <a:spLocks noGrp="1"/>
+          </p:cNvSpPr>
+          <p:nvPr>
+            <p:ph type="body" idx="1"/>
+          </p:nvPr>
+        </p:nvSpPr>
+        <p:spPr>
+          <a:xfrm>
+            <a:off x="0" y="4285400"/>
+            <a:ext cx="12192000" cy="518830"/>
+          </a:xfrm>
+        </p:spPr>
+        <p:txBody>
+          <a:bodyPr>
+            <a:normAutofit/>
+          </a:bodyPr>
+          <a:lstStyle/>
+          <a:p>
+            <a:endParaRPr lang="en-US" dirty="0">
+              <a:latin typeface="Palatino Linotype" panose="02040502050505030304" pitchFamily="18" charset="0"/>
+              <a:cs typeface="Segoe UI" panose="020B0502040204020203" pitchFamily="34" charset="0"/>
+            </a:endParaRPr>
+          </a:p>
+          <a:p>
+            <a:endParaRPr lang="en-US" dirty="0">
+              <a:latin typeface="Palatino Linotype" panose="02040502050505030304" pitchFamily="18" charset="0"/>
+              <a:cs typeface="Segoe UI" panose="020B0502040204020203" pitchFamily="34" charset="0"/>
+            </a:endParaRPr>
+          </a:p>
+          <a:p>
+            <a:endParaRPr lang="en-US" dirty="0">
+              <a:latin typeface="Palatino Linotype" panose="02040502050505030304" pitchFamily="18" charset="0"/>
+              <a:cs typeface="Segoe UI" panose="020B0502040204020203" pitchFamily="34" charset="0"/>
+            </a:endParaRPr>
+          </a:p>
+          <a:p>
+            <a:endParaRPr lang="en-US" dirty="0">
+              <a:latin typeface="Palatino Linotype" panose="02040502050505030304" pitchFamily="18" charset="0"/>
+              <a:cs typeface="Segoe UI" panose="020B0502040204020203" pitchFamily="34" charset="0"/>
+            </a:endParaRPr>
+          </a:p>
+          <a:p>
+            <a:endParaRPr lang="en-US" dirty="0">
+              <a:latin typeface="Palatino Linotype" panose="02040502050505030304" pitchFamily="18" charset="0"/>
+              <a:cs typeface="Segoe UI" panose="020B0502040204020203" pitchFamily="34" charset="0"/>
+            </a:endParaRPr>
+          </a:p>
+        </p:txBody>
+      </p:sp>
+      <p:pic>
+        <p:nvPicPr>
+          <p:cNvPr id="4" name="Picture 3">
+            <a:extLst>
+              <a:ext uri="{FF2B5EF4-FFF2-40B4-BE49-F238E27FC236}">
+                <a16:creationId xmlns:a16="http://schemas.microsoft.com/office/drawing/2014/main" id="{4CD7B1E7-8C1E-4394-BD29-073CEC503ACC}"/>
+              </a:ext>
+            </a:extLst>
+          </p:cNvPr>
+          <p:cNvPicPr>
+            <a:picLocks noChangeAspect="1"/>
+          </p:cNvPicPr>
+          <p:nvPr/>
+        </p:nvPicPr>
+        <p:blipFill>
+          <a:blip r:embed="rId3"/>
+          <a:stretch>
+            <a:fillRect/>
+          </a:stretch>
+        </p:blipFill>
+        <p:spPr>
+          <a:xfrm>
+            <a:off x="0" y="365760"/>
+            <a:ext cx="3233668" cy="805144"/>
+          </a:xfrm>
+          <a:prstGeom prst="rect">
+            <a:avLst/>
+          </a:prstGeom>
+        </p:spPr>
+      </p:pic>
+    </p:spTree>
+    <p:extLst>
+      <p:ext uri="{BB962C8B-B14F-4D97-AF65-F5344CB8AC3E}">
+        <p14:creationId xmlns:p14="http://schemas.microsoft.com/office/powerpoint/2010/main" val="3774553972"/>
       </p:ext>
     </p:extLst>
   </p:cSld>

--- a/presentations/02_word_vectors.pptx
+++ b/presentations/02_word_vectors.pptx
@@ -5,7 +5,7 @@
     <p:sldMasterId id="2147483648" r:id="rId1"/>
   </p:sldMasterIdLst>
   <p:notesMasterIdLst>
-    <p:notesMasterId r:id="rId24"/>
+    <p:notesMasterId r:id="rId25"/>
   </p:notesMasterIdLst>
   <p:sldIdLst>
     <p:sldId id="326" r:id="rId2"/>
@@ -19,17 +19,18 @@
     <p:sldId id="334" r:id="rId10"/>
     <p:sldId id="302" r:id="rId11"/>
     <p:sldId id="305" r:id="rId12"/>
-    <p:sldId id="303" r:id="rId13"/>
-    <p:sldId id="304" r:id="rId14"/>
-    <p:sldId id="309" r:id="rId15"/>
-    <p:sldId id="310" r:id="rId16"/>
-    <p:sldId id="300" r:id="rId17"/>
-    <p:sldId id="308" r:id="rId18"/>
+    <p:sldId id="355" r:id="rId13"/>
+    <p:sldId id="303" r:id="rId14"/>
+    <p:sldId id="304" r:id="rId15"/>
+    <p:sldId id="309" r:id="rId16"/>
+    <p:sldId id="310" r:id="rId17"/>
+    <p:sldId id="300" r:id="rId18"/>
     <p:sldId id="323" r:id="rId19"/>
     <p:sldId id="327" r:id="rId20"/>
     <p:sldId id="329" r:id="rId21"/>
-    <p:sldId id="352" r:id="rId22"/>
-    <p:sldId id="307" r:id="rId23"/>
+    <p:sldId id="308" r:id="rId22"/>
+    <p:sldId id="352" r:id="rId23"/>
+    <p:sldId id="307" r:id="rId24"/>
   </p:sldIdLst>
   <p:sldSz cx="12192000" cy="6858000"/>
   <p:notesSz cx="6858000" cy="9144000"/>
@@ -229,7 +230,7 @@
           <a:p>
             <a:fld id="{FD93C9B2-20F6-4DB1-B471-224337D0AC79}" type="datetimeFigureOut">
               <a:rPr lang="en-US" smtClean="0"/>
-              <a:t>10/20/2022</a:t>
+              <a:t>10/21/2022</a:t>
             </a:fld>
             <a:endParaRPr lang="en-US"/>
           </a:p>
@@ -785,7 +786,7 @@
                 <a:effectLst/>
                 <a:latin typeface="+mn-lt"/>
               </a:rPr>
-              <a:t>Alright, let’s consider another concrete example.  Consider these two sentences: </a:t>
+              <a:t>Let’s consider another concrete example.  Take, for example, these two sentences: </a:t>
             </a:r>
             <a:r>
               <a:rPr lang="en-US" b="0" i="1" dirty="0">
@@ -825,7 +826,7 @@
                 <a:effectLst/>
                 <a:latin typeface="+mn-lt"/>
               </a:rPr>
-              <a:t>The meaning of these two sentences is similar, though the second one is a bit more emphatic.  We’ll start by constructing an exhaustive vocabulary – let’s call it V – consisting of these five words {Have, a, good, great, day}.</a:t>
+              <a:t>The meaning of these two sentences is similar, though the second one is a bit more emphatic.  We’ll start by constructing an exhaustive vocabulary – called V – consisting of these five words {Have, a, good, great, day}.</a:t>
             </a:r>
           </a:p>
         </p:txBody>
@@ -919,7 +920,7 @@
                 <a:effectLst/>
                 <a:latin typeface="+mn-lt"/>
               </a:rPr>
-              <a:t>Now, let us create a </a:t>
+              <a:t>Next, we create a </a:t>
             </a:r>
             <a:r>
               <a:rPr lang="en-US" b="1" i="0" dirty="0">
@@ -939,7 +940,7 @@
                 <a:effectLst/>
                 <a:latin typeface="+mn-lt"/>
               </a:rPr>
-              <a:t>vector for each of these words in V. The length of our one-hot encoded vector would be equal to the size of V (= 5). We would have a vector of zeros except for the element at the index representing the corresponding word in the vocabulary. That particular element would be one. </a:t>
+              <a:t>vector for each of these words. As we see here, the length of each vector is 5, with the position of each word within V indicated by a 1.  The word ‘Have’ is the first word in V and thus the initial digit of its vector is 1.  Now to visualize this encoding, imagine a 5-dimensional space where each word occupies a single dimension and has nothing to do with the rest.  While simple, the problem with this representation is that the words ‘good’ and ‘great’ overlap to a degree.  That is, they share similar meanings.  But one-hot encoding does not capture that.  Word embeddings, on the other hand, can represent relationships and dependencies between words. </a:t>
             </a:r>
           </a:p>
           <a:p>
@@ -954,16 +955,13 @@
           </a:p>
           <a:p>
             <a:pPr algn="l"/>
-            <a:r>
-              <a:rPr lang="en-US" b="0" i="0" dirty="0">
-                <a:solidFill>
-                  <a:srgbClr val="292929"/>
-                </a:solidFill>
-                <a:effectLst/>
-                <a:latin typeface="+mn-lt"/>
-              </a:rPr>
-              <a:t>If we try to visualize these encodings, we can think of a 5-dimensional space, where each word occupies one of the dimensions and has nothing to do with the rest (no projection along the other dimensions). This means ‘good’ and ‘great’ are as different as ‘day’ and ‘have’, which is not true.</a:t>
-            </a:r>
+            <a:endParaRPr lang="en-US" b="0" i="0" dirty="0">
+              <a:solidFill>
+                <a:srgbClr val="292929"/>
+              </a:solidFill>
+              <a:effectLst/>
+              <a:latin typeface="+mn-lt"/>
+            </a:endParaRPr>
           </a:p>
         </p:txBody>
       </p:sp>
@@ -1047,276 +1045,82 @@
           <a:bodyPr/>
           <a:lstStyle/>
           <a:p>
-            <a:pPr algn="l"/>
             <a:r>
               <a:rPr lang="en-US" b="0" i="0" dirty="0">
                 <a:solidFill>
                   <a:srgbClr val="292929"/>
                 </a:solidFill>
                 <a:effectLst/>
-                <a:latin typeface="+mn-lt"/>
-              </a:rPr>
-              <a:t>The CBOW architecture takes the context of each word as the input and tries to predict a missing word, given that context. Consider our example: </a:t>
-            </a:r>
-            <a:r>
-              <a:rPr lang="en-US" b="0" i="1" dirty="0">
-                <a:solidFill>
-                  <a:srgbClr val="292929"/>
-                </a:solidFill>
-                <a:effectLst/>
-                <a:latin typeface="+mn-lt"/>
-              </a:rPr>
-              <a:t>Have a good day.  </a:t>
-            </a:r>
-            <a:r>
-              <a:rPr lang="en-US" b="0" i="0" dirty="0">
-                <a:solidFill>
-                  <a:srgbClr val="292929"/>
-                </a:solidFill>
-                <a:effectLst/>
-                <a:latin typeface="+mn-lt"/>
-              </a:rPr>
-              <a:t>The first three words of that sentence are shown on the left, next to the first three nodes of the input layer.  The network’s goal is to predict the target word (</a:t>
-            </a:r>
-            <a:r>
-              <a:rPr lang="en-US" b="0" i="1" dirty="0">
-                <a:solidFill>
-                  <a:srgbClr val="292929"/>
-                </a:solidFill>
-                <a:effectLst/>
-                <a:latin typeface="+mn-lt"/>
-              </a:rPr>
-              <a:t>day</a:t>
-            </a:r>
-            <a:r>
-              <a:rPr lang="en-US" b="0" i="0" dirty="0">
-                <a:solidFill>
-                  <a:srgbClr val="292929"/>
-                </a:solidFill>
-                <a:effectLst/>
-                <a:latin typeface="+mn-lt"/>
-              </a:rPr>
-              <a:t>), using these context words.  To do that,</a:t>
-            </a:r>
-            <a:r>
-              <a:rPr lang="en-US" b="0" i="1" dirty="0">
-                <a:solidFill>
-                  <a:srgbClr val="292929"/>
-                </a:solidFill>
-                <a:effectLst/>
-                <a:latin typeface="+mn-lt"/>
-              </a:rPr>
-              <a:t> </a:t>
-            </a:r>
-            <a:r>
-              <a:rPr lang="en-US" b="0" i="0" dirty="0">
-                <a:solidFill>
-                  <a:srgbClr val="292929"/>
-                </a:solidFill>
-                <a:effectLst/>
-                <a:latin typeface="+mn-lt"/>
-              </a:rPr>
-              <a:t>we one-hot encode the input words and measure the output error compared to the one-hot encoding of the target word - the word </a:t>
-            </a:r>
-            <a:r>
-              <a:rPr lang="en-US" b="0" i="1" dirty="0">
-                <a:solidFill>
-                  <a:srgbClr val="292929"/>
-                </a:solidFill>
-                <a:effectLst/>
-                <a:latin typeface="+mn-lt"/>
-              </a:rPr>
-              <a:t>d</a:t>
-            </a:r>
-            <a:r>
-              <a:rPr lang="en-US" b="0" i="0" dirty="0">
-                <a:solidFill>
-                  <a:srgbClr val="292929"/>
-                </a:solidFill>
-                <a:effectLst/>
-                <a:latin typeface="+mn-lt"/>
-              </a:rPr>
-              <a:t>ay in this example.  And in the process of predicting the target word, we learn its vector representation.</a:t>
-            </a:r>
-          </a:p>
-          <a:p>
-            <a:pPr algn="l"/>
+                <a:latin typeface="source-serif-pro"/>
+              </a:rPr>
+              <a:t>Word2Vec is a popular word embedder developed at Google by Thomas Mikolov in 2013.  The model comes in two flavors or architectures.  </a:t>
+            </a:r>
+          </a:p>
+          <a:p>
             <a:endParaRPr lang="en-US" b="0" i="0" dirty="0">
               <a:solidFill>
                 <a:srgbClr val="292929"/>
               </a:solidFill>
               <a:effectLst/>
-              <a:latin typeface="+mn-lt"/>
+              <a:latin typeface="source-serif-pro"/>
             </a:endParaRPr>
           </a:p>
           <a:p>
-            <a:pPr algn="l"/>
+            <a:pPr marL="228600" indent="-228600">
+              <a:buAutoNum type="arabicPeriod"/>
+            </a:pPr>
             <a:r>
               <a:rPr lang="en-US" b="0" i="0" dirty="0">
                 <a:solidFill>
                   <a:srgbClr val="292929"/>
                 </a:solidFill>
                 <a:effectLst/>
-                <a:latin typeface="+mn-lt"/>
-              </a:rPr>
-              <a:t>Let’s take a closer look at the architecture.</a:t>
-            </a:r>
-          </a:p>
-          <a:p>
-            <a:pPr algn="l"/>
+                <a:latin typeface="source-serif-pro"/>
+              </a:rPr>
+              <a:t>The first is CBOW, the acronym for Common Bag of Words.  </a:t>
+            </a:r>
+          </a:p>
+          <a:p>
+            <a:pPr marL="228600" indent="-228600">
+              <a:buAutoNum type="arabicPeriod"/>
+            </a:pPr>
+            <a:r>
+              <a:rPr lang="en-US" b="0" i="0" dirty="0">
+                <a:solidFill>
+                  <a:srgbClr val="292929"/>
+                </a:solidFill>
+                <a:effectLst/>
+                <a:latin typeface="source-serif-pro"/>
+              </a:rPr>
+              <a:t>And the second is Skip-Gram.</a:t>
+            </a:r>
+          </a:p>
+          <a:p>
+            <a:pPr marL="228600" indent="-228600">
+              <a:buAutoNum type="arabicPeriod"/>
+            </a:pPr>
             <a:endParaRPr lang="en-US" b="0" i="0" dirty="0">
               <a:solidFill>
                 <a:srgbClr val="292929"/>
               </a:solidFill>
               <a:effectLst/>
-              <a:latin typeface="+mn-lt"/>
+              <a:latin typeface="source-serif-pro"/>
             </a:endParaRPr>
           </a:p>
           <a:p>
-            <a:pPr algn="l"/>
+            <a:pPr marL="0" indent="0">
+              <a:buNone/>
+            </a:pPr>
             <a:r>
               <a:rPr lang="en-US" b="0" i="0" dirty="0">
                 <a:solidFill>
                   <a:srgbClr val="292929"/>
                 </a:solidFill>
                 <a:effectLst/>
-                <a:latin typeface="+mn-lt"/>
-              </a:rPr>
-              <a:t>The input to the neural network is a one hot encoded vector – labeled V for Vocabulary – of size N, with one input for each word. The hidden layer (D) contains M neurons or nodes, with the number of nodes or neurons in this layer set by Word2Vec’s size argument.  Word vector sizes vary, though dimensions of 768 and 1024 are common.  And finally, the output is a vector (labelled V for vocabulary) of size N, with each element being a softmax value.</a:t>
-            </a:r>
-          </a:p>
-          <a:p>
-            <a:pPr algn="l"/>
-            <a:endParaRPr lang="en-US" b="0" i="0" dirty="0">
-              <a:solidFill>
-                <a:srgbClr val="292929"/>
-              </a:solidFill>
-              <a:effectLst/>
-              <a:latin typeface="+mn-lt"/>
-            </a:endParaRPr>
-          </a:p>
-          <a:p>
-            <a:pPr algn="l"/>
-            <a:r>
-              <a:rPr lang="en-US" b="0" i="0" dirty="0">
-                <a:solidFill>
-                  <a:srgbClr val="292929"/>
-                </a:solidFill>
-                <a:effectLst/>
-                <a:latin typeface="+mn-lt"/>
-              </a:rPr>
-              <a:t>Let’s review the terms in this image:</a:t>
-            </a:r>
-            <a:br>
-              <a:rPr lang="en-US" b="0" i="0" dirty="0">
-                <a:solidFill>
-                  <a:srgbClr val="292929"/>
-                </a:solidFill>
-                <a:effectLst/>
-                <a:latin typeface="+mn-lt"/>
-              </a:rPr>
-            </a:br>
-            <a:r>
-              <a:rPr lang="en-US" b="0" i="1" dirty="0">
-                <a:solidFill>
-                  <a:srgbClr val="292929"/>
-                </a:solidFill>
-                <a:effectLst/>
-                <a:latin typeface="+mn-lt"/>
-              </a:rPr>
-              <a:t>- This is a simple neural network with 3 layers – input, hidden, and output.</a:t>
-            </a:r>
-          </a:p>
-          <a:p>
-            <a:pPr algn="l"/>
-            <a:r>
-              <a:rPr lang="en-US" b="0" i="1" dirty="0">
-                <a:solidFill>
-                  <a:srgbClr val="292929"/>
-                </a:solidFill>
-                <a:effectLst/>
-                <a:latin typeface="+mn-lt"/>
-              </a:rPr>
-              <a:t>- W is the weight matrix that maps the input V to the hidden layer (a V*D dimensional matrix)</a:t>
-            </a:r>
-            <a:br>
-              <a:rPr lang="en-US" b="0" i="1" dirty="0">
-                <a:solidFill>
-                  <a:srgbClr val="292929"/>
-                </a:solidFill>
-                <a:effectLst/>
-                <a:latin typeface="+mn-lt"/>
-              </a:rPr>
-            </a:br>
-            <a:r>
-              <a:rPr lang="en-US" b="0" i="0" dirty="0">
-                <a:solidFill>
-                  <a:srgbClr val="292929"/>
-                </a:solidFill>
-                <a:effectLst/>
-                <a:latin typeface="+mn-lt"/>
-              </a:rPr>
-              <a:t>- </a:t>
-            </a:r>
-            <a:r>
-              <a:rPr lang="en-US" b="0" i="1" dirty="0">
-                <a:solidFill>
-                  <a:srgbClr val="292929"/>
-                </a:solidFill>
-                <a:effectLst/>
-                <a:latin typeface="+mn-lt"/>
-              </a:rPr>
-              <a:t>W’ is the weight matrix that maps the hidden layer outputs to the output layer (a D*V dimensional matrix)</a:t>
-            </a:r>
-          </a:p>
-          <a:p>
-            <a:pPr algn="l"/>
-            <a:r>
-              <a:rPr lang="en-US" b="0" i="1" dirty="0">
-                <a:solidFill>
-                  <a:srgbClr val="292929"/>
-                </a:solidFill>
-                <a:effectLst/>
-                <a:latin typeface="+mn-lt"/>
-              </a:rPr>
-              <a:t>- The dashed arrow lines indicate the direction of forward propagation as well as the fact that these are fully connected layers</a:t>
-            </a:r>
-          </a:p>
-          <a:p>
-            <a:pPr algn="l"/>
-            <a:endParaRPr lang="en-US" b="0" i="0" dirty="0">
-              <a:solidFill>
-                <a:srgbClr val="292929"/>
-              </a:solidFill>
-              <a:effectLst/>
-              <a:latin typeface="+mn-lt"/>
-            </a:endParaRPr>
-          </a:p>
-          <a:p>
-            <a:pPr algn="l"/>
-            <a:r>
-              <a:rPr lang="en-US" b="0" i="0" dirty="0">
-                <a:solidFill>
-                  <a:srgbClr val="292929"/>
-                </a:solidFill>
-                <a:effectLst/>
-                <a:latin typeface="+mn-lt"/>
-              </a:rPr>
-              <a:t>I won’t get into the mathematics. We’ll just get an idea of what’s going on.  Let’s zoom in on that hidden layer.</a:t>
-            </a:r>
-          </a:p>
-          <a:p>
-            <a:pPr algn="l"/>
-            <a:endParaRPr lang="en-US" b="0" i="0" dirty="0">
-              <a:solidFill>
-                <a:srgbClr val="292929"/>
-              </a:solidFill>
-              <a:effectLst/>
-              <a:latin typeface="charter"/>
-            </a:endParaRPr>
-          </a:p>
-          <a:p>
-            <a:pPr algn="l"/>
+                <a:latin typeface="source-serif-pro"/>
+              </a:rPr>
+              <a:t>Let’s first consider the CBOW architecture…</a:t>
+            </a:r>
             <a:endParaRPr lang="en-US" dirty="0"/>
           </a:p>
         </p:txBody>
@@ -1347,7 +1151,7 @@
     </p:spTree>
     <p:extLst>
       <p:ext uri="{BB962C8B-B14F-4D97-AF65-F5344CB8AC3E}">
-        <p14:creationId xmlns:p14="http://schemas.microsoft.com/office/powerpoint/2010/main" val="2773462212"/>
+        <p14:creationId xmlns:p14="http://schemas.microsoft.com/office/powerpoint/2010/main" val="933822473"/>
       </p:ext>
     </p:extLst>
   </p:cSld>
@@ -1410,7 +1214,253 @@
                 <a:effectLst/>
                 <a:latin typeface="+mn-lt"/>
               </a:rPr>
-              <a:t>In this example, the one hot encoded input vector is displayed, with 1’s indicating the presence of a specific word and 0’s indicating absence.  Unlike a traditional neural network, there is no activation function like sigmoid, tanh, or ReLU. The only non-linearity is the softmax calculations in the output layer.  All that is present in the hidden nodes is a net input function that sums up the incoming values – the values in the input vector multiplied by the weights in the W matrix.  In the output on the right, we see that softmax is 95% certain that the next word is ‘day’ with a 5% probability that it is ‘great.’  Keep in mind that softmax output always sums to 1 or 100%, as is the case here.</a:t>
+              <a:t>The CBOW architecture takes the context of each word as the input and tries to predict a missing word, given that context. Consider our example: </a:t>
+            </a:r>
+            <a:r>
+              <a:rPr lang="en-US" b="0" i="1" dirty="0">
+                <a:solidFill>
+                  <a:srgbClr val="292929"/>
+                </a:solidFill>
+                <a:effectLst/>
+                <a:latin typeface="+mn-lt"/>
+              </a:rPr>
+              <a:t>Have a good day.  </a:t>
+            </a:r>
+            <a:r>
+              <a:rPr lang="en-US" b="0" i="0" dirty="0">
+                <a:solidFill>
+                  <a:srgbClr val="292929"/>
+                </a:solidFill>
+                <a:effectLst/>
+                <a:latin typeface="+mn-lt"/>
+              </a:rPr>
+              <a:t>The first three words of that sentence are shown on the left, next to the first three nodes of the input layer.  The network’s goal is to predict the target word (</a:t>
+            </a:r>
+            <a:r>
+              <a:rPr lang="en-US" b="0" i="1" dirty="0">
+                <a:solidFill>
+                  <a:srgbClr val="292929"/>
+                </a:solidFill>
+                <a:effectLst/>
+                <a:latin typeface="+mn-lt"/>
+              </a:rPr>
+              <a:t>day</a:t>
+            </a:r>
+            <a:r>
+              <a:rPr lang="en-US" b="0" i="0" dirty="0">
+                <a:solidFill>
+                  <a:srgbClr val="292929"/>
+                </a:solidFill>
+                <a:effectLst/>
+                <a:latin typeface="+mn-lt"/>
+              </a:rPr>
+              <a:t>), using these context words.  To do that,</a:t>
+            </a:r>
+            <a:r>
+              <a:rPr lang="en-US" b="0" i="1" dirty="0">
+                <a:solidFill>
+                  <a:srgbClr val="292929"/>
+                </a:solidFill>
+                <a:effectLst/>
+                <a:latin typeface="+mn-lt"/>
+              </a:rPr>
+              <a:t> </a:t>
+            </a:r>
+            <a:r>
+              <a:rPr lang="en-US" b="0" i="0" dirty="0">
+                <a:solidFill>
+                  <a:srgbClr val="292929"/>
+                </a:solidFill>
+                <a:effectLst/>
+                <a:latin typeface="+mn-lt"/>
+              </a:rPr>
+              <a:t>we one-hot encode the input words and measure the output error compared to the one-hot encoding of the target word - the word </a:t>
+            </a:r>
+            <a:r>
+              <a:rPr lang="en-US" b="0" i="1" dirty="0">
+                <a:solidFill>
+                  <a:srgbClr val="292929"/>
+                </a:solidFill>
+                <a:effectLst/>
+                <a:latin typeface="+mn-lt"/>
+              </a:rPr>
+              <a:t>d</a:t>
+            </a:r>
+            <a:r>
+              <a:rPr lang="en-US" b="0" i="0" dirty="0">
+                <a:solidFill>
+                  <a:srgbClr val="292929"/>
+                </a:solidFill>
+                <a:effectLst/>
+                <a:latin typeface="+mn-lt"/>
+              </a:rPr>
+              <a:t>ay in this example.  And in the process of predicting the target word, we learn its vector representation.</a:t>
+            </a:r>
+          </a:p>
+          <a:p>
+            <a:pPr algn="l"/>
+            <a:endParaRPr lang="en-US" b="0" i="0" dirty="0">
+              <a:solidFill>
+                <a:srgbClr val="292929"/>
+              </a:solidFill>
+              <a:effectLst/>
+              <a:latin typeface="+mn-lt"/>
+            </a:endParaRPr>
+          </a:p>
+          <a:p>
+            <a:pPr algn="l"/>
+            <a:r>
+              <a:rPr lang="en-US" b="0" i="0" dirty="0">
+                <a:solidFill>
+                  <a:srgbClr val="292929"/>
+                </a:solidFill>
+                <a:effectLst/>
+                <a:latin typeface="+mn-lt"/>
+              </a:rPr>
+              <a:t>Let’s take a closer look at the architecture.</a:t>
+            </a:r>
+          </a:p>
+          <a:p>
+            <a:pPr algn="l"/>
+            <a:endParaRPr lang="en-US" b="0" i="0" dirty="0">
+              <a:solidFill>
+                <a:srgbClr val="292929"/>
+              </a:solidFill>
+              <a:effectLst/>
+              <a:latin typeface="+mn-lt"/>
+            </a:endParaRPr>
+          </a:p>
+          <a:p>
+            <a:pPr algn="l"/>
+            <a:r>
+              <a:rPr lang="en-US" b="0" i="0" dirty="0">
+                <a:solidFill>
+                  <a:srgbClr val="292929"/>
+                </a:solidFill>
+                <a:effectLst/>
+                <a:latin typeface="+mn-lt"/>
+              </a:rPr>
+              <a:t>The input to the neural network is a one hot encoded vector – labeled V for Vocabulary – of size N, with one input for each word. The hidden layer (D) contains M neurons or nodes, with the number of nodes or neurons in this layer set by Word2Vec’s size argument.  Word vector sizes vary, though dimensions of 768 and 1024 are common.  And finally, the output is a vector (labelled V for vocabulary) of size N, with each element being a softmax value.</a:t>
+            </a:r>
+          </a:p>
+          <a:p>
+            <a:pPr algn="l"/>
+            <a:endParaRPr lang="en-US" b="0" i="0" dirty="0">
+              <a:solidFill>
+                <a:srgbClr val="292929"/>
+              </a:solidFill>
+              <a:effectLst/>
+              <a:latin typeface="+mn-lt"/>
+            </a:endParaRPr>
+          </a:p>
+          <a:p>
+            <a:pPr algn="l"/>
+            <a:r>
+              <a:rPr lang="en-US" b="0" i="0" dirty="0">
+                <a:solidFill>
+                  <a:srgbClr val="292929"/>
+                </a:solidFill>
+                <a:effectLst/>
+                <a:latin typeface="+mn-lt"/>
+              </a:rPr>
+              <a:t>Let’s review the terms in this image:</a:t>
+            </a:r>
+            <a:br>
+              <a:rPr lang="en-US" b="0" i="0" dirty="0">
+                <a:solidFill>
+                  <a:srgbClr val="292929"/>
+                </a:solidFill>
+                <a:effectLst/>
+                <a:latin typeface="+mn-lt"/>
+              </a:rPr>
+            </a:br>
+            <a:r>
+              <a:rPr lang="en-US" b="0" i="1" dirty="0">
+                <a:solidFill>
+                  <a:srgbClr val="292929"/>
+                </a:solidFill>
+                <a:effectLst/>
+                <a:latin typeface="+mn-lt"/>
+              </a:rPr>
+              <a:t>- This is a simple neural network with 3 layers – input, hidden, and output.</a:t>
+            </a:r>
+          </a:p>
+          <a:p>
+            <a:pPr algn="l"/>
+            <a:r>
+              <a:rPr lang="en-US" b="0" i="1" dirty="0">
+                <a:solidFill>
+                  <a:srgbClr val="292929"/>
+                </a:solidFill>
+                <a:effectLst/>
+                <a:latin typeface="+mn-lt"/>
+              </a:rPr>
+              <a:t>- W is the weight matrix that maps the input V to the hidden layer (a V*D dimensional matrix)</a:t>
+            </a:r>
+            <a:br>
+              <a:rPr lang="en-US" b="0" i="1" dirty="0">
+                <a:solidFill>
+                  <a:srgbClr val="292929"/>
+                </a:solidFill>
+                <a:effectLst/>
+                <a:latin typeface="+mn-lt"/>
+              </a:rPr>
+            </a:br>
+            <a:r>
+              <a:rPr lang="en-US" b="0" i="0" dirty="0">
+                <a:solidFill>
+                  <a:srgbClr val="292929"/>
+                </a:solidFill>
+                <a:effectLst/>
+                <a:latin typeface="+mn-lt"/>
+              </a:rPr>
+              <a:t>- </a:t>
+            </a:r>
+            <a:r>
+              <a:rPr lang="en-US" b="0" i="1" dirty="0">
+                <a:solidFill>
+                  <a:srgbClr val="292929"/>
+                </a:solidFill>
+                <a:effectLst/>
+                <a:latin typeface="+mn-lt"/>
+              </a:rPr>
+              <a:t>W’ is the weight matrix that maps the hidden layer outputs to the output layer (a D*V dimensional matrix)</a:t>
+            </a:r>
+          </a:p>
+          <a:p>
+            <a:pPr algn="l"/>
+            <a:r>
+              <a:rPr lang="en-US" b="0" i="1" dirty="0">
+                <a:solidFill>
+                  <a:srgbClr val="292929"/>
+                </a:solidFill>
+                <a:effectLst/>
+                <a:latin typeface="+mn-lt"/>
+              </a:rPr>
+              <a:t>- The dashed arrow lines indicate the direction of forward propagation as well as the fact that these are fully connected layers</a:t>
+            </a:r>
+          </a:p>
+          <a:p>
+            <a:pPr algn="l"/>
+            <a:endParaRPr lang="en-US" b="0" i="0" dirty="0">
+              <a:solidFill>
+                <a:srgbClr val="292929"/>
+              </a:solidFill>
+              <a:effectLst/>
+              <a:latin typeface="+mn-lt"/>
+            </a:endParaRPr>
+          </a:p>
+          <a:p>
+            <a:pPr algn="l"/>
+            <a:r>
+              <a:rPr lang="en-US" b="0" i="0" dirty="0">
+                <a:solidFill>
+                  <a:srgbClr val="292929"/>
+                </a:solidFill>
+                <a:effectLst/>
+                <a:latin typeface="+mn-lt"/>
+              </a:rPr>
+              <a:t>I won’t get into the mathematics. We’ll just get an idea of what’s going on.  Let’s zoom in on that hidden layer.</a:t>
             </a:r>
           </a:p>
           <a:p>
@@ -1423,6 +1473,10 @@
               <a:latin typeface="charter"/>
             </a:endParaRPr>
           </a:p>
+          <a:p>
+            <a:pPr algn="l"/>
+            <a:endParaRPr lang="en-US" dirty="0"/>
+          </a:p>
         </p:txBody>
       </p:sp>
       <p:sp>
@@ -1451,7 +1505,7 @@
     </p:spTree>
     <p:extLst>
       <p:ext uri="{BB962C8B-B14F-4D97-AF65-F5344CB8AC3E}">
-        <p14:creationId xmlns:p14="http://schemas.microsoft.com/office/powerpoint/2010/main" val="775656603"/>
+        <p14:creationId xmlns:p14="http://schemas.microsoft.com/office/powerpoint/2010/main" val="2773462212"/>
       </p:ext>
     </p:extLst>
   </p:cSld>
@@ -1514,30 +1568,17 @@
                 <a:effectLst/>
                 <a:latin typeface="+mn-lt"/>
               </a:rPr>
-              <a:t>So far, we have seen how a missing word can be predicted, using context words.  The CBOW architecture does just that.  Here we see that the context words predict </a:t>
-            </a:r>
-            <a:r>
-              <a:rPr lang="en-US" b="1" i="0" dirty="0">
-                <a:solidFill>
-                  <a:srgbClr val="292929"/>
-                </a:solidFill>
-                <a:effectLst/>
-                <a:latin typeface="+mn-lt"/>
-              </a:rPr>
-              <a:t>cat</a:t>
-            </a:r>
-            <a:r>
-              <a:rPr lang="en-US" b="0" i="0" dirty="0">
-                <a:solidFill>
-                  <a:srgbClr val="292929"/>
-                </a:solidFill>
-                <a:effectLst/>
-                <a:latin typeface="+mn-lt"/>
-              </a:rPr>
-              <a:t> as the missing word. CBOW is relatively fast and generates better representations for more frequent words.  But we can flip this model…</a:t>
-            </a:r>
-            <a:endParaRPr lang="en-US" dirty="0">
-              <a:latin typeface="+mn-lt"/>
+              <a:t>In this example, the one hot encoded input vector is displayed, with 1’s indicating the presence of a specific word and 0’s indicating absence.  Unlike a traditional neural network, there is no activation function like sigmoid, tanh, or ReLU. The only non-linearity is the softmax calculations in the output layer.  All that is present in the hidden nodes is a net input function that sums up the incoming values – the values in the input vector multiplied by the weights in the W matrix.  In the output on the right, we see that softmax is 95% certain that the next word is ‘day’ with a 5% probability that it is ‘great.’  Keep in mind that softmax output always sums to 1 or 100%, as is the case here.</a:t>
+            </a:r>
+          </a:p>
+          <a:p>
+            <a:pPr algn="l"/>
+            <a:endParaRPr lang="en-US" b="0" i="0" dirty="0">
+              <a:solidFill>
+                <a:srgbClr val="292929"/>
+              </a:solidFill>
+              <a:effectLst/>
+              <a:latin typeface="charter"/>
             </a:endParaRPr>
           </a:p>
         </p:txBody>
@@ -1568,7 +1609,7 @@
     </p:spTree>
     <p:extLst>
       <p:ext uri="{BB962C8B-B14F-4D97-AF65-F5344CB8AC3E}">
-        <p14:creationId xmlns:p14="http://schemas.microsoft.com/office/powerpoint/2010/main" val="4223312273"/>
+        <p14:creationId xmlns:p14="http://schemas.microsoft.com/office/powerpoint/2010/main" val="775656603"/>
       </p:ext>
     </p:extLst>
   </p:cSld>
@@ -1631,8 +1672,31 @@
                 <a:effectLst/>
                 <a:latin typeface="+mn-lt"/>
               </a:rPr>
-              <a:t>With the Skip-Gram architecture, a single target word is used to predict all its context words. Skip Gram works well with small amounts of data as well as rare words.</a:t>
-            </a:r>
+              <a:t>So far, we have seen how a missing word can be predicted, using context words.  The CBOW architecture does just that.  Here we see that the context words predict </a:t>
+            </a:r>
+            <a:r>
+              <a:rPr lang="en-US" b="1" i="0" dirty="0">
+                <a:solidFill>
+                  <a:srgbClr val="292929"/>
+                </a:solidFill>
+                <a:effectLst/>
+                <a:latin typeface="+mn-lt"/>
+              </a:rPr>
+              <a:t>cat</a:t>
+            </a:r>
+            <a:r>
+              <a:rPr lang="en-US" b="0" i="0" dirty="0">
+                <a:solidFill>
+                  <a:srgbClr val="292929"/>
+                </a:solidFill>
+                <a:effectLst/>
+                <a:latin typeface="+mn-lt"/>
+              </a:rPr>
+              <a:t> as the missing word. CBOW is relatively fast and generates better representations for more frequent words.  But we can flip this model…</a:t>
+            </a:r>
+            <a:endParaRPr lang="en-US" dirty="0">
+              <a:latin typeface="+mn-lt"/>
+            </a:endParaRPr>
           </a:p>
         </p:txBody>
       </p:sp>
@@ -1662,7 +1726,7 @@
     </p:spTree>
     <p:extLst>
       <p:ext uri="{BB962C8B-B14F-4D97-AF65-F5344CB8AC3E}">
-        <p14:creationId xmlns:p14="http://schemas.microsoft.com/office/powerpoint/2010/main" val="2760553801"/>
+        <p14:creationId xmlns:p14="http://schemas.microsoft.com/office/powerpoint/2010/main" val="4223312273"/>
       </p:ext>
     </p:extLst>
   </p:cSld>
@@ -1716,257 +1780,17 @@
           <a:bodyPr/>
           <a:lstStyle/>
           <a:p>
-            <a:pPr marL="0" marR="0" lvl="0" indent="0" algn="l" defTabSz="914400" rtl="0" eaLnBrk="1" fontAlgn="auto" latinLnBrk="0" hangingPunct="1">
-              <a:lnSpc>
-                <a:spcPct val="100000"/>
-              </a:lnSpc>
-              <a:spcBef>
-                <a:spcPts val="0"/>
-              </a:spcBef>
-              <a:spcAft>
-                <a:spcPts val="0"/>
-              </a:spcAft>
-              <a:buClrTx/>
-              <a:buSzTx/>
-              <a:buFontTx/>
-              <a:buNone/>
-              <a:tabLst/>
-              <a:defRPr/>
-            </a:pPr>
-            <a:r>
-              <a:rPr lang="en-US" sz="1200" dirty="0">
+            <a:pPr algn="l"/>
+            <a:r>
+              <a:rPr lang="en-US" b="0" i="0" dirty="0">
+                <a:solidFill>
+                  <a:srgbClr val="292929"/>
+                </a:solidFill>
                 <a:effectLst/>
                 <a:latin typeface="+mn-lt"/>
-                <a:ea typeface="Calibri" panose="020F0502020204030204" pitchFamily="34" charset="0"/>
-              </a:rPr>
-              <a:t>We have one final concept to introduce.  Again, the basic idea behind word embeddings is that we want words which appear in similar contexts to be spatially close to each other.  M</a:t>
-            </a:r>
-            <a:r>
-              <a:rPr lang="en-US" b="0" i="0" dirty="0">
-                <a:solidFill>
-                  <a:srgbClr val="292929"/>
-                </a:solidFill>
-                <a:effectLst/>
-                <a:latin typeface="+mn-lt"/>
-              </a:rPr>
-              <a:t>athematically, what we want is for the cosine of the angle between such vectors to be close to 1.  That is, the angle close to 0.  In this image:</a:t>
-            </a:r>
-          </a:p>
-          <a:p>
-            <a:pPr marL="228600" marR="0" lvl="0" indent="-228600" algn="l" defTabSz="914400" rtl="0" eaLnBrk="1" fontAlgn="auto" latinLnBrk="0" hangingPunct="1">
-              <a:lnSpc>
-                <a:spcPct val="100000"/>
-              </a:lnSpc>
-              <a:spcBef>
-                <a:spcPts val="0"/>
-              </a:spcBef>
-              <a:spcAft>
-                <a:spcPts val="0"/>
-              </a:spcAft>
-              <a:buClrTx/>
-              <a:buSzTx/>
-              <a:buFontTx/>
-              <a:buAutoNum type="arabicPeriod"/>
-              <a:tabLst/>
-              <a:defRPr/>
-            </a:pPr>
-            <a:r>
-              <a:rPr lang="en-US" b="0" i="0" dirty="0">
-                <a:solidFill>
-                  <a:srgbClr val="292929"/>
-                </a:solidFill>
-                <a:effectLst/>
-                <a:latin typeface="+mn-lt"/>
-              </a:rPr>
-              <a:t>Po the Panda is the word vector for ‘good’ </a:t>
-            </a:r>
-          </a:p>
-          <a:p>
-            <a:pPr marL="228600" marR="0" lvl="0" indent="-228600" algn="l" defTabSz="914400" rtl="0" eaLnBrk="1" fontAlgn="auto" latinLnBrk="0" hangingPunct="1">
-              <a:lnSpc>
-                <a:spcPct val="100000"/>
-              </a:lnSpc>
-              <a:spcBef>
-                <a:spcPts val="0"/>
-              </a:spcBef>
-              <a:spcAft>
-                <a:spcPts val="0"/>
-              </a:spcAft>
-              <a:buClrTx/>
-              <a:buSzTx/>
-              <a:buFontTx/>
-              <a:buAutoNum type="arabicPeriod"/>
-              <a:tabLst/>
-              <a:defRPr/>
-            </a:pPr>
-            <a:r>
-              <a:rPr lang="en-US" b="0" i="0" dirty="0">
-                <a:solidFill>
-                  <a:srgbClr val="292929"/>
-                </a:solidFill>
-                <a:effectLst/>
-                <a:latin typeface="+mn-lt"/>
-              </a:rPr>
-              <a:t>While Master Tigress is the word vector for ‘great’.</a:t>
-            </a:r>
-          </a:p>
-          <a:p>
-            <a:pPr marL="0" marR="0" lvl="0" indent="0" algn="l" defTabSz="914400" rtl="0" eaLnBrk="1" fontAlgn="auto" latinLnBrk="0" hangingPunct="1">
-              <a:lnSpc>
-                <a:spcPct val="100000"/>
-              </a:lnSpc>
-              <a:spcBef>
-                <a:spcPts val="0"/>
-              </a:spcBef>
-              <a:spcAft>
-                <a:spcPts val="0"/>
-              </a:spcAft>
-              <a:buClrTx/>
-              <a:buSzTx/>
-              <a:buFontTx/>
-              <a:buNone/>
-              <a:tabLst/>
-              <a:defRPr/>
-            </a:pPr>
-            <a:endParaRPr lang="en-US" b="0" i="0" dirty="0">
-              <a:solidFill>
-                <a:srgbClr val="292929"/>
-              </a:solidFill>
-              <a:effectLst/>
-              <a:latin typeface="+mn-lt"/>
-            </a:endParaRPr>
-          </a:p>
-          <a:p>
-            <a:pPr marL="0" marR="0" lvl="0" indent="0" algn="l" defTabSz="914400" rtl="0" eaLnBrk="1" fontAlgn="auto" latinLnBrk="0" hangingPunct="1">
-              <a:lnSpc>
-                <a:spcPct val="100000"/>
-              </a:lnSpc>
-              <a:spcBef>
-                <a:spcPts val="0"/>
-              </a:spcBef>
-              <a:spcAft>
-                <a:spcPts val="0"/>
-              </a:spcAft>
-              <a:buClrTx/>
-              <a:buSzTx/>
-              <a:buFontTx/>
-              <a:buNone/>
-              <a:tabLst/>
-              <a:defRPr/>
-            </a:pPr>
-            <a:r>
-              <a:rPr lang="en-US" b="0" i="0" dirty="0">
-                <a:solidFill>
-                  <a:srgbClr val="292929"/>
-                </a:solidFill>
-                <a:effectLst/>
-                <a:latin typeface="+mn-lt"/>
-              </a:rPr>
-              <a:t>In one hot encoding representations, all the words are independent of each other.  But with word embeddings, that is not the case.  Here we introduce some </a:t>
-            </a:r>
-            <a:r>
-              <a:rPr lang="en-US" b="0" i="1" dirty="0">
-                <a:solidFill>
-                  <a:srgbClr val="292929"/>
-                </a:solidFill>
-                <a:effectLst/>
-                <a:latin typeface="+mn-lt"/>
-              </a:rPr>
-              <a:t>dependence</a:t>
-            </a:r>
-            <a:r>
-              <a:rPr lang="en-US" b="0" i="0" dirty="0">
-                <a:solidFill>
-                  <a:srgbClr val="292929"/>
-                </a:solidFill>
-                <a:effectLst/>
-                <a:latin typeface="+mn-lt"/>
-              </a:rPr>
-              <a:t> of one word on the other words. The goal is to generate an </a:t>
-            </a:r>
-            <a:r>
-              <a:rPr lang="en-US" b="1" i="0" dirty="0">
-                <a:solidFill>
-                  <a:srgbClr val="292929"/>
-                </a:solidFill>
-                <a:effectLst/>
-                <a:latin typeface="+mn-lt"/>
-              </a:rPr>
-              <a:t>embedding </a:t>
-            </a:r>
-            <a:r>
-              <a:rPr lang="en-US" b="0" i="0" dirty="0">
-                <a:solidFill>
-                  <a:srgbClr val="292929"/>
-                </a:solidFill>
-                <a:effectLst/>
-                <a:latin typeface="+mn-lt"/>
-              </a:rPr>
-              <a:t>for each word in a vocabulary, a unique location in a high-dimensional space that captures its relationship to other words in that vocabulary.</a:t>
-            </a:r>
-            <a:endParaRPr lang="en-US" b="1" i="0" dirty="0">
-              <a:solidFill>
-                <a:srgbClr val="292929"/>
-              </a:solidFill>
-              <a:effectLst/>
-              <a:latin typeface="+mn-lt"/>
-            </a:endParaRPr>
-          </a:p>
-          <a:p>
-            <a:pPr marL="0" marR="0" lvl="0" indent="0" algn="l" defTabSz="914400" rtl="0" eaLnBrk="1" fontAlgn="auto" latinLnBrk="0" hangingPunct="1">
-              <a:lnSpc>
-                <a:spcPct val="100000"/>
-              </a:lnSpc>
-              <a:spcBef>
-                <a:spcPts val="0"/>
-              </a:spcBef>
-              <a:spcAft>
-                <a:spcPts val="0"/>
-              </a:spcAft>
-              <a:buClrTx/>
-              <a:buSzTx/>
-              <a:buFontTx/>
-              <a:buNone/>
-              <a:tabLst/>
-              <a:defRPr/>
-            </a:pPr>
-            <a:endParaRPr lang="en-US" b="0" i="0" dirty="0">
-              <a:solidFill>
-                <a:srgbClr val="292929"/>
-              </a:solidFill>
-              <a:effectLst/>
-              <a:latin typeface="charter"/>
-            </a:endParaRPr>
-          </a:p>
-          <a:p>
-            <a:pPr marL="0" marR="0" lvl="0" indent="0" algn="l" defTabSz="914400" rtl="0" eaLnBrk="1" fontAlgn="auto" latinLnBrk="0" hangingPunct="1">
-              <a:lnSpc>
-                <a:spcPct val="100000"/>
-              </a:lnSpc>
-              <a:spcBef>
-                <a:spcPts val="0"/>
-              </a:spcBef>
-              <a:spcAft>
-                <a:spcPts val="0"/>
-              </a:spcAft>
-              <a:buClrTx/>
-              <a:buSzTx/>
-              <a:buFontTx/>
-              <a:buNone/>
-              <a:tabLst/>
-              <a:defRPr/>
-            </a:pPr>
-            <a:endParaRPr lang="en-US" b="0" i="0" dirty="0">
-              <a:solidFill>
-                <a:srgbClr val="292929"/>
-              </a:solidFill>
-              <a:effectLst/>
-              <a:latin typeface="charter"/>
-            </a:endParaRPr>
-          </a:p>
-          <a:p>
-            <a:pPr algn="l"/>
-            <a:endParaRPr lang="en-US" dirty="0"/>
+              </a:rPr>
+              <a:t>With the Skip-Gram architecture, a single target word is used to predict all its context words. Skip Gram works well with small amounts of data as well as rare words.</a:t>
+            </a:r>
           </a:p>
         </p:txBody>
       </p:sp>
@@ -1996,7 +1820,7 @@
     </p:spTree>
     <p:extLst>
       <p:ext uri="{BB962C8B-B14F-4D97-AF65-F5344CB8AC3E}">
-        <p14:creationId xmlns:p14="http://schemas.microsoft.com/office/powerpoint/2010/main" val="1453454417"/>
+        <p14:creationId xmlns:p14="http://schemas.microsoft.com/office/powerpoint/2010/main" val="2760553801"/>
       </p:ext>
     </p:extLst>
   </p:cSld>
@@ -2050,132 +1874,6 @@
           <a:bodyPr/>
           <a:lstStyle/>
           <a:p>
-            <a:pPr marL="0" marR="0">
-              <a:spcBef>
-                <a:spcPts val="0"/>
-              </a:spcBef>
-              <a:spcAft>
-                <a:spcPts val="0"/>
-              </a:spcAft>
-            </a:pPr>
-            <a:r>
-              <a:rPr lang="en-US" sz="1200" dirty="0">
-                <a:effectLst/>
-                <a:latin typeface="+mn-lt"/>
-                <a:ea typeface="Calibri" panose="020F0502020204030204" pitchFamily="34" charset="0"/>
-              </a:rPr>
-              <a:t>Let’s wrap up with a quick review.  Word embedding is a process whereby words that appear close together in a text are moved closer together in a vector space.  The process is iterative, moving synonyms close together because synonyms have the same words around them.  </a:t>
-            </a:r>
-          </a:p>
-          <a:p>
-            <a:pPr marL="0" marR="0">
-              <a:spcBef>
-                <a:spcPts val="0"/>
-              </a:spcBef>
-              <a:spcAft>
-                <a:spcPts val="0"/>
-              </a:spcAft>
-            </a:pPr>
-            <a:endParaRPr lang="en-US" sz="1200" dirty="0">
-              <a:effectLst/>
-              <a:latin typeface="+mn-lt"/>
-              <a:ea typeface="Calibri" panose="020F0502020204030204" pitchFamily="34" charset="0"/>
-            </a:endParaRPr>
-          </a:p>
-          <a:p>
-            <a:pPr marL="0" marR="0">
-              <a:spcBef>
-                <a:spcPts val="0"/>
-              </a:spcBef>
-              <a:spcAft>
-                <a:spcPts val="0"/>
-              </a:spcAft>
-            </a:pPr>
-            <a:r>
-              <a:rPr lang="en-US" sz="1200" dirty="0">
-                <a:effectLst/>
-                <a:latin typeface="+mn-lt"/>
-                <a:ea typeface="Calibri" panose="020F0502020204030204" pitchFamily="34" charset="0"/>
-              </a:rPr>
-              <a:t>Consider, for example, these sentences – “Grapefruit is my favorite citrus.  Grapefruits grow on a tree.  The orange is also a citrus.”  Now you can see how processing thousands of sentences like these would create a connection between citrus, orange, and grapefruit.  Just as juice, fruit, and tree are similar. All based on word proximity.</a:t>
-            </a:r>
-          </a:p>
-          <a:p>
-            <a:pPr marL="0" marR="0">
-              <a:spcBef>
-                <a:spcPts val="0"/>
-              </a:spcBef>
-              <a:spcAft>
-                <a:spcPts val="0"/>
-              </a:spcAft>
-            </a:pPr>
-            <a:r>
-              <a:rPr lang="en-US" sz="1200" dirty="0">
-                <a:effectLst/>
-                <a:latin typeface="+mn-lt"/>
-                <a:ea typeface="Calibri" panose="020F0502020204030204" pitchFamily="34" charset="0"/>
-              </a:rPr>
-              <a:t>  </a:t>
-            </a:r>
-          </a:p>
-          <a:p>
-            <a:pPr marL="0" marR="0">
-              <a:spcBef>
-                <a:spcPts val="0"/>
-              </a:spcBef>
-              <a:spcAft>
-                <a:spcPts val="0"/>
-              </a:spcAft>
-            </a:pPr>
-            <a:r>
-              <a:rPr lang="en-US" sz="1200" dirty="0">
-                <a:effectLst/>
-                <a:latin typeface="+mn-lt"/>
-                <a:ea typeface="Calibri" panose="020F0502020204030204" pitchFamily="34" charset="0"/>
-              </a:rPr>
-              <a:t>The main problem with this approach is it only creates 1 embedding per word… hence, more recent transformer models such as BERT and GPT support contextualized embeddings; that is, multiple embeddings per word, to represent different meanings of a word.  Our transformer workshop covers this new architecture in-depth.</a:t>
-            </a:r>
-          </a:p>
-          <a:p>
-            <a:pPr marL="0" marR="0">
-              <a:spcBef>
-                <a:spcPts val="0"/>
-              </a:spcBef>
-              <a:spcAft>
-                <a:spcPts val="0"/>
-              </a:spcAft>
-            </a:pPr>
-            <a:r>
-              <a:rPr lang="en-US" sz="1200" dirty="0">
-                <a:effectLst/>
-                <a:latin typeface="+mn-lt"/>
-                <a:ea typeface="Calibri" panose="020F0502020204030204" pitchFamily="34" charset="0"/>
-              </a:rPr>
-              <a:t> </a:t>
-            </a:r>
-          </a:p>
-          <a:p>
-            <a:pPr marL="0" marR="0">
-              <a:spcBef>
-                <a:spcPts val="0"/>
-              </a:spcBef>
-              <a:spcAft>
-                <a:spcPts val="0"/>
-              </a:spcAft>
-            </a:pPr>
-            <a:r>
-              <a:rPr lang="en-US" sz="1200" dirty="0">
-                <a:effectLst/>
-                <a:latin typeface="+mn-lt"/>
-                <a:ea typeface="Calibri" panose="020F0502020204030204" pitchFamily="34" charset="0"/>
-              </a:rPr>
-              <a:t>(E. Stubbs Email: 05.21.21)</a:t>
-            </a:r>
-            <a:endParaRPr lang="en-US" sz="1200" dirty="0">
-              <a:latin typeface="+mn-lt"/>
-            </a:endParaRPr>
-          </a:p>
-          <a:p>
             <a:pPr marL="0" marR="0" lvl="0" indent="0" algn="l" defTabSz="914400" rtl="0" eaLnBrk="1" fontAlgn="auto" latinLnBrk="0" hangingPunct="1">
               <a:lnSpc>
                 <a:spcPct val="100000"/>
@@ -2193,16 +1891,179 @@
               <a:tabLst/>
               <a:defRPr/>
             </a:pPr>
-            <a:endParaRPr lang="en-US" dirty="0"/>
-          </a:p>
-          <a:p>
-            <a:pPr algn="l"/>
+            <a:r>
+              <a:rPr lang="en-US" b="0" i="0" dirty="0">
+                <a:solidFill>
+                  <a:srgbClr val="292929"/>
+                </a:solidFill>
+                <a:effectLst/>
+                <a:latin typeface="+mn-lt"/>
+              </a:rPr>
+              <a:t>As stated earlier, the primary disadvantage with one-hot encoding is that all the words are independent of each other.   But word embeddings solve that problem. </a:t>
+            </a:r>
+            <a:r>
+              <a:rPr lang="en-US" sz="1200" dirty="0">
+                <a:effectLst/>
+                <a:latin typeface="+mn-lt"/>
+                <a:ea typeface="Calibri" panose="020F0502020204030204" pitchFamily="34" charset="0"/>
+              </a:rPr>
+              <a:t>The basic idea behind word embeddings is that we want words that appear in similar contexts to be spatially close to each other.   Mathematically we do that by measuring the cosine of the angle between word vectors.  Thus, the cosine of the angle between similar words such as “good” and “great” ought to be near 1.  </a:t>
+            </a:r>
+            <a:r>
+              <a:rPr lang="en-US" b="0" i="0" dirty="0">
+                <a:solidFill>
+                  <a:srgbClr val="292929"/>
+                </a:solidFill>
+                <a:effectLst/>
+                <a:latin typeface="+mn-lt"/>
+              </a:rPr>
+              <a:t>That is, an angle close to 0.  In this image:</a:t>
+            </a:r>
+          </a:p>
+          <a:p>
+            <a:pPr marL="0" marR="0" lvl="0" indent="0" algn="l" defTabSz="914400" rtl="0" eaLnBrk="1" fontAlgn="auto" latinLnBrk="0" hangingPunct="1">
+              <a:lnSpc>
+                <a:spcPct val="100000"/>
+              </a:lnSpc>
+              <a:spcBef>
+                <a:spcPts val="0"/>
+              </a:spcBef>
+              <a:spcAft>
+                <a:spcPts val="0"/>
+              </a:spcAft>
+              <a:buClrTx/>
+              <a:buSzTx/>
+              <a:buFontTx/>
+              <a:buNone/>
+              <a:tabLst/>
+              <a:defRPr/>
+            </a:pPr>
             <a:endParaRPr lang="en-US" b="0" i="0" dirty="0">
               <a:solidFill>
-                <a:srgbClr val="3C3C3B"/>
+                <a:srgbClr val="292929"/>
               </a:solidFill>
               <a:effectLst/>
-              <a:latin typeface="Lato"/>
+              <a:latin typeface="+mn-lt"/>
+            </a:endParaRPr>
+          </a:p>
+          <a:p>
+            <a:pPr marL="228600" marR="0" lvl="0" indent="-228600" algn="l" defTabSz="914400" rtl="0" eaLnBrk="1" fontAlgn="auto" latinLnBrk="0" hangingPunct="1">
+              <a:lnSpc>
+                <a:spcPct val="100000"/>
+              </a:lnSpc>
+              <a:spcBef>
+                <a:spcPts val="0"/>
+              </a:spcBef>
+              <a:spcAft>
+                <a:spcPts val="0"/>
+              </a:spcAft>
+              <a:buClrTx/>
+              <a:buSzTx/>
+              <a:buFontTx/>
+              <a:buAutoNum type="arabicPeriod"/>
+              <a:tabLst/>
+              <a:defRPr/>
+            </a:pPr>
+            <a:r>
+              <a:rPr lang="en-US" b="0" i="0" dirty="0">
+                <a:solidFill>
+                  <a:srgbClr val="292929"/>
+                </a:solidFill>
+                <a:effectLst/>
+                <a:latin typeface="+mn-lt"/>
+              </a:rPr>
+              <a:t>Po the Panda is the word vector for ‘good’ </a:t>
+            </a:r>
+          </a:p>
+          <a:p>
+            <a:pPr marL="228600" marR="0" lvl="0" indent="-228600" algn="l" defTabSz="914400" rtl="0" eaLnBrk="1" fontAlgn="auto" latinLnBrk="0" hangingPunct="1">
+              <a:lnSpc>
+                <a:spcPct val="100000"/>
+              </a:lnSpc>
+              <a:spcBef>
+                <a:spcPts val="0"/>
+              </a:spcBef>
+              <a:spcAft>
+                <a:spcPts val="0"/>
+              </a:spcAft>
+              <a:buClrTx/>
+              <a:buSzTx/>
+              <a:buFontTx/>
+              <a:buAutoNum type="arabicPeriod"/>
+              <a:tabLst/>
+              <a:defRPr/>
+            </a:pPr>
+            <a:r>
+              <a:rPr lang="en-US" b="0" i="0" dirty="0">
+                <a:solidFill>
+                  <a:srgbClr val="292929"/>
+                </a:solidFill>
+                <a:effectLst/>
+                <a:latin typeface="+mn-lt"/>
+              </a:rPr>
+              <a:t>While Master Tigress is the word vector for ‘great’.</a:t>
+            </a:r>
+          </a:p>
+          <a:p>
+            <a:pPr marL="0" marR="0" lvl="0" indent="0" algn="l" defTabSz="914400" rtl="0" eaLnBrk="1" fontAlgn="auto" latinLnBrk="0" hangingPunct="1">
+              <a:lnSpc>
+                <a:spcPct val="100000"/>
+              </a:lnSpc>
+              <a:spcBef>
+                <a:spcPts val="0"/>
+              </a:spcBef>
+              <a:spcAft>
+                <a:spcPts val="0"/>
+              </a:spcAft>
+              <a:buClrTx/>
+              <a:buSzTx/>
+              <a:buFontTx/>
+              <a:buNone/>
+              <a:tabLst/>
+              <a:defRPr/>
+            </a:pPr>
+            <a:endParaRPr lang="en-US" b="0" i="0" dirty="0">
+              <a:solidFill>
+                <a:srgbClr val="292929"/>
+              </a:solidFill>
+              <a:effectLst/>
+              <a:latin typeface="+mn-lt"/>
+            </a:endParaRPr>
+          </a:p>
+          <a:p>
+            <a:pPr marL="0" marR="0" lvl="0" indent="0" algn="l" defTabSz="914400" rtl="0" eaLnBrk="1" fontAlgn="auto" latinLnBrk="0" hangingPunct="1">
+              <a:lnSpc>
+                <a:spcPct val="100000"/>
+              </a:lnSpc>
+              <a:spcBef>
+                <a:spcPts val="0"/>
+              </a:spcBef>
+              <a:spcAft>
+                <a:spcPts val="0"/>
+              </a:spcAft>
+              <a:buClrTx/>
+              <a:buSzTx/>
+              <a:buFontTx/>
+              <a:buNone/>
+              <a:tabLst/>
+              <a:defRPr/>
+            </a:pPr>
+            <a:r>
+              <a:rPr lang="en-US" b="0" i="0" dirty="0">
+                <a:solidFill>
+                  <a:srgbClr val="292929"/>
+                </a:solidFill>
+                <a:effectLst/>
+                <a:latin typeface="+mn-lt"/>
+              </a:rPr>
+              <a:t>In this image, the two words are spatially proximate to each other because their meaning overlaps to a large degree.</a:t>
+            </a:r>
+            <a:endParaRPr lang="en-US" b="0" i="0" dirty="0">
+              <a:solidFill>
+                <a:srgbClr val="292929"/>
+              </a:solidFill>
+              <a:effectLst/>
+              <a:latin typeface="charter"/>
             </a:endParaRPr>
           </a:p>
           <a:p>
@@ -2237,7 +2098,7 @@
     </p:spTree>
     <p:extLst>
       <p:ext uri="{BB962C8B-B14F-4D97-AF65-F5344CB8AC3E}">
-        <p14:creationId xmlns:p14="http://schemas.microsoft.com/office/powerpoint/2010/main" val="3603398227"/>
+        <p14:creationId xmlns:p14="http://schemas.microsoft.com/office/powerpoint/2010/main" val="1453454417"/>
       </p:ext>
     </p:extLst>
   </p:cSld>
@@ -2786,7 +2647,7 @@
                 <a:effectLst/>
                 <a:latin typeface="+mn-lt"/>
               </a:rPr>
-              <a:t>How on Earth can you satisfy this request? What does it even mean? Happily, you can do just as she asks with the chart, just by combining arrows.</a:t>
+              <a:t>How on Earth can you satisfy this request? What does it even mean? Happily, you can do what she asks with this chart, just by combining arrows.</a:t>
             </a:r>
           </a:p>
           <a:p>
@@ -2981,6 +2842,247 @@
           <a:bodyPr/>
           <a:lstStyle/>
           <a:p>
+            <a:pPr marL="0" marR="0">
+              <a:spcBef>
+                <a:spcPts val="0"/>
+              </a:spcBef>
+              <a:spcAft>
+                <a:spcPts val="0"/>
+              </a:spcAft>
+            </a:pPr>
+            <a:r>
+              <a:rPr lang="en-US" sz="1200" dirty="0">
+                <a:effectLst/>
+                <a:latin typeface="+mn-lt"/>
+                <a:ea typeface="Calibri" panose="020F0502020204030204" pitchFamily="34" charset="0"/>
+              </a:rPr>
+              <a:t>Let’s wrap up with a quick review.  Word embedding is a process whereby words that appear close together in a text are moved closer together in a vector space.  The process is iterative, moving synonyms close together because synonyms have the same words around them.  </a:t>
+            </a:r>
+          </a:p>
+          <a:p>
+            <a:pPr marL="0" marR="0">
+              <a:spcBef>
+                <a:spcPts val="0"/>
+              </a:spcBef>
+              <a:spcAft>
+                <a:spcPts val="0"/>
+              </a:spcAft>
+            </a:pPr>
+            <a:endParaRPr lang="en-US" sz="1200" dirty="0">
+              <a:effectLst/>
+              <a:latin typeface="+mn-lt"/>
+              <a:ea typeface="Calibri" panose="020F0502020204030204" pitchFamily="34" charset="0"/>
+            </a:endParaRPr>
+          </a:p>
+          <a:p>
+            <a:pPr marL="0" marR="0">
+              <a:spcBef>
+                <a:spcPts val="0"/>
+              </a:spcBef>
+              <a:spcAft>
+                <a:spcPts val="0"/>
+              </a:spcAft>
+            </a:pPr>
+            <a:r>
+              <a:rPr lang="en-US" sz="1200" dirty="0">
+                <a:effectLst/>
+                <a:latin typeface="+mn-lt"/>
+                <a:ea typeface="Calibri" panose="020F0502020204030204" pitchFamily="34" charset="0"/>
+              </a:rPr>
+              <a:t>Consider, for example, these sentences – “Grapefruit is my favorite citrus.  Grapefruits grow on a tree.  The orange is also a citrus.”  Now you can see how processing thousands of sentences like these would create a connection between citrus, orange, and grapefruit.  Just as juice, fruit, and tree are similar. All based on word proximity.</a:t>
+            </a:r>
+          </a:p>
+          <a:p>
+            <a:pPr marL="0" marR="0">
+              <a:spcBef>
+                <a:spcPts val="0"/>
+              </a:spcBef>
+              <a:spcAft>
+                <a:spcPts val="0"/>
+              </a:spcAft>
+            </a:pPr>
+            <a:r>
+              <a:rPr lang="en-US" sz="1200" dirty="0">
+                <a:effectLst/>
+                <a:latin typeface="+mn-lt"/>
+                <a:ea typeface="Calibri" panose="020F0502020204030204" pitchFamily="34" charset="0"/>
+              </a:rPr>
+              <a:t>  </a:t>
+            </a:r>
+          </a:p>
+          <a:p>
+            <a:pPr marL="0" marR="0">
+              <a:spcBef>
+                <a:spcPts val="0"/>
+              </a:spcBef>
+              <a:spcAft>
+                <a:spcPts val="0"/>
+              </a:spcAft>
+            </a:pPr>
+            <a:r>
+              <a:rPr lang="en-US" sz="1200" dirty="0">
+                <a:effectLst/>
+                <a:latin typeface="+mn-lt"/>
+                <a:ea typeface="Calibri" panose="020F0502020204030204" pitchFamily="34" charset="0"/>
+              </a:rPr>
+              <a:t>The main problem with this approach is it only creates 1 embedding per word… hence, more recent transformer models such as BERT and GPT support contextualized embeddings; that is, multiple embeddings per word, to represent different meanings of a word.  Our transformer workshop covers this new architecture in-depth.</a:t>
+            </a:r>
+          </a:p>
+          <a:p>
+            <a:pPr marL="0" marR="0">
+              <a:spcBef>
+                <a:spcPts val="0"/>
+              </a:spcBef>
+              <a:spcAft>
+                <a:spcPts val="0"/>
+              </a:spcAft>
+            </a:pPr>
+            <a:r>
+              <a:rPr lang="en-US" sz="1200" dirty="0">
+                <a:effectLst/>
+                <a:latin typeface="+mn-lt"/>
+                <a:ea typeface="Calibri" panose="020F0502020204030204" pitchFamily="34" charset="0"/>
+              </a:rPr>
+              <a:t> </a:t>
+            </a:r>
+          </a:p>
+          <a:p>
+            <a:pPr marL="0" marR="0">
+              <a:spcBef>
+                <a:spcPts val="0"/>
+              </a:spcBef>
+              <a:spcAft>
+                <a:spcPts val="0"/>
+              </a:spcAft>
+            </a:pPr>
+            <a:r>
+              <a:rPr lang="en-US" sz="1200" dirty="0">
+                <a:effectLst/>
+                <a:latin typeface="+mn-lt"/>
+                <a:ea typeface="Calibri" panose="020F0502020204030204" pitchFamily="34" charset="0"/>
+              </a:rPr>
+              <a:t>(E. Stubbs Email: 05.21.21)</a:t>
+            </a:r>
+            <a:endParaRPr lang="en-US" sz="1200" dirty="0">
+              <a:latin typeface="+mn-lt"/>
+            </a:endParaRPr>
+          </a:p>
+          <a:p>
+            <a:pPr marL="0" marR="0" lvl="0" indent="0" algn="l" defTabSz="914400" rtl="0" eaLnBrk="1" fontAlgn="auto" latinLnBrk="0" hangingPunct="1">
+              <a:lnSpc>
+                <a:spcPct val="100000"/>
+              </a:lnSpc>
+              <a:spcBef>
+                <a:spcPts val="0"/>
+              </a:spcBef>
+              <a:spcAft>
+                <a:spcPts val="0"/>
+              </a:spcAft>
+              <a:buClrTx/>
+              <a:buSzTx/>
+              <a:buFontTx/>
+              <a:buNone/>
+              <a:tabLst/>
+              <a:defRPr/>
+            </a:pPr>
+            <a:endParaRPr lang="en-US" dirty="0"/>
+          </a:p>
+          <a:p>
+            <a:pPr algn="l"/>
+            <a:endParaRPr lang="en-US" b="0" i="0" dirty="0">
+              <a:solidFill>
+                <a:srgbClr val="3C3C3B"/>
+              </a:solidFill>
+              <a:effectLst/>
+              <a:latin typeface="Lato"/>
+            </a:endParaRPr>
+          </a:p>
+          <a:p>
+            <a:pPr algn="l"/>
+            <a:endParaRPr lang="en-US" dirty="0"/>
+          </a:p>
+        </p:txBody>
+      </p:sp>
+      <p:sp>
+        <p:nvSpPr>
+          <p:cNvPr id="4" name="Slide Number Placeholder 3"/>
+          <p:cNvSpPr>
+            <a:spLocks noGrp="1"/>
+          </p:cNvSpPr>
+          <p:nvPr>
+            <p:ph type="sldNum" sz="quarter" idx="5"/>
+          </p:nvPr>
+        </p:nvSpPr>
+        <p:spPr/>
+        <p:txBody>
+          <a:bodyPr/>
+          <a:lstStyle/>
+          <a:p>
+            <a:fld id="{3148858F-F1DB-4027-9C85-CCA6849540DD}" type="slidenum">
+              <a:rPr lang="en-US" smtClean="0"/>
+              <a:t>21</a:t>
+            </a:fld>
+            <a:endParaRPr lang="en-US"/>
+          </a:p>
+        </p:txBody>
+      </p:sp>
+    </p:spTree>
+    <p:extLst>
+      <p:ext uri="{BB962C8B-B14F-4D97-AF65-F5344CB8AC3E}">
+        <p14:creationId xmlns:p14="http://schemas.microsoft.com/office/powerpoint/2010/main" val="3603398227"/>
+      </p:ext>
+    </p:extLst>
+  </p:cSld>
+  <p:clrMapOvr>
+    <a:masterClrMapping/>
+  </p:clrMapOvr>
+</p:notes>
+</file>
+
+<file path=ppt/notesSlides/notesSlide22.xml><?xml version="1.0" encoding="utf-8"?>
+<p:notes xmlns:a="http://schemas.openxmlformats.org/drawingml/2006/main" xmlns:r="http://schemas.openxmlformats.org/officeDocument/2006/relationships" xmlns:p="http://schemas.openxmlformats.org/presentationml/2006/main">
+  <p:cSld>
+    <p:spTree>
+      <p:nvGrpSpPr>
+        <p:cNvPr id="1" name=""/>
+        <p:cNvGrpSpPr/>
+        <p:nvPr/>
+      </p:nvGrpSpPr>
+      <p:grpSpPr>
+        <a:xfrm>
+          <a:off x="0" y="0"/>
+          <a:ext cx="0" cy="0"/>
+          <a:chOff x="0" y="0"/>
+          <a:chExt cx="0" cy="0"/>
+        </a:xfrm>
+      </p:grpSpPr>
+      <p:sp>
+        <p:nvSpPr>
+          <p:cNvPr id="2" name="Slide Image Placeholder 1"/>
+          <p:cNvSpPr>
+            <a:spLocks noGrp="1" noRot="1" noChangeAspect="1"/>
+          </p:cNvSpPr>
+          <p:nvPr>
+            <p:ph type="sldImg"/>
+          </p:nvPr>
+        </p:nvSpPr>
+        <p:spPr/>
+      </p:sp>
+      <p:sp>
+        <p:nvSpPr>
+          <p:cNvPr id="3" name="Notes Placeholder 2"/>
+          <p:cNvSpPr>
+            <a:spLocks noGrp="1"/>
+          </p:cNvSpPr>
+          <p:nvPr>
+            <p:ph type="body" idx="1"/>
+          </p:nvPr>
+        </p:nvSpPr>
+        <p:spPr/>
+        <p:txBody>
+          <a:bodyPr/>
+          <a:lstStyle/>
+          <a:p>
             <a:pPr algn="l"/>
             <a:r>
               <a:rPr lang="en-US" dirty="0">
@@ -3137,7 +3239,7 @@
           <a:p>
             <a:fld id="{3148858F-F1DB-4027-9C85-CCA6849540DD}" type="slidenum">
               <a:rPr lang="en-US" smtClean="0"/>
-              <a:t>22</a:t>
+              <a:t>23</a:t>
             </a:fld>
             <a:endParaRPr lang="en-US"/>
           </a:p>
@@ -4011,7 +4113,7 @@
             </a:pPr>
             <a:r>
               <a:rPr lang="en-US" sz="1800" dirty="0"/>
-              <a:t>The relationships between words in an embedding space can be visualized.  This image (heat map) shows six sets of four related words.  The more the embeddings of any two words are alike, the higher the word pair score.  Higher scores, in turn, are darker red.  Each word matches itself more strongly than unrelated words.  These can be seen as a dark red diagonal of blocks.</a:t>
+              <a:t>The relationships between words in an embedding space can be visualized.   (Click) This image (heat map) shows six sets of four related words.  The more the embeddings of any two words are alike, the higher the word pair score.  Higher scores, in turn, are darker red.  Each word matches itself more strongly than unrelated words.  These can be seen as a dark red diagonal of blocks.</a:t>
             </a:r>
           </a:p>
           <a:p>
@@ -4033,6 +4135,29 @@
               <a:defRPr/>
             </a:pPr>
             <a:endParaRPr lang="en-US" sz="1800" dirty="0"/>
+          </a:p>
+          <a:p>
+            <a:pPr marL="0" marR="0" lvl="0" indent="0" algn="l" defTabSz="914400" rtl="0" eaLnBrk="1" fontAlgn="auto" latinLnBrk="0" hangingPunct="1">
+              <a:lnSpc>
+                <a:spcPct val="100000"/>
+              </a:lnSpc>
+              <a:spcBef>
+                <a:spcPts val="0"/>
+              </a:spcBef>
+              <a:spcAft>
+                <a:spcPts val="0"/>
+              </a:spcAft>
+              <a:buClrTx/>
+              <a:buSzTx/>
+              <a:buFontTx/>
+              <a:buNone/>
+              <a:tabLst/>
+              <a:defRPr/>
+            </a:pPr>
+            <a:r>
+              <a:rPr lang="en-US" sz="1800" dirty="0"/>
+              <a:t>=====</a:t>
+            </a:r>
           </a:p>
           <a:p>
             <a:pPr marL="0" marR="0" lvl="0" indent="0" algn="l" defTabSz="914400" rtl="0" eaLnBrk="1" fontAlgn="auto" latinLnBrk="0" hangingPunct="1">
@@ -4726,7 +4851,7 @@
           <a:p>
             <a:fld id="{C3F78080-8D0A-4BE8-A5B4-CB115102D524}" type="datetimeFigureOut">
               <a:rPr lang="en-US" smtClean="0"/>
-              <a:t>10/20/2022</a:t>
+              <a:t>10/21/2022</a:t>
             </a:fld>
             <a:endParaRPr lang="en-US"/>
           </a:p>
@@ -4924,7 +5049,7 @@
           <a:p>
             <a:fld id="{C3F78080-8D0A-4BE8-A5B4-CB115102D524}" type="datetimeFigureOut">
               <a:rPr lang="en-US" smtClean="0"/>
-              <a:t>10/20/2022</a:t>
+              <a:t>10/21/2022</a:t>
             </a:fld>
             <a:endParaRPr lang="en-US"/>
           </a:p>
@@ -5132,7 +5257,7 @@
           <a:p>
             <a:fld id="{C3F78080-8D0A-4BE8-A5B4-CB115102D524}" type="datetimeFigureOut">
               <a:rPr lang="en-US" smtClean="0"/>
-              <a:t>10/20/2022</a:t>
+              <a:t>10/21/2022</a:t>
             </a:fld>
             <a:endParaRPr lang="en-US"/>
           </a:p>
@@ -5330,7 +5455,7 @@
           <a:p>
             <a:fld id="{C3F78080-8D0A-4BE8-A5B4-CB115102D524}" type="datetimeFigureOut">
               <a:rPr lang="en-US" smtClean="0"/>
-              <a:t>10/20/2022</a:t>
+              <a:t>10/21/2022</a:t>
             </a:fld>
             <a:endParaRPr lang="en-US"/>
           </a:p>
@@ -5605,7 +5730,7 @@
           <a:p>
             <a:fld id="{C3F78080-8D0A-4BE8-A5B4-CB115102D524}" type="datetimeFigureOut">
               <a:rPr lang="en-US" smtClean="0"/>
-              <a:t>10/20/2022</a:t>
+              <a:t>10/21/2022</a:t>
             </a:fld>
             <a:endParaRPr lang="en-US"/>
           </a:p>
@@ -5870,7 +5995,7 @@
           <a:p>
             <a:fld id="{C3F78080-8D0A-4BE8-A5B4-CB115102D524}" type="datetimeFigureOut">
               <a:rPr lang="en-US" smtClean="0"/>
-              <a:t>10/20/2022</a:t>
+              <a:t>10/21/2022</a:t>
             </a:fld>
             <a:endParaRPr lang="en-US"/>
           </a:p>
@@ -6282,7 +6407,7 @@
           <a:p>
             <a:fld id="{C3F78080-8D0A-4BE8-A5B4-CB115102D524}" type="datetimeFigureOut">
               <a:rPr lang="en-US" smtClean="0"/>
-              <a:t>10/20/2022</a:t>
+              <a:t>10/21/2022</a:t>
             </a:fld>
             <a:endParaRPr lang="en-US"/>
           </a:p>
@@ -6423,7 +6548,7 @@
           <a:p>
             <a:fld id="{C3F78080-8D0A-4BE8-A5B4-CB115102D524}" type="datetimeFigureOut">
               <a:rPr lang="en-US" smtClean="0"/>
-              <a:t>10/20/2022</a:t>
+              <a:t>10/21/2022</a:t>
             </a:fld>
             <a:endParaRPr lang="en-US"/>
           </a:p>
@@ -6536,7 +6661,7 @@
           <a:p>
             <a:fld id="{C3F78080-8D0A-4BE8-A5B4-CB115102D524}" type="datetimeFigureOut">
               <a:rPr lang="en-US" smtClean="0"/>
-              <a:t>10/20/2022</a:t>
+              <a:t>10/21/2022</a:t>
             </a:fld>
             <a:endParaRPr lang="en-US"/>
           </a:p>
@@ -6847,7 +6972,7 @@
           <a:p>
             <a:fld id="{C3F78080-8D0A-4BE8-A5B4-CB115102D524}" type="datetimeFigureOut">
               <a:rPr lang="en-US" smtClean="0"/>
-              <a:t>10/20/2022</a:t>
+              <a:t>10/21/2022</a:t>
             </a:fld>
             <a:endParaRPr lang="en-US"/>
           </a:p>
@@ -7135,7 +7260,7 @@
           <a:p>
             <a:fld id="{C3F78080-8D0A-4BE8-A5B4-CB115102D524}" type="datetimeFigureOut">
               <a:rPr lang="en-US" smtClean="0"/>
-              <a:t>10/20/2022</a:t>
+              <a:t>10/21/2022</a:t>
             </a:fld>
             <a:endParaRPr lang="en-US"/>
           </a:p>
@@ -7376,7 +7501,7 @@
           <a:p>
             <a:fld id="{C3F78080-8D0A-4BE8-A5B4-CB115102D524}" type="datetimeFigureOut">
               <a:rPr lang="en-US" smtClean="0"/>
-              <a:t>10/20/2022</a:t>
+              <a:t>10/21/2022</a:t>
             </a:fld>
             <a:endParaRPr lang="en-US"/>
           </a:p>
@@ -8209,6 +8334,394 @@
           <a:chExt cx="0" cy="0"/>
         </a:xfrm>
       </p:grpSpPr>
+      <p:sp>
+        <p:nvSpPr>
+          <p:cNvPr id="2" name="Title 1">
+            <a:extLst>
+              <a:ext uri="{FF2B5EF4-FFF2-40B4-BE49-F238E27FC236}">
+                <a16:creationId xmlns:a16="http://schemas.microsoft.com/office/drawing/2014/main" id="{F7065AF0-2E64-78F4-6024-8C32049DF790}"/>
+              </a:ext>
+            </a:extLst>
+          </p:cNvPr>
+          <p:cNvSpPr txBox="1">
+            <a:spLocks/>
+          </p:cNvSpPr>
+          <p:nvPr/>
+        </p:nvSpPr>
+        <p:spPr>
+          <a:xfrm>
+            <a:off x="0" y="1229983"/>
+            <a:ext cx="12192000" cy="591532"/>
+          </a:xfrm>
+          <a:prstGeom prst="rect">
+            <a:avLst/>
+          </a:prstGeom>
+          <a:noFill/>
+        </p:spPr>
+        <p:txBody>
+          <a:bodyPr>
+            <a:noAutofit/>
+          </a:bodyPr>
+          <a:lstStyle>
+            <a:lvl1pPr algn="l" defTabSz="914400" rtl="0" eaLnBrk="1" latinLnBrk="0" hangingPunct="1">
+              <a:lnSpc>
+                <a:spcPct val="90000"/>
+              </a:lnSpc>
+              <a:spcBef>
+                <a:spcPct val="0"/>
+              </a:spcBef>
+              <a:buNone/>
+              <a:defRPr sz="4400" kern="1200">
+                <a:solidFill>
+                  <a:schemeClr val="tx1"/>
+                </a:solidFill>
+                <a:latin typeface="+mj-lt"/>
+                <a:ea typeface="+mj-ea"/>
+                <a:cs typeface="+mj-cs"/>
+              </a:defRPr>
+            </a:lvl1pPr>
+          </a:lstStyle>
+          <a:p>
+            <a:pPr algn="ctr"/>
+            <a:r>
+              <a:rPr lang="en-US" sz="4800" dirty="0">
+                <a:solidFill>
+                  <a:srgbClr val="68BA7D"/>
+                </a:solidFill>
+                <a:latin typeface="Avenir Next LT Pro Light" panose="020B0604020202020204" pitchFamily="34" charset="0"/>
+              </a:rPr>
+              <a:t>Word2Vec</a:t>
+            </a:r>
+            <a:endParaRPr lang="en-US" sz="4800" dirty="0">
+              <a:solidFill>
+                <a:srgbClr val="68BA7D"/>
+              </a:solidFill>
+              <a:latin typeface="Avenir Next LT Pro Light" panose="020B0604020202020204" pitchFamily="34" charset="0"/>
+              <a:cs typeface="Segoe UI Light" panose="020B0502040204020203" pitchFamily="34" charset="0"/>
+            </a:endParaRPr>
+          </a:p>
+        </p:txBody>
+      </p:sp>
+      <p:sp>
+        <p:nvSpPr>
+          <p:cNvPr id="3" name="Title 1">
+            <a:extLst>
+              <a:ext uri="{FF2B5EF4-FFF2-40B4-BE49-F238E27FC236}">
+                <a16:creationId xmlns:a16="http://schemas.microsoft.com/office/drawing/2014/main" id="{CBE29248-1028-5FFE-882E-61AC438EFF21}"/>
+              </a:ext>
+            </a:extLst>
+          </p:cNvPr>
+          <p:cNvSpPr txBox="1">
+            <a:spLocks/>
+          </p:cNvSpPr>
+          <p:nvPr/>
+        </p:nvSpPr>
+        <p:spPr>
+          <a:xfrm>
+            <a:off x="957263" y="2908905"/>
+            <a:ext cx="9172576" cy="591532"/>
+          </a:xfrm>
+          <a:prstGeom prst="rect">
+            <a:avLst/>
+          </a:prstGeom>
+          <a:noFill/>
+        </p:spPr>
+        <p:txBody>
+          <a:bodyPr>
+            <a:noAutofit/>
+          </a:bodyPr>
+          <a:lstStyle>
+            <a:lvl1pPr algn="l" defTabSz="914400" rtl="0" eaLnBrk="1" latinLnBrk="0" hangingPunct="1">
+              <a:lnSpc>
+                <a:spcPct val="90000"/>
+              </a:lnSpc>
+              <a:spcBef>
+                <a:spcPct val="0"/>
+              </a:spcBef>
+              <a:buNone/>
+              <a:defRPr sz="4400" kern="1200">
+                <a:solidFill>
+                  <a:schemeClr val="tx1"/>
+                </a:solidFill>
+                <a:latin typeface="+mj-lt"/>
+                <a:ea typeface="+mj-ea"/>
+                <a:cs typeface="+mj-cs"/>
+              </a:defRPr>
+            </a:lvl1pPr>
+          </a:lstStyle>
+          <a:p>
+            <a:pPr marL="914400" indent="-914400">
+              <a:buFont typeface="+mj-lt"/>
+              <a:buAutoNum type="arabicPeriod"/>
+            </a:pPr>
+            <a:r>
+              <a:rPr lang="en-US" sz="3600" dirty="0">
+                <a:solidFill>
+                  <a:schemeClr val="tx1">
+                    <a:lumMod val="65000"/>
+                    <a:lumOff val="35000"/>
+                  </a:schemeClr>
+                </a:solidFill>
+                <a:latin typeface="Avenir Next LT Pro Light" panose="020B0604020202020204" pitchFamily="34" charset="0"/>
+              </a:rPr>
+              <a:t>CBOW (Common Bag of Words)</a:t>
+            </a:r>
+            <a:endParaRPr lang="en-US" sz="3600" dirty="0">
+              <a:solidFill>
+                <a:schemeClr val="tx1">
+                  <a:lumMod val="65000"/>
+                  <a:lumOff val="35000"/>
+                </a:schemeClr>
+              </a:solidFill>
+              <a:latin typeface="Avenir Next LT Pro Light" panose="020B0604020202020204" pitchFamily="34" charset="0"/>
+              <a:cs typeface="Segoe UI Light" panose="020B0502040204020203" pitchFamily="34" charset="0"/>
+            </a:endParaRPr>
+          </a:p>
+        </p:txBody>
+      </p:sp>
+      <p:sp>
+        <p:nvSpPr>
+          <p:cNvPr id="4" name="Title 1">
+            <a:extLst>
+              <a:ext uri="{FF2B5EF4-FFF2-40B4-BE49-F238E27FC236}">
+                <a16:creationId xmlns:a16="http://schemas.microsoft.com/office/drawing/2014/main" id="{39A74E1C-EC17-93DD-D318-16A7FB78653D}"/>
+              </a:ext>
+            </a:extLst>
+          </p:cNvPr>
+          <p:cNvSpPr txBox="1">
+            <a:spLocks/>
+          </p:cNvSpPr>
+          <p:nvPr/>
+        </p:nvSpPr>
+        <p:spPr>
+          <a:xfrm>
+            <a:off x="957263" y="3996295"/>
+            <a:ext cx="9172576" cy="591532"/>
+          </a:xfrm>
+          <a:prstGeom prst="rect">
+            <a:avLst/>
+          </a:prstGeom>
+          <a:noFill/>
+        </p:spPr>
+        <p:txBody>
+          <a:bodyPr>
+            <a:noAutofit/>
+          </a:bodyPr>
+          <a:lstStyle>
+            <a:lvl1pPr algn="l" defTabSz="914400" rtl="0" eaLnBrk="1" latinLnBrk="0" hangingPunct="1">
+              <a:lnSpc>
+                <a:spcPct val="90000"/>
+              </a:lnSpc>
+              <a:spcBef>
+                <a:spcPct val="0"/>
+              </a:spcBef>
+              <a:buNone/>
+              <a:defRPr sz="4400" kern="1200">
+                <a:solidFill>
+                  <a:schemeClr val="tx1"/>
+                </a:solidFill>
+                <a:latin typeface="+mj-lt"/>
+                <a:ea typeface="+mj-ea"/>
+                <a:cs typeface="+mj-cs"/>
+              </a:defRPr>
+            </a:lvl1pPr>
+          </a:lstStyle>
+          <a:p>
+            <a:r>
+              <a:rPr lang="en-US" sz="3600" dirty="0">
+                <a:solidFill>
+                  <a:schemeClr val="tx1">
+                    <a:lumMod val="65000"/>
+                    <a:lumOff val="35000"/>
+                  </a:schemeClr>
+                </a:solidFill>
+                <a:latin typeface="Avenir Next LT Pro Light" panose="020B0604020202020204" pitchFamily="34" charset="0"/>
+              </a:rPr>
+              <a:t>2.     Skip-Gram</a:t>
+            </a:r>
+            <a:endParaRPr lang="en-US" sz="3600" dirty="0">
+              <a:solidFill>
+                <a:schemeClr val="tx1">
+                  <a:lumMod val="65000"/>
+                  <a:lumOff val="35000"/>
+                </a:schemeClr>
+              </a:solidFill>
+              <a:latin typeface="Avenir Next LT Pro Light" panose="020B0604020202020204" pitchFamily="34" charset="0"/>
+              <a:cs typeface="Segoe UI Light" panose="020B0502040204020203" pitchFamily="34" charset="0"/>
+            </a:endParaRPr>
+          </a:p>
+        </p:txBody>
+      </p:sp>
+    </p:spTree>
+    <p:extLst>
+      <p:ext uri="{BB962C8B-B14F-4D97-AF65-F5344CB8AC3E}">
+        <p14:creationId xmlns:p14="http://schemas.microsoft.com/office/powerpoint/2010/main" val="1469857228"/>
+      </p:ext>
+    </p:extLst>
+  </p:cSld>
+  <p:clrMapOvr>
+    <a:masterClrMapping/>
+  </p:clrMapOvr>
+  <p:timing>
+    <p:tnLst>
+      <p:par>
+        <p:cTn id="1" dur="indefinite" restart="never" nodeType="tmRoot">
+          <p:childTnLst>
+            <p:seq concurrent="1" nextAc="seek">
+              <p:cTn id="2" dur="indefinite" nodeType="mainSeq">
+                <p:childTnLst>
+                  <p:par>
+                    <p:cTn id="3" fill="hold">
+                      <p:stCondLst>
+                        <p:cond delay="indefinite"/>
+                      </p:stCondLst>
+                      <p:childTnLst>
+                        <p:par>
+                          <p:cTn id="4" fill="hold">
+                            <p:stCondLst>
+                              <p:cond delay="0"/>
+                            </p:stCondLst>
+                            <p:childTnLst>
+                              <p:par>
+                                <p:cTn id="5" presetID="10" presetClass="entr" presetSubtype="0" fill="hold" grpId="0" nodeType="clickEffect">
+                                  <p:stCondLst>
+                                    <p:cond delay="0"/>
+                                  </p:stCondLst>
+                                  <p:childTnLst>
+                                    <p:set>
+                                      <p:cBhvr>
+                                        <p:cTn id="6" dur="1" fill="hold">
+                                          <p:stCondLst>
+                                            <p:cond delay="0"/>
+                                          </p:stCondLst>
+                                        </p:cTn>
+                                        <p:tgtEl>
+                                          <p:spTgt spid="3"/>
+                                        </p:tgtEl>
+                                        <p:attrNameLst>
+                                          <p:attrName>style.visibility</p:attrName>
+                                        </p:attrNameLst>
+                                      </p:cBhvr>
+                                      <p:to>
+                                        <p:strVal val="visible"/>
+                                      </p:to>
+                                    </p:set>
+                                    <p:animEffect transition="in" filter="fade">
+                                      <p:cBhvr>
+                                        <p:cTn id="7" dur="500"/>
+                                        <p:tgtEl>
+                                          <p:spTgt spid="3"/>
+                                        </p:tgtEl>
+                                      </p:cBhvr>
+                                    </p:animEffect>
+                                  </p:childTnLst>
+                                </p:cTn>
+                              </p:par>
+                            </p:childTnLst>
+                          </p:cTn>
+                        </p:par>
+                      </p:childTnLst>
+                    </p:cTn>
+                  </p:par>
+                  <p:par>
+                    <p:cTn id="8" fill="hold">
+                      <p:stCondLst>
+                        <p:cond delay="indefinite"/>
+                      </p:stCondLst>
+                      <p:childTnLst>
+                        <p:par>
+                          <p:cTn id="9" fill="hold">
+                            <p:stCondLst>
+                              <p:cond delay="0"/>
+                            </p:stCondLst>
+                            <p:childTnLst>
+                              <p:par>
+                                <p:cTn id="10" presetID="10" presetClass="entr" presetSubtype="0" fill="hold" grpId="0" nodeType="clickEffect">
+                                  <p:stCondLst>
+                                    <p:cond delay="0"/>
+                                  </p:stCondLst>
+                                  <p:childTnLst>
+                                    <p:set>
+                                      <p:cBhvr>
+                                        <p:cTn id="11" dur="1" fill="hold">
+                                          <p:stCondLst>
+                                            <p:cond delay="0"/>
+                                          </p:stCondLst>
+                                        </p:cTn>
+                                        <p:tgtEl>
+                                          <p:spTgt spid="4"/>
+                                        </p:tgtEl>
+                                        <p:attrNameLst>
+                                          <p:attrName>style.visibility</p:attrName>
+                                        </p:attrNameLst>
+                                      </p:cBhvr>
+                                      <p:to>
+                                        <p:strVal val="visible"/>
+                                      </p:to>
+                                    </p:set>
+                                    <p:animEffect transition="in" filter="fade">
+                                      <p:cBhvr>
+                                        <p:cTn id="12" dur="500"/>
+                                        <p:tgtEl>
+                                          <p:spTgt spid="4"/>
+                                        </p:tgtEl>
+                                      </p:cBhvr>
+                                    </p:animEffect>
+                                  </p:childTnLst>
+                                </p:cTn>
+                              </p:par>
+                            </p:childTnLst>
+                          </p:cTn>
+                        </p:par>
+                      </p:childTnLst>
+                    </p:cTn>
+                  </p:par>
+                </p:childTnLst>
+              </p:cTn>
+              <p:prevCondLst>
+                <p:cond evt="onPrev" delay="0">
+                  <p:tgtEl>
+                    <p:sldTgt/>
+                  </p:tgtEl>
+                </p:cond>
+              </p:prevCondLst>
+              <p:nextCondLst>
+                <p:cond evt="onNext" delay="0">
+                  <p:tgtEl>
+                    <p:sldTgt/>
+                  </p:tgtEl>
+                </p:cond>
+              </p:nextCondLst>
+            </p:seq>
+          </p:childTnLst>
+        </p:cTn>
+      </p:par>
+    </p:tnLst>
+    <p:bldLst>
+      <p:bldP spid="3" grpId="0"/>
+      <p:bldP spid="4" grpId="0"/>
+    </p:bldLst>
+  </p:timing>
+</p:sld>
+</file>
+
+<file path=ppt/slides/slide13.xml><?xml version="1.0" encoding="utf-8"?>
+<p:sld xmlns:a="http://schemas.openxmlformats.org/drawingml/2006/main" xmlns:r="http://schemas.openxmlformats.org/officeDocument/2006/relationships" xmlns:p="http://schemas.openxmlformats.org/presentationml/2006/main">
+  <p:cSld>
+    <p:spTree>
+      <p:nvGrpSpPr>
+        <p:cNvPr id="1" name=""/>
+        <p:cNvGrpSpPr/>
+        <p:nvPr/>
+      </p:nvGrpSpPr>
+      <p:grpSpPr>
+        <a:xfrm>
+          <a:off x="0" y="0"/>
+          <a:ext cx="0" cy="0"/>
+          <a:chOff x="0" y="0"/>
+          <a:chExt cx="0" cy="0"/>
+        </a:xfrm>
+      </p:grpSpPr>
       <p:pic>
         <p:nvPicPr>
           <p:cNvPr id="3" name="Picture 2">
@@ -8484,7 +8997,7 @@
 </p:sld>
 </file>
 
-<file path=ppt/slides/slide13.xml><?xml version="1.0" encoding="utf-8"?>
+<file path=ppt/slides/slide14.xml><?xml version="1.0" encoding="utf-8"?>
 <p:sld xmlns:a="http://schemas.openxmlformats.org/drawingml/2006/main" xmlns:r="http://schemas.openxmlformats.org/officeDocument/2006/relationships" xmlns:p="http://schemas.openxmlformats.org/presentationml/2006/main">
   <p:cSld>
     <p:spTree>
@@ -8630,7 +9143,7 @@
 </p:sld>
 </file>
 
-<file path=ppt/slides/slide14.xml><?xml version="1.0" encoding="utf-8"?>
+<file path=ppt/slides/slide15.xml><?xml version="1.0" encoding="utf-8"?>
 <p:sld xmlns:a="http://schemas.openxmlformats.org/drawingml/2006/main" xmlns:r="http://schemas.openxmlformats.org/officeDocument/2006/relationships" xmlns:p="http://schemas.openxmlformats.org/presentationml/2006/main">
   <p:cSld>
     <p:spTree>
@@ -9032,7 +9545,7 @@
 </p:sld>
 </file>
 
-<file path=ppt/slides/slide15.xml><?xml version="1.0" encoding="utf-8"?>
+<file path=ppt/slides/slide16.xml><?xml version="1.0" encoding="utf-8"?>
 <p:sld xmlns:a="http://schemas.openxmlformats.org/drawingml/2006/main" xmlns:r="http://schemas.openxmlformats.org/officeDocument/2006/relationships" xmlns:p="http://schemas.openxmlformats.org/presentationml/2006/main">
   <p:cSld>
     <p:spTree>
@@ -9445,7 +9958,7 @@
 </p:sld>
 </file>
 
-<file path=ppt/slides/slide16.xml><?xml version="1.0" encoding="utf-8"?>
+<file path=ppt/slides/slide17.xml><?xml version="1.0" encoding="utf-8"?>
 <p:sld xmlns:a="http://schemas.openxmlformats.org/drawingml/2006/main" xmlns:r="http://schemas.openxmlformats.org/officeDocument/2006/relationships" xmlns:p="http://schemas.openxmlformats.org/presentationml/2006/main">
   <p:cSld>
     <p:spTree>
@@ -9827,695 +10340,6 @@
 </p:sld>
 </file>
 
-<file path=ppt/slides/slide17.xml><?xml version="1.0" encoding="utf-8"?>
-<p:sld xmlns:a="http://schemas.openxmlformats.org/drawingml/2006/main" xmlns:r="http://schemas.openxmlformats.org/officeDocument/2006/relationships" xmlns:p="http://schemas.openxmlformats.org/presentationml/2006/main">
-  <p:cSld>
-    <p:spTree>
-      <p:nvGrpSpPr>
-        <p:cNvPr id="1" name=""/>
-        <p:cNvGrpSpPr/>
-        <p:nvPr/>
-      </p:nvGrpSpPr>
-      <p:grpSpPr>
-        <a:xfrm>
-          <a:off x="0" y="0"/>
-          <a:ext cx="0" cy="0"/>
-          <a:chOff x="0" y="0"/>
-          <a:chExt cx="0" cy="0"/>
-        </a:xfrm>
-      </p:grpSpPr>
-      <p:pic>
-        <p:nvPicPr>
-          <p:cNvPr id="1026" name="Picture 2" descr="1,813,013 Citrus Fruit Stock Photos, Pictures &amp;amp; Royalty-Free Images - iStock">
-            <a:extLst>
-              <a:ext uri="{FF2B5EF4-FFF2-40B4-BE49-F238E27FC236}">
-                <a16:creationId xmlns:a16="http://schemas.microsoft.com/office/drawing/2014/main" id="{5EA2B817-1E41-496F-B619-C71EFA2478EE}"/>
-              </a:ext>
-            </a:extLst>
-          </p:cNvPr>
-          <p:cNvPicPr>
-            <a:picLocks noChangeAspect="1" noChangeArrowheads="1"/>
-          </p:cNvPicPr>
-          <p:nvPr/>
-        </p:nvPicPr>
-        <p:blipFill>
-          <a:blip r:embed="rId3">
-            <a:extLst>
-              <a:ext uri="{28A0092B-C50C-407E-A947-70E740481C1C}">
-                <a14:useLocalDpi xmlns:a14="http://schemas.microsoft.com/office/drawing/2010/main" val="0"/>
-              </a:ext>
-            </a:extLst>
-          </a:blip>
-          <a:srcRect/>
-          <a:stretch>
-            <a:fillRect/>
-          </a:stretch>
-        </p:blipFill>
-        <p:spPr bwMode="auto">
-          <a:xfrm>
-            <a:off x="3181350" y="1233488"/>
-            <a:ext cx="5829300" cy="4391025"/>
-          </a:xfrm>
-          <a:prstGeom prst="rect">
-            <a:avLst/>
-          </a:prstGeom>
-          <a:noFill/>
-          <a:extLst>
-            <a:ext uri="{909E8E84-426E-40DD-AFC4-6F175D3DCCD1}">
-              <a14:hiddenFill xmlns:a14="http://schemas.microsoft.com/office/drawing/2010/main">
-                <a:solidFill>
-                  <a:srgbClr val="FFFFFF"/>
-                </a:solidFill>
-              </a14:hiddenFill>
-            </a:ext>
-          </a:extLst>
-        </p:spPr>
-      </p:pic>
-      <p:sp>
-        <p:nvSpPr>
-          <p:cNvPr id="5" name="Title 1">
-            <a:extLst>
-              <a:ext uri="{FF2B5EF4-FFF2-40B4-BE49-F238E27FC236}">
-                <a16:creationId xmlns:a16="http://schemas.microsoft.com/office/drawing/2014/main" id="{05F62613-C522-4879-B319-2FF7BE388A1F}"/>
-              </a:ext>
-            </a:extLst>
-          </p:cNvPr>
-          <p:cNvSpPr>
-            <a:spLocks noGrp="1"/>
-          </p:cNvSpPr>
-          <p:nvPr>
-            <p:ph type="title"/>
-          </p:nvPr>
-        </p:nvSpPr>
-        <p:spPr>
-          <a:xfrm>
-            <a:off x="8213119" y="1926477"/>
-            <a:ext cx="1595061" cy="383586"/>
-          </a:xfrm>
-          <a:noFill/>
-        </p:spPr>
-        <p:txBody>
-          <a:bodyPr>
-            <a:noAutofit/>
-          </a:bodyPr>
-          <a:lstStyle/>
-          <a:p>
-            <a:pPr algn="ctr"/>
-            <a:br>
-              <a:rPr lang="en-US" sz="1600" b="1" dirty="0">
-                <a:solidFill>
-                  <a:schemeClr val="tx1">
-                    <a:lumMod val="65000"/>
-                    <a:lumOff val="35000"/>
-                  </a:schemeClr>
-                </a:solidFill>
-              </a:rPr>
-            </a:br>
-            <a:br>
-              <a:rPr lang="en-US" sz="1600" b="1" dirty="0">
-                <a:solidFill>
-                  <a:schemeClr val="tx1">
-                    <a:lumMod val="65000"/>
-                    <a:lumOff val="35000"/>
-                  </a:schemeClr>
-                </a:solidFill>
-              </a:rPr>
-            </a:br>
-            <a:br>
-              <a:rPr lang="en-US" sz="1600" b="1" dirty="0">
-                <a:solidFill>
-                  <a:schemeClr val="tx1">
-                    <a:lumMod val="65000"/>
-                    <a:lumOff val="35000"/>
-                  </a:schemeClr>
-                </a:solidFill>
-              </a:rPr>
-            </a:br>
-            <a:br>
-              <a:rPr lang="en-US" sz="1600" b="1" dirty="0">
-                <a:solidFill>
-                  <a:schemeClr val="tx1">
-                    <a:lumMod val="65000"/>
-                    <a:lumOff val="35000"/>
-                  </a:schemeClr>
-                </a:solidFill>
-              </a:rPr>
-            </a:br>
-            <a:br>
-              <a:rPr lang="en-US" sz="1600" b="1" dirty="0">
-                <a:solidFill>
-                  <a:schemeClr val="tx1">
-                    <a:lumMod val="65000"/>
-                    <a:lumOff val="35000"/>
-                  </a:schemeClr>
-                </a:solidFill>
-              </a:rPr>
-            </a:br>
-            <a:br>
-              <a:rPr lang="en-US" sz="1600" b="1" dirty="0">
-                <a:solidFill>
-                  <a:schemeClr val="tx1">
-                    <a:lumMod val="65000"/>
-                    <a:lumOff val="35000"/>
-                  </a:schemeClr>
-                </a:solidFill>
-              </a:rPr>
-            </a:br>
-            <a:br>
-              <a:rPr lang="en-US" sz="1600" b="1" dirty="0">
-                <a:solidFill>
-                  <a:schemeClr val="tx1">
-                    <a:lumMod val="65000"/>
-                    <a:lumOff val="35000"/>
-                  </a:schemeClr>
-                </a:solidFill>
-              </a:rPr>
-            </a:br>
-            <a:br>
-              <a:rPr lang="en-US" sz="1600" b="1" dirty="0">
-                <a:solidFill>
-                  <a:schemeClr val="tx1">
-                    <a:lumMod val="65000"/>
-                    <a:lumOff val="35000"/>
-                  </a:schemeClr>
-                </a:solidFill>
-              </a:rPr>
-            </a:br>
-            <a:r>
-              <a:rPr lang="en-US" sz="1600" b="1" dirty="0">
-                <a:solidFill>
-                  <a:schemeClr val="tx1">
-                    <a:lumMod val="65000"/>
-                    <a:lumOff val="35000"/>
-                  </a:schemeClr>
-                </a:solidFill>
-              </a:rPr>
-              <a:t>    </a:t>
-            </a:r>
-            <a:br>
-              <a:rPr lang="en-US" sz="1600" b="1" dirty="0">
-                <a:solidFill>
-                  <a:schemeClr val="tx1">
-                    <a:lumMod val="65000"/>
-                    <a:lumOff val="35000"/>
-                  </a:schemeClr>
-                </a:solidFill>
-              </a:rPr>
-            </a:br>
-            <a:br>
-              <a:rPr lang="en-US" sz="1600" b="1" dirty="0">
-                <a:solidFill>
-                  <a:schemeClr val="tx1">
-                    <a:lumMod val="65000"/>
-                    <a:lumOff val="35000"/>
-                  </a:schemeClr>
-                </a:solidFill>
-              </a:rPr>
-            </a:br>
-            <a:r>
-              <a:rPr lang="en-US" sz="2000" dirty="0">
-                <a:solidFill>
-                  <a:schemeClr val="tx1">
-                    <a:lumMod val="65000"/>
-                    <a:lumOff val="35000"/>
-                  </a:schemeClr>
-                </a:solidFill>
-              </a:rPr>
-              <a:t>Grapefruit</a:t>
-            </a:r>
-            <a:endParaRPr lang="en-US" sz="2000" dirty="0">
-              <a:solidFill>
-                <a:schemeClr val="tx1">
-                  <a:lumMod val="65000"/>
-                  <a:lumOff val="35000"/>
-                </a:schemeClr>
-              </a:solidFill>
-              <a:latin typeface="Palatino Linotype" panose="02040502050505030304" pitchFamily="18" charset="0"/>
-              <a:cs typeface="Segoe UI Light" panose="020B0502040204020203" pitchFamily="34" charset="0"/>
-            </a:endParaRPr>
-          </a:p>
-        </p:txBody>
-      </p:sp>
-      <p:sp>
-        <p:nvSpPr>
-          <p:cNvPr id="6" name="Title 1">
-            <a:extLst>
-              <a:ext uri="{FF2B5EF4-FFF2-40B4-BE49-F238E27FC236}">
-                <a16:creationId xmlns:a16="http://schemas.microsoft.com/office/drawing/2014/main" id="{B01BC019-A1FB-4099-8C62-EB546866EB2B}"/>
-              </a:ext>
-            </a:extLst>
-          </p:cNvPr>
-          <p:cNvSpPr txBox="1">
-            <a:spLocks/>
-          </p:cNvSpPr>
-          <p:nvPr/>
-        </p:nvSpPr>
-        <p:spPr>
-          <a:xfrm>
-            <a:off x="2319213" y="2495972"/>
-            <a:ext cx="1297280" cy="359523"/>
-          </a:xfrm>
-          <a:prstGeom prst="rect">
-            <a:avLst/>
-          </a:prstGeom>
-          <a:noFill/>
-        </p:spPr>
-        <p:txBody>
-          <a:bodyPr vert="horz" lIns="91440" tIns="45720" rIns="91440" bIns="45720" rtlCol="0" anchor="b">
-            <a:noAutofit/>
-          </a:bodyPr>
-          <a:lstStyle>
-            <a:lvl1pPr algn="l" defTabSz="914400" rtl="0" eaLnBrk="1" latinLnBrk="0" hangingPunct="1">
-              <a:lnSpc>
-                <a:spcPct val="90000"/>
-              </a:lnSpc>
-              <a:spcBef>
-                <a:spcPct val="0"/>
-              </a:spcBef>
-              <a:buNone/>
-              <a:defRPr sz="6000" kern="1200">
-                <a:solidFill>
-                  <a:schemeClr val="tx1"/>
-                </a:solidFill>
-                <a:latin typeface="+mj-lt"/>
-                <a:ea typeface="+mj-ea"/>
-                <a:cs typeface="+mj-cs"/>
-              </a:defRPr>
-            </a:lvl1pPr>
-          </a:lstStyle>
-          <a:p>
-            <a:pPr algn="ctr"/>
-            <a:br>
-              <a:rPr lang="en-US" sz="1600" b="1" dirty="0">
-                <a:solidFill>
-                  <a:schemeClr val="tx1">
-                    <a:lumMod val="65000"/>
-                    <a:lumOff val="35000"/>
-                  </a:schemeClr>
-                </a:solidFill>
-              </a:rPr>
-            </a:br>
-            <a:br>
-              <a:rPr lang="en-US" sz="1600" b="1" dirty="0">
-                <a:solidFill>
-                  <a:schemeClr val="tx1">
-                    <a:lumMod val="65000"/>
-                    <a:lumOff val="35000"/>
-                  </a:schemeClr>
-                </a:solidFill>
-              </a:rPr>
-            </a:br>
-            <a:br>
-              <a:rPr lang="en-US" sz="1600" b="1" dirty="0">
-                <a:solidFill>
-                  <a:schemeClr val="tx1">
-                    <a:lumMod val="65000"/>
-                    <a:lumOff val="35000"/>
-                  </a:schemeClr>
-                </a:solidFill>
-              </a:rPr>
-            </a:br>
-            <a:br>
-              <a:rPr lang="en-US" sz="1600" b="1" dirty="0">
-                <a:solidFill>
-                  <a:schemeClr val="tx1">
-                    <a:lumMod val="65000"/>
-                    <a:lumOff val="35000"/>
-                  </a:schemeClr>
-                </a:solidFill>
-              </a:rPr>
-            </a:br>
-            <a:br>
-              <a:rPr lang="en-US" sz="1600" b="1" dirty="0">
-                <a:solidFill>
-                  <a:schemeClr val="tx1">
-                    <a:lumMod val="65000"/>
-                    <a:lumOff val="35000"/>
-                  </a:schemeClr>
-                </a:solidFill>
-              </a:rPr>
-            </a:br>
-            <a:br>
-              <a:rPr lang="en-US" sz="1600" b="1" dirty="0">
-                <a:solidFill>
-                  <a:schemeClr val="tx1">
-                    <a:lumMod val="65000"/>
-                    <a:lumOff val="35000"/>
-                  </a:schemeClr>
-                </a:solidFill>
-              </a:rPr>
-            </a:br>
-            <a:br>
-              <a:rPr lang="en-US" sz="1600" b="1" dirty="0">
-                <a:solidFill>
-                  <a:schemeClr val="tx1">
-                    <a:lumMod val="65000"/>
-                    <a:lumOff val="35000"/>
-                  </a:schemeClr>
-                </a:solidFill>
-              </a:rPr>
-            </a:br>
-            <a:br>
-              <a:rPr lang="en-US" sz="1600" b="1" dirty="0">
-                <a:solidFill>
-                  <a:schemeClr val="tx1">
-                    <a:lumMod val="65000"/>
-                    <a:lumOff val="35000"/>
-                  </a:schemeClr>
-                </a:solidFill>
-              </a:rPr>
-            </a:br>
-            <a:r>
-              <a:rPr lang="en-US" sz="1600" b="1" dirty="0">
-                <a:solidFill>
-                  <a:schemeClr val="tx1">
-                    <a:lumMod val="65000"/>
-                    <a:lumOff val="35000"/>
-                  </a:schemeClr>
-                </a:solidFill>
-              </a:rPr>
-              <a:t>    </a:t>
-            </a:r>
-            <a:br>
-              <a:rPr lang="en-US" sz="1600" b="1" dirty="0">
-                <a:solidFill>
-                  <a:schemeClr val="tx1">
-                    <a:lumMod val="65000"/>
-                    <a:lumOff val="35000"/>
-                  </a:schemeClr>
-                </a:solidFill>
-              </a:rPr>
-            </a:br>
-            <a:br>
-              <a:rPr lang="en-US" sz="1600" b="1" dirty="0">
-                <a:solidFill>
-                  <a:schemeClr val="tx1">
-                    <a:lumMod val="65000"/>
-                    <a:lumOff val="35000"/>
-                  </a:schemeClr>
-                </a:solidFill>
-              </a:rPr>
-            </a:br>
-            <a:r>
-              <a:rPr lang="en-US" sz="2000" dirty="0">
-                <a:solidFill>
-                  <a:schemeClr val="tx1">
-                    <a:lumMod val="65000"/>
-                    <a:lumOff val="35000"/>
-                  </a:schemeClr>
-                </a:solidFill>
-              </a:rPr>
-              <a:t>Orange</a:t>
-            </a:r>
-            <a:endParaRPr lang="en-US" sz="2000" dirty="0">
-              <a:solidFill>
-                <a:schemeClr val="tx1">
-                  <a:lumMod val="65000"/>
-                  <a:lumOff val="35000"/>
-                </a:schemeClr>
-              </a:solidFill>
-              <a:latin typeface="Palatino Linotype" panose="02040502050505030304" pitchFamily="18" charset="0"/>
-              <a:cs typeface="Segoe UI Light" panose="020B0502040204020203" pitchFamily="34" charset="0"/>
-            </a:endParaRPr>
-          </a:p>
-        </p:txBody>
-      </p:sp>
-      <p:sp>
-        <p:nvSpPr>
-          <p:cNvPr id="7" name="Title 1">
-            <a:extLst>
-              <a:ext uri="{FF2B5EF4-FFF2-40B4-BE49-F238E27FC236}">
-                <a16:creationId xmlns:a16="http://schemas.microsoft.com/office/drawing/2014/main" id="{63276A0C-22E3-4696-96FB-B6A44E1B71C5}"/>
-              </a:ext>
-            </a:extLst>
-          </p:cNvPr>
-          <p:cNvSpPr txBox="1">
-            <a:spLocks/>
-          </p:cNvSpPr>
-          <p:nvPr/>
-        </p:nvSpPr>
-        <p:spPr>
-          <a:xfrm>
-            <a:off x="5298469" y="619045"/>
-            <a:ext cx="1595061" cy="383586"/>
-          </a:xfrm>
-          <a:prstGeom prst="rect">
-            <a:avLst/>
-          </a:prstGeom>
-          <a:noFill/>
-        </p:spPr>
-        <p:txBody>
-          <a:bodyPr vert="horz" lIns="91440" tIns="45720" rIns="91440" bIns="45720" rtlCol="0" anchor="b">
-            <a:noAutofit/>
-          </a:bodyPr>
-          <a:lstStyle>
-            <a:lvl1pPr algn="l" defTabSz="914400" rtl="0" eaLnBrk="1" latinLnBrk="0" hangingPunct="1">
-              <a:lnSpc>
-                <a:spcPct val="90000"/>
-              </a:lnSpc>
-              <a:spcBef>
-                <a:spcPct val="0"/>
-              </a:spcBef>
-              <a:buNone/>
-              <a:defRPr sz="6000" kern="1200">
-                <a:solidFill>
-                  <a:schemeClr val="tx1"/>
-                </a:solidFill>
-                <a:latin typeface="+mj-lt"/>
-                <a:ea typeface="+mj-ea"/>
-                <a:cs typeface="+mj-cs"/>
-              </a:defRPr>
-            </a:lvl1pPr>
-          </a:lstStyle>
-          <a:p>
-            <a:pPr algn="ctr"/>
-            <a:br>
-              <a:rPr lang="en-US" sz="1600" b="1" dirty="0">
-                <a:solidFill>
-                  <a:schemeClr val="tx1">
-                    <a:lumMod val="65000"/>
-                    <a:lumOff val="35000"/>
-                  </a:schemeClr>
-                </a:solidFill>
-              </a:rPr>
-            </a:br>
-            <a:br>
-              <a:rPr lang="en-US" sz="1600" b="1" dirty="0">
-                <a:solidFill>
-                  <a:schemeClr val="tx1">
-                    <a:lumMod val="65000"/>
-                    <a:lumOff val="35000"/>
-                  </a:schemeClr>
-                </a:solidFill>
-              </a:rPr>
-            </a:br>
-            <a:br>
-              <a:rPr lang="en-US" sz="1600" b="1" dirty="0">
-                <a:solidFill>
-                  <a:schemeClr val="tx1">
-                    <a:lumMod val="65000"/>
-                    <a:lumOff val="35000"/>
-                  </a:schemeClr>
-                </a:solidFill>
-              </a:rPr>
-            </a:br>
-            <a:br>
-              <a:rPr lang="en-US" sz="1600" b="1" dirty="0">
-                <a:solidFill>
-                  <a:schemeClr val="tx1">
-                    <a:lumMod val="65000"/>
-                    <a:lumOff val="35000"/>
-                  </a:schemeClr>
-                </a:solidFill>
-              </a:rPr>
-            </a:br>
-            <a:br>
-              <a:rPr lang="en-US" sz="1600" b="1" dirty="0">
-                <a:solidFill>
-                  <a:schemeClr val="tx1">
-                    <a:lumMod val="65000"/>
-                    <a:lumOff val="35000"/>
-                  </a:schemeClr>
-                </a:solidFill>
-              </a:rPr>
-            </a:br>
-            <a:br>
-              <a:rPr lang="en-US" sz="1600" b="1" dirty="0">
-                <a:solidFill>
-                  <a:schemeClr val="tx1">
-                    <a:lumMod val="65000"/>
-                    <a:lumOff val="35000"/>
-                  </a:schemeClr>
-                </a:solidFill>
-              </a:rPr>
-            </a:br>
-            <a:br>
-              <a:rPr lang="en-US" sz="1600" b="1" dirty="0">
-                <a:solidFill>
-                  <a:schemeClr val="tx1">
-                    <a:lumMod val="65000"/>
-                    <a:lumOff val="35000"/>
-                  </a:schemeClr>
-                </a:solidFill>
-              </a:rPr>
-            </a:br>
-            <a:br>
-              <a:rPr lang="en-US" sz="1600" b="1" dirty="0">
-                <a:solidFill>
-                  <a:schemeClr val="tx1">
-                    <a:lumMod val="65000"/>
-                    <a:lumOff val="35000"/>
-                  </a:schemeClr>
-                </a:solidFill>
-              </a:rPr>
-            </a:br>
-            <a:r>
-              <a:rPr lang="en-US" sz="1600" b="1" dirty="0">
-                <a:solidFill>
-                  <a:schemeClr val="tx1">
-                    <a:lumMod val="65000"/>
-                    <a:lumOff val="35000"/>
-                  </a:schemeClr>
-                </a:solidFill>
-              </a:rPr>
-              <a:t>    </a:t>
-            </a:r>
-            <a:br>
-              <a:rPr lang="en-US" sz="1600" b="1" dirty="0">
-                <a:solidFill>
-                  <a:schemeClr val="tx1">
-                    <a:lumMod val="65000"/>
-                    <a:lumOff val="35000"/>
-                  </a:schemeClr>
-                </a:solidFill>
-              </a:rPr>
-            </a:br>
-            <a:br>
-              <a:rPr lang="en-US" sz="1600" b="1" dirty="0">
-                <a:solidFill>
-                  <a:schemeClr val="tx1">
-                    <a:lumMod val="65000"/>
-                    <a:lumOff val="35000"/>
-                  </a:schemeClr>
-                </a:solidFill>
-              </a:rPr>
-            </a:br>
-            <a:r>
-              <a:rPr lang="en-US" sz="2400" dirty="0">
-                <a:solidFill>
-                  <a:schemeClr val="tx1">
-                    <a:lumMod val="65000"/>
-                    <a:lumOff val="35000"/>
-                  </a:schemeClr>
-                </a:solidFill>
-              </a:rPr>
-              <a:t>Citrus</a:t>
-            </a:r>
-            <a:endParaRPr lang="en-US" sz="2400" dirty="0">
-              <a:solidFill>
-                <a:schemeClr val="tx1">
-                  <a:lumMod val="65000"/>
-                  <a:lumOff val="35000"/>
-                </a:schemeClr>
-              </a:solidFill>
-              <a:cs typeface="Segoe UI Light" panose="020B0502040204020203" pitchFamily="34" charset="0"/>
-            </a:endParaRPr>
-          </a:p>
-        </p:txBody>
-      </p:sp>
-      <p:sp>
-        <p:nvSpPr>
-          <p:cNvPr id="8" name="TextBox 7">
-            <a:extLst>
-              <a:ext uri="{FF2B5EF4-FFF2-40B4-BE49-F238E27FC236}">
-                <a16:creationId xmlns:a16="http://schemas.microsoft.com/office/drawing/2014/main" id="{B26E8DCC-039C-4807-AC0F-99503D6BA34B}"/>
-              </a:ext>
-            </a:extLst>
-          </p:cNvPr>
-          <p:cNvSpPr txBox="1"/>
-          <p:nvPr/>
-        </p:nvSpPr>
-        <p:spPr>
-          <a:xfrm>
-            <a:off x="0" y="6550223"/>
-            <a:ext cx="12192000" cy="307777"/>
-          </a:xfrm>
-          <a:prstGeom prst="rect">
-            <a:avLst/>
-          </a:prstGeom>
-          <a:noFill/>
-        </p:spPr>
-        <p:txBody>
-          <a:bodyPr wrap="square" rtlCol="0">
-            <a:spAutoFit/>
-          </a:bodyPr>
-          <a:lstStyle/>
-          <a:p>
-            <a:r>
-              <a:rPr lang="en-US" sz="1400" dirty="0">
-                <a:solidFill>
-                  <a:schemeClr val="tx1">
-                    <a:lumMod val="65000"/>
-                    <a:lumOff val="35000"/>
-                  </a:schemeClr>
-                </a:solidFill>
-                <a:latin typeface="+mj-lt"/>
-                <a:ea typeface="Verdana" panose="020B0604030504040204" pitchFamily="34" charset="0"/>
-              </a:rPr>
-              <a:t>Image Credit: </a:t>
-            </a:r>
-            <a:r>
-              <a:rPr lang="en-US" sz="1400" dirty="0">
-                <a:solidFill>
-                  <a:schemeClr val="tx1">
-                    <a:lumMod val="65000"/>
-                    <a:lumOff val="35000"/>
-                  </a:schemeClr>
-                </a:solidFill>
-              </a:rPr>
-              <a:t>https://www.istockphoto.com/photos/citrus-fruit</a:t>
-            </a:r>
-            <a:r>
-              <a:rPr lang="en-US" sz="1400" dirty="0">
-                <a:solidFill>
-                  <a:schemeClr val="tx1">
-                    <a:lumMod val="65000"/>
-                    <a:lumOff val="35000"/>
-                  </a:schemeClr>
-                </a:solidFill>
-                <a:latin typeface="+mj-lt"/>
-                <a:ea typeface="Verdana" panose="020B0604030504040204" pitchFamily="34" charset="0"/>
-              </a:rPr>
-              <a:t> </a:t>
-            </a:r>
-          </a:p>
-        </p:txBody>
-      </p:sp>
-    </p:spTree>
-    <p:extLst>
-      <p:ext uri="{BB962C8B-B14F-4D97-AF65-F5344CB8AC3E}">
-        <p14:creationId xmlns:p14="http://schemas.microsoft.com/office/powerpoint/2010/main" val="4276783067"/>
-      </p:ext>
-    </p:extLst>
-  </p:cSld>
-  <p:clrMapOvr>
-    <a:masterClrMapping/>
-  </p:clrMapOvr>
-  <mc:AlternateContent xmlns:mc="http://schemas.openxmlformats.org/markup-compatibility/2006" xmlns:p14="http://schemas.microsoft.com/office/powerpoint/2010/main">
-    <mc:Choice Requires="p14">
-      <p:transition spd="med" p14:dur="700">
-        <p:fade/>
-      </p:transition>
-    </mc:Choice>
-    <mc:Fallback xmlns="">
-      <p:transition spd="med">
-        <p:fade/>
-      </p:transition>
-    </mc:Fallback>
-  </mc:AlternateContent>
-</p:sld>
-</file>
-
 <file path=ppt/slides/slide18.xml><?xml version="1.0" encoding="utf-8"?>
 <p:sld xmlns:a="http://schemas.openxmlformats.org/drawingml/2006/main" xmlns:r="http://schemas.openxmlformats.org/officeDocument/2006/relationships" xmlns:p="http://schemas.openxmlformats.org/presentationml/2006/main">
   <p:cSld>
@@ -11107,6 +10931,695 @@
           <a:chExt cx="0" cy="0"/>
         </a:xfrm>
       </p:grpSpPr>
+      <p:pic>
+        <p:nvPicPr>
+          <p:cNvPr id="1026" name="Picture 2" descr="1,813,013 Citrus Fruit Stock Photos, Pictures &amp;amp; Royalty-Free Images - iStock">
+            <a:extLst>
+              <a:ext uri="{FF2B5EF4-FFF2-40B4-BE49-F238E27FC236}">
+                <a16:creationId xmlns:a16="http://schemas.microsoft.com/office/drawing/2014/main" id="{5EA2B817-1E41-496F-B619-C71EFA2478EE}"/>
+              </a:ext>
+            </a:extLst>
+          </p:cNvPr>
+          <p:cNvPicPr>
+            <a:picLocks noChangeAspect="1" noChangeArrowheads="1"/>
+          </p:cNvPicPr>
+          <p:nvPr/>
+        </p:nvPicPr>
+        <p:blipFill>
+          <a:blip r:embed="rId3">
+            <a:extLst>
+              <a:ext uri="{28A0092B-C50C-407E-A947-70E740481C1C}">
+                <a14:useLocalDpi xmlns:a14="http://schemas.microsoft.com/office/drawing/2010/main" val="0"/>
+              </a:ext>
+            </a:extLst>
+          </a:blip>
+          <a:srcRect/>
+          <a:stretch>
+            <a:fillRect/>
+          </a:stretch>
+        </p:blipFill>
+        <p:spPr bwMode="auto">
+          <a:xfrm>
+            <a:off x="3181350" y="1233488"/>
+            <a:ext cx="5829300" cy="4391025"/>
+          </a:xfrm>
+          <a:prstGeom prst="rect">
+            <a:avLst/>
+          </a:prstGeom>
+          <a:noFill/>
+          <a:extLst>
+            <a:ext uri="{909E8E84-426E-40DD-AFC4-6F175D3DCCD1}">
+              <a14:hiddenFill xmlns:a14="http://schemas.microsoft.com/office/drawing/2010/main">
+                <a:solidFill>
+                  <a:srgbClr val="FFFFFF"/>
+                </a:solidFill>
+              </a14:hiddenFill>
+            </a:ext>
+          </a:extLst>
+        </p:spPr>
+      </p:pic>
+      <p:sp>
+        <p:nvSpPr>
+          <p:cNvPr id="5" name="Title 1">
+            <a:extLst>
+              <a:ext uri="{FF2B5EF4-FFF2-40B4-BE49-F238E27FC236}">
+                <a16:creationId xmlns:a16="http://schemas.microsoft.com/office/drawing/2014/main" id="{05F62613-C522-4879-B319-2FF7BE388A1F}"/>
+              </a:ext>
+            </a:extLst>
+          </p:cNvPr>
+          <p:cNvSpPr>
+            <a:spLocks noGrp="1"/>
+          </p:cNvSpPr>
+          <p:nvPr>
+            <p:ph type="title"/>
+          </p:nvPr>
+        </p:nvSpPr>
+        <p:spPr>
+          <a:xfrm>
+            <a:off x="8213119" y="1926477"/>
+            <a:ext cx="1595061" cy="383586"/>
+          </a:xfrm>
+          <a:noFill/>
+        </p:spPr>
+        <p:txBody>
+          <a:bodyPr>
+            <a:noAutofit/>
+          </a:bodyPr>
+          <a:lstStyle/>
+          <a:p>
+            <a:pPr algn="ctr"/>
+            <a:br>
+              <a:rPr lang="en-US" sz="1600" b="1" dirty="0">
+                <a:solidFill>
+                  <a:schemeClr val="tx1">
+                    <a:lumMod val="65000"/>
+                    <a:lumOff val="35000"/>
+                  </a:schemeClr>
+                </a:solidFill>
+              </a:rPr>
+            </a:br>
+            <a:br>
+              <a:rPr lang="en-US" sz="1600" b="1" dirty="0">
+                <a:solidFill>
+                  <a:schemeClr val="tx1">
+                    <a:lumMod val="65000"/>
+                    <a:lumOff val="35000"/>
+                  </a:schemeClr>
+                </a:solidFill>
+              </a:rPr>
+            </a:br>
+            <a:br>
+              <a:rPr lang="en-US" sz="1600" b="1" dirty="0">
+                <a:solidFill>
+                  <a:schemeClr val="tx1">
+                    <a:lumMod val="65000"/>
+                    <a:lumOff val="35000"/>
+                  </a:schemeClr>
+                </a:solidFill>
+              </a:rPr>
+            </a:br>
+            <a:br>
+              <a:rPr lang="en-US" sz="1600" b="1" dirty="0">
+                <a:solidFill>
+                  <a:schemeClr val="tx1">
+                    <a:lumMod val="65000"/>
+                    <a:lumOff val="35000"/>
+                  </a:schemeClr>
+                </a:solidFill>
+              </a:rPr>
+            </a:br>
+            <a:br>
+              <a:rPr lang="en-US" sz="1600" b="1" dirty="0">
+                <a:solidFill>
+                  <a:schemeClr val="tx1">
+                    <a:lumMod val="65000"/>
+                    <a:lumOff val="35000"/>
+                  </a:schemeClr>
+                </a:solidFill>
+              </a:rPr>
+            </a:br>
+            <a:br>
+              <a:rPr lang="en-US" sz="1600" b="1" dirty="0">
+                <a:solidFill>
+                  <a:schemeClr val="tx1">
+                    <a:lumMod val="65000"/>
+                    <a:lumOff val="35000"/>
+                  </a:schemeClr>
+                </a:solidFill>
+              </a:rPr>
+            </a:br>
+            <a:br>
+              <a:rPr lang="en-US" sz="1600" b="1" dirty="0">
+                <a:solidFill>
+                  <a:schemeClr val="tx1">
+                    <a:lumMod val="65000"/>
+                    <a:lumOff val="35000"/>
+                  </a:schemeClr>
+                </a:solidFill>
+              </a:rPr>
+            </a:br>
+            <a:br>
+              <a:rPr lang="en-US" sz="1600" b="1" dirty="0">
+                <a:solidFill>
+                  <a:schemeClr val="tx1">
+                    <a:lumMod val="65000"/>
+                    <a:lumOff val="35000"/>
+                  </a:schemeClr>
+                </a:solidFill>
+              </a:rPr>
+            </a:br>
+            <a:r>
+              <a:rPr lang="en-US" sz="1600" b="1" dirty="0">
+                <a:solidFill>
+                  <a:schemeClr val="tx1">
+                    <a:lumMod val="65000"/>
+                    <a:lumOff val="35000"/>
+                  </a:schemeClr>
+                </a:solidFill>
+              </a:rPr>
+              <a:t>    </a:t>
+            </a:r>
+            <a:br>
+              <a:rPr lang="en-US" sz="1600" b="1" dirty="0">
+                <a:solidFill>
+                  <a:schemeClr val="tx1">
+                    <a:lumMod val="65000"/>
+                    <a:lumOff val="35000"/>
+                  </a:schemeClr>
+                </a:solidFill>
+              </a:rPr>
+            </a:br>
+            <a:br>
+              <a:rPr lang="en-US" sz="1600" b="1" dirty="0">
+                <a:solidFill>
+                  <a:schemeClr val="tx1">
+                    <a:lumMod val="65000"/>
+                    <a:lumOff val="35000"/>
+                  </a:schemeClr>
+                </a:solidFill>
+              </a:rPr>
+            </a:br>
+            <a:r>
+              <a:rPr lang="en-US" sz="2000" dirty="0">
+                <a:solidFill>
+                  <a:schemeClr val="tx1">
+                    <a:lumMod val="65000"/>
+                    <a:lumOff val="35000"/>
+                  </a:schemeClr>
+                </a:solidFill>
+              </a:rPr>
+              <a:t>Grapefruit</a:t>
+            </a:r>
+            <a:endParaRPr lang="en-US" sz="2000" dirty="0">
+              <a:solidFill>
+                <a:schemeClr val="tx1">
+                  <a:lumMod val="65000"/>
+                  <a:lumOff val="35000"/>
+                </a:schemeClr>
+              </a:solidFill>
+              <a:latin typeface="Palatino Linotype" panose="02040502050505030304" pitchFamily="18" charset="0"/>
+              <a:cs typeface="Segoe UI Light" panose="020B0502040204020203" pitchFamily="34" charset="0"/>
+            </a:endParaRPr>
+          </a:p>
+        </p:txBody>
+      </p:sp>
+      <p:sp>
+        <p:nvSpPr>
+          <p:cNvPr id="6" name="Title 1">
+            <a:extLst>
+              <a:ext uri="{FF2B5EF4-FFF2-40B4-BE49-F238E27FC236}">
+                <a16:creationId xmlns:a16="http://schemas.microsoft.com/office/drawing/2014/main" id="{B01BC019-A1FB-4099-8C62-EB546866EB2B}"/>
+              </a:ext>
+            </a:extLst>
+          </p:cNvPr>
+          <p:cNvSpPr txBox="1">
+            <a:spLocks/>
+          </p:cNvSpPr>
+          <p:nvPr/>
+        </p:nvSpPr>
+        <p:spPr>
+          <a:xfrm>
+            <a:off x="2319213" y="2495972"/>
+            <a:ext cx="1297280" cy="359523"/>
+          </a:xfrm>
+          <a:prstGeom prst="rect">
+            <a:avLst/>
+          </a:prstGeom>
+          <a:noFill/>
+        </p:spPr>
+        <p:txBody>
+          <a:bodyPr vert="horz" lIns="91440" tIns="45720" rIns="91440" bIns="45720" rtlCol="0" anchor="b">
+            <a:noAutofit/>
+          </a:bodyPr>
+          <a:lstStyle>
+            <a:lvl1pPr algn="l" defTabSz="914400" rtl="0" eaLnBrk="1" latinLnBrk="0" hangingPunct="1">
+              <a:lnSpc>
+                <a:spcPct val="90000"/>
+              </a:lnSpc>
+              <a:spcBef>
+                <a:spcPct val="0"/>
+              </a:spcBef>
+              <a:buNone/>
+              <a:defRPr sz="6000" kern="1200">
+                <a:solidFill>
+                  <a:schemeClr val="tx1"/>
+                </a:solidFill>
+                <a:latin typeface="+mj-lt"/>
+                <a:ea typeface="+mj-ea"/>
+                <a:cs typeface="+mj-cs"/>
+              </a:defRPr>
+            </a:lvl1pPr>
+          </a:lstStyle>
+          <a:p>
+            <a:pPr algn="ctr"/>
+            <a:br>
+              <a:rPr lang="en-US" sz="1600" b="1" dirty="0">
+                <a:solidFill>
+                  <a:schemeClr val="tx1">
+                    <a:lumMod val="65000"/>
+                    <a:lumOff val="35000"/>
+                  </a:schemeClr>
+                </a:solidFill>
+              </a:rPr>
+            </a:br>
+            <a:br>
+              <a:rPr lang="en-US" sz="1600" b="1" dirty="0">
+                <a:solidFill>
+                  <a:schemeClr val="tx1">
+                    <a:lumMod val="65000"/>
+                    <a:lumOff val="35000"/>
+                  </a:schemeClr>
+                </a:solidFill>
+              </a:rPr>
+            </a:br>
+            <a:br>
+              <a:rPr lang="en-US" sz="1600" b="1" dirty="0">
+                <a:solidFill>
+                  <a:schemeClr val="tx1">
+                    <a:lumMod val="65000"/>
+                    <a:lumOff val="35000"/>
+                  </a:schemeClr>
+                </a:solidFill>
+              </a:rPr>
+            </a:br>
+            <a:br>
+              <a:rPr lang="en-US" sz="1600" b="1" dirty="0">
+                <a:solidFill>
+                  <a:schemeClr val="tx1">
+                    <a:lumMod val="65000"/>
+                    <a:lumOff val="35000"/>
+                  </a:schemeClr>
+                </a:solidFill>
+              </a:rPr>
+            </a:br>
+            <a:br>
+              <a:rPr lang="en-US" sz="1600" b="1" dirty="0">
+                <a:solidFill>
+                  <a:schemeClr val="tx1">
+                    <a:lumMod val="65000"/>
+                    <a:lumOff val="35000"/>
+                  </a:schemeClr>
+                </a:solidFill>
+              </a:rPr>
+            </a:br>
+            <a:br>
+              <a:rPr lang="en-US" sz="1600" b="1" dirty="0">
+                <a:solidFill>
+                  <a:schemeClr val="tx1">
+                    <a:lumMod val="65000"/>
+                    <a:lumOff val="35000"/>
+                  </a:schemeClr>
+                </a:solidFill>
+              </a:rPr>
+            </a:br>
+            <a:br>
+              <a:rPr lang="en-US" sz="1600" b="1" dirty="0">
+                <a:solidFill>
+                  <a:schemeClr val="tx1">
+                    <a:lumMod val="65000"/>
+                    <a:lumOff val="35000"/>
+                  </a:schemeClr>
+                </a:solidFill>
+              </a:rPr>
+            </a:br>
+            <a:br>
+              <a:rPr lang="en-US" sz="1600" b="1" dirty="0">
+                <a:solidFill>
+                  <a:schemeClr val="tx1">
+                    <a:lumMod val="65000"/>
+                    <a:lumOff val="35000"/>
+                  </a:schemeClr>
+                </a:solidFill>
+              </a:rPr>
+            </a:br>
+            <a:r>
+              <a:rPr lang="en-US" sz="1600" b="1" dirty="0">
+                <a:solidFill>
+                  <a:schemeClr val="tx1">
+                    <a:lumMod val="65000"/>
+                    <a:lumOff val="35000"/>
+                  </a:schemeClr>
+                </a:solidFill>
+              </a:rPr>
+              <a:t>    </a:t>
+            </a:r>
+            <a:br>
+              <a:rPr lang="en-US" sz="1600" b="1" dirty="0">
+                <a:solidFill>
+                  <a:schemeClr val="tx1">
+                    <a:lumMod val="65000"/>
+                    <a:lumOff val="35000"/>
+                  </a:schemeClr>
+                </a:solidFill>
+              </a:rPr>
+            </a:br>
+            <a:br>
+              <a:rPr lang="en-US" sz="1600" b="1" dirty="0">
+                <a:solidFill>
+                  <a:schemeClr val="tx1">
+                    <a:lumMod val="65000"/>
+                    <a:lumOff val="35000"/>
+                  </a:schemeClr>
+                </a:solidFill>
+              </a:rPr>
+            </a:br>
+            <a:r>
+              <a:rPr lang="en-US" sz="2000" dirty="0">
+                <a:solidFill>
+                  <a:schemeClr val="tx1">
+                    <a:lumMod val="65000"/>
+                    <a:lumOff val="35000"/>
+                  </a:schemeClr>
+                </a:solidFill>
+              </a:rPr>
+              <a:t>Orange</a:t>
+            </a:r>
+            <a:endParaRPr lang="en-US" sz="2000" dirty="0">
+              <a:solidFill>
+                <a:schemeClr val="tx1">
+                  <a:lumMod val="65000"/>
+                  <a:lumOff val="35000"/>
+                </a:schemeClr>
+              </a:solidFill>
+              <a:latin typeface="Palatino Linotype" panose="02040502050505030304" pitchFamily="18" charset="0"/>
+              <a:cs typeface="Segoe UI Light" panose="020B0502040204020203" pitchFamily="34" charset="0"/>
+            </a:endParaRPr>
+          </a:p>
+        </p:txBody>
+      </p:sp>
+      <p:sp>
+        <p:nvSpPr>
+          <p:cNvPr id="7" name="Title 1">
+            <a:extLst>
+              <a:ext uri="{FF2B5EF4-FFF2-40B4-BE49-F238E27FC236}">
+                <a16:creationId xmlns:a16="http://schemas.microsoft.com/office/drawing/2014/main" id="{63276A0C-22E3-4696-96FB-B6A44E1B71C5}"/>
+              </a:ext>
+            </a:extLst>
+          </p:cNvPr>
+          <p:cNvSpPr txBox="1">
+            <a:spLocks/>
+          </p:cNvSpPr>
+          <p:nvPr/>
+        </p:nvSpPr>
+        <p:spPr>
+          <a:xfrm>
+            <a:off x="5298469" y="619045"/>
+            <a:ext cx="1595061" cy="383586"/>
+          </a:xfrm>
+          <a:prstGeom prst="rect">
+            <a:avLst/>
+          </a:prstGeom>
+          <a:noFill/>
+        </p:spPr>
+        <p:txBody>
+          <a:bodyPr vert="horz" lIns="91440" tIns="45720" rIns="91440" bIns="45720" rtlCol="0" anchor="b">
+            <a:noAutofit/>
+          </a:bodyPr>
+          <a:lstStyle>
+            <a:lvl1pPr algn="l" defTabSz="914400" rtl="0" eaLnBrk="1" latinLnBrk="0" hangingPunct="1">
+              <a:lnSpc>
+                <a:spcPct val="90000"/>
+              </a:lnSpc>
+              <a:spcBef>
+                <a:spcPct val="0"/>
+              </a:spcBef>
+              <a:buNone/>
+              <a:defRPr sz="6000" kern="1200">
+                <a:solidFill>
+                  <a:schemeClr val="tx1"/>
+                </a:solidFill>
+                <a:latin typeface="+mj-lt"/>
+                <a:ea typeface="+mj-ea"/>
+                <a:cs typeface="+mj-cs"/>
+              </a:defRPr>
+            </a:lvl1pPr>
+          </a:lstStyle>
+          <a:p>
+            <a:pPr algn="ctr"/>
+            <a:br>
+              <a:rPr lang="en-US" sz="1600" b="1" dirty="0">
+                <a:solidFill>
+                  <a:schemeClr val="tx1">
+                    <a:lumMod val="65000"/>
+                    <a:lumOff val="35000"/>
+                  </a:schemeClr>
+                </a:solidFill>
+              </a:rPr>
+            </a:br>
+            <a:br>
+              <a:rPr lang="en-US" sz="1600" b="1" dirty="0">
+                <a:solidFill>
+                  <a:schemeClr val="tx1">
+                    <a:lumMod val="65000"/>
+                    <a:lumOff val="35000"/>
+                  </a:schemeClr>
+                </a:solidFill>
+              </a:rPr>
+            </a:br>
+            <a:br>
+              <a:rPr lang="en-US" sz="1600" b="1" dirty="0">
+                <a:solidFill>
+                  <a:schemeClr val="tx1">
+                    <a:lumMod val="65000"/>
+                    <a:lumOff val="35000"/>
+                  </a:schemeClr>
+                </a:solidFill>
+              </a:rPr>
+            </a:br>
+            <a:br>
+              <a:rPr lang="en-US" sz="1600" b="1" dirty="0">
+                <a:solidFill>
+                  <a:schemeClr val="tx1">
+                    <a:lumMod val="65000"/>
+                    <a:lumOff val="35000"/>
+                  </a:schemeClr>
+                </a:solidFill>
+              </a:rPr>
+            </a:br>
+            <a:br>
+              <a:rPr lang="en-US" sz="1600" b="1" dirty="0">
+                <a:solidFill>
+                  <a:schemeClr val="tx1">
+                    <a:lumMod val="65000"/>
+                    <a:lumOff val="35000"/>
+                  </a:schemeClr>
+                </a:solidFill>
+              </a:rPr>
+            </a:br>
+            <a:br>
+              <a:rPr lang="en-US" sz="1600" b="1" dirty="0">
+                <a:solidFill>
+                  <a:schemeClr val="tx1">
+                    <a:lumMod val="65000"/>
+                    <a:lumOff val="35000"/>
+                  </a:schemeClr>
+                </a:solidFill>
+              </a:rPr>
+            </a:br>
+            <a:br>
+              <a:rPr lang="en-US" sz="1600" b="1" dirty="0">
+                <a:solidFill>
+                  <a:schemeClr val="tx1">
+                    <a:lumMod val="65000"/>
+                    <a:lumOff val="35000"/>
+                  </a:schemeClr>
+                </a:solidFill>
+              </a:rPr>
+            </a:br>
+            <a:br>
+              <a:rPr lang="en-US" sz="1600" b="1" dirty="0">
+                <a:solidFill>
+                  <a:schemeClr val="tx1">
+                    <a:lumMod val="65000"/>
+                    <a:lumOff val="35000"/>
+                  </a:schemeClr>
+                </a:solidFill>
+              </a:rPr>
+            </a:br>
+            <a:r>
+              <a:rPr lang="en-US" sz="1600" b="1" dirty="0">
+                <a:solidFill>
+                  <a:schemeClr val="tx1">
+                    <a:lumMod val="65000"/>
+                    <a:lumOff val="35000"/>
+                  </a:schemeClr>
+                </a:solidFill>
+              </a:rPr>
+              <a:t>    </a:t>
+            </a:r>
+            <a:br>
+              <a:rPr lang="en-US" sz="1600" b="1" dirty="0">
+                <a:solidFill>
+                  <a:schemeClr val="tx1">
+                    <a:lumMod val="65000"/>
+                    <a:lumOff val="35000"/>
+                  </a:schemeClr>
+                </a:solidFill>
+              </a:rPr>
+            </a:br>
+            <a:br>
+              <a:rPr lang="en-US" sz="1600" b="1" dirty="0">
+                <a:solidFill>
+                  <a:schemeClr val="tx1">
+                    <a:lumMod val="65000"/>
+                    <a:lumOff val="35000"/>
+                  </a:schemeClr>
+                </a:solidFill>
+              </a:rPr>
+            </a:br>
+            <a:r>
+              <a:rPr lang="en-US" sz="2400" dirty="0">
+                <a:solidFill>
+                  <a:schemeClr val="tx1">
+                    <a:lumMod val="65000"/>
+                    <a:lumOff val="35000"/>
+                  </a:schemeClr>
+                </a:solidFill>
+              </a:rPr>
+              <a:t>Citrus</a:t>
+            </a:r>
+            <a:endParaRPr lang="en-US" sz="2400" dirty="0">
+              <a:solidFill>
+                <a:schemeClr val="tx1">
+                  <a:lumMod val="65000"/>
+                  <a:lumOff val="35000"/>
+                </a:schemeClr>
+              </a:solidFill>
+              <a:cs typeface="Segoe UI Light" panose="020B0502040204020203" pitchFamily="34" charset="0"/>
+            </a:endParaRPr>
+          </a:p>
+        </p:txBody>
+      </p:sp>
+      <p:sp>
+        <p:nvSpPr>
+          <p:cNvPr id="8" name="TextBox 7">
+            <a:extLst>
+              <a:ext uri="{FF2B5EF4-FFF2-40B4-BE49-F238E27FC236}">
+                <a16:creationId xmlns:a16="http://schemas.microsoft.com/office/drawing/2014/main" id="{B26E8DCC-039C-4807-AC0F-99503D6BA34B}"/>
+              </a:ext>
+            </a:extLst>
+          </p:cNvPr>
+          <p:cNvSpPr txBox="1"/>
+          <p:nvPr/>
+        </p:nvSpPr>
+        <p:spPr>
+          <a:xfrm>
+            <a:off x="0" y="6550223"/>
+            <a:ext cx="12192000" cy="307777"/>
+          </a:xfrm>
+          <a:prstGeom prst="rect">
+            <a:avLst/>
+          </a:prstGeom>
+          <a:noFill/>
+        </p:spPr>
+        <p:txBody>
+          <a:bodyPr wrap="square" rtlCol="0">
+            <a:spAutoFit/>
+          </a:bodyPr>
+          <a:lstStyle/>
+          <a:p>
+            <a:r>
+              <a:rPr lang="en-US" sz="1400" dirty="0">
+                <a:solidFill>
+                  <a:schemeClr val="tx1">
+                    <a:lumMod val="65000"/>
+                    <a:lumOff val="35000"/>
+                  </a:schemeClr>
+                </a:solidFill>
+                <a:latin typeface="+mj-lt"/>
+                <a:ea typeface="Verdana" panose="020B0604030504040204" pitchFamily="34" charset="0"/>
+              </a:rPr>
+              <a:t>Image Credit: </a:t>
+            </a:r>
+            <a:r>
+              <a:rPr lang="en-US" sz="1400" dirty="0">
+                <a:solidFill>
+                  <a:schemeClr val="tx1">
+                    <a:lumMod val="65000"/>
+                    <a:lumOff val="35000"/>
+                  </a:schemeClr>
+                </a:solidFill>
+              </a:rPr>
+              <a:t>https://www.istockphoto.com/photos/citrus-fruit</a:t>
+            </a:r>
+            <a:r>
+              <a:rPr lang="en-US" sz="1400" dirty="0">
+                <a:solidFill>
+                  <a:schemeClr val="tx1">
+                    <a:lumMod val="65000"/>
+                    <a:lumOff val="35000"/>
+                  </a:schemeClr>
+                </a:solidFill>
+                <a:latin typeface="+mj-lt"/>
+                <a:ea typeface="Verdana" panose="020B0604030504040204" pitchFamily="34" charset="0"/>
+              </a:rPr>
+              <a:t> </a:t>
+            </a:r>
+          </a:p>
+        </p:txBody>
+      </p:sp>
+    </p:spTree>
+    <p:extLst>
+      <p:ext uri="{BB962C8B-B14F-4D97-AF65-F5344CB8AC3E}">
+        <p14:creationId xmlns:p14="http://schemas.microsoft.com/office/powerpoint/2010/main" val="4276783067"/>
+      </p:ext>
+    </p:extLst>
+  </p:cSld>
+  <p:clrMapOvr>
+    <a:masterClrMapping/>
+  </p:clrMapOvr>
+  <mc:AlternateContent xmlns:mc="http://schemas.openxmlformats.org/markup-compatibility/2006" xmlns:p14="http://schemas.microsoft.com/office/powerpoint/2010/main">
+    <mc:Choice Requires="p14">
+      <p:transition spd="med" p14:dur="700">
+        <p:fade/>
+      </p:transition>
+    </mc:Choice>
+    <mc:Fallback xmlns="">
+      <p:transition spd="med">
+        <p:fade/>
+      </p:transition>
+    </mc:Fallback>
+  </mc:AlternateContent>
+</p:sld>
+</file>
+
+<file path=ppt/slides/slide22.xml><?xml version="1.0" encoding="utf-8"?>
+<p:sld xmlns:a="http://schemas.openxmlformats.org/drawingml/2006/main" xmlns:r="http://schemas.openxmlformats.org/officeDocument/2006/relationships" xmlns:p="http://schemas.openxmlformats.org/presentationml/2006/main">
+  <p:cSld>
+    <p:spTree>
+      <p:nvGrpSpPr>
+        <p:cNvPr id="1" name=""/>
+        <p:cNvGrpSpPr/>
+        <p:nvPr/>
+      </p:nvGrpSpPr>
+      <p:grpSpPr>
+        <a:xfrm>
+          <a:off x="0" y="0"/>
+          <a:ext cx="0" cy="0"/>
+          <a:chOff x="0" y="0"/>
+          <a:chExt cx="0" cy="0"/>
+        </a:xfrm>
+      </p:grpSpPr>
       <p:sp>
         <p:nvSpPr>
           <p:cNvPr id="2" name="Title 1">
@@ -11878,7 +12391,7 @@
 </p:sld>
 </file>
 
-<file path=ppt/slides/slide22.xml><?xml version="1.0" encoding="utf-8"?>
+<file path=ppt/slides/slide23.xml><?xml version="1.0" encoding="utf-8"?>
 <p:sld xmlns:a="http://schemas.openxmlformats.org/drawingml/2006/main" xmlns:r="http://schemas.openxmlformats.org/officeDocument/2006/relationships" xmlns:p="http://schemas.openxmlformats.org/presentationml/2006/main">
   <p:cSld>
     <p:spTree>
@@ -12891,6 +13404,196 @@
           </a:p>
         </p:txBody>
       </p:sp>
+      <p:cxnSp>
+        <p:nvCxnSpPr>
+          <p:cNvPr id="5" name="Straight Connector 4">
+            <a:extLst>
+              <a:ext uri="{FF2B5EF4-FFF2-40B4-BE49-F238E27FC236}">
+                <a16:creationId xmlns:a16="http://schemas.microsoft.com/office/drawing/2014/main" id="{7189903D-DDA7-118C-377A-93233225ADBD}"/>
+              </a:ext>
+            </a:extLst>
+          </p:cNvPr>
+          <p:cNvCxnSpPr>
+            <a:cxnSpLocks/>
+          </p:cNvCxnSpPr>
+          <p:nvPr/>
+        </p:nvCxnSpPr>
+        <p:spPr>
+          <a:xfrm>
+            <a:off x="2149642" y="1844842"/>
+            <a:ext cx="1426154" cy="0"/>
+          </a:xfrm>
+          <a:prstGeom prst="line">
+            <a:avLst/>
+          </a:prstGeom>
+        </p:spPr>
+        <p:style>
+          <a:lnRef idx="1">
+            <a:schemeClr val="accent2"/>
+          </a:lnRef>
+          <a:fillRef idx="0">
+            <a:schemeClr val="accent2"/>
+          </a:fillRef>
+          <a:effectRef idx="0">
+            <a:schemeClr val="accent2"/>
+          </a:effectRef>
+          <a:fontRef idx="minor">
+            <a:schemeClr val="tx1"/>
+          </a:fontRef>
+        </p:style>
+      </p:cxnSp>
+      <p:cxnSp>
+        <p:nvCxnSpPr>
+          <p:cNvPr id="7" name="Straight Connector 6">
+            <a:extLst>
+              <a:ext uri="{FF2B5EF4-FFF2-40B4-BE49-F238E27FC236}">
+                <a16:creationId xmlns:a16="http://schemas.microsoft.com/office/drawing/2014/main" id="{213FFA1E-9A56-97A6-58E6-1FEE21D7CF50}"/>
+              </a:ext>
+            </a:extLst>
+          </p:cNvPr>
+          <p:cNvCxnSpPr>
+            <a:cxnSpLocks/>
+          </p:cNvCxnSpPr>
+          <p:nvPr/>
+        </p:nvCxnSpPr>
+        <p:spPr>
+          <a:xfrm>
+            <a:off x="2149642" y="2703090"/>
+            <a:ext cx="1402092" cy="0"/>
+          </a:xfrm>
+          <a:prstGeom prst="line">
+            <a:avLst/>
+          </a:prstGeom>
+        </p:spPr>
+        <p:style>
+          <a:lnRef idx="1">
+            <a:schemeClr val="accent2"/>
+          </a:lnRef>
+          <a:fillRef idx="0">
+            <a:schemeClr val="accent2"/>
+          </a:fillRef>
+          <a:effectRef idx="0">
+            <a:schemeClr val="accent2"/>
+          </a:effectRef>
+          <a:fontRef idx="minor">
+            <a:schemeClr val="tx1"/>
+          </a:fontRef>
+        </p:style>
+      </p:cxnSp>
+      <p:cxnSp>
+        <p:nvCxnSpPr>
+          <p:cNvPr id="8" name="Straight Connector 7">
+            <a:extLst>
+              <a:ext uri="{FF2B5EF4-FFF2-40B4-BE49-F238E27FC236}">
+                <a16:creationId xmlns:a16="http://schemas.microsoft.com/office/drawing/2014/main" id="{8A860803-E2B9-2ED3-D539-EFCB1E643844}"/>
+              </a:ext>
+            </a:extLst>
+          </p:cNvPr>
+          <p:cNvCxnSpPr>
+            <a:cxnSpLocks/>
+          </p:cNvCxnSpPr>
+          <p:nvPr/>
+        </p:nvCxnSpPr>
+        <p:spPr>
+          <a:xfrm>
+            <a:off x="2149642" y="3561347"/>
+            <a:ext cx="1402092" cy="0"/>
+          </a:xfrm>
+          <a:prstGeom prst="line">
+            <a:avLst/>
+          </a:prstGeom>
+        </p:spPr>
+        <p:style>
+          <a:lnRef idx="1">
+            <a:schemeClr val="accent2"/>
+          </a:lnRef>
+          <a:fillRef idx="0">
+            <a:schemeClr val="accent2"/>
+          </a:fillRef>
+          <a:effectRef idx="0">
+            <a:schemeClr val="accent2"/>
+          </a:effectRef>
+          <a:fontRef idx="minor">
+            <a:schemeClr val="tx1"/>
+          </a:fontRef>
+        </p:style>
+      </p:cxnSp>
+      <p:cxnSp>
+        <p:nvCxnSpPr>
+          <p:cNvPr id="9" name="Straight Connector 8">
+            <a:extLst>
+              <a:ext uri="{FF2B5EF4-FFF2-40B4-BE49-F238E27FC236}">
+                <a16:creationId xmlns:a16="http://schemas.microsoft.com/office/drawing/2014/main" id="{E238CEBB-EFB7-D20A-38EC-EA73624E068E}"/>
+              </a:ext>
+            </a:extLst>
+          </p:cNvPr>
+          <p:cNvCxnSpPr>
+            <a:cxnSpLocks/>
+          </p:cNvCxnSpPr>
+          <p:nvPr/>
+        </p:nvCxnSpPr>
+        <p:spPr>
+          <a:xfrm>
+            <a:off x="2149642" y="4411578"/>
+            <a:ext cx="1402092" cy="0"/>
+          </a:xfrm>
+          <a:prstGeom prst="line">
+            <a:avLst/>
+          </a:prstGeom>
+        </p:spPr>
+        <p:style>
+          <a:lnRef idx="1">
+            <a:schemeClr val="accent2"/>
+          </a:lnRef>
+          <a:fillRef idx="0">
+            <a:schemeClr val="accent2"/>
+          </a:fillRef>
+          <a:effectRef idx="0">
+            <a:schemeClr val="accent2"/>
+          </a:effectRef>
+          <a:fontRef idx="minor">
+            <a:schemeClr val="tx1"/>
+          </a:fontRef>
+        </p:style>
+      </p:cxnSp>
+      <p:cxnSp>
+        <p:nvCxnSpPr>
+          <p:cNvPr id="10" name="Straight Connector 9">
+            <a:extLst>
+              <a:ext uri="{FF2B5EF4-FFF2-40B4-BE49-F238E27FC236}">
+                <a16:creationId xmlns:a16="http://schemas.microsoft.com/office/drawing/2014/main" id="{98A6CDC9-7A5D-97E9-900C-4E4D356F5210}"/>
+              </a:ext>
+            </a:extLst>
+          </p:cNvPr>
+          <p:cNvCxnSpPr>
+            <a:cxnSpLocks/>
+          </p:cNvCxnSpPr>
+          <p:nvPr/>
+        </p:nvCxnSpPr>
+        <p:spPr>
+          <a:xfrm>
+            <a:off x="2149642" y="5261811"/>
+            <a:ext cx="1386050" cy="0"/>
+          </a:xfrm>
+          <a:prstGeom prst="line">
+            <a:avLst/>
+          </a:prstGeom>
+        </p:spPr>
+        <p:style>
+          <a:lnRef idx="1">
+            <a:schemeClr val="accent2"/>
+          </a:lnRef>
+          <a:fillRef idx="0">
+            <a:schemeClr val="accent2"/>
+          </a:fillRef>
+          <a:effectRef idx="0">
+            <a:schemeClr val="accent2"/>
+          </a:effectRef>
+          <a:fontRef idx="minor">
+            <a:schemeClr val="tx1"/>
+          </a:fontRef>
+        </p:style>
+      </p:cxnSp>
     </p:spTree>
     <p:extLst>
       <p:ext uri="{BB962C8B-B14F-4D97-AF65-F5344CB8AC3E}">
@@ -12901,6 +13604,229 @@
   <p:clrMapOvr>
     <a:masterClrMapping/>
   </p:clrMapOvr>
+  <p:timing>
+    <p:tnLst>
+      <p:par>
+        <p:cTn id="1" dur="indefinite" restart="never" nodeType="tmRoot">
+          <p:childTnLst>
+            <p:seq concurrent="1" nextAc="seek">
+              <p:cTn id="2" dur="indefinite" nodeType="mainSeq">
+                <p:childTnLst>
+                  <p:par>
+                    <p:cTn id="3" fill="hold">
+                      <p:stCondLst>
+                        <p:cond delay="indefinite"/>
+                      </p:stCondLst>
+                      <p:childTnLst>
+                        <p:par>
+                          <p:cTn id="4" fill="hold">
+                            <p:stCondLst>
+                              <p:cond delay="0"/>
+                            </p:stCondLst>
+                            <p:childTnLst>
+                              <p:par>
+                                <p:cTn id="5" presetID="10" presetClass="entr" presetSubtype="0" fill="hold" nodeType="clickEffect">
+                                  <p:stCondLst>
+                                    <p:cond delay="0"/>
+                                  </p:stCondLst>
+                                  <p:childTnLst>
+                                    <p:set>
+                                      <p:cBhvr>
+                                        <p:cTn id="6" dur="1" fill="hold">
+                                          <p:stCondLst>
+                                            <p:cond delay="0"/>
+                                          </p:stCondLst>
+                                        </p:cTn>
+                                        <p:tgtEl>
+                                          <p:spTgt spid="5"/>
+                                        </p:tgtEl>
+                                        <p:attrNameLst>
+                                          <p:attrName>style.visibility</p:attrName>
+                                        </p:attrNameLst>
+                                      </p:cBhvr>
+                                      <p:to>
+                                        <p:strVal val="visible"/>
+                                      </p:to>
+                                    </p:set>
+                                    <p:animEffect transition="in" filter="fade">
+                                      <p:cBhvr>
+                                        <p:cTn id="7" dur="500"/>
+                                        <p:tgtEl>
+                                          <p:spTgt spid="5"/>
+                                        </p:tgtEl>
+                                      </p:cBhvr>
+                                    </p:animEffect>
+                                  </p:childTnLst>
+                                </p:cTn>
+                              </p:par>
+                              <p:par>
+                                <p:cTn id="8" presetID="10" presetClass="entr" presetSubtype="0" fill="hold" nodeType="withEffect">
+                                  <p:stCondLst>
+                                    <p:cond delay="0"/>
+                                  </p:stCondLst>
+                                  <p:childTnLst>
+                                    <p:set>
+                                      <p:cBhvr>
+                                        <p:cTn id="9" dur="1" fill="hold">
+                                          <p:stCondLst>
+                                            <p:cond delay="0"/>
+                                          </p:stCondLst>
+                                        </p:cTn>
+                                        <p:tgtEl>
+                                          <p:spTgt spid="10"/>
+                                        </p:tgtEl>
+                                        <p:attrNameLst>
+                                          <p:attrName>style.visibility</p:attrName>
+                                        </p:attrNameLst>
+                                      </p:cBhvr>
+                                      <p:to>
+                                        <p:strVal val="visible"/>
+                                      </p:to>
+                                    </p:set>
+                                    <p:animEffect transition="in" filter="fade">
+                                      <p:cBhvr>
+                                        <p:cTn id="10" dur="500"/>
+                                        <p:tgtEl>
+                                          <p:spTgt spid="10"/>
+                                        </p:tgtEl>
+                                      </p:cBhvr>
+                                    </p:animEffect>
+                                  </p:childTnLst>
+                                </p:cTn>
+                              </p:par>
+                              <p:par>
+                                <p:cTn id="11" presetID="10" presetClass="entr" presetSubtype="0" fill="hold" nodeType="withEffect">
+                                  <p:stCondLst>
+                                    <p:cond delay="0"/>
+                                  </p:stCondLst>
+                                  <p:childTnLst>
+                                    <p:set>
+                                      <p:cBhvr>
+                                        <p:cTn id="12" dur="1" fill="hold">
+                                          <p:stCondLst>
+                                            <p:cond delay="0"/>
+                                          </p:stCondLst>
+                                        </p:cTn>
+                                        <p:tgtEl>
+                                          <p:spTgt spid="9"/>
+                                        </p:tgtEl>
+                                        <p:attrNameLst>
+                                          <p:attrName>style.visibility</p:attrName>
+                                        </p:attrNameLst>
+                                      </p:cBhvr>
+                                      <p:to>
+                                        <p:strVal val="visible"/>
+                                      </p:to>
+                                    </p:set>
+                                    <p:animEffect transition="in" filter="fade">
+                                      <p:cBhvr>
+                                        <p:cTn id="13" dur="500"/>
+                                        <p:tgtEl>
+                                          <p:spTgt spid="9"/>
+                                        </p:tgtEl>
+                                      </p:cBhvr>
+                                    </p:animEffect>
+                                  </p:childTnLst>
+                                </p:cTn>
+                              </p:par>
+                              <p:par>
+                                <p:cTn id="14" presetID="10" presetClass="entr" presetSubtype="0" fill="hold" nodeType="withEffect">
+                                  <p:stCondLst>
+                                    <p:cond delay="0"/>
+                                  </p:stCondLst>
+                                  <p:childTnLst>
+                                    <p:set>
+                                      <p:cBhvr>
+                                        <p:cTn id="15" dur="1" fill="hold">
+                                          <p:stCondLst>
+                                            <p:cond delay="0"/>
+                                          </p:stCondLst>
+                                        </p:cTn>
+                                        <p:tgtEl>
+                                          <p:spTgt spid="8"/>
+                                        </p:tgtEl>
+                                        <p:attrNameLst>
+                                          <p:attrName>style.visibility</p:attrName>
+                                        </p:attrNameLst>
+                                      </p:cBhvr>
+                                      <p:to>
+                                        <p:strVal val="visible"/>
+                                      </p:to>
+                                    </p:set>
+                                    <p:animEffect transition="in" filter="fade">
+                                      <p:cBhvr>
+                                        <p:cTn id="16" dur="500"/>
+                                        <p:tgtEl>
+                                          <p:spTgt spid="8"/>
+                                        </p:tgtEl>
+                                      </p:cBhvr>
+                                    </p:animEffect>
+                                  </p:childTnLst>
+                                </p:cTn>
+                              </p:par>
+                              <p:par>
+                                <p:cTn id="17" presetID="10" presetClass="entr" presetSubtype="0" fill="hold" nodeType="withEffect">
+                                  <p:stCondLst>
+                                    <p:cond delay="0"/>
+                                  </p:stCondLst>
+                                  <p:childTnLst>
+                                    <p:set>
+                                      <p:cBhvr>
+                                        <p:cTn id="18" dur="1" fill="hold">
+                                          <p:stCondLst>
+                                            <p:cond delay="0"/>
+                                          </p:stCondLst>
+                                        </p:cTn>
+                                        <p:tgtEl>
+                                          <p:spTgt spid="7"/>
+                                        </p:tgtEl>
+                                        <p:attrNameLst>
+                                          <p:attrName>style.visibility</p:attrName>
+                                        </p:attrNameLst>
+                                      </p:cBhvr>
+                                      <p:to>
+                                        <p:strVal val="visible"/>
+                                      </p:to>
+                                    </p:set>
+                                    <p:animEffect transition="in" filter="fade">
+                                      <p:cBhvr>
+                                        <p:cTn id="19" dur="500"/>
+                                        <p:tgtEl>
+                                          <p:spTgt spid="7"/>
+                                        </p:tgtEl>
+                                      </p:cBhvr>
+                                    </p:animEffect>
+                                  </p:childTnLst>
+                                </p:cTn>
+                              </p:par>
+                            </p:childTnLst>
+                          </p:cTn>
+                        </p:par>
+                      </p:childTnLst>
+                    </p:cTn>
+                  </p:par>
+                </p:childTnLst>
+              </p:cTn>
+              <p:prevCondLst>
+                <p:cond evt="onPrev" delay="0">
+                  <p:tgtEl>
+                    <p:sldTgt/>
+                  </p:tgtEl>
+                </p:cond>
+              </p:prevCondLst>
+              <p:nextCondLst>
+                <p:cond evt="onNext" delay="0">
+                  <p:tgtEl>
+                    <p:sldTgt/>
+                  </p:tgtEl>
+                </p:cond>
+              </p:nextCondLst>
+            </p:seq>
+          </p:childTnLst>
+        </p:cTn>
+      </p:par>
+    </p:tnLst>
+  </p:timing>
 </p:sld>
 </file>
 
